--- a/Showcase Presentation.pptx
+++ b/Showcase Presentation.pptx
@@ -10,8 +10,8 @@
   <p:sldIdLst>
     <p:sldId id="257" r:id="rId2"/>
     <p:sldId id="261" r:id="rId3"/>
-    <p:sldId id="262" r:id="rId4"/>
-    <p:sldId id="263" r:id="rId5"/>
+    <p:sldId id="263" r:id="rId4"/>
+    <p:sldId id="262" r:id="rId5"/>
     <p:sldId id="264" r:id="rId6"/>
     <p:sldId id="265" r:id="rId7"/>
     <p:sldId id="266" r:id="rId8"/>
@@ -1788,54 +1788,6 @@
       </p:grpSpPr>
       <p:sp>
         <p:nvSpPr>
-          <p:cNvPr id="80" name="Rectangle 79"/>
-          <p:cNvSpPr/>
-          <p:nvPr/>
-        </p:nvSpPr>
-        <p:spPr>
-          <a:xfrm>
-            <a:off x="11551464" y="9724954"/>
-            <a:ext cx="11427599" cy="2961017"/>
-          </a:xfrm>
-          <a:prstGeom prst="rect">
-            <a:avLst/>
-          </a:prstGeom>
-          <a:noFill/>
-          <a:ln>
-            <a:solidFill>
-              <a:schemeClr val="tx1"/>
-            </a:solidFill>
-          </a:ln>
-        </p:spPr>
-        <p:style>
-          <a:lnRef idx="2">
-            <a:schemeClr val="accent1">
-              <a:shade val="50000"/>
-            </a:schemeClr>
-          </a:lnRef>
-          <a:fillRef idx="1">
-            <a:schemeClr val="accent1"/>
-          </a:fillRef>
-          <a:effectRef idx="0">
-            <a:schemeClr val="accent1"/>
-          </a:effectRef>
-          <a:fontRef idx="minor">
-            <a:schemeClr val="lt1"/>
-          </a:fontRef>
-        </p:style>
-        <p:txBody>
-          <a:bodyPr rtlCol="0" anchor="ctr"/>
-          <a:lstStyle/>
-          <a:p>
-            <a:pPr algn="ctr"/>
-            <a:endParaRPr lang="en-US" dirty="0">
-              <a:latin typeface="Lato Light" charset="0"/>
-            </a:endParaRPr>
-          </a:p>
-        </p:txBody>
-      </p:sp>
-      <p:sp>
-        <p:nvSpPr>
           <p:cNvPr id="55" name="TextBox 54"/>
           <p:cNvSpPr txBox="1"/>
           <p:nvPr/>
@@ -1843,7 +1795,7 @@
         <p:spPr>
           <a:xfrm>
             <a:off x="2697325" y="5132748"/>
-            <a:ext cx="8118926" cy="1127040"/>
+            <a:ext cx="8118926" cy="3244158"/>
           </a:xfrm>
           <a:prstGeom prst="rect">
             <a:avLst/>
@@ -1856,19 +1808,31 @@
           </a:bodyPr>
           <a:lstStyle/>
           <a:p>
-            <a:pPr>
+            <a:pPr algn="just">
               <a:lnSpc>
                 <a:spcPct val="150000"/>
               </a:lnSpc>
             </a:pPr>
             <a:r>
-              <a:rPr lang="en-US" sz="2399" dirty="0">
+              <a:rPr lang="en-US" sz="2800" dirty="0" smtClean="0">
                 <a:latin typeface="Lato Light" charset="0"/>
                 <a:ea typeface="Lato Light" charset="0"/>
                 <a:cs typeface="Lato Light" charset="0"/>
               </a:rPr>
-              <a:t>First: What is a Fast-Fish? Alive or dead a fish is technically fast, when it is connected with an occupied ship or boat, by</a:t>
+              <a:t>What we are trying to achieve is a simple and straight forward device that can track a child's location for their safety and reassurance of their parents.</a:t>
             </a:r>
+          </a:p>
+          <a:p>
+            <a:pPr algn="just">
+              <a:lnSpc>
+                <a:spcPct val="150000"/>
+              </a:lnSpc>
+            </a:pPr>
+            <a:endParaRPr lang="en-US" sz="2800" dirty="0">
+              <a:latin typeface="Lato Light" charset="0"/>
+              <a:ea typeface="Lato Light" charset="0"/>
+              <a:cs typeface="Lato Light" charset="0"/>
+            </a:endParaRPr>
           </a:p>
         </p:txBody>
       </p:sp>
@@ -1881,7 +1845,7 @@
         <p:spPr>
           <a:xfrm>
             <a:off x="2697324" y="4066318"/>
-            <a:ext cx="2220480" cy="1054456"/>
+            <a:ext cx="2271776" cy="1063433"/>
           </a:xfrm>
           <a:prstGeom prst="rect">
             <a:avLst/>
@@ -1902,7 +1866,7 @@
             <a:r>
               <a:rPr lang="en-US" sz="4800" dirty="0">
                 <a:solidFill>
-                  <a:schemeClr val="accent1"/>
+                  <a:srgbClr val="00B0F0"/>
                 </a:solidFill>
                 <a:latin typeface="Lato Light" charset="0"/>
                 <a:ea typeface="Lato Light" charset="0"/>
@@ -1922,7 +1886,7 @@
         <p:spPr>
           <a:xfrm>
             <a:off x="13469402" y="5132748"/>
-            <a:ext cx="6722498" cy="1127040"/>
+            <a:ext cx="6722498" cy="1951496"/>
           </a:xfrm>
           <a:prstGeom prst="rect">
             <a:avLst/>
@@ -1935,19 +1899,32 @@
           </a:bodyPr>
           <a:lstStyle/>
           <a:p>
-            <a:pPr>
+            <a:pPr algn="just">
               <a:lnSpc>
                 <a:spcPct val="150000"/>
               </a:lnSpc>
             </a:pPr>
             <a:r>
-              <a:rPr lang="en-US" sz="2399" dirty="0">
+              <a:rPr lang="en-US" sz="2800" dirty="0" smtClean="0">
                 <a:latin typeface="Lato Light" charset="0"/>
                 <a:ea typeface="Lato Light" charset="0"/>
                 <a:cs typeface="Lato Light" charset="0"/>
               </a:rPr>
-              <a:t>First: What is a Fast-Fish? Alive or dead a fish is technically fast, when it is connected with an</a:t>
+              <a:t>Is to </a:t>
             </a:r>
+            <a:r>
+              <a:rPr lang="en-US" sz="2800" dirty="0" smtClean="0">
+                <a:latin typeface="Lato Light" charset="0"/>
+                <a:ea typeface="Lato Light" charset="0"/>
+                <a:cs typeface="Lato Light" charset="0"/>
+              </a:rPr>
+              <a:t>combat the amount of children that are abducted every year and ensure safety of minors</a:t>
+            </a:r>
+            <a:endParaRPr lang="en-US" sz="2800" dirty="0">
+              <a:latin typeface="Lato Light" charset="0"/>
+              <a:ea typeface="Lato Light" charset="0"/>
+              <a:cs typeface="Lato Light" charset="0"/>
+            </a:endParaRPr>
           </a:p>
         </p:txBody>
       </p:sp>
@@ -1960,7 +1937,7 @@
         <p:spPr>
           <a:xfrm>
             <a:off x="13469402" y="4045418"/>
-            <a:ext cx="1803699" cy="1054456"/>
+            <a:ext cx="1850315" cy="1063433"/>
           </a:xfrm>
           <a:prstGeom prst="rect">
             <a:avLst/>
@@ -1981,7 +1958,7 @@
             <a:r>
               <a:rPr lang="en-US" sz="4800" dirty="0">
                 <a:solidFill>
-                  <a:schemeClr val="accent4"/>
+                  <a:srgbClr val="00B0F0"/>
                 </a:solidFill>
                 <a:latin typeface="Lato Light" charset="0"/>
                 <a:ea typeface="Lato Light" charset="0"/>
@@ -1994,14 +1971,55 @@
       </p:sp>
       <p:sp>
         <p:nvSpPr>
-          <p:cNvPr id="59" name="TextBox 58"/>
+          <p:cNvPr id="60" name="TextBox 59"/>
           <p:cNvSpPr txBox="1"/>
           <p:nvPr/>
         </p:nvSpPr>
         <p:spPr>
           <a:xfrm>
-            <a:off x="2697325" y="8055826"/>
-            <a:ext cx="8118926" cy="1127040"/>
+            <a:off x="2697324" y="8611593"/>
+            <a:ext cx="1794081" cy="1063433"/>
+          </a:xfrm>
+          <a:prstGeom prst="rect">
+            <a:avLst/>
+          </a:prstGeom>
+          <a:noFill/>
+        </p:spPr>
+        <p:txBody>
+          <a:bodyPr wrap="none" rtlCol="0">
+            <a:spAutoFit/>
+          </a:bodyPr>
+          <a:lstStyle/>
+          <a:p>
+            <a:pPr>
+              <a:lnSpc>
+                <a:spcPct val="150000"/>
+              </a:lnSpc>
+            </a:pPr>
+            <a:r>
+              <a:rPr lang="en-US" sz="4800" dirty="0">
+                <a:solidFill>
+                  <a:srgbClr val="00B0F0"/>
+                </a:solidFill>
+                <a:latin typeface="Lato Light" charset="0"/>
+                <a:ea typeface="Lato Light" charset="0"/>
+                <a:cs typeface="Lato Light" charset="0"/>
+              </a:rPr>
+              <a:t>Goals</a:t>
+            </a:r>
+          </a:p>
+        </p:txBody>
+      </p:sp>
+      <p:sp>
+        <p:nvSpPr>
+          <p:cNvPr id="61" name="TextBox 60"/>
+          <p:cNvSpPr txBox="1"/>
+          <p:nvPr/>
+        </p:nvSpPr>
+        <p:spPr>
+          <a:xfrm>
+            <a:off x="13469402" y="9738481"/>
+            <a:ext cx="6722498" cy="2239844"/>
           </a:xfrm>
           <a:prstGeom prst="rect">
             <a:avLst/>
@@ -2014,32 +2032,69 @@
           </a:bodyPr>
           <a:lstStyle/>
           <a:p>
-            <a:pPr>
+            <a:pPr algn="just">
               <a:lnSpc>
                 <a:spcPct val="150000"/>
               </a:lnSpc>
             </a:pPr>
             <a:r>
-              <a:rPr lang="en-US" sz="2399" dirty="0">
+              <a:rPr lang="en-US" sz="2400" dirty="0" smtClean="0">
                 <a:latin typeface="Lato Light" charset="0"/>
                 <a:ea typeface="Lato Light" charset="0"/>
                 <a:cs typeface="Lato Light" charset="0"/>
               </a:rPr>
-              <a:t>First: What is a Fast-Fish? Alive or dead a fish is technically fast, when it is connected with an occupied ship or boat, by</a:t>
+              <a:t>This device is straight forward and easy to set up and use. </a:t>
             </a:r>
+            <a:r>
+              <a:rPr lang="en-US" sz="2400" dirty="0">
+                <a:latin typeface="Lato Light" charset="0"/>
+                <a:ea typeface="Lato Light" charset="0"/>
+                <a:cs typeface="Lato Light" charset="0"/>
+              </a:rPr>
+              <a:t>B</a:t>
+            </a:r>
+            <a:r>
+              <a:rPr lang="en-US" sz="2400" dirty="0" smtClean="0">
+                <a:latin typeface="Lato Light" charset="0"/>
+                <a:ea typeface="Lato Light" charset="0"/>
+                <a:cs typeface="Lato Light" charset="0"/>
+              </a:rPr>
+              <a:t>y </a:t>
+            </a:r>
+            <a:r>
+              <a:rPr lang="en-US" sz="2400" dirty="0">
+                <a:latin typeface="Lato Light" charset="0"/>
+                <a:ea typeface="Lato Light" charset="0"/>
+                <a:cs typeface="Lato Light" charset="0"/>
+              </a:rPr>
+              <a:t>u</a:t>
+            </a:r>
+            <a:r>
+              <a:rPr lang="en-US" sz="2400" dirty="0" smtClean="0">
+                <a:latin typeface="Lato Light" charset="0"/>
+                <a:ea typeface="Lato Light" charset="0"/>
+                <a:cs typeface="Lato Light" charset="0"/>
+              </a:rPr>
+              <a:t>tilizing the long range, low power wireless communication features of the Explorer, making it ideal for this job.</a:t>
+            </a:r>
+            <a:endParaRPr lang="en-US" sz="2400" dirty="0">
+              <a:latin typeface="Lato Light" charset="0"/>
+              <a:ea typeface="Lato Light" charset="0"/>
+              <a:cs typeface="Lato Light" charset="0"/>
+            </a:endParaRPr>
           </a:p>
         </p:txBody>
       </p:sp>
       <p:sp>
         <p:nvSpPr>
-          <p:cNvPr id="60" name="TextBox 59"/>
+          <p:cNvPr id="62" name="TextBox 61"/>
           <p:cNvSpPr txBox="1"/>
           <p:nvPr/>
         </p:nvSpPr>
         <p:spPr>
           <a:xfrm>
-            <a:off x="2697327" y="6860796"/>
-            <a:ext cx="1675459" cy="1054456"/>
+            <a:off x="13469402" y="8651149"/>
+            <a:ext cx="2022477" cy="1063433"/>
           </a:xfrm>
           <a:prstGeom prst="rect">
             <a:avLst/>
@@ -2060,86 +2115,7 @@
             <a:r>
               <a:rPr lang="en-US" sz="4800" dirty="0">
                 <a:solidFill>
-                  <a:schemeClr val="accent2"/>
-                </a:solidFill>
-                <a:latin typeface="Lato Light" charset="0"/>
-                <a:ea typeface="Lato Light" charset="0"/>
-                <a:cs typeface="Lato Light" charset="0"/>
-              </a:rPr>
-              <a:t>Goals</a:t>
-            </a:r>
-          </a:p>
-        </p:txBody>
-      </p:sp>
-      <p:sp>
-        <p:nvSpPr>
-          <p:cNvPr id="61" name="TextBox 60"/>
-          <p:cNvSpPr txBox="1"/>
-          <p:nvPr/>
-        </p:nvSpPr>
-        <p:spPr>
-          <a:xfrm>
-            <a:off x="13469402" y="8055826"/>
-            <a:ext cx="6722498" cy="1127040"/>
-          </a:xfrm>
-          <a:prstGeom prst="rect">
-            <a:avLst/>
-          </a:prstGeom>
-          <a:noFill/>
-        </p:spPr>
-        <p:txBody>
-          <a:bodyPr wrap="square" rtlCol="0">
-            <a:spAutoFit/>
-          </a:bodyPr>
-          <a:lstStyle/>
-          <a:p>
-            <a:pPr>
-              <a:lnSpc>
-                <a:spcPct val="150000"/>
-              </a:lnSpc>
-            </a:pPr>
-            <a:r>
-              <a:rPr lang="en-US" sz="2399" dirty="0">
-                <a:latin typeface="Lato Light" charset="0"/>
-                <a:ea typeface="Lato Light" charset="0"/>
-                <a:cs typeface="Lato Light" charset="0"/>
-              </a:rPr>
-              <a:t>First: What is a Fast-Fish? Alive or dead a fish is technically fast, when it is connected with an</a:t>
-            </a:r>
-          </a:p>
-        </p:txBody>
-      </p:sp>
-      <p:sp>
-        <p:nvSpPr>
-          <p:cNvPr id="62" name="TextBox 61"/>
-          <p:cNvSpPr txBox="1"/>
-          <p:nvPr/>
-        </p:nvSpPr>
-        <p:spPr>
-          <a:xfrm>
-            <a:off x="13469402" y="6968494"/>
-            <a:ext cx="1943161" cy="1054456"/>
-          </a:xfrm>
-          <a:prstGeom prst="rect">
-            <a:avLst/>
-          </a:prstGeom>
-          <a:noFill/>
-        </p:spPr>
-        <p:txBody>
-          <a:bodyPr wrap="none" rtlCol="0">
-            <a:spAutoFit/>
-          </a:bodyPr>
-          <a:lstStyle/>
-          <a:p>
-            <a:pPr>
-              <a:lnSpc>
-                <a:spcPct val="150000"/>
-              </a:lnSpc>
-            </a:pPr>
-            <a:r>
-              <a:rPr lang="en-US" sz="4800" dirty="0">
-                <a:solidFill>
-                  <a:schemeClr val="accent5"/>
+                  <a:srgbClr val="00B0F0"/>
                 </a:solidFill>
                 <a:latin typeface="Lato Light" charset="0"/>
                 <a:ea typeface="Lato Light" charset="0"/>
@@ -2150,625 +2126,306 @@
           </a:p>
         </p:txBody>
       </p:sp>
-      <p:sp>
-        <p:nvSpPr>
-          <p:cNvPr id="67" name="TextBox 66"/>
-          <p:cNvSpPr txBox="1"/>
+      <p:grpSp>
+        <p:nvGrpSpPr>
+          <p:cNvPr id="2" name="Group 1"/>
+          <p:cNvGrpSpPr/>
           <p:nvPr/>
-        </p:nvSpPr>
-        <p:spPr>
+        </p:nvGrpSpPr>
+        <p:grpSpPr>
           <a:xfrm>
-            <a:off x="2697325" y="10927996"/>
-            <a:ext cx="8118926" cy="1127040"/>
+            <a:off x="1563687" y="8931561"/>
+            <a:ext cx="9050668" cy="1566042"/>
+            <a:chOff x="1765583" y="7067506"/>
+            <a:chExt cx="9050668" cy="1566042"/>
           </a:xfrm>
-          <a:prstGeom prst="rect">
-            <a:avLst/>
-          </a:prstGeom>
-          <a:noFill/>
-        </p:spPr>
-        <p:txBody>
-          <a:bodyPr wrap="square" rtlCol="0">
-            <a:spAutoFit/>
-          </a:bodyPr>
-          <a:lstStyle/>
-          <a:p>
-            <a:pPr>
-              <a:lnSpc>
-                <a:spcPct val="150000"/>
-              </a:lnSpc>
-            </a:pPr>
-            <a:r>
-              <a:rPr lang="en-US" sz="2399" dirty="0">
+        </p:grpSpPr>
+        <p:sp>
+          <p:nvSpPr>
+            <p:cNvPr id="59" name="TextBox 58"/>
+            <p:cNvSpPr txBox="1"/>
+            <p:nvPr/>
+          </p:nvSpPr>
+          <p:spPr>
+            <a:xfrm>
+              <a:off x="2697325" y="8055826"/>
+              <a:ext cx="8118926" cy="577722"/>
+            </a:xfrm>
+            <a:prstGeom prst="rect">
+              <a:avLst/>
+            </a:prstGeom>
+            <a:noFill/>
+          </p:spPr>
+          <p:txBody>
+            <a:bodyPr wrap="square" rtlCol="0">
+              <a:spAutoFit/>
+            </a:bodyPr>
+            <a:lstStyle/>
+            <a:p>
+              <a:pPr>
+                <a:lnSpc>
+                  <a:spcPct val="150000"/>
+                </a:lnSpc>
+              </a:pPr>
+              <a:endParaRPr lang="en-US" sz="2399" dirty="0">
                 <a:latin typeface="Lato Light" charset="0"/>
                 <a:ea typeface="Lato Light" charset="0"/>
                 <a:cs typeface="Lato Light" charset="0"/>
-              </a:rPr>
-              <a:t>First: What is a Fast-Fish? Alive or dead a fish is technically fast, when it is connected with an occupied ship or boat, by</a:t>
-            </a:r>
-          </a:p>
-        </p:txBody>
-      </p:sp>
-      <p:sp>
-        <p:nvSpPr>
-          <p:cNvPr id="68" name="TextBox 67"/>
-          <p:cNvSpPr txBox="1"/>
-          <p:nvPr/>
-        </p:nvSpPr>
-        <p:spPr>
-          <a:xfrm>
-            <a:off x="2697327" y="9840664"/>
-            <a:ext cx="1675459" cy="1054456"/>
-          </a:xfrm>
-          <a:prstGeom prst="rect">
-            <a:avLst/>
-          </a:prstGeom>
-          <a:noFill/>
-        </p:spPr>
-        <p:txBody>
-          <a:bodyPr wrap="none" rtlCol="0">
-            <a:spAutoFit/>
-          </a:bodyPr>
-          <a:lstStyle/>
-          <a:p>
-            <a:pPr>
-              <a:lnSpc>
-                <a:spcPct val="150000"/>
-              </a:lnSpc>
-            </a:pPr>
-            <a:r>
-              <a:rPr lang="en-US" sz="4800" dirty="0">
-                <a:solidFill>
-                  <a:schemeClr val="accent3"/>
-                </a:solidFill>
-                <a:latin typeface="Lato Light" charset="0"/>
-                <a:ea typeface="Lato Light" charset="0"/>
-                <a:cs typeface="Lato Light" charset="0"/>
-              </a:rPr>
-              <a:t>Goals</a:t>
-            </a:r>
-          </a:p>
-        </p:txBody>
-      </p:sp>
-      <p:sp>
-        <p:nvSpPr>
-          <p:cNvPr id="69" name="TextBox 68"/>
-          <p:cNvSpPr txBox="1"/>
-          <p:nvPr/>
-        </p:nvSpPr>
-        <p:spPr>
-          <a:xfrm>
-            <a:off x="13469402" y="10927996"/>
-            <a:ext cx="6722498" cy="1127040"/>
-          </a:xfrm>
-          <a:prstGeom prst="rect">
-            <a:avLst/>
-          </a:prstGeom>
-          <a:noFill/>
-        </p:spPr>
-        <p:txBody>
-          <a:bodyPr wrap="square" rtlCol="0">
-            <a:spAutoFit/>
-          </a:bodyPr>
-          <a:lstStyle/>
-          <a:p>
-            <a:pPr>
-              <a:lnSpc>
-                <a:spcPct val="150000"/>
-              </a:lnSpc>
-            </a:pPr>
-            <a:r>
-              <a:rPr lang="en-US" sz="2399" dirty="0">
-                <a:latin typeface="Lato Light" charset="0"/>
-                <a:ea typeface="Lato Light" charset="0"/>
-                <a:cs typeface="Lato Light" charset="0"/>
-              </a:rPr>
-              <a:t>First: What is a Fast-Fish? Alive or dead a fish is technically fast, when it is connected with an</a:t>
-            </a:r>
-          </a:p>
-        </p:txBody>
-      </p:sp>
-      <p:sp>
-        <p:nvSpPr>
-          <p:cNvPr id="70" name="TextBox 69"/>
-          <p:cNvSpPr txBox="1"/>
-          <p:nvPr/>
-        </p:nvSpPr>
-        <p:spPr>
-          <a:xfrm>
-            <a:off x="13469402" y="9840664"/>
-            <a:ext cx="1943161" cy="1054456"/>
-          </a:xfrm>
-          <a:prstGeom prst="rect">
-            <a:avLst/>
-          </a:prstGeom>
-          <a:noFill/>
-        </p:spPr>
-        <p:txBody>
-          <a:bodyPr wrap="none" rtlCol="0">
-            <a:spAutoFit/>
-          </a:bodyPr>
-          <a:lstStyle/>
-          <a:p>
-            <a:pPr>
-              <a:lnSpc>
-                <a:spcPct val="150000"/>
-              </a:lnSpc>
-            </a:pPr>
-            <a:r>
-              <a:rPr lang="en-US" sz="4800" dirty="0">
-                <a:solidFill>
-                  <a:schemeClr val="accent5"/>
-                </a:solidFill>
-                <a:latin typeface="Lato Light" charset="0"/>
-                <a:ea typeface="Lato Light" charset="0"/>
-                <a:cs typeface="Lato Light" charset="0"/>
-              </a:rPr>
-              <a:t>Values</a:t>
-            </a:r>
-          </a:p>
-        </p:txBody>
-      </p:sp>
-      <p:sp>
-        <p:nvSpPr>
-          <p:cNvPr id="73" name="Shape 2641"/>
-          <p:cNvSpPr/>
-          <p:nvPr/>
-        </p:nvSpPr>
-        <p:spPr>
-          <a:xfrm>
-            <a:off x="1654074" y="4456241"/>
-            <a:ext cx="786907" cy="500759"/>
-          </a:xfrm>
-          <a:custGeom>
-            <a:avLst/>
-            <a:gdLst/>
-            <a:ahLst/>
-            <a:cxnLst>
-              <a:cxn ang="0">
-                <a:pos x="wd2" y="hd2"/>
-              </a:cxn>
-              <a:cxn ang="5400000">
-                <a:pos x="wd2" y="hd2"/>
-              </a:cxn>
-              <a:cxn ang="10800000">
-                <a:pos x="wd2" y="hd2"/>
-              </a:cxn>
-              <a:cxn ang="16200000">
-                <a:pos x="wd2" y="hd2"/>
-              </a:cxn>
-            </a:cxnLst>
-            <a:rect l="0" t="0" r="r" b="b"/>
-            <a:pathLst>
-              <a:path w="21600" h="21600" extrusionOk="0">
-                <a:moveTo>
-                  <a:pt x="20618" y="16606"/>
-                </a:moveTo>
-                <a:lnTo>
-                  <a:pt x="16691" y="14138"/>
-                </a:lnTo>
-                <a:lnTo>
-                  <a:pt x="16691" y="7462"/>
-                </a:lnTo>
-                <a:lnTo>
-                  <a:pt x="20618" y="4994"/>
-                </a:lnTo>
-                <a:cubicBezTo>
-                  <a:pt x="20618" y="4994"/>
-                  <a:pt x="20618" y="16606"/>
-                  <a:pt x="20618" y="16606"/>
-                </a:cubicBezTo>
-                <a:close/>
-                <a:moveTo>
-                  <a:pt x="21109" y="3086"/>
-                </a:moveTo>
-                <a:cubicBezTo>
-                  <a:pt x="21030" y="3086"/>
-                  <a:pt x="20958" y="3122"/>
-                  <a:pt x="20892" y="3174"/>
-                </a:cubicBezTo>
-                <a:lnTo>
-                  <a:pt x="20890" y="3167"/>
-                </a:lnTo>
-                <a:lnTo>
-                  <a:pt x="16018" y="6229"/>
-                </a:lnTo>
-                <a:cubicBezTo>
-                  <a:pt x="16013" y="6233"/>
-                  <a:pt x="16008" y="6235"/>
-                  <a:pt x="16003" y="6239"/>
-                </a:cubicBezTo>
-                <a:lnTo>
-                  <a:pt x="15980" y="6252"/>
-                </a:lnTo>
-                <a:lnTo>
-                  <a:pt x="15983" y="6260"/>
-                </a:lnTo>
-                <a:cubicBezTo>
-                  <a:pt x="15822" y="6387"/>
-                  <a:pt x="15709" y="6641"/>
-                  <a:pt x="15709" y="6943"/>
-                </a:cubicBezTo>
-                <a:lnTo>
-                  <a:pt x="15709" y="14657"/>
-                </a:lnTo>
-                <a:cubicBezTo>
-                  <a:pt x="15709" y="14959"/>
-                  <a:pt x="15822" y="15213"/>
-                  <a:pt x="15983" y="15340"/>
-                </a:cubicBezTo>
-                <a:lnTo>
-                  <a:pt x="15980" y="15347"/>
-                </a:lnTo>
-                <a:lnTo>
-                  <a:pt x="16002" y="15360"/>
-                </a:lnTo>
-                <a:cubicBezTo>
-                  <a:pt x="16008" y="15365"/>
-                  <a:pt x="16013" y="15368"/>
-                  <a:pt x="16018" y="15371"/>
-                </a:cubicBezTo>
-                <a:lnTo>
-                  <a:pt x="20890" y="18433"/>
-                </a:lnTo>
-                <a:lnTo>
-                  <a:pt x="20892" y="18426"/>
-                </a:lnTo>
-                <a:cubicBezTo>
-                  <a:pt x="20958" y="18478"/>
-                  <a:pt x="21030" y="18514"/>
-                  <a:pt x="21109" y="18514"/>
-                </a:cubicBezTo>
-                <a:cubicBezTo>
-                  <a:pt x="21380" y="18514"/>
-                  <a:pt x="21600" y="18169"/>
-                  <a:pt x="21600" y="17743"/>
-                </a:cubicBezTo>
-                <a:lnTo>
-                  <a:pt x="21600" y="3857"/>
-                </a:lnTo>
-                <a:cubicBezTo>
-                  <a:pt x="21600" y="3431"/>
-                  <a:pt x="21380" y="3086"/>
-                  <a:pt x="21109" y="3086"/>
-                </a:cubicBezTo>
-                <a:moveTo>
-                  <a:pt x="13745" y="18514"/>
-                </a:moveTo>
-                <a:cubicBezTo>
-                  <a:pt x="13745" y="19367"/>
-                  <a:pt x="13306" y="20057"/>
-                  <a:pt x="12764" y="20057"/>
-                </a:cubicBezTo>
-                <a:lnTo>
-                  <a:pt x="1964" y="20057"/>
-                </a:lnTo>
-                <a:cubicBezTo>
-                  <a:pt x="1422" y="20057"/>
-                  <a:pt x="982" y="19367"/>
-                  <a:pt x="982" y="18514"/>
-                </a:cubicBezTo>
-                <a:lnTo>
-                  <a:pt x="982" y="3086"/>
-                </a:lnTo>
-                <a:cubicBezTo>
-                  <a:pt x="982" y="2233"/>
-                  <a:pt x="1422" y="1543"/>
-                  <a:pt x="1964" y="1543"/>
-                </a:cubicBezTo>
-                <a:lnTo>
-                  <a:pt x="12764" y="1543"/>
-                </a:lnTo>
-                <a:cubicBezTo>
-                  <a:pt x="13306" y="1543"/>
-                  <a:pt x="13745" y="2233"/>
-                  <a:pt x="13745" y="3086"/>
-                </a:cubicBezTo>
-                <a:cubicBezTo>
-                  <a:pt x="13745" y="3086"/>
-                  <a:pt x="13745" y="18514"/>
-                  <a:pt x="13745" y="18514"/>
-                </a:cubicBezTo>
-                <a:close/>
-                <a:moveTo>
-                  <a:pt x="12764" y="0"/>
-                </a:moveTo>
-                <a:lnTo>
-                  <a:pt x="1964" y="0"/>
-                </a:lnTo>
-                <a:cubicBezTo>
-                  <a:pt x="879" y="0"/>
-                  <a:pt x="0" y="1382"/>
-                  <a:pt x="0" y="3086"/>
-                </a:cubicBezTo>
-                <a:lnTo>
-                  <a:pt x="0" y="18514"/>
-                </a:lnTo>
-                <a:cubicBezTo>
-                  <a:pt x="0" y="20219"/>
-                  <a:pt x="879" y="21600"/>
-                  <a:pt x="1964" y="21600"/>
-                </a:cubicBezTo>
-                <a:lnTo>
-                  <a:pt x="12764" y="21600"/>
-                </a:lnTo>
-                <a:cubicBezTo>
-                  <a:pt x="13848" y="21600"/>
-                  <a:pt x="14727" y="20219"/>
-                  <a:pt x="14727" y="18514"/>
-                </a:cubicBezTo>
-                <a:lnTo>
-                  <a:pt x="14727" y="3086"/>
-                </a:lnTo>
-                <a:cubicBezTo>
-                  <a:pt x="14727" y="1382"/>
-                  <a:pt x="13848" y="0"/>
-                  <a:pt x="12764" y="0"/>
-                </a:cubicBezTo>
-              </a:path>
-            </a:pathLst>
-          </a:custGeom>
-          <a:solidFill>
-            <a:schemeClr val="accent1"/>
-          </a:solidFill>
-          <a:ln w="12700">
-            <a:miter lim="400000"/>
-          </a:ln>
-        </p:spPr>
-        <p:txBody>
-          <a:bodyPr lIns="38090" tIns="38090" rIns="38090" bIns="38090" anchor="ctr"/>
-          <a:lstStyle/>
-          <a:p>
-            <a:pPr defTabSz="457079">
-              <a:defRPr sz="3000" cap="none">
-                <a:solidFill>
-                  <a:srgbClr val="FFFFFF"/>
-                </a:solidFill>
-                <a:effectLst>
-                  <a:outerShdw blurRad="38100" dist="12700" dir="5400000" rotWithShape="0">
-                    <a:srgbClr val="000000">
-                      <a:alpha val="50000"/>
-                    </a:srgbClr>
-                  </a:outerShdw>
-                </a:effectLst>
-                <a:latin typeface="Gill Sans"/>
-                <a:ea typeface="Gill Sans"/>
-                <a:cs typeface="Gill Sans"/>
-                <a:sym typeface="Gill Sans"/>
-              </a:defRPr>
-            </a:pPr>
-            <a:endParaRPr sz="2999"/>
-          </a:p>
-        </p:txBody>
-      </p:sp>
-      <p:sp>
-        <p:nvSpPr>
-          <p:cNvPr id="74" name="Shape 2644"/>
-          <p:cNvSpPr/>
-          <p:nvPr/>
-        </p:nvSpPr>
-        <p:spPr>
-          <a:xfrm>
-            <a:off x="1765583" y="7067506"/>
-            <a:ext cx="572298" cy="786907"/>
-          </a:xfrm>
-          <a:custGeom>
-            <a:avLst/>
-            <a:gdLst/>
-            <a:ahLst/>
-            <a:cxnLst>
-              <a:cxn ang="0">
-                <a:pos x="wd2" y="hd2"/>
-              </a:cxn>
-              <a:cxn ang="5400000">
-                <a:pos x="wd2" y="hd2"/>
-              </a:cxn>
-              <a:cxn ang="10800000">
-                <a:pos x="wd2" y="hd2"/>
-              </a:cxn>
-              <a:cxn ang="16200000">
-                <a:pos x="wd2" y="hd2"/>
-              </a:cxn>
-            </a:cxnLst>
-            <a:rect l="0" t="0" r="r" b="b"/>
-            <a:pathLst>
-              <a:path w="21600" h="21600" extrusionOk="0">
-                <a:moveTo>
-                  <a:pt x="20250" y="19636"/>
-                </a:moveTo>
-                <a:cubicBezTo>
-                  <a:pt x="20250" y="20179"/>
-                  <a:pt x="19645" y="20618"/>
-                  <a:pt x="18900" y="20618"/>
-                </a:cubicBezTo>
-                <a:lnTo>
-                  <a:pt x="2700" y="20618"/>
-                </a:lnTo>
-                <a:cubicBezTo>
-                  <a:pt x="1954" y="20618"/>
-                  <a:pt x="1350" y="20179"/>
-                  <a:pt x="1350" y="19636"/>
-                </a:cubicBezTo>
-                <a:lnTo>
-                  <a:pt x="1350" y="1964"/>
-                </a:lnTo>
-                <a:cubicBezTo>
-                  <a:pt x="1350" y="1422"/>
-                  <a:pt x="1954" y="982"/>
-                  <a:pt x="2700" y="982"/>
-                </a:cubicBezTo>
-                <a:lnTo>
-                  <a:pt x="18900" y="982"/>
-                </a:lnTo>
-                <a:cubicBezTo>
-                  <a:pt x="19645" y="982"/>
-                  <a:pt x="20250" y="1422"/>
-                  <a:pt x="20250" y="1964"/>
-                </a:cubicBezTo>
-                <a:cubicBezTo>
-                  <a:pt x="20250" y="1964"/>
-                  <a:pt x="20250" y="19636"/>
-                  <a:pt x="20250" y="19636"/>
-                </a:cubicBezTo>
-                <a:close/>
-                <a:moveTo>
-                  <a:pt x="18900" y="0"/>
-                </a:moveTo>
-                <a:lnTo>
-                  <a:pt x="2700" y="0"/>
-                </a:lnTo>
-                <a:cubicBezTo>
-                  <a:pt x="1209" y="0"/>
-                  <a:pt x="0" y="879"/>
-                  <a:pt x="0" y="1964"/>
-                </a:cubicBezTo>
-                <a:lnTo>
-                  <a:pt x="0" y="19636"/>
-                </a:lnTo>
-                <a:cubicBezTo>
-                  <a:pt x="0" y="20721"/>
-                  <a:pt x="1209" y="21600"/>
-                  <a:pt x="2700" y="21600"/>
-                </a:cubicBezTo>
-                <a:lnTo>
-                  <a:pt x="18900" y="21600"/>
-                </a:lnTo>
-                <a:cubicBezTo>
-                  <a:pt x="20391" y="21600"/>
-                  <a:pt x="21600" y="20721"/>
-                  <a:pt x="21600" y="19636"/>
-                </a:cubicBezTo>
-                <a:lnTo>
-                  <a:pt x="21600" y="1964"/>
-                </a:lnTo>
-                <a:cubicBezTo>
-                  <a:pt x="21600" y="879"/>
-                  <a:pt x="20391" y="0"/>
-                  <a:pt x="18900" y="0"/>
-                </a:cubicBezTo>
-                <a:moveTo>
-                  <a:pt x="4050" y="3927"/>
-                </a:moveTo>
-                <a:lnTo>
-                  <a:pt x="17550" y="3927"/>
-                </a:lnTo>
-                <a:lnTo>
-                  <a:pt x="17550" y="17673"/>
-                </a:lnTo>
-                <a:lnTo>
-                  <a:pt x="4050" y="17673"/>
-                </a:lnTo>
-                <a:cubicBezTo>
-                  <a:pt x="4050" y="17673"/>
-                  <a:pt x="4050" y="3927"/>
-                  <a:pt x="4050" y="3927"/>
-                </a:cubicBezTo>
-                <a:close/>
-                <a:moveTo>
-                  <a:pt x="2700" y="18655"/>
-                </a:moveTo>
-                <a:lnTo>
-                  <a:pt x="18900" y="18655"/>
-                </a:lnTo>
-                <a:lnTo>
-                  <a:pt x="18900" y="2945"/>
-                </a:lnTo>
-                <a:lnTo>
-                  <a:pt x="2700" y="2945"/>
-                </a:lnTo>
-                <a:cubicBezTo>
-                  <a:pt x="2700" y="2945"/>
-                  <a:pt x="2700" y="18655"/>
-                  <a:pt x="2700" y="18655"/>
-                </a:cubicBezTo>
-                <a:close/>
-                <a:moveTo>
-                  <a:pt x="10125" y="2455"/>
-                </a:moveTo>
-                <a:lnTo>
-                  <a:pt x="11475" y="2455"/>
-                </a:lnTo>
-                <a:cubicBezTo>
-                  <a:pt x="11848" y="2455"/>
-                  <a:pt x="12150" y="2235"/>
-                  <a:pt x="12150" y="1964"/>
-                </a:cubicBezTo>
-                <a:cubicBezTo>
-                  <a:pt x="12150" y="1692"/>
-                  <a:pt x="11848" y="1473"/>
-                  <a:pt x="11475" y="1473"/>
-                </a:cubicBezTo>
-                <a:lnTo>
-                  <a:pt x="10125" y="1473"/>
-                </a:lnTo>
-                <a:cubicBezTo>
-                  <a:pt x="9752" y="1473"/>
-                  <a:pt x="9450" y="1692"/>
-                  <a:pt x="9450" y="1964"/>
-                </a:cubicBezTo>
-                <a:cubicBezTo>
-                  <a:pt x="9450" y="2235"/>
-                  <a:pt x="9752" y="2455"/>
-                  <a:pt x="10125" y="2455"/>
-                </a:cubicBezTo>
-                <a:moveTo>
-                  <a:pt x="10800" y="19145"/>
-                </a:moveTo>
-                <a:cubicBezTo>
-                  <a:pt x="10427" y="19145"/>
-                  <a:pt x="10125" y="19366"/>
-                  <a:pt x="10125" y="19636"/>
-                </a:cubicBezTo>
-                <a:cubicBezTo>
-                  <a:pt x="10125" y="19908"/>
-                  <a:pt x="10427" y="20127"/>
-                  <a:pt x="10800" y="20127"/>
-                </a:cubicBezTo>
-                <a:cubicBezTo>
-                  <a:pt x="11173" y="20127"/>
-                  <a:pt x="11475" y="19908"/>
-                  <a:pt x="11475" y="19636"/>
-                </a:cubicBezTo>
-                <a:cubicBezTo>
-                  <a:pt x="11475" y="19366"/>
-                  <a:pt x="11173" y="19145"/>
-                  <a:pt x="10800" y="19145"/>
-                </a:cubicBezTo>
-              </a:path>
-            </a:pathLst>
-          </a:custGeom>
-          <a:solidFill>
-            <a:schemeClr val="accent2"/>
-          </a:solidFill>
-          <a:ln w="12700">
-            <a:miter lim="400000"/>
-          </a:ln>
-        </p:spPr>
-        <p:txBody>
-          <a:bodyPr lIns="38090" tIns="38090" rIns="38090" bIns="38090" anchor="ctr"/>
-          <a:lstStyle/>
-          <a:p>
-            <a:pPr defTabSz="457079">
-              <a:defRPr sz="3000" cap="none">
-                <a:solidFill>
-                  <a:srgbClr val="FFFFFF"/>
-                </a:solidFill>
-                <a:effectLst>
-                  <a:outerShdw blurRad="38100" dist="12700" dir="5400000" rotWithShape="0">
-                    <a:srgbClr val="000000">
-                      <a:alpha val="50000"/>
-                    </a:srgbClr>
-                  </a:outerShdw>
-                </a:effectLst>
-                <a:latin typeface="Gill Sans"/>
-                <a:ea typeface="Gill Sans"/>
-                <a:cs typeface="Gill Sans"/>
-                <a:sym typeface="Gill Sans"/>
-              </a:defRPr>
-            </a:pPr>
-            <a:endParaRPr sz="2999"/>
-          </a:p>
-        </p:txBody>
-      </p:sp>
+              </a:endParaRPr>
+            </a:p>
+          </p:txBody>
+        </p:sp>
+        <p:sp>
+          <p:nvSpPr>
+            <p:cNvPr id="74" name="Shape 2644"/>
+            <p:cNvSpPr/>
+            <p:nvPr/>
+          </p:nvSpPr>
+          <p:spPr>
+            <a:xfrm>
+              <a:off x="1765583" y="7067506"/>
+              <a:ext cx="572298" cy="786907"/>
+            </a:xfrm>
+            <a:custGeom>
+              <a:avLst/>
+              <a:gdLst/>
+              <a:ahLst/>
+              <a:cxnLst>
+                <a:cxn ang="0">
+                  <a:pos x="wd2" y="hd2"/>
+                </a:cxn>
+                <a:cxn ang="5400000">
+                  <a:pos x="wd2" y="hd2"/>
+                </a:cxn>
+                <a:cxn ang="10800000">
+                  <a:pos x="wd2" y="hd2"/>
+                </a:cxn>
+                <a:cxn ang="16200000">
+                  <a:pos x="wd2" y="hd2"/>
+                </a:cxn>
+              </a:cxnLst>
+              <a:rect l="0" t="0" r="r" b="b"/>
+              <a:pathLst>
+                <a:path w="21600" h="21600" extrusionOk="0">
+                  <a:moveTo>
+                    <a:pt x="20250" y="19636"/>
+                  </a:moveTo>
+                  <a:cubicBezTo>
+                    <a:pt x="20250" y="20179"/>
+                    <a:pt x="19645" y="20618"/>
+                    <a:pt x="18900" y="20618"/>
+                  </a:cubicBezTo>
+                  <a:lnTo>
+                    <a:pt x="2700" y="20618"/>
+                  </a:lnTo>
+                  <a:cubicBezTo>
+                    <a:pt x="1954" y="20618"/>
+                    <a:pt x="1350" y="20179"/>
+                    <a:pt x="1350" y="19636"/>
+                  </a:cubicBezTo>
+                  <a:lnTo>
+                    <a:pt x="1350" y="1964"/>
+                  </a:lnTo>
+                  <a:cubicBezTo>
+                    <a:pt x="1350" y="1422"/>
+                    <a:pt x="1954" y="982"/>
+                    <a:pt x="2700" y="982"/>
+                  </a:cubicBezTo>
+                  <a:lnTo>
+                    <a:pt x="18900" y="982"/>
+                  </a:lnTo>
+                  <a:cubicBezTo>
+                    <a:pt x="19645" y="982"/>
+                    <a:pt x="20250" y="1422"/>
+                    <a:pt x="20250" y="1964"/>
+                  </a:cubicBezTo>
+                  <a:cubicBezTo>
+                    <a:pt x="20250" y="1964"/>
+                    <a:pt x="20250" y="19636"/>
+                    <a:pt x="20250" y="19636"/>
+                  </a:cubicBezTo>
+                  <a:close/>
+                  <a:moveTo>
+                    <a:pt x="18900" y="0"/>
+                  </a:moveTo>
+                  <a:lnTo>
+                    <a:pt x="2700" y="0"/>
+                  </a:lnTo>
+                  <a:cubicBezTo>
+                    <a:pt x="1209" y="0"/>
+                    <a:pt x="0" y="879"/>
+                    <a:pt x="0" y="1964"/>
+                  </a:cubicBezTo>
+                  <a:lnTo>
+                    <a:pt x="0" y="19636"/>
+                  </a:lnTo>
+                  <a:cubicBezTo>
+                    <a:pt x="0" y="20721"/>
+                    <a:pt x="1209" y="21600"/>
+                    <a:pt x="2700" y="21600"/>
+                  </a:cubicBezTo>
+                  <a:lnTo>
+                    <a:pt x="18900" y="21600"/>
+                  </a:lnTo>
+                  <a:cubicBezTo>
+                    <a:pt x="20391" y="21600"/>
+                    <a:pt x="21600" y="20721"/>
+                    <a:pt x="21600" y="19636"/>
+                  </a:cubicBezTo>
+                  <a:lnTo>
+                    <a:pt x="21600" y="1964"/>
+                  </a:lnTo>
+                  <a:cubicBezTo>
+                    <a:pt x="21600" y="879"/>
+                    <a:pt x="20391" y="0"/>
+                    <a:pt x="18900" y="0"/>
+                  </a:cubicBezTo>
+                  <a:moveTo>
+                    <a:pt x="4050" y="3927"/>
+                  </a:moveTo>
+                  <a:lnTo>
+                    <a:pt x="17550" y="3927"/>
+                  </a:lnTo>
+                  <a:lnTo>
+                    <a:pt x="17550" y="17673"/>
+                  </a:lnTo>
+                  <a:lnTo>
+                    <a:pt x="4050" y="17673"/>
+                  </a:lnTo>
+                  <a:cubicBezTo>
+                    <a:pt x="4050" y="17673"/>
+                    <a:pt x="4050" y="3927"/>
+                    <a:pt x="4050" y="3927"/>
+                  </a:cubicBezTo>
+                  <a:close/>
+                  <a:moveTo>
+                    <a:pt x="2700" y="18655"/>
+                  </a:moveTo>
+                  <a:lnTo>
+                    <a:pt x="18900" y="18655"/>
+                  </a:lnTo>
+                  <a:lnTo>
+                    <a:pt x="18900" y="2945"/>
+                  </a:lnTo>
+                  <a:lnTo>
+                    <a:pt x="2700" y="2945"/>
+                  </a:lnTo>
+                  <a:cubicBezTo>
+                    <a:pt x="2700" y="2945"/>
+                    <a:pt x="2700" y="18655"/>
+                    <a:pt x="2700" y="18655"/>
+                  </a:cubicBezTo>
+                  <a:close/>
+                  <a:moveTo>
+                    <a:pt x="10125" y="2455"/>
+                  </a:moveTo>
+                  <a:lnTo>
+                    <a:pt x="11475" y="2455"/>
+                  </a:lnTo>
+                  <a:cubicBezTo>
+                    <a:pt x="11848" y="2455"/>
+                    <a:pt x="12150" y="2235"/>
+                    <a:pt x="12150" y="1964"/>
+                  </a:cubicBezTo>
+                  <a:cubicBezTo>
+                    <a:pt x="12150" y="1692"/>
+                    <a:pt x="11848" y="1473"/>
+                    <a:pt x="11475" y="1473"/>
+                  </a:cubicBezTo>
+                  <a:lnTo>
+                    <a:pt x="10125" y="1473"/>
+                  </a:lnTo>
+                  <a:cubicBezTo>
+                    <a:pt x="9752" y="1473"/>
+                    <a:pt x="9450" y="1692"/>
+                    <a:pt x="9450" y="1964"/>
+                  </a:cubicBezTo>
+                  <a:cubicBezTo>
+                    <a:pt x="9450" y="2235"/>
+                    <a:pt x="9752" y="2455"/>
+                    <a:pt x="10125" y="2455"/>
+                  </a:cubicBezTo>
+                  <a:moveTo>
+                    <a:pt x="10800" y="19145"/>
+                  </a:moveTo>
+                  <a:cubicBezTo>
+                    <a:pt x="10427" y="19145"/>
+                    <a:pt x="10125" y="19366"/>
+                    <a:pt x="10125" y="19636"/>
+                  </a:cubicBezTo>
+                  <a:cubicBezTo>
+                    <a:pt x="10125" y="19908"/>
+                    <a:pt x="10427" y="20127"/>
+                    <a:pt x="10800" y="20127"/>
+                  </a:cubicBezTo>
+                  <a:cubicBezTo>
+                    <a:pt x="11173" y="20127"/>
+                    <a:pt x="11475" y="19908"/>
+                    <a:pt x="11475" y="19636"/>
+                  </a:cubicBezTo>
+                  <a:cubicBezTo>
+                    <a:pt x="11475" y="19366"/>
+                    <a:pt x="11173" y="19145"/>
+                    <a:pt x="10800" y="19145"/>
+                  </a:cubicBezTo>
+                </a:path>
+              </a:pathLst>
+            </a:custGeom>
+            <a:gradFill flip="none" rotWithShape="1">
+              <a:gsLst>
+                <a:gs pos="0">
+                  <a:srgbClr val="00B0F0">
+                    <a:shade val="30000"/>
+                    <a:satMod val="115000"/>
+                  </a:srgbClr>
+                </a:gs>
+                <a:gs pos="50000">
+                  <a:srgbClr val="00B0F0">
+                    <a:shade val="67500"/>
+                    <a:satMod val="115000"/>
+                  </a:srgbClr>
+                </a:gs>
+                <a:gs pos="100000">
+                  <a:srgbClr val="00B0F0">
+                    <a:shade val="100000"/>
+                    <a:satMod val="115000"/>
+                  </a:srgbClr>
+                </a:gs>
+              </a:gsLst>
+              <a:lin ang="5400000" scaled="1"/>
+              <a:tileRect/>
+            </a:gradFill>
+            <a:ln w="12700">
+              <a:miter lim="400000"/>
+            </a:ln>
+          </p:spPr>
+          <p:txBody>
+            <a:bodyPr lIns="38090" tIns="38090" rIns="38090" bIns="38090" anchor="ctr"/>
+            <a:lstStyle/>
+            <a:p>
+              <a:pPr defTabSz="457079">
+                <a:defRPr sz="3000" cap="none">
+                  <a:solidFill>
+                    <a:srgbClr val="FFFFFF"/>
+                  </a:solidFill>
+                  <a:effectLst>
+                    <a:outerShdw blurRad="38100" dist="12700" dir="5400000" rotWithShape="0">
+                      <a:srgbClr val="000000">
+                        <a:alpha val="50000"/>
+                      </a:srgbClr>
+                    </a:outerShdw>
+                  </a:effectLst>
+                  <a:latin typeface="Gill Sans"/>
+                  <a:ea typeface="Gill Sans"/>
+                  <a:cs typeface="Gill Sans"/>
+                  <a:sym typeface="Gill Sans"/>
+                </a:defRPr>
+              </a:pPr>
+              <a:endParaRPr sz="2999"/>
+            </a:p>
+          </p:txBody>
+        </p:sp>
+      </p:grpSp>
       <p:sp>
         <p:nvSpPr>
           <p:cNvPr id="75" name="Shape 2645"/>
@@ -2777,7 +2434,7 @@
         </p:nvSpPr>
         <p:spPr>
           <a:xfrm>
-            <a:off x="1667184" y="10164652"/>
+            <a:off x="1615202" y="4500905"/>
             <a:ext cx="786907" cy="572298"/>
           </a:xfrm>
           <a:custGeom>
@@ -2917,9 +2574,30 @@
               </a:path>
             </a:pathLst>
           </a:custGeom>
-          <a:solidFill>
-            <a:schemeClr val="accent3"/>
-          </a:solidFill>
+          <a:gradFill flip="none" rotWithShape="1">
+            <a:gsLst>
+              <a:gs pos="0">
+                <a:srgbClr val="00B0F0">
+                  <a:shade val="30000"/>
+                  <a:satMod val="115000"/>
+                </a:srgbClr>
+              </a:gs>
+              <a:gs pos="50000">
+                <a:srgbClr val="00B0F0">
+                  <a:shade val="67500"/>
+                  <a:satMod val="115000"/>
+                </a:srgbClr>
+              </a:gs>
+              <a:gs pos="100000">
+                <a:srgbClr val="00B0F0">
+                  <a:shade val="100000"/>
+                  <a:satMod val="115000"/>
+                </a:srgbClr>
+              </a:gs>
+            </a:gsLst>
+            <a:lin ang="5400000" scaled="1"/>
+            <a:tileRect/>
+          </a:gradFill>
           <a:ln w="12700">
             <a:miter lim="400000"/>
           </a:ln>
@@ -3132,10 +2810,32 @@
               </a:path>
             </a:pathLst>
           </a:custGeom>
-          <a:solidFill>
-            <a:schemeClr val="accent4"/>
-          </a:solidFill>
+          <a:gradFill flip="none" rotWithShape="1">
+            <a:gsLst>
+              <a:gs pos="0">
+                <a:srgbClr val="00ABEF">
+                  <a:shade val="30000"/>
+                  <a:satMod val="115000"/>
+                </a:srgbClr>
+              </a:gs>
+              <a:gs pos="50000">
+                <a:srgbClr val="00ABEF">
+                  <a:shade val="67500"/>
+                  <a:satMod val="115000"/>
+                </a:srgbClr>
+              </a:gs>
+              <a:gs pos="100000">
+                <a:srgbClr val="00ABEF">
+                  <a:shade val="100000"/>
+                  <a:satMod val="115000"/>
+                </a:srgbClr>
+              </a:gs>
+            </a:gsLst>
+            <a:lin ang="5400000" scaled="1"/>
+            <a:tileRect/>
+          </a:gradFill>
           <a:ln w="12700">
+            <a:noFill/>
             <a:miter lim="400000"/>
           </a:ln>
         </p:spPr>
@@ -3161,322 +2861,11 @@
                 <a:sym typeface="Gill Sans"/>
               </a:defRPr>
             </a:pPr>
-            <a:endParaRPr sz="2999"/>
-          </a:p>
-        </p:txBody>
-      </p:sp>
-      <p:sp>
-        <p:nvSpPr>
-          <p:cNvPr id="77" name="Shape 2677"/>
-          <p:cNvSpPr/>
-          <p:nvPr/>
-        </p:nvSpPr>
-        <p:spPr>
-          <a:xfrm>
-            <a:off x="12229093" y="7215435"/>
-            <a:ext cx="715372" cy="786384"/>
-          </a:xfrm>
-          <a:custGeom>
-            <a:avLst/>
-            <a:gdLst/>
-            <a:ahLst/>
-            <a:cxnLst>
-              <a:cxn ang="0">
-                <a:pos x="wd2" y="hd2"/>
-              </a:cxn>
-              <a:cxn ang="5400000">
-                <a:pos x="wd2" y="hd2"/>
-              </a:cxn>
-              <a:cxn ang="10800000">
-                <a:pos x="wd2" y="hd2"/>
-              </a:cxn>
-              <a:cxn ang="16200000">
-                <a:pos x="wd2" y="hd2"/>
-              </a:cxn>
-            </a:cxnLst>
-            <a:rect l="0" t="0" r="r" b="b"/>
-            <a:pathLst>
-              <a:path w="21600" h="21600" extrusionOk="0">
-                <a:moveTo>
-                  <a:pt x="15660" y="7855"/>
-                </a:moveTo>
-                <a:cubicBezTo>
-                  <a:pt x="15362" y="7855"/>
-                  <a:pt x="15120" y="8075"/>
-                  <a:pt x="15120" y="8345"/>
-                </a:cubicBezTo>
-                <a:cubicBezTo>
-                  <a:pt x="15120" y="8617"/>
-                  <a:pt x="15362" y="8836"/>
-                  <a:pt x="15660" y="8836"/>
-                </a:cubicBezTo>
-                <a:cubicBezTo>
-                  <a:pt x="16555" y="8836"/>
-                  <a:pt x="17280" y="9716"/>
-                  <a:pt x="17280" y="10800"/>
-                </a:cubicBezTo>
-                <a:cubicBezTo>
-                  <a:pt x="17280" y="11884"/>
-                  <a:pt x="16555" y="12764"/>
-                  <a:pt x="15660" y="12764"/>
-                </a:cubicBezTo>
-                <a:cubicBezTo>
-                  <a:pt x="15362" y="12764"/>
-                  <a:pt x="15120" y="12984"/>
-                  <a:pt x="15120" y="13255"/>
-                </a:cubicBezTo>
-                <a:cubicBezTo>
-                  <a:pt x="15120" y="13526"/>
-                  <a:pt x="15362" y="13745"/>
-                  <a:pt x="15660" y="13745"/>
-                </a:cubicBezTo>
-                <a:cubicBezTo>
-                  <a:pt x="17151" y="13745"/>
-                  <a:pt x="18360" y="12427"/>
-                  <a:pt x="18360" y="10800"/>
-                </a:cubicBezTo>
-                <a:cubicBezTo>
-                  <a:pt x="18360" y="9174"/>
-                  <a:pt x="17151" y="7855"/>
-                  <a:pt x="15660" y="7855"/>
-                </a:cubicBezTo>
-                <a:moveTo>
-                  <a:pt x="18472" y="5611"/>
-                </a:moveTo>
-                <a:lnTo>
-                  <a:pt x="18463" y="5625"/>
-                </a:lnTo>
-                <a:cubicBezTo>
-                  <a:pt x="18383" y="5584"/>
-                  <a:pt x="18296" y="5554"/>
-                  <a:pt x="18198" y="5554"/>
-                </a:cubicBezTo>
-                <a:cubicBezTo>
-                  <a:pt x="17900" y="5554"/>
-                  <a:pt x="17660" y="5774"/>
-                  <a:pt x="17660" y="6044"/>
-                </a:cubicBezTo>
-                <a:cubicBezTo>
-                  <a:pt x="17660" y="6216"/>
-                  <a:pt x="17763" y="6361"/>
-                  <a:pt x="17910" y="6449"/>
-                </a:cubicBezTo>
-                <a:lnTo>
-                  <a:pt x="17909" y="6451"/>
-                </a:lnTo>
-                <a:cubicBezTo>
-                  <a:pt x="19460" y="7271"/>
-                  <a:pt x="20520" y="8909"/>
-                  <a:pt x="20520" y="10800"/>
-                </a:cubicBezTo>
-                <a:cubicBezTo>
-                  <a:pt x="20520" y="12689"/>
-                  <a:pt x="19463" y="14325"/>
-                  <a:pt x="17915" y="15147"/>
-                </a:cubicBezTo>
-                <a:lnTo>
-                  <a:pt x="17919" y="15152"/>
-                </a:lnTo>
-                <a:cubicBezTo>
-                  <a:pt x="17771" y="15239"/>
-                  <a:pt x="17668" y="15384"/>
-                  <a:pt x="17668" y="15556"/>
-                </a:cubicBezTo>
-                <a:cubicBezTo>
-                  <a:pt x="17668" y="15827"/>
-                  <a:pt x="17910" y="16046"/>
-                  <a:pt x="18208" y="16046"/>
-                </a:cubicBezTo>
-                <a:cubicBezTo>
-                  <a:pt x="18306" y="16046"/>
-                  <a:pt x="18393" y="16016"/>
-                  <a:pt x="18473" y="15975"/>
-                </a:cubicBezTo>
-                <a:lnTo>
-                  <a:pt x="18480" y="15985"/>
-                </a:lnTo>
-                <a:cubicBezTo>
-                  <a:pt x="20338" y="14990"/>
-                  <a:pt x="21600" y="13041"/>
-                  <a:pt x="21600" y="10800"/>
-                </a:cubicBezTo>
-                <a:cubicBezTo>
-                  <a:pt x="21600" y="8556"/>
-                  <a:pt x="20334" y="6606"/>
-                  <a:pt x="18472" y="5611"/>
-                </a:cubicBezTo>
-                <a:moveTo>
-                  <a:pt x="11880" y="20121"/>
-                </a:moveTo>
-                <a:cubicBezTo>
-                  <a:pt x="11880" y="20393"/>
-                  <a:pt x="11637" y="20612"/>
-                  <a:pt x="11337" y="20612"/>
-                </a:cubicBezTo>
-                <a:cubicBezTo>
-                  <a:pt x="11181" y="20612"/>
-                  <a:pt x="11043" y="20552"/>
-                  <a:pt x="10944" y="20457"/>
-                </a:cubicBezTo>
-                <a:lnTo>
-                  <a:pt x="10942" y="20459"/>
-                </a:lnTo>
-                <a:lnTo>
-                  <a:pt x="10800" y="20342"/>
-                </a:lnTo>
-                <a:lnTo>
-                  <a:pt x="10800" y="1256"/>
-                </a:lnTo>
-                <a:lnTo>
-                  <a:pt x="10958" y="1126"/>
-                </a:lnTo>
-                <a:lnTo>
-                  <a:pt x="10960" y="1127"/>
-                </a:lnTo>
-                <a:cubicBezTo>
-                  <a:pt x="11058" y="1042"/>
-                  <a:pt x="11190" y="988"/>
-                  <a:pt x="11337" y="988"/>
-                </a:cubicBezTo>
-                <a:cubicBezTo>
-                  <a:pt x="11637" y="988"/>
-                  <a:pt x="11880" y="1208"/>
-                  <a:pt x="11880" y="1480"/>
-                </a:cubicBezTo>
-                <a:cubicBezTo>
-                  <a:pt x="11880" y="1480"/>
-                  <a:pt x="11880" y="20121"/>
-                  <a:pt x="11880" y="20121"/>
-                </a:cubicBezTo>
-                <a:close/>
-                <a:moveTo>
-                  <a:pt x="9720" y="19448"/>
-                </a:moveTo>
-                <a:lnTo>
-                  <a:pt x="4320" y="14979"/>
-                </a:lnTo>
-                <a:lnTo>
-                  <a:pt x="4320" y="6607"/>
-                </a:lnTo>
-                <a:lnTo>
-                  <a:pt x="4561" y="6407"/>
-                </a:lnTo>
-                <a:lnTo>
-                  <a:pt x="4560" y="6406"/>
-                </a:lnTo>
-                <a:lnTo>
-                  <a:pt x="9720" y="2147"/>
-                </a:lnTo>
-                <a:cubicBezTo>
-                  <a:pt x="9720" y="2147"/>
-                  <a:pt x="9720" y="19448"/>
-                  <a:pt x="9720" y="19448"/>
-                </a:cubicBezTo>
-                <a:close/>
-                <a:moveTo>
-                  <a:pt x="3240" y="14649"/>
-                </a:moveTo>
-                <a:cubicBezTo>
-                  <a:pt x="2008" y="14285"/>
-                  <a:pt x="1080" y="12700"/>
-                  <a:pt x="1080" y="10800"/>
-                </a:cubicBezTo>
-                <a:cubicBezTo>
-                  <a:pt x="1080" y="8900"/>
-                  <a:pt x="2008" y="7316"/>
-                  <a:pt x="3240" y="6952"/>
-                </a:cubicBezTo>
-                <a:cubicBezTo>
-                  <a:pt x="3240" y="6952"/>
-                  <a:pt x="3240" y="14649"/>
-                  <a:pt x="3240" y="14649"/>
-                </a:cubicBezTo>
-                <a:close/>
-                <a:moveTo>
-                  <a:pt x="12966" y="1472"/>
-                </a:moveTo>
-                <a:cubicBezTo>
-                  <a:pt x="12966" y="659"/>
-                  <a:pt x="12238" y="0"/>
-                  <a:pt x="11339" y="0"/>
-                </a:cubicBezTo>
-                <a:cubicBezTo>
-                  <a:pt x="10879" y="0"/>
-                  <a:pt x="10466" y="175"/>
-                  <a:pt x="10170" y="451"/>
-                </a:cubicBezTo>
-                <a:lnTo>
-                  <a:pt x="3565" y="5905"/>
-                </a:lnTo>
-                <a:cubicBezTo>
-                  <a:pt x="1578" y="6051"/>
-                  <a:pt x="0" y="8183"/>
-                  <a:pt x="0" y="10800"/>
-                </a:cubicBezTo>
-                <a:cubicBezTo>
-                  <a:pt x="0" y="13426"/>
-                  <a:pt x="1588" y="15564"/>
-                  <a:pt x="3585" y="15697"/>
-                </a:cubicBezTo>
-                <a:lnTo>
-                  <a:pt x="10170" y="21148"/>
-                </a:lnTo>
-                <a:cubicBezTo>
-                  <a:pt x="10466" y="21426"/>
-                  <a:pt x="10879" y="21600"/>
-                  <a:pt x="11339" y="21600"/>
-                </a:cubicBezTo>
-                <a:cubicBezTo>
-                  <a:pt x="12238" y="21600"/>
-                  <a:pt x="12966" y="20941"/>
-                  <a:pt x="12966" y="20129"/>
-                </a:cubicBezTo>
-                <a:cubicBezTo>
-                  <a:pt x="12966" y="20110"/>
-                  <a:pt x="12961" y="20093"/>
-                  <a:pt x="12960" y="20074"/>
-                </a:cubicBezTo>
-                <a:lnTo>
-                  <a:pt x="12960" y="1527"/>
-                </a:lnTo>
-                <a:cubicBezTo>
-                  <a:pt x="12961" y="1508"/>
-                  <a:pt x="12966" y="1490"/>
-                  <a:pt x="12966" y="1472"/>
-                </a:cubicBezTo>
-              </a:path>
-            </a:pathLst>
-          </a:custGeom>
-          <a:solidFill>
-            <a:schemeClr val="accent5"/>
-          </a:solidFill>
-          <a:ln w="12700">
-            <a:miter lim="400000"/>
-          </a:ln>
-        </p:spPr>
-        <p:txBody>
-          <a:bodyPr lIns="38090" tIns="38090" rIns="38090" bIns="38090" anchor="ctr"/>
-          <a:lstStyle/>
-          <a:p>
-            <a:pPr defTabSz="457079">
-              <a:defRPr sz="3000" cap="none">
-                <a:solidFill>
-                  <a:srgbClr val="FFFFFF"/>
-                </a:solidFill>
-                <a:effectLst>
-                  <a:outerShdw blurRad="38100" dist="12700" dir="5400000" rotWithShape="0">
-                    <a:srgbClr val="000000">
-                      <a:alpha val="50000"/>
-                    </a:srgbClr>
-                  </a:outerShdw>
-                </a:effectLst>
-                <a:latin typeface="Gill Sans"/>
-                <a:ea typeface="Gill Sans"/>
-                <a:cs typeface="Gill Sans"/>
-                <a:sym typeface="Gill Sans"/>
-              </a:defRPr>
-            </a:pPr>
-            <a:endParaRPr sz="2999"/>
+            <a:endParaRPr sz="2999">
+              <a:solidFill>
+                <a:srgbClr val="00B0F0"/>
+              </a:solidFill>
+            </a:endParaRPr>
           </a:p>
         </p:txBody>
       </p:sp>
@@ -3490,7 +2879,7 @@
         </p:nvSpPr>
         <p:spPr>
           <a:xfrm>
-            <a:off x="12193587" y="10057609"/>
+            <a:off x="12194111" y="8888642"/>
             <a:ext cx="786384" cy="786384"/>
           </a:xfrm>
           <a:custGeom>
@@ -4036,9 +3425,30 @@
               </a:path>
             </a:pathLst>
           </a:custGeom>
-          <a:solidFill>
-            <a:schemeClr val="accent6"/>
-          </a:solidFill>
+          <a:gradFill flip="none" rotWithShape="1">
+            <a:gsLst>
+              <a:gs pos="0">
+                <a:srgbClr val="00ABEF">
+                  <a:shade val="30000"/>
+                  <a:satMod val="115000"/>
+                </a:srgbClr>
+              </a:gs>
+              <a:gs pos="50000">
+                <a:srgbClr val="00ABEF">
+                  <a:shade val="67500"/>
+                  <a:satMod val="115000"/>
+                </a:srgbClr>
+              </a:gs>
+              <a:gs pos="100000">
+                <a:srgbClr val="00ABEF">
+                  <a:shade val="100000"/>
+                  <a:satMod val="115000"/>
+                </a:srgbClr>
+              </a:gs>
+            </a:gsLst>
+            <a:lin ang="5400000" scaled="1"/>
+            <a:tileRect/>
+          </a:gradFill>
           <a:ln w="12700">
             <a:miter lim="400000"/>
           </a:ln>
@@ -4082,7 +3492,7 @@
         <p:spPr>
           <a:xfrm>
             <a:off x="1563687" y="1264885"/>
-            <a:ext cx="5102679" cy="1015663"/>
+            <a:ext cx="6083717" cy="1200329"/>
           </a:xfrm>
           <a:prstGeom prst="rect">
             <a:avLst/>
@@ -4096,14 +3506,20 @@
           <a:lstStyle/>
           <a:p>
             <a:r>
-              <a:rPr lang="en-US" sz="6000" dirty="0" smtClean="0">
+              <a:rPr lang="en-US" sz="7200" dirty="0" smtClean="0">
+                <a:solidFill>
+                  <a:srgbClr val="00B0F0"/>
+                </a:solidFill>
                 <a:latin typeface="Lato Light" charset="0"/>
                 <a:ea typeface="Lato Light" charset="0"/>
                 <a:cs typeface="Lato Light" charset="0"/>
               </a:rPr>
               <a:t>Peace of Mind</a:t>
             </a:r>
-            <a:endParaRPr lang="en-US" sz="6000" dirty="0">
+            <a:endParaRPr lang="en-US" sz="7200" dirty="0">
+              <a:solidFill>
+                <a:srgbClr val="00B0F0"/>
+              </a:solidFill>
               <a:latin typeface="Lato Light" charset="0"/>
               <a:ea typeface="Lato Light" charset="0"/>
               <a:cs typeface="Lato Light" charset="0"/>
@@ -4113,52 +3529,14 @@
       </p:sp>
       <p:sp>
         <p:nvSpPr>
-          <p:cNvPr id="25" name="TextBox 24"/>
+          <p:cNvPr id="3" name="TextBox 2"/>
           <p:cNvSpPr txBox="1"/>
           <p:nvPr/>
         </p:nvSpPr>
         <p:spPr>
           <a:xfrm>
-            <a:off x="1563687" y="2221253"/>
-            <a:ext cx="5657318" cy="584775"/>
-          </a:xfrm>
-          <a:prstGeom prst="rect">
-            <a:avLst/>
-          </a:prstGeom>
-          <a:noFill/>
-        </p:spPr>
-        <p:txBody>
-          <a:bodyPr wrap="none" rtlCol="0">
-            <a:spAutoFit/>
-          </a:bodyPr>
-          <a:lstStyle/>
-          <a:p>
-            <a:r>
-              <a:rPr lang="en-US" sz="3200" dirty="0" smtClean="0">
-                <a:latin typeface="Lato Light" charset="0"/>
-                <a:ea typeface="Lato Light" charset="0"/>
-                <a:cs typeface="Lato Light" charset="0"/>
-              </a:rPr>
-              <a:t>Write something in this section</a:t>
-            </a:r>
-            <a:endParaRPr lang="en-US" sz="3200" dirty="0">
-              <a:latin typeface="Lato Light" charset="0"/>
-              <a:ea typeface="Lato Light" charset="0"/>
-              <a:cs typeface="Lato Light" charset="0"/>
-            </a:endParaRPr>
-          </a:p>
-        </p:txBody>
-      </p:sp>
-      <p:sp>
-        <p:nvSpPr>
-          <p:cNvPr id="26" name="TextBox 25"/>
-          <p:cNvSpPr txBox="1"/>
-          <p:nvPr/>
-        </p:nvSpPr>
-        <p:spPr>
-          <a:xfrm>
-            <a:off x="1577058" y="3025503"/>
-            <a:ext cx="21022215" cy="573234"/>
+            <a:off x="1615202" y="2416400"/>
+            <a:ext cx="21206698" cy="646331"/>
           </a:xfrm>
           <a:prstGeom prst="rect">
             <a:avLst/>
@@ -4171,20 +3549,74 @@
           </a:bodyPr>
           <a:lstStyle/>
           <a:p>
-            <a:pPr>
+            <a:r>
+              <a:rPr lang="en-GB" dirty="0" smtClean="0">
+                <a:solidFill>
+                  <a:srgbClr val="00B0F0"/>
+                </a:solidFill>
+              </a:rPr>
+              <a:t>The TrackPack is a piece of </a:t>
+            </a:r>
+            <a:r>
+              <a:rPr lang="en-GB" dirty="0">
+                <a:solidFill>
+                  <a:srgbClr val="00B0F0"/>
+                </a:solidFill>
+              </a:rPr>
+              <a:t>safeguarding</a:t>
+            </a:r>
+            <a:r>
+              <a:rPr lang="en-GB" dirty="0" smtClean="0">
+                <a:solidFill>
+                  <a:srgbClr val="00B0F0"/>
+                </a:solidFill>
+              </a:rPr>
+              <a:t> technology that is handy and convenient to use and is aimed at parents</a:t>
+            </a:r>
+            <a:endParaRPr lang="en-GB" dirty="0">
+              <a:solidFill>
+                <a:srgbClr val="00B0F0"/>
+              </a:solidFill>
+            </a:endParaRPr>
+          </a:p>
+        </p:txBody>
+      </p:sp>
+      <p:sp>
+        <p:nvSpPr>
+          <p:cNvPr id="27" name="TextBox 26"/>
+          <p:cNvSpPr txBox="1"/>
+          <p:nvPr/>
+        </p:nvSpPr>
+        <p:spPr>
+          <a:xfrm>
+            <a:off x="2697325" y="9675026"/>
+            <a:ext cx="6722498" cy="2597827"/>
+          </a:xfrm>
+          <a:prstGeom prst="rect">
+            <a:avLst/>
+          </a:prstGeom>
+          <a:noFill/>
+        </p:spPr>
+        <p:txBody>
+          <a:bodyPr wrap="square" rtlCol="0">
+            <a:spAutoFit/>
+          </a:bodyPr>
+          <a:lstStyle/>
+          <a:p>
+            <a:pPr algn="just">
               <a:lnSpc>
                 <a:spcPct val="150000"/>
               </a:lnSpc>
             </a:pPr>
             <a:r>
-              <a:rPr lang="en-US" sz="2399" dirty="0" smtClean="0">
+              <a:rPr lang="en-US" sz="2800" dirty="0" smtClean="0">
                 <a:latin typeface="Lato Light" charset="0"/>
                 <a:ea typeface="Lato Light" charset="0"/>
                 <a:cs typeface="Lato Light" charset="0"/>
               </a:rPr>
-              <a:t>First: What is a Fast-Fish? Alive or dead a fish is technically fast, when it is connected with an occupied ship or boat, by any medium at all controllable by the</a:t>
+              <a:t>If this product would be on the market, our goal would be to improve the owners safety and ensure their knows where they are at all times. </a:t>
             </a:r>
-            <a:endParaRPr lang="en-US" sz="2399" dirty="0">
+            <a:endParaRPr lang="en-US" sz="2800" dirty="0" smtClean="0">
               <a:latin typeface="Lato Light" charset="0"/>
               <a:ea typeface="Lato Light" charset="0"/>
               <a:cs typeface="Lato Light" charset="0"/>
@@ -4231,3156 +3663,6 @@
       </p:grpSpPr>
       <p:sp>
         <p:nvSpPr>
-          <p:cNvPr id="27" name="Shape 2637"/>
-          <p:cNvSpPr/>
-          <p:nvPr/>
-        </p:nvSpPr>
-        <p:spPr>
-          <a:xfrm>
-            <a:off x="2400281" y="5350960"/>
-            <a:ext cx="360249" cy="660455"/>
-          </a:xfrm>
-          <a:custGeom>
-            <a:avLst/>
-            <a:gdLst/>
-            <a:ahLst/>
-            <a:cxnLst>
-              <a:cxn ang="0">
-                <a:pos x="wd2" y="hd2"/>
-              </a:cxn>
-              <a:cxn ang="5400000">
-                <a:pos x="wd2" y="hd2"/>
-              </a:cxn>
-              <a:cxn ang="10800000">
-                <a:pos x="wd2" y="hd2"/>
-              </a:cxn>
-              <a:cxn ang="16200000">
-                <a:pos x="wd2" y="hd2"/>
-              </a:cxn>
-            </a:cxnLst>
-            <a:rect l="0" t="0" r="r" b="b"/>
-            <a:pathLst>
-              <a:path w="21600" h="21600" extrusionOk="0">
-                <a:moveTo>
-                  <a:pt x="5400" y="8836"/>
-                </a:moveTo>
-                <a:lnTo>
-                  <a:pt x="16200" y="8836"/>
-                </a:lnTo>
-                <a:lnTo>
-                  <a:pt x="16200" y="11782"/>
-                </a:lnTo>
-                <a:cubicBezTo>
-                  <a:pt x="16200" y="13409"/>
-                  <a:pt x="13783" y="14727"/>
-                  <a:pt x="10800" y="14727"/>
-                </a:cubicBezTo>
-                <a:cubicBezTo>
-                  <a:pt x="7817" y="14727"/>
-                  <a:pt x="5400" y="13409"/>
-                  <a:pt x="5400" y="11782"/>
-                </a:cubicBezTo>
-                <a:cubicBezTo>
-                  <a:pt x="5400" y="11782"/>
-                  <a:pt x="5400" y="8836"/>
-                  <a:pt x="5400" y="8836"/>
-                </a:cubicBezTo>
-                <a:close/>
-                <a:moveTo>
-                  <a:pt x="5400" y="3927"/>
-                </a:moveTo>
-                <a:cubicBezTo>
-                  <a:pt x="5400" y="2301"/>
-                  <a:pt x="7817" y="982"/>
-                  <a:pt x="10800" y="982"/>
-                </a:cubicBezTo>
-                <a:cubicBezTo>
-                  <a:pt x="13783" y="982"/>
-                  <a:pt x="16200" y="2301"/>
-                  <a:pt x="16200" y="3927"/>
-                </a:cubicBezTo>
-                <a:lnTo>
-                  <a:pt x="16200" y="7855"/>
-                </a:lnTo>
-                <a:lnTo>
-                  <a:pt x="5400" y="7855"/>
-                </a:lnTo>
-                <a:cubicBezTo>
-                  <a:pt x="5400" y="7855"/>
-                  <a:pt x="5400" y="3927"/>
-                  <a:pt x="5400" y="3927"/>
-                </a:cubicBezTo>
-                <a:close/>
-                <a:moveTo>
-                  <a:pt x="10800" y="15709"/>
-                </a:moveTo>
-                <a:cubicBezTo>
-                  <a:pt x="14777" y="15709"/>
-                  <a:pt x="18000" y="13951"/>
-                  <a:pt x="18000" y="11782"/>
-                </a:cubicBezTo>
-                <a:lnTo>
-                  <a:pt x="18000" y="3927"/>
-                </a:lnTo>
-                <a:cubicBezTo>
-                  <a:pt x="18000" y="1758"/>
-                  <a:pt x="14777" y="0"/>
-                  <a:pt x="10800" y="0"/>
-                </a:cubicBezTo>
-                <a:cubicBezTo>
-                  <a:pt x="6823" y="0"/>
-                  <a:pt x="3600" y="1758"/>
-                  <a:pt x="3600" y="3927"/>
-                </a:cubicBezTo>
-                <a:lnTo>
-                  <a:pt x="3600" y="11782"/>
-                </a:lnTo>
-                <a:cubicBezTo>
-                  <a:pt x="3600" y="13951"/>
-                  <a:pt x="6823" y="15709"/>
-                  <a:pt x="10800" y="15709"/>
-                </a:cubicBezTo>
-                <a:moveTo>
-                  <a:pt x="21600" y="11782"/>
-                </a:moveTo>
-                <a:lnTo>
-                  <a:pt x="21600" y="10309"/>
-                </a:lnTo>
-                <a:cubicBezTo>
-                  <a:pt x="21600" y="10038"/>
-                  <a:pt x="21197" y="9818"/>
-                  <a:pt x="20700" y="9818"/>
-                </a:cubicBezTo>
-                <a:cubicBezTo>
-                  <a:pt x="20203" y="9818"/>
-                  <a:pt x="19800" y="10038"/>
-                  <a:pt x="19800" y="10309"/>
-                </a:cubicBezTo>
-                <a:lnTo>
-                  <a:pt x="19800" y="11782"/>
-                </a:lnTo>
-                <a:cubicBezTo>
-                  <a:pt x="19800" y="14493"/>
-                  <a:pt x="15771" y="16691"/>
-                  <a:pt x="10800" y="16691"/>
-                </a:cubicBezTo>
-                <a:cubicBezTo>
-                  <a:pt x="5829" y="16691"/>
-                  <a:pt x="1800" y="14493"/>
-                  <a:pt x="1800" y="11782"/>
-                </a:cubicBezTo>
-                <a:lnTo>
-                  <a:pt x="1800" y="10309"/>
-                </a:lnTo>
-                <a:cubicBezTo>
-                  <a:pt x="1800" y="10038"/>
-                  <a:pt x="1397" y="9818"/>
-                  <a:pt x="900" y="9818"/>
-                </a:cubicBezTo>
-                <a:cubicBezTo>
-                  <a:pt x="403" y="9818"/>
-                  <a:pt x="0" y="10038"/>
-                  <a:pt x="0" y="10309"/>
-                </a:cubicBezTo>
-                <a:lnTo>
-                  <a:pt x="0" y="11782"/>
-                </a:lnTo>
-                <a:cubicBezTo>
-                  <a:pt x="0" y="14870"/>
-                  <a:pt x="4358" y="17398"/>
-                  <a:pt x="9900" y="17648"/>
-                </a:cubicBezTo>
-                <a:lnTo>
-                  <a:pt x="9900" y="20618"/>
-                </a:lnTo>
-                <a:lnTo>
-                  <a:pt x="3600" y="20618"/>
-                </a:lnTo>
-                <a:cubicBezTo>
-                  <a:pt x="3103" y="20618"/>
-                  <a:pt x="2700" y="20838"/>
-                  <a:pt x="2700" y="21110"/>
-                </a:cubicBezTo>
-                <a:cubicBezTo>
-                  <a:pt x="2700" y="21381"/>
-                  <a:pt x="3103" y="21600"/>
-                  <a:pt x="3600" y="21600"/>
-                </a:cubicBezTo>
-                <a:lnTo>
-                  <a:pt x="18000" y="21600"/>
-                </a:lnTo>
-                <a:cubicBezTo>
-                  <a:pt x="18497" y="21600"/>
-                  <a:pt x="18900" y="21381"/>
-                  <a:pt x="18900" y="21110"/>
-                </a:cubicBezTo>
-                <a:cubicBezTo>
-                  <a:pt x="18900" y="20838"/>
-                  <a:pt x="18497" y="20618"/>
-                  <a:pt x="18000" y="20618"/>
-                </a:cubicBezTo>
-                <a:lnTo>
-                  <a:pt x="11700" y="20618"/>
-                </a:lnTo>
-                <a:lnTo>
-                  <a:pt x="11700" y="17648"/>
-                </a:lnTo>
-                <a:cubicBezTo>
-                  <a:pt x="17243" y="17398"/>
-                  <a:pt x="21600" y="14870"/>
-                  <a:pt x="21600" y="11782"/>
-                </a:cubicBezTo>
-              </a:path>
-            </a:pathLst>
-          </a:custGeom>
-          <a:solidFill>
-            <a:schemeClr val="accent1"/>
-          </a:solidFill>
-          <a:ln w="12700">
-            <a:miter lim="400000"/>
-          </a:ln>
-        </p:spPr>
-        <p:txBody>
-          <a:bodyPr lIns="38090" tIns="38090" rIns="38090" bIns="38090" anchor="ctr"/>
-          <a:lstStyle/>
-          <a:p>
-            <a:pPr defTabSz="457079">
-              <a:defRPr sz="3000" cap="none">
-                <a:solidFill>
-                  <a:srgbClr val="FFFFFF"/>
-                </a:solidFill>
-                <a:effectLst>
-                  <a:outerShdw blurRad="38100" dist="12700" dir="5400000" rotWithShape="0">
-                    <a:srgbClr val="000000">
-                      <a:alpha val="50000"/>
-                    </a:srgbClr>
-                  </a:outerShdw>
-                </a:effectLst>
-                <a:latin typeface="Gill Sans"/>
-                <a:ea typeface="Gill Sans"/>
-                <a:cs typeface="Gill Sans"/>
-                <a:sym typeface="Gill Sans"/>
-              </a:defRPr>
-            </a:pPr>
-            <a:endParaRPr sz="2999"/>
-          </a:p>
-        </p:txBody>
-      </p:sp>
-      <p:sp>
-        <p:nvSpPr>
-          <p:cNvPr id="28" name="Shape 2638"/>
-          <p:cNvSpPr/>
-          <p:nvPr/>
-        </p:nvSpPr>
-        <p:spPr>
-          <a:xfrm>
-            <a:off x="2234415" y="7498729"/>
-            <a:ext cx="660228" cy="660844"/>
-          </a:xfrm>
-          <a:custGeom>
-            <a:avLst/>
-            <a:gdLst/>
-            <a:ahLst/>
-            <a:cxnLst>
-              <a:cxn ang="0">
-                <a:pos x="wd2" y="hd2"/>
-              </a:cxn>
-              <a:cxn ang="5400000">
-                <a:pos x="wd2" y="hd2"/>
-              </a:cxn>
-              <a:cxn ang="10800000">
-                <a:pos x="wd2" y="hd2"/>
-              </a:cxn>
-              <a:cxn ang="16200000">
-                <a:pos x="wd2" y="hd2"/>
-              </a:cxn>
-            </a:cxnLst>
-            <a:rect l="0" t="0" r="r" b="b"/>
-            <a:pathLst>
-              <a:path w="21131" h="21132" extrusionOk="0">
-                <a:moveTo>
-                  <a:pt x="19045" y="7530"/>
-                </a:moveTo>
-                <a:cubicBezTo>
-                  <a:pt x="17544" y="9030"/>
-                  <a:pt x="15110" y="9030"/>
-                  <a:pt x="13610" y="7530"/>
-                </a:cubicBezTo>
-                <a:cubicBezTo>
-                  <a:pt x="12108" y="6031"/>
-                  <a:pt x="12108" y="3600"/>
-                  <a:pt x="13610" y="2100"/>
-                </a:cubicBezTo>
-                <a:cubicBezTo>
-                  <a:pt x="15110" y="600"/>
-                  <a:pt x="17544" y="600"/>
-                  <a:pt x="19045" y="2100"/>
-                </a:cubicBezTo>
-                <a:cubicBezTo>
-                  <a:pt x="20546" y="3600"/>
-                  <a:pt x="20546" y="6031"/>
-                  <a:pt x="19045" y="7530"/>
-                </a:cubicBezTo>
-                <a:moveTo>
-                  <a:pt x="7605" y="16245"/>
-                </a:moveTo>
-                <a:cubicBezTo>
-                  <a:pt x="7256" y="16593"/>
-                  <a:pt x="6776" y="16807"/>
-                  <a:pt x="6245" y="16807"/>
-                </a:cubicBezTo>
-                <a:cubicBezTo>
-                  <a:pt x="5184" y="16807"/>
-                  <a:pt x="4324" y="15948"/>
-                  <a:pt x="4324" y="14888"/>
-                </a:cubicBezTo>
-                <a:cubicBezTo>
-                  <a:pt x="4324" y="14358"/>
-                  <a:pt x="4539" y="13878"/>
-                  <a:pt x="4887" y="13530"/>
-                </a:cubicBezTo>
-                <a:lnTo>
-                  <a:pt x="11678" y="5991"/>
-                </a:lnTo>
-                <a:cubicBezTo>
-                  <a:pt x="11884" y="6798"/>
-                  <a:pt x="12298" y="7563"/>
-                  <a:pt x="12930" y="8194"/>
-                </a:cubicBezTo>
-                <a:cubicBezTo>
-                  <a:pt x="13569" y="8832"/>
-                  <a:pt x="14343" y="9248"/>
-                  <a:pt x="15160" y="9451"/>
-                </a:cubicBezTo>
-                <a:cubicBezTo>
-                  <a:pt x="15160" y="9451"/>
-                  <a:pt x="7605" y="16245"/>
-                  <a:pt x="7605" y="16245"/>
-                </a:cubicBezTo>
-                <a:close/>
-                <a:moveTo>
-                  <a:pt x="19724" y="1406"/>
-                </a:moveTo>
-                <a:cubicBezTo>
-                  <a:pt x="17848" y="-468"/>
-                  <a:pt x="14806" y="-468"/>
-                  <a:pt x="12930" y="1406"/>
-                </a:cubicBezTo>
-                <a:cubicBezTo>
-                  <a:pt x="12024" y="2312"/>
-                  <a:pt x="11559" y="3489"/>
-                  <a:pt x="11529" y="4676"/>
-                </a:cubicBezTo>
-                <a:lnTo>
-                  <a:pt x="4207" y="12851"/>
-                </a:lnTo>
-                <a:cubicBezTo>
-                  <a:pt x="3686" y="13373"/>
-                  <a:pt x="3363" y="14093"/>
-                  <a:pt x="3363" y="14888"/>
-                </a:cubicBezTo>
-                <a:cubicBezTo>
-                  <a:pt x="3363" y="15420"/>
-                  <a:pt x="3518" y="15912"/>
-                  <a:pt x="3769" y="16340"/>
-                </a:cubicBezTo>
-                <a:cubicBezTo>
-                  <a:pt x="2436" y="17104"/>
-                  <a:pt x="1907" y="17813"/>
-                  <a:pt x="2425" y="19364"/>
-                </a:cubicBezTo>
-                <a:cubicBezTo>
-                  <a:pt x="2487" y="19550"/>
-                  <a:pt x="2434" y="19622"/>
-                  <a:pt x="2409" y="19658"/>
-                </a:cubicBezTo>
-                <a:cubicBezTo>
-                  <a:pt x="2160" y="20003"/>
-                  <a:pt x="1132" y="20167"/>
-                  <a:pt x="500" y="20172"/>
-                </a:cubicBezTo>
-                <a:cubicBezTo>
-                  <a:pt x="493" y="20171"/>
-                  <a:pt x="487" y="20167"/>
-                  <a:pt x="480" y="20167"/>
-                </a:cubicBezTo>
-                <a:cubicBezTo>
-                  <a:pt x="215" y="20167"/>
-                  <a:pt x="0" y="20383"/>
-                  <a:pt x="0" y="20647"/>
-                </a:cubicBezTo>
-                <a:cubicBezTo>
-                  <a:pt x="0" y="20912"/>
-                  <a:pt x="214" y="21126"/>
-                  <a:pt x="479" y="21127"/>
-                </a:cubicBezTo>
-                <a:lnTo>
-                  <a:pt x="479" y="21132"/>
-                </a:lnTo>
-                <a:cubicBezTo>
-                  <a:pt x="821" y="21132"/>
-                  <a:pt x="2562" y="21088"/>
-                  <a:pt x="3189" y="20219"/>
-                </a:cubicBezTo>
-                <a:cubicBezTo>
-                  <a:pt x="3355" y="19988"/>
-                  <a:pt x="3516" y="19599"/>
-                  <a:pt x="3336" y="19060"/>
-                </a:cubicBezTo>
-                <a:cubicBezTo>
-                  <a:pt x="3030" y="18141"/>
-                  <a:pt x="3071" y="17806"/>
-                  <a:pt x="4399" y="17082"/>
-                </a:cubicBezTo>
-                <a:cubicBezTo>
-                  <a:pt x="4900" y="17504"/>
-                  <a:pt x="5539" y="17767"/>
-                  <a:pt x="6245" y="17767"/>
-                </a:cubicBezTo>
-                <a:cubicBezTo>
-                  <a:pt x="7042" y="17767"/>
-                  <a:pt x="7762" y="17445"/>
-                  <a:pt x="8284" y="16924"/>
-                </a:cubicBezTo>
-                <a:lnTo>
-                  <a:pt x="16485" y="9592"/>
-                </a:lnTo>
-                <a:cubicBezTo>
-                  <a:pt x="17662" y="9554"/>
-                  <a:pt x="18826" y="9091"/>
-                  <a:pt x="19724" y="8194"/>
-                </a:cubicBezTo>
-                <a:cubicBezTo>
-                  <a:pt x="21600" y="6320"/>
-                  <a:pt x="21600" y="3281"/>
-                  <a:pt x="19724" y="1406"/>
-                </a:cubicBezTo>
-                <a:moveTo>
-                  <a:pt x="8953" y="11504"/>
-                </a:moveTo>
-                <a:lnTo>
-                  <a:pt x="9633" y="12183"/>
-                </a:lnTo>
-                <a:lnTo>
-                  <a:pt x="12690" y="9807"/>
-                </a:lnTo>
-                <a:lnTo>
-                  <a:pt x="11331" y="8449"/>
-                </a:lnTo>
-                <a:cubicBezTo>
-                  <a:pt x="11331" y="8449"/>
-                  <a:pt x="8953" y="11504"/>
-                  <a:pt x="8953" y="11504"/>
-                </a:cubicBezTo>
-                <a:close/>
-              </a:path>
-            </a:pathLst>
-          </a:custGeom>
-          <a:solidFill>
-            <a:schemeClr val="accent2"/>
-          </a:solidFill>
-          <a:ln w="12700">
-            <a:miter lim="400000"/>
-          </a:ln>
-        </p:spPr>
-        <p:txBody>
-          <a:bodyPr lIns="38090" tIns="38090" rIns="38090" bIns="38090" anchor="ctr"/>
-          <a:lstStyle/>
-          <a:p>
-            <a:pPr defTabSz="457079">
-              <a:defRPr sz="3000" cap="none">
-                <a:solidFill>
-                  <a:srgbClr val="FFFFFF"/>
-                </a:solidFill>
-                <a:effectLst>
-                  <a:outerShdw blurRad="38100" dist="12700" dir="5400000" rotWithShape="0">
-                    <a:srgbClr val="000000">
-                      <a:alpha val="50000"/>
-                    </a:srgbClr>
-                  </a:outerShdw>
-                </a:effectLst>
-                <a:latin typeface="Gill Sans"/>
-                <a:ea typeface="Gill Sans"/>
-                <a:cs typeface="Gill Sans"/>
-                <a:sym typeface="Gill Sans"/>
-              </a:defRPr>
-            </a:pPr>
-            <a:endParaRPr sz="2999"/>
-          </a:p>
-        </p:txBody>
-      </p:sp>
-      <p:sp>
-        <p:nvSpPr>
-          <p:cNvPr id="29" name="Shape 2639"/>
-          <p:cNvSpPr/>
-          <p:nvPr/>
-        </p:nvSpPr>
-        <p:spPr>
-          <a:xfrm>
-            <a:off x="2250378" y="9646889"/>
-            <a:ext cx="660455" cy="420291"/>
-          </a:xfrm>
-          <a:custGeom>
-            <a:avLst/>
-            <a:gdLst/>
-            <a:ahLst/>
-            <a:cxnLst>
-              <a:cxn ang="0">
-                <a:pos x="wd2" y="hd2"/>
-              </a:cxn>
-              <a:cxn ang="5400000">
-                <a:pos x="wd2" y="hd2"/>
-              </a:cxn>
-              <a:cxn ang="10800000">
-                <a:pos x="wd2" y="hd2"/>
-              </a:cxn>
-              <a:cxn ang="16200000">
-                <a:pos x="wd2" y="hd2"/>
-              </a:cxn>
-            </a:cxnLst>
-            <a:rect l="0" t="0" r="r" b="b"/>
-            <a:pathLst>
-              <a:path w="21600" h="21600" extrusionOk="0">
-                <a:moveTo>
-                  <a:pt x="13255" y="3086"/>
-                </a:moveTo>
-                <a:cubicBezTo>
-                  <a:pt x="12984" y="3086"/>
-                  <a:pt x="12764" y="3432"/>
-                  <a:pt x="12764" y="3857"/>
-                </a:cubicBezTo>
-                <a:cubicBezTo>
-                  <a:pt x="12764" y="4284"/>
-                  <a:pt x="12984" y="4629"/>
-                  <a:pt x="13255" y="4629"/>
-                </a:cubicBezTo>
-                <a:cubicBezTo>
-                  <a:pt x="13525" y="4629"/>
-                  <a:pt x="13745" y="4284"/>
-                  <a:pt x="13745" y="3857"/>
-                </a:cubicBezTo>
-                <a:cubicBezTo>
-                  <a:pt x="13745" y="3432"/>
-                  <a:pt x="13525" y="3086"/>
-                  <a:pt x="13255" y="3086"/>
-                </a:cubicBezTo>
-                <a:moveTo>
-                  <a:pt x="20618" y="16495"/>
-                </a:moveTo>
-                <a:lnTo>
-                  <a:pt x="15709" y="12638"/>
-                </a:lnTo>
-                <a:lnTo>
-                  <a:pt x="15709" y="8963"/>
-                </a:lnTo>
-                <a:lnTo>
-                  <a:pt x="20618" y="5105"/>
-                </a:lnTo>
-                <a:cubicBezTo>
-                  <a:pt x="20618" y="5105"/>
-                  <a:pt x="20618" y="16495"/>
-                  <a:pt x="20618" y="16495"/>
-                </a:cubicBezTo>
-                <a:close/>
-                <a:moveTo>
-                  <a:pt x="14727" y="16971"/>
-                </a:moveTo>
-                <a:lnTo>
-                  <a:pt x="982" y="16971"/>
-                </a:lnTo>
-                <a:lnTo>
-                  <a:pt x="982" y="3086"/>
-                </a:lnTo>
-                <a:cubicBezTo>
-                  <a:pt x="982" y="2234"/>
-                  <a:pt x="1422" y="1543"/>
-                  <a:pt x="1964" y="1543"/>
-                </a:cubicBezTo>
-                <a:lnTo>
-                  <a:pt x="13745" y="1543"/>
-                </a:lnTo>
-                <a:cubicBezTo>
-                  <a:pt x="14287" y="1543"/>
-                  <a:pt x="14727" y="2234"/>
-                  <a:pt x="14727" y="3086"/>
-                </a:cubicBezTo>
-                <a:cubicBezTo>
-                  <a:pt x="14727" y="3086"/>
-                  <a:pt x="14727" y="16971"/>
-                  <a:pt x="14727" y="16971"/>
-                </a:cubicBezTo>
-                <a:close/>
-                <a:moveTo>
-                  <a:pt x="13745" y="20057"/>
-                </a:moveTo>
-                <a:lnTo>
-                  <a:pt x="1964" y="20057"/>
-                </a:lnTo>
-                <a:cubicBezTo>
-                  <a:pt x="1422" y="20057"/>
-                  <a:pt x="982" y="19367"/>
-                  <a:pt x="982" y="18514"/>
-                </a:cubicBezTo>
-                <a:lnTo>
-                  <a:pt x="14727" y="18514"/>
-                </a:lnTo>
-                <a:cubicBezTo>
-                  <a:pt x="14727" y="19367"/>
-                  <a:pt x="14287" y="20057"/>
-                  <a:pt x="13745" y="20057"/>
-                </a:cubicBezTo>
-                <a:moveTo>
-                  <a:pt x="21109" y="3086"/>
-                </a:moveTo>
-                <a:cubicBezTo>
-                  <a:pt x="21030" y="3086"/>
-                  <a:pt x="20958" y="3122"/>
-                  <a:pt x="20892" y="3175"/>
-                </a:cubicBezTo>
-                <a:lnTo>
-                  <a:pt x="20890" y="3167"/>
-                </a:lnTo>
-                <a:lnTo>
-                  <a:pt x="15709" y="7237"/>
-                </a:lnTo>
-                <a:lnTo>
-                  <a:pt x="15709" y="3086"/>
-                </a:lnTo>
-                <a:cubicBezTo>
-                  <a:pt x="15709" y="1382"/>
-                  <a:pt x="14830" y="0"/>
-                  <a:pt x="13745" y="0"/>
-                </a:cubicBezTo>
-                <a:lnTo>
-                  <a:pt x="1964" y="0"/>
-                </a:lnTo>
-                <a:cubicBezTo>
-                  <a:pt x="879" y="0"/>
-                  <a:pt x="0" y="1382"/>
-                  <a:pt x="0" y="3086"/>
-                </a:cubicBezTo>
-                <a:lnTo>
-                  <a:pt x="0" y="18514"/>
-                </a:lnTo>
-                <a:cubicBezTo>
-                  <a:pt x="0" y="20219"/>
-                  <a:pt x="879" y="21600"/>
-                  <a:pt x="1964" y="21600"/>
-                </a:cubicBezTo>
-                <a:lnTo>
-                  <a:pt x="13745" y="21600"/>
-                </a:lnTo>
-                <a:cubicBezTo>
-                  <a:pt x="14830" y="21600"/>
-                  <a:pt x="15709" y="20219"/>
-                  <a:pt x="15709" y="18514"/>
-                </a:cubicBezTo>
-                <a:lnTo>
-                  <a:pt x="15709" y="14363"/>
-                </a:lnTo>
-                <a:lnTo>
-                  <a:pt x="20890" y="18433"/>
-                </a:lnTo>
-                <a:lnTo>
-                  <a:pt x="20892" y="18427"/>
-                </a:lnTo>
-                <a:cubicBezTo>
-                  <a:pt x="20958" y="18478"/>
-                  <a:pt x="21030" y="18514"/>
-                  <a:pt x="21109" y="18514"/>
-                </a:cubicBezTo>
-                <a:cubicBezTo>
-                  <a:pt x="21380" y="18514"/>
-                  <a:pt x="21600" y="18170"/>
-                  <a:pt x="21600" y="17743"/>
-                </a:cubicBezTo>
-                <a:lnTo>
-                  <a:pt x="21600" y="3857"/>
-                </a:lnTo>
-                <a:cubicBezTo>
-                  <a:pt x="21600" y="3432"/>
-                  <a:pt x="21380" y="3086"/>
-                  <a:pt x="21109" y="3086"/>
-                </a:cubicBezTo>
-                <a:moveTo>
-                  <a:pt x="10309" y="6171"/>
-                </a:moveTo>
-                <a:cubicBezTo>
-                  <a:pt x="10038" y="6171"/>
-                  <a:pt x="9818" y="5827"/>
-                  <a:pt x="9818" y="5400"/>
-                </a:cubicBezTo>
-                <a:cubicBezTo>
-                  <a:pt x="9818" y="4974"/>
-                  <a:pt x="10038" y="4629"/>
-                  <a:pt x="10309" y="4629"/>
-                </a:cubicBezTo>
-                <a:cubicBezTo>
-                  <a:pt x="10580" y="4629"/>
-                  <a:pt x="10800" y="4974"/>
-                  <a:pt x="10800" y="5400"/>
-                </a:cubicBezTo>
-                <a:cubicBezTo>
-                  <a:pt x="10800" y="5827"/>
-                  <a:pt x="10580" y="6171"/>
-                  <a:pt x="10309" y="6171"/>
-                </a:cubicBezTo>
-                <a:moveTo>
-                  <a:pt x="10309" y="3086"/>
-                </a:moveTo>
-                <a:cubicBezTo>
-                  <a:pt x="9496" y="3086"/>
-                  <a:pt x="8836" y="4123"/>
-                  <a:pt x="8836" y="5400"/>
-                </a:cubicBezTo>
-                <a:cubicBezTo>
-                  <a:pt x="8836" y="6678"/>
-                  <a:pt x="9496" y="7714"/>
-                  <a:pt x="10309" y="7714"/>
-                </a:cubicBezTo>
-                <a:cubicBezTo>
-                  <a:pt x="11123" y="7714"/>
-                  <a:pt x="11782" y="6678"/>
-                  <a:pt x="11782" y="5400"/>
-                </a:cubicBezTo>
-                <a:cubicBezTo>
-                  <a:pt x="11782" y="4123"/>
-                  <a:pt x="11123" y="3086"/>
-                  <a:pt x="10309" y="3086"/>
-                </a:cubicBezTo>
-              </a:path>
-            </a:pathLst>
-          </a:custGeom>
-          <a:solidFill>
-            <a:schemeClr val="accent3"/>
-          </a:solidFill>
-          <a:ln w="12700">
-            <a:miter lim="400000"/>
-          </a:ln>
-        </p:spPr>
-        <p:txBody>
-          <a:bodyPr lIns="38090" tIns="38090" rIns="38090" bIns="38090" anchor="ctr"/>
-          <a:lstStyle/>
-          <a:p>
-            <a:pPr defTabSz="457079">
-              <a:defRPr sz="3000" cap="none">
-                <a:solidFill>
-                  <a:srgbClr val="FFFFFF"/>
-                </a:solidFill>
-                <a:effectLst>
-                  <a:outerShdw blurRad="38100" dist="12700" dir="5400000" rotWithShape="0">
-                    <a:srgbClr val="000000">
-                      <a:alpha val="50000"/>
-                    </a:srgbClr>
-                  </a:outerShdw>
-                </a:effectLst>
-                <a:latin typeface="Gill Sans"/>
-                <a:ea typeface="Gill Sans"/>
-                <a:cs typeface="Gill Sans"/>
-                <a:sym typeface="Gill Sans"/>
-              </a:defRPr>
-            </a:pPr>
-            <a:endParaRPr sz="2999"/>
-          </a:p>
-        </p:txBody>
-      </p:sp>
-      <p:sp>
-        <p:nvSpPr>
-          <p:cNvPr id="30" name="Shape 2641"/>
-          <p:cNvSpPr/>
-          <p:nvPr/>
-        </p:nvSpPr>
-        <p:spPr>
-          <a:xfrm>
-            <a:off x="9298606" y="5350957"/>
-            <a:ext cx="660455" cy="420624"/>
-          </a:xfrm>
-          <a:custGeom>
-            <a:avLst/>
-            <a:gdLst/>
-            <a:ahLst/>
-            <a:cxnLst>
-              <a:cxn ang="0">
-                <a:pos x="wd2" y="hd2"/>
-              </a:cxn>
-              <a:cxn ang="5400000">
-                <a:pos x="wd2" y="hd2"/>
-              </a:cxn>
-              <a:cxn ang="10800000">
-                <a:pos x="wd2" y="hd2"/>
-              </a:cxn>
-              <a:cxn ang="16200000">
-                <a:pos x="wd2" y="hd2"/>
-              </a:cxn>
-            </a:cxnLst>
-            <a:rect l="0" t="0" r="r" b="b"/>
-            <a:pathLst>
-              <a:path w="21600" h="21600" extrusionOk="0">
-                <a:moveTo>
-                  <a:pt x="20618" y="16606"/>
-                </a:moveTo>
-                <a:lnTo>
-                  <a:pt x="16691" y="14138"/>
-                </a:lnTo>
-                <a:lnTo>
-                  <a:pt x="16691" y="7462"/>
-                </a:lnTo>
-                <a:lnTo>
-                  <a:pt x="20618" y="4994"/>
-                </a:lnTo>
-                <a:cubicBezTo>
-                  <a:pt x="20618" y="4994"/>
-                  <a:pt x="20618" y="16606"/>
-                  <a:pt x="20618" y="16606"/>
-                </a:cubicBezTo>
-                <a:close/>
-                <a:moveTo>
-                  <a:pt x="21109" y="3086"/>
-                </a:moveTo>
-                <a:cubicBezTo>
-                  <a:pt x="21030" y="3086"/>
-                  <a:pt x="20958" y="3122"/>
-                  <a:pt x="20892" y="3174"/>
-                </a:cubicBezTo>
-                <a:lnTo>
-                  <a:pt x="20890" y="3167"/>
-                </a:lnTo>
-                <a:lnTo>
-                  <a:pt x="16018" y="6229"/>
-                </a:lnTo>
-                <a:cubicBezTo>
-                  <a:pt x="16013" y="6233"/>
-                  <a:pt x="16008" y="6235"/>
-                  <a:pt x="16003" y="6239"/>
-                </a:cubicBezTo>
-                <a:lnTo>
-                  <a:pt x="15980" y="6252"/>
-                </a:lnTo>
-                <a:lnTo>
-                  <a:pt x="15983" y="6260"/>
-                </a:lnTo>
-                <a:cubicBezTo>
-                  <a:pt x="15822" y="6387"/>
-                  <a:pt x="15709" y="6641"/>
-                  <a:pt x="15709" y="6943"/>
-                </a:cubicBezTo>
-                <a:lnTo>
-                  <a:pt x="15709" y="14657"/>
-                </a:lnTo>
-                <a:cubicBezTo>
-                  <a:pt x="15709" y="14959"/>
-                  <a:pt x="15822" y="15213"/>
-                  <a:pt x="15983" y="15340"/>
-                </a:cubicBezTo>
-                <a:lnTo>
-                  <a:pt x="15980" y="15347"/>
-                </a:lnTo>
-                <a:lnTo>
-                  <a:pt x="16002" y="15360"/>
-                </a:lnTo>
-                <a:cubicBezTo>
-                  <a:pt x="16008" y="15365"/>
-                  <a:pt x="16013" y="15368"/>
-                  <a:pt x="16018" y="15371"/>
-                </a:cubicBezTo>
-                <a:lnTo>
-                  <a:pt x="20890" y="18433"/>
-                </a:lnTo>
-                <a:lnTo>
-                  <a:pt x="20892" y="18426"/>
-                </a:lnTo>
-                <a:cubicBezTo>
-                  <a:pt x="20958" y="18478"/>
-                  <a:pt x="21030" y="18514"/>
-                  <a:pt x="21109" y="18514"/>
-                </a:cubicBezTo>
-                <a:cubicBezTo>
-                  <a:pt x="21380" y="18514"/>
-                  <a:pt x="21600" y="18169"/>
-                  <a:pt x="21600" y="17743"/>
-                </a:cubicBezTo>
-                <a:lnTo>
-                  <a:pt x="21600" y="3857"/>
-                </a:lnTo>
-                <a:cubicBezTo>
-                  <a:pt x="21600" y="3431"/>
-                  <a:pt x="21380" y="3086"/>
-                  <a:pt x="21109" y="3086"/>
-                </a:cubicBezTo>
-                <a:moveTo>
-                  <a:pt x="13745" y="18514"/>
-                </a:moveTo>
-                <a:cubicBezTo>
-                  <a:pt x="13745" y="19367"/>
-                  <a:pt x="13306" y="20057"/>
-                  <a:pt x="12764" y="20057"/>
-                </a:cubicBezTo>
-                <a:lnTo>
-                  <a:pt x="1964" y="20057"/>
-                </a:lnTo>
-                <a:cubicBezTo>
-                  <a:pt x="1422" y="20057"/>
-                  <a:pt x="982" y="19367"/>
-                  <a:pt x="982" y="18514"/>
-                </a:cubicBezTo>
-                <a:lnTo>
-                  <a:pt x="982" y="3086"/>
-                </a:lnTo>
-                <a:cubicBezTo>
-                  <a:pt x="982" y="2233"/>
-                  <a:pt x="1422" y="1543"/>
-                  <a:pt x="1964" y="1543"/>
-                </a:cubicBezTo>
-                <a:lnTo>
-                  <a:pt x="12764" y="1543"/>
-                </a:lnTo>
-                <a:cubicBezTo>
-                  <a:pt x="13306" y="1543"/>
-                  <a:pt x="13745" y="2233"/>
-                  <a:pt x="13745" y="3086"/>
-                </a:cubicBezTo>
-                <a:cubicBezTo>
-                  <a:pt x="13745" y="3086"/>
-                  <a:pt x="13745" y="18514"/>
-                  <a:pt x="13745" y="18514"/>
-                </a:cubicBezTo>
-                <a:close/>
-                <a:moveTo>
-                  <a:pt x="12764" y="0"/>
-                </a:moveTo>
-                <a:lnTo>
-                  <a:pt x="1964" y="0"/>
-                </a:lnTo>
-                <a:cubicBezTo>
-                  <a:pt x="879" y="0"/>
-                  <a:pt x="0" y="1382"/>
-                  <a:pt x="0" y="3086"/>
-                </a:cubicBezTo>
-                <a:lnTo>
-                  <a:pt x="0" y="18514"/>
-                </a:lnTo>
-                <a:cubicBezTo>
-                  <a:pt x="0" y="20219"/>
-                  <a:pt x="879" y="21600"/>
-                  <a:pt x="1964" y="21600"/>
-                </a:cubicBezTo>
-                <a:lnTo>
-                  <a:pt x="12764" y="21600"/>
-                </a:lnTo>
-                <a:cubicBezTo>
-                  <a:pt x="13848" y="21600"/>
-                  <a:pt x="14727" y="20219"/>
-                  <a:pt x="14727" y="18514"/>
-                </a:cubicBezTo>
-                <a:lnTo>
-                  <a:pt x="14727" y="3086"/>
-                </a:lnTo>
-                <a:cubicBezTo>
-                  <a:pt x="14727" y="1382"/>
-                  <a:pt x="13848" y="0"/>
-                  <a:pt x="12764" y="0"/>
-                </a:cubicBezTo>
-              </a:path>
-            </a:pathLst>
-          </a:custGeom>
-          <a:solidFill>
-            <a:schemeClr val="accent4"/>
-          </a:solidFill>
-          <a:ln w="12700">
-            <a:miter lim="400000"/>
-          </a:ln>
-        </p:spPr>
-        <p:txBody>
-          <a:bodyPr lIns="38090" tIns="38090" rIns="38090" bIns="38090" anchor="ctr"/>
-          <a:lstStyle/>
-          <a:p>
-            <a:pPr defTabSz="457079">
-              <a:defRPr sz="3000" cap="none">
-                <a:solidFill>
-                  <a:srgbClr val="FFFFFF"/>
-                </a:solidFill>
-                <a:effectLst>
-                  <a:outerShdw blurRad="38100" dist="12700" dir="5400000" rotWithShape="0">
-                    <a:srgbClr val="000000">
-                      <a:alpha val="50000"/>
-                    </a:srgbClr>
-                  </a:outerShdw>
-                </a:effectLst>
-                <a:latin typeface="Gill Sans"/>
-                <a:ea typeface="Gill Sans"/>
-                <a:cs typeface="Gill Sans"/>
-                <a:sym typeface="Gill Sans"/>
-              </a:defRPr>
-            </a:pPr>
-            <a:endParaRPr sz="2000"/>
-          </a:p>
-        </p:txBody>
-      </p:sp>
-      <p:sp>
-        <p:nvSpPr>
-          <p:cNvPr id="31" name="Shape 2643"/>
-          <p:cNvSpPr/>
-          <p:nvPr/>
-        </p:nvSpPr>
-        <p:spPr>
-          <a:xfrm>
-            <a:off x="9448712" y="7424734"/>
-            <a:ext cx="360249" cy="660455"/>
-          </a:xfrm>
-          <a:custGeom>
-            <a:avLst/>
-            <a:gdLst/>
-            <a:ahLst/>
-            <a:cxnLst>
-              <a:cxn ang="0">
-                <a:pos x="wd2" y="hd2"/>
-              </a:cxn>
-              <a:cxn ang="5400000">
-                <a:pos x="wd2" y="hd2"/>
-              </a:cxn>
-              <a:cxn ang="10800000">
-                <a:pos x="wd2" y="hd2"/>
-              </a:cxn>
-              <a:cxn ang="16200000">
-                <a:pos x="wd2" y="hd2"/>
-              </a:cxn>
-            </a:cxnLst>
-            <a:rect l="0" t="0" r="r" b="b"/>
-            <a:pathLst>
-              <a:path w="21600" h="21600" extrusionOk="0">
-                <a:moveTo>
-                  <a:pt x="11700" y="1473"/>
-                </a:moveTo>
-                <a:lnTo>
-                  <a:pt x="9900" y="1473"/>
-                </a:lnTo>
-                <a:cubicBezTo>
-                  <a:pt x="9403" y="1473"/>
-                  <a:pt x="9000" y="1692"/>
-                  <a:pt x="9000" y="1964"/>
-                </a:cubicBezTo>
-                <a:cubicBezTo>
-                  <a:pt x="9000" y="2235"/>
-                  <a:pt x="9403" y="2455"/>
-                  <a:pt x="9900" y="2455"/>
-                </a:cubicBezTo>
-                <a:lnTo>
-                  <a:pt x="11700" y="2455"/>
-                </a:lnTo>
-                <a:cubicBezTo>
-                  <a:pt x="12197" y="2455"/>
-                  <a:pt x="12600" y="2235"/>
-                  <a:pt x="12600" y="1964"/>
-                </a:cubicBezTo>
-                <a:cubicBezTo>
-                  <a:pt x="12600" y="1692"/>
-                  <a:pt x="12197" y="1473"/>
-                  <a:pt x="11700" y="1473"/>
-                </a:cubicBezTo>
-                <a:moveTo>
-                  <a:pt x="19800" y="2945"/>
-                </a:moveTo>
-                <a:lnTo>
-                  <a:pt x="1800" y="2945"/>
-                </a:lnTo>
-                <a:lnTo>
-                  <a:pt x="1800" y="1964"/>
-                </a:lnTo>
-                <a:cubicBezTo>
-                  <a:pt x="1800" y="1422"/>
-                  <a:pt x="2605" y="982"/>
-                  <a:pt x="3600" y="982"/>
-                </a:cubicBezTo>
-                <a:lnTo>
-                  <a:pt x="18000" y="982"/>
-                </a:lnTo>
-                <a:cubicBezTo>
-                  <a:pt x="18993" y="982"/>
-                  <a:pt x="19800" y="1422"/>
-                  <a:pt x="19800" y="1964"/>
-                </a:cubicBezTo>
-                <a:cubicBezTo>
-                  <a:pt x="19800" y="1964"/>
-                  <a:pt x="19800" y="2945"/>
-                  <a:pt x="19800" y="2945"/>
-                </a:cubicBezTo>
-                <a:close/>
-                <a:moveTo>
-                  <a:pt x="19800" y="17673"/>
-                </a:moveTo>
-                <a:lnTo>
-                  <a:pt x="1800" y="17673"/>
-                </a:lnTo>
-                <a:lnTo>
-                  <a:pt x="1800" y="3927"/>
-                </a:lnTo>
-                <a:lnTo>
-                  <a:pt x="19800" y="3927"/>
-                </a:lnTo>
-                <a:cubicBezTo>
-                  <a:pt x="19800" y="3927"/>
-                  <a:pt x="19800" y="17673"/>
-                  <a:pt x="19800" y="17673"/>
-                </a:cubicBezTo>
-                <a:close/>
-                <a:moveTo>
-                  <a:pt x="19800" y="19636"/>
-                </a:moveTo>
-                <a:cubicBezTo>
-                  <a:pt x="19800" y="20179"/>
-                  <a:pt x="18993" y="20618"/>
-                  <a:pt x="18000" y="20618"/>
-                </a:cubicBezTo>
-                <a:lnTo>
-                  <a:pt x="3600" y="20618"/>
-                </a:lnTo>
-                <a:cubicBezTo>
-                  <a:pt x="2605" y="20618"/>
-                  <a:pt x="1800" y="20179"/>
-                  <a:pt x="1800" y="19636"/>
-                </a:cubicBezTo>
-                <a:lnTo>
-                  <a:pt x="1800" y="18655"/>
-                </a:lnTo>
-                <a:lnTo>
-                  <a:pt x="19800" y="18655"/>
-                </a:lnTo>
-                <a:cubicBezTo>
-                  <a:pt x="19800" y="18655"/>
-                  <a:pt x="19800" y="19636"/>
-                  <a:pt x="19800" y="19636"/>
-                </a:cubicBezTo>
-                <a:close/>
-                <a:moveTo>
-                  <a:pt x="18000" y="0"/>
-                </a:moveTo>
-                <a:lnTo>
-                  <a:pt x="3600" y="0"/>
-                </a:lnTo>
-                <a:cubicBezTo>
-                  <a:pt x="1612" y="0"/>
-                  <a:pt x="0" y="879"/>
-                  <a:pt x="0" y="1964"/>
-                </a:cubicBezTo>
-                <a:lnTo>
-                  <a:pt x="0" y="19636"/>
-                </a:lnTo>
-                <a:cubicBezTo>
-                  <a:pt x="0" y="20721"/>
-                  <a:pt x="1612" y="21600"/>
-                  <a:pt x="3600" y="21600"/>
-                </a:cubicBezTo>
-                <a:lnTo>
-                  <a:pt x="18000" y="21600"/>
-                </a:lnTo>
-                <a:cubicBezTo>
-                  <a:pt x="19988" y="21600"/>
-                  <a:pt x="21600" y="20721"/>
-                  <a:pt x="21600" y="19636"/>
-                </a:cubicBezTo>
-                <a:lnTo>
-                  <a:pt x="21600" y="1964"/>
-                </a:lnTo>
-                <a:cubicBezTo>
-                  <a:pt x="21600" y="879"/>
-                  <a:pt x="19988" y="0"/>
-                  <a:pt x="18000" y="0"/>
-                </a:cubicBezTo>
-                <a:moveTo>
-                  <a:pt x="10800" y="20127"/>
-                </a:moveTo>
-                <a:cubicBezTo>
-                  <a:pt x="11297" y="20127"/>
-                  <a:pt x="11700" y="19908"/>
-                  <a:pt x="11700" y="19636"/>
-                </a:cubicBezTo>
-                <a:cubicBezTo>
-                  <a:pt x="11700" y="19366"/>
-                  <a:pt x="11297" y="19145"/>
-                  <a:pt x="10800" y="19145"/>
-                </a:cubicBezTo>
-                <a:cubicBezTo>
-                  <a:pt x="10303" y="19145"/>
-                  <a:pt x="9900" y="19366"/>
-                  <a:pt x="9900" y="19636"/>
-                </a:cubicBezTo>
-                <a:cubicBezTo>
-                  <a:pt x="9900" y="19908"/>
-                  <a:pt x="10303" y="20127"/>
-                  <a:pt x="10800" y="20127"/>
-                </a:cubicBezTo>
-              </a:path>
-            </a:pathLst>
-          </a:custGeom>
-          <a:solidFill>
-            <a:schemeClr val="accent5"/>
-          </a:solidFill>
-          <a:ln w="12700">
-            <a:miter lim="400000"/>
-          </a:ln>
-        </p:spPr>
-        <p:txBody>
-          <a:bodyPr lIns="38090" tIns="38090" rIns="38090" bIns="38090" anchor="ctr"/>
-          <a:lstStyle/>
-          <a:p>
-            <a:pPr defTabSz="457079">
-              <a:defRPr sz="3000" cap="none">
-                <a:solidFill>
-                  <a:srgbClr val="FFFFFF"/>
-                </a:solidFill>
-                <a:effectLst>
-                  <a:outerShdw blurRad="38100" dist="12700" dir="5400000" rotWithShape="0">
-                    <a:srgbClr val="000000">
-                      <a:alpha val="50000"/>
-                    </a:srgbClr>
-                  </a:outerShdw>
-                </a:effectLst>
-                <a:latin typeface="Gill Sans"/>
-                <a:ea typeface="Gill Sans"/>
-                <a:cs typeface="Gill Sans"/>
-                <a:sym typeface="Gill Sans"/>
-              </a:defRPr>
-            </a:pPr>
-            <a:endParaRPr sz="2999"/>
-          </a:p>
-        </p:txBody>
-      </p:sp>
-      <p:sp>
-        <p:nvSpPr>
-          <p:cNvPr id="32" name="Shape 2644"/>
-          <p:cNvSpPr/>
-          <p:nvPr/>
-        </p:nvSpPr>
-        <p:spPr>
-          <a:xfrm>
-            <a:off x="9388668" y="9607722"/>
-            <a:ext cx="480331" cy="660455"/>
-          </a:xfrm>
-          <a:custGeom>
-            <a:avLst/>
-            <a:gdLst/>
-            <a:ahLst/>
-            <a:cxnLst>
-              <a:cxn ang="0">
-                <a:pos x="wd2" y="hd2"/>
-              </a:cxn>
-              <a:cxn ang="5400000">
-                <a:pos x="wd2" y="hd2"/>
-              </a:cxn>
-              <a:cxn ang="10800000">
-                <a:pos x="wd2" y="hd2"/>
-              </a:cxn>
-              <a:cxn ang="16200000">
-                <a:pos x="wd2" y="hd2"/>
-              </a:cxn>
-            </a:cxnLst>
-            <a:rect l="0" t="0" r="r" b="b"/>
-            <a:pathLst>
-              <a:path w="21600" h="21600" extrusionOk="0">
-                <a:moveTo>
-                  <a:pt x="20250" y="19636"/>
-                </a:moveTo>
-                <a:cubicBezTo>
-                  <a:pt x="20250" y="20179"/>
-                  <a:pt x="19645" y="20618"/>
-                  <a:pt x="18900" y="20618"/>
-                </a:cubicBezTo>
-                <a:lnTo>
-                  <a:pt x="2700" y="20618"/>
-                </a:lnTo>
-                <a:cubicBezTo>
-                  <a:pt x="1954" y="20618"/>
-                  <a:pt x="1350" y="20179"/>
-                  <a:pt x="1350" y="19636"/>
-                </a:cubicBezTo>
-                <a:lnTo>
-                  <a:pt x="1350" y="1964"/>
-                </a:lnTo>
-                <a:cubicBezTo>
-                  <a:pt x="1350" y="1422"/>
-                  <a:pt x="1954" y="982"/>
-                  <a:pt x="2700" y="982"/>
-                </a:cubicBezTo>
-                <a:lnTo>
-                  <a:pt x="18900" y="982"/>
-                </a:lnTo>
-                <a:cubicBezTo>
-                  <a:pt x="19645" y="982"/>
-                  <a:pt x="20250" y="1422"/>
-                  <a:pt x="20250" y="1964"/>
-                </a:cubicBezTo>
-                <a:cubicBezTo>
-                  <a:pt x="20250" y="1964"/>
-                  <a:pt x="20250" y="19636"/>
-                  <a:pt x="20250" y="19636"/>
-                </a:cubicBezTo>
-                <a:close/>
-                <a:moveTo>
-                  <a:pt x="18900" y="0"/>
-                </a:moveTo>
-                <a:lnTo>
-                  <a:pt x="2700" y="0"/>
-                </a:lnTo>
-                <a:cubicBezTo>
-                  <a:pt x="1209" y="0"/>
-                  <a:pt x="0" y="879"/>
-                  <a:pt x="0" y="1964"/>
-                </a:cubicBezTo>
-                <a:lnTo>
-                  <a:pt x="0" y="19636"/>
-                </a:lnTo>
-                <a:cubicBezTo>
-                  <a:pt x="0" y="20721"/>
-                  <a:pt x="1209" y="21600"/>
-                  <a:pt x="2700" y="21600"/>
-                </a:cubicBezTo>
-                <a:lnTo>
-                  <a:pt x="18900" y="21600"/>
-                </a:lnTo>
-                <a:cubicBezTo>
-                  <a:pt x="20391" y="21600"/>
-                  <a:pt x="21600" y="20721"/>
-                  <a:pt x="21600" y="19636"/>
-                </a:cubicBezTo>
-                <a:lnTo>
-                  <a:pt x="21600" y="1964"/>
-                </a:lnTo>
-                <a:cubicBezTo>
-                  <a:pt x="21600" y="879"/>
-                  <a:pt x="20391" y="0"/>
-                  <a:pt x="18900" y="0"/>
-                </a:cubicBezTo>
-                <a:moveTo>
-                  <a:pt x="4050" y="3927"/>
-                </a:moveTo>
-                <a:lnTo>
-                  <a:pt x="17550" y="3927"/>
-                </a:lnTo>
-                <a:lnTo>
-                  <a:pt x="17550" y="17673"/>
-                </a:lnTo>
-                <a:lnTo>
-                  <a:pt x="4050" y="17673"/>
-                </a:lnTo>
-                <a:cubicBezTo>
-                  <a:pt x="4050" y="17673"/>
-                  <a:pt x="4050" y="3927"/>
-                  <a:pt x="4050" y="3927"/>
-                </a:cubicBezTo>
-                <a:close/>
-                <a:moveTo>
-                  <a:pt x="2700" y="18655"/>
-                </a:moveTo>
-                <a:lnTo>
-                  <a:pt x="18900" y="18655"/>
-                </a:lnTo>
-                <a:lnTo>
-                  <a:pt x="18900" y="2945"/>
-                </a:lnTo>
-                <a:lnTo>
-                  <a:pt x="2700" y="2945"/>
-                </a:lnTo>
-                <a:cubicBezTo>
-                  <a:pt x="2700" y="2945"/>
-                  <a:pt x="2700" y="18655"/>
-                  <a:pt x="2700" y="18655"/>
-                </a:cubicBezTo>
-                <a:close/>
-                <a:moveTo>
-                  <a:pt x="10125" y="2455"/>
-                </a:moveTo>
-                <a:lnTo>
-                  <a:pt x="11475" y="2455"/>
-                </a:lnTo>
-                <a:cubicBezTo>
-                  <a:pt x="11848" y="2455"/>
-                  <a:pt x="12150" y="2235"/>
-                  <a:pt x="12150" y="1964"/>
-                </a:cubicBezTo>
-                <a:cubicBezTo>
-                  <a:pt x="12150" y="1692"/>
-                  <a:pt x="11848" y="1473"/>
-                  <a:pt x="11475" y="1473"/>
-                </a:cubicBezTo>
-                <a:lnTo>
-                  <a:pt x="10125" y="1473"/>
-                </a:lnTo>
-                <a:cubicBezTo>
-                  <a:pt x="9752" y="1473"/>
-                  <a:pt x="9450" y="1692"/>
-                  <a:pt x="9450" y="1964"/>
-                </a:cubicBezTo>
-                <a:cubicBezTo>
-                  <a:pt x="9450" y="2235"/>
-                  <a:pt x="9752" y="2455"/>
-                  <a:pt x="10125" y="2455"/>
-                </a:cubicBezTo>
-                <a:moveTo>
-                  <a:pt x="10800" y="19145"/>
-                </a:moveTo>
-                <a:cubicBezTo>
-                  <a:pt x="10427" y="19145"/>
-                  <a:pt x="10125" y="19366"/>
-                  <a:pt x="10125" y="19636"/>
-                </a:cubicBezTo>
-                <a:cubicBezTo>
-                  <a:pt x="10125" y="19908"/>
-                  <a:pt x="10427" y="20127"/>
-                  <a:pt x="10800" y="20127"/>
-                </a:cubicBezTo>
-                <a:cubicBezTo>
-                  <a:pt x="11173" y="20127"/>
-                  <a:pt x="11475" y="19908"/>
-                  <a:pt x="11475" y="19636"/>
-                </a:cubicBezTo>
-                <a:cubicBezTo>
-                  <a:pt x="11475" y="19366"/>
-                  <a:pt x="11173" y="19145"/>
-                  <a:pt x="10800" y="19145"/>
-                </a:cubicBezTo>
-              </a:path>
-            </a:pathLst>
-          </a:custGeom>
-          <a:solidFill>
-            <a:schemeClr val="accent6"/>
-          </a:solidFill>
-          <a:ln w="12700">
-            <a:miter lim="400000"/>
-          </a:ln>
-        </p:spPr>
-        <p:txBody>
-          <a:bodyPr lIns="38090" tIns="38090" rIns="38090" bIns="38090" anchor="ctr"/>
-          <a:lstStyle/>
-          <a:p>
-            <a:pPr defTabSz="457079">
-              <a:defRPr sz="3000" cap="none">
-                <a:solidFill>
-                  <a:srgbClr val="FFFFFF"/>
-                </a:solidFill>
-                <a:effectLst>
-                  <a:outerShdw blurRad="38100" dist="12700" dir="5400000" rotWithShape="0">
-                    <a:srgbClr val="000000">
-                      <a:alpha val="50000"/>
-                    </a:srgbClr>
-                  </a:outerShdw>
-                </a:effectLst>
-                <a:latin typeface="Gill Sans"/>
-                <a:ea typeface="Gill Sans"/>
-                <a:cs typeface="Gill Sans"/>
-                <a:sym typeface="Gill Sans"/>
-              </a:defRPr>
-            </a:pPr>
-            <a:endParaRPr sz="2999"/>
-          </a:p>
-        </p:txBody>
-      </p:sp>
-      <p:sp>
-        <p:nvSpPr>
-          <p:cNvPr id="33" name="Shape 2688"/>
-          <p:cNvSpPr/>
-          <p:nvPr/>
-        </p:nvSpPr>
-        <p:spPr>
-          <a:xfrm>
-            <a:off x="16346832" y="7424733"/>
-            <a:ext cx="558654" cy="558654"/>
-          </a:xfrm>
-          <a:custGeom>
-            <a:avLst/>
-            <a:gdLst/>
-            <a:ahLst/>
-            <a:cxnLst>
-              <a:cxn ang="0">
-                <a:pos x="wd2" y="hd2"/>
-              </a:cxn>
-              <a:cxn ang="5400000">
-                <a:pos x="wd2" y="hd2"/>
-              </a:cxn>
-              <a:cxn ang="10800000">
-                <a:pos x="wd2" y="hd2"/>
-              </a:cxn>
-              <a:cxn ang="16200000">
-                <a:pos x="wd2" y="hd2"/>
-              </a:cxn>
-            </a:cxnLst>
-            <a:rect l="0" t="0" r="r" b="b"/>
-            <a:pathLst>
-              <a:path w="21600" h="21600" extrusionOk="0">
-                <a:moveTo>
-                  <a:pt x="20618" y="10309"/>
-                </a:moveTo>
-                <a:cubicBezTo>
-                  <a:pt x="20618" y="10851"/>
-                  <a:pt x="20178" y="11291"/>
-                  <a:pt x="19636" y="11291"/>
-                </a:cubicBezTo>
-                <a:lnTo>
-                  <a:pt x="19636" y="7364"/>
-                </a:lnTo>
-                <a:cubicBezTo>
-                  <a:pt x="20178" y="7364"/>
-                  <a:pt x="20618" y="7804"/>
-                  <a:pt x="20618" y="8345"/>
-                </a:cubicBezTo>
-                <a:cubicBezTo>
-                  <a:pt x="20618" y="8345"/>
-                  <a:pt x="20618" y="10309"/>
-                  <a:pt x="20618" y="10309"/>
-                </a:cubicBezTo>
-                <a:close/>
-                <a:moveTo>
-                  <a:pt x="18655" y="17182"/>
-                </a:moveTo>
-                <a:cubicBezTo>
-                  <a:pt x="18655" y="17453"/>
-                  <a:pt x="18434" y="17673"/>
-                  <a:pt x="18164" y="17673"/>
-                </a:cubicBezTo>
-                <a:cubicBezTo>
-                  <a:pt x="17893" y="17673"/>
-                  <a:pt x="17673" y="17453"/>
-                  <a:pt x="17673" y="17182"/>
-                </a:cubicBezTo>
-                <a:lnTo>
-                  <a:pt x="17673" y="1473"/>
-                </a:lnTo>
-                <a:cubicBezTo>
-                  <a:pt x="17673" y="1202"/>
-                  <a:pt x="17893" y="982"/>
-                  <a:pt x="18164" y="982"/>
-                </a:cubicBezTo>
-                <a:cubicBezTo>
-                  <a:pt x="18434" y="982"/>
-                  <a:pt x="18655" y="1202"/>
-                  <a:pt x="18655" y="1473"/>
-                </a:cubicBezTo>
-                <a:cubicBezTo>
-                  <a:pt x="18655" y="1473"/>
-                  <a:pt x="18655" y="17182"/>
-                  <a:pt x="18655" y="17182"/>
-                </a:cubicBezTo>
-                <a:close/>
-                <a:moveTo>
-                  <a:pt x="16691" y="15788"/>
-                </a:moveTo>
-                <a:lnTo>
-                  <a:pt x="2945" y="11745"/>
-                </a:lnTo>
-                <a:lnTo>
-                  <a:pt x="2945" y="6910"/>
-                </a:lnTo>
-                <a:lnTo>
-                  <a:pt x="16691" y="2867"/>
-                </a:lnTo>
-                <a:cubicBezTo>
-                  <a:pt x="16691" y="2867"/>
-                  <a:pt x="16691" y="15788"/>
-                  <a:pt x="16691" y="15788"/>
-                </a:cubicBezTo>
-                <a:close/>
-                <a:moveTo>
-                  <a:pt x="8251" y="18655"/>
-                </a:moveTo>
-                <a:lnTo>
-                  <a:pt x="5357" y="18655"/>
-                </a:lnTo>
-                <a:lnTo>
-                  <a:pt x="4126" y="13116"/>
-                </a:lnTo>
-                <a:lnTo>
-                  <a:pt x="7167" y="14010"/>
-                </a:lnTo>
-                <a:cubicBezTo>
-                  <a:pt x="7167" y="14010"/>
-                  <a:pt x="8251" y="18655"/>
-                  <a:pt x="8251" y="18655"/>
-                </a:cubicBezTo>
-                <a:close/>
-                <a:moveTo>
-                  <a:pt x="8709" y="20618"/>
-                </a:moveTo>
-                <a:lnTo>
-                  <a:pt x="5794" y="20618"/>
-                </a:lnTo>
-                <a:lnTo>
-                  <a:pt x="5576" y="19636"/>
-                </a:lnTo>
-                <a:lnTo>
-                  <a:pt x="8479" y="19636"/>
-                </a:lnTo>
-                <a:cubicBezTo>
-                  <a:pt x="8479" y="19636"/>
-                  <a:pt x="8709" y="20618"/>
-                  <a:pt x="8709" y="20618"/>
-                </a:cubicBezTo>
-                <a:close/>
-                <a:moveTo>
-                  <a:pt x="1964" y="11782"/>
-                </a:moveTo>
-                <a:lnTo>
-                  <a:pt x="982" y="11782"/>
-                </a:lnTo>
-                <a:lnTo>
-                  <a:pt x="982" y="6873"/>
-                </a:lnTo>
-                <a:lnTo>
-                  <a:pt x="1964" y="6873"/>
-                </a:lnTo>
-                <a:cubicBezTo>
-                  <a:pt x="1964" y="6873"/>
-                  <a:pt x="1964" y="11782"/>
-                  <a:pt x="1964" y="11782"/>
-                </a:cubicBezTo>
-                <a:close/>
-                <a:moveTo>
-                  <a:pt x="19636" y="6382"/>
-                </a:moveTo>
-                <a:lnTo>
-                  <a:pt x="19636" y="1473"/>
-                </a:lnTo>
-                <a:cubicBezTo>
-                  <a:pt x="19636" y="659"/>
-                  <a:pt x="18977" y="0"/>
-                  <a:pt x="18164" y="0"/>
-                </a:cubicBezTo>
-                <a:cubicBezTo>
-                  <a:pt x="17350" y="0"/>
-                  <a:pt x="16691" y="659"/>
-                  <a:pt x="16691" y="1473"/>
-                </a:cubicBezTo>
-                <a:lnTo>
-                  <a:pt x="16691" y="1844"/>
-                </a:lnTo>
-                <a:lnTo>
-                  <a:pt x="2459" y="6029"/>
-                </a:lnTo>
-                <a:cubicBezTo>
-                  <a:pt x="2313" y="5944"/>
-                  <a:pt x="2145" y="5891"/>
-                  <a:pt x="1964" y="5891"/>
-                </a:cubicBezTo>
-                <a:lnTo>
-                  <a:pt x="982" y="5891"/>
-                </a:lnTo>
-                <a:cubicBezTo>
-                  <a:pt x="440" y="5891"/>
-                  <a:pt x="0" y="6331"/>
-                  <a:pt x="0" y="6873"/>
-                </a:cubicBezTo>
-                <a:lnTo>
-                  <a:pt x="0" y="11782"/>
-                </a:lnTo>
-                <a:cubicBezTo>
-                  <a:pt x="0" y="12324"/>
-                  <a:pt x="440" y="12764"/>
-                  <a:pt x="982" y="12764"/>
-                </a:cubicBezTo>
-                <a:lnTo>
-                  <a:pt x="1964" y="12764"/>
-                </a:lnTo>
-                <a:cubicBezTo>
-                  <a:pt x="2145" y="12764"/>
-                  <a:pt x="2313" y="12711"/>
-                  <a:pt x="2458" y="12626"/>
-                </a:cubicBezTo>
-                <a:lnTo>
-                  <a:pt x="3050" y="12799"/>
-                </a:lnTo>
-                <a:lnTo>
-                  <a:pt x="4921" y="21216"/>
-                </a:lnTo>
-                <a:lnTo>
-                  <a:pt x="4930" y="21214"/>
-                </a:lnTo>
-                <a:cubicBezTo>
-                  <a:pt x="4979" y="21433"/>
-                  <a:pt x="5166" y="21600"/>
-                  <a:pt x="5400" y="21600"/>
-                </a:cubicBezTo>
-                <a:lnTo>
-                  <a:pt x="9327" y="21600"/>
-                </a:lnTo>
-                <a:cubicBezTo>
-                  <a:pt x="9598" y="21600"/>
-                  <a:pt x="9818" y="21381"/>
-                  <a:pt x="9818" y="21109"/>
-                </a:cubicBezTo>
-                <a:cubicBezTo>
-                  <a:pt x="9818" y="21072"/>
-                  <a:pt x="9805" y="21039"/>
-                  <a:pt x="9797" y="21005"/>
-                </a:cubicBezTo>
-                <a:lnTo>
-                  <a:pt x="9806" y="21003"/>
-                </a:lnTo>
-                <a:lnTo>
-                  <a:pt x="8249" y="14329"/>
-                </a:lnTo>
-                <a:lnTo>
-                  <a:pt x="16691" y="16811"/>
-                </a:lnTo>
-                <a:lnTo>
-                  <a:pt x="16691" y="17182"/>
-                </a:lnTo>
-                <a:cubicBezTo>
-                  <a:pt x="16691" y="17995"/>
-                  <a:pt x="17350" y="18655"/>
-                  <a:pt x="18164" y="18655"/>
-                </a:cubicBezTo>
-                <a:cubicBezTo>
-                  <a:pt x="18977" y="18655"/>
-                  <a:pt x="19636" y="17995"/>
-                  <a:pt x="19636" y="17182"/>
-                </a:cubicBezTo>
-                <a:lnTo>
-                  <a:pt x="19636" y="12273"/>
-                </a:lnTo>
-                <a:cubicBezTo>
-                  <a:pt x="20721" y="12273"/>
-                  <a:pt x="21600" y="11394"/>
-                  <a:pt x="21600" y="10309"/>
-                </a:cubicBezTo>
-                <a:lnTo>
-                  <a:pt x="21600" y="8345"/>
-                </a:lnTo>
-                <a:cubicBezTo>
-                  <a:pt x="21600" y="7261"/>
-                  <a:pt x="20721" y="6382"/>
-                  <a:pt x="19636" y="6382"/>
-                </a:cubicBezTo>
-              </a:path>
-            </a:pathLst>
-          </a:custGeom>
-          <a:solidFill>
-            <a:schemeClr val="accent2"/>
-          </a:solidFill>
-          <a:ln w="12700">
-            <a:miter lim="400000"/>
-          </a:ln>
-        </p:spPr>
-        <p:txBody>
-          <a:bodyPr lIns="38090" tIns="38090" rIns="38090" bIns="38090" anchor="ctr"/>
-          <a:lstStyle/>
-          <a:p>
-            <a:pPr defTabSz="457079">
-              <a:defRPr sz="3000" cap="none">
-                <a:solidFill>
-                  <a:srgbClr val="FFFFFF"/>
-                </a:solidFill>
-                <a:effectLst>
-                  <a:outerShdw blurRad="38100" dist="12700" dir="5400000" rotWithShape="0">
-                    <a:srgbClr val="000000">
-                      <a:alpha val="50000"/>
-                    </a:srgbClr>
-                  </a:outerShdw>
-                </a:effectLst>
-                <a:latin typeface="Gill Sans"/>
-                <a:ea typeface="Gill Sans"/>
-                <a:cs typeface="Gill Sans"/>
-                <a:sym typeface="Gill Sans"/>
-              </a:defRPr>
-            </a:pPr>
-            <a:endParaRPr sz="2999"/>
-          </a:p>
-        </p:txBody>
-      </p:sp>
-      <p:sp>
-        <p:nvSpPr>
-          <p:cNvPr id="34" name="Shape 2724"/>
-          <p:cNvSpPr>
-            <a:spLocks noChangeAspect="1"/>
-          </p:cNvSpPr>
-          <p:nvPr/>
-        </p:nvSpPr>
-        <p:spPr>
-          <a:xfrm>
-            <a:off x="16346831" y="5350959"/>
-            <a:ext cx="557784" cy="557784"/>
-          </a:xfrm>
-          <a:custGeom>
-            <a:avLst/>
-            <a:gdLst/>
-            <a:ahLst/>
-            <a:cxnLst>
-              <a:cxn ang="0">
-                <a:pos x="wd2" y="hd2"/>
-              </a:cxn>
-              <a:cxn ang="5400000">
-                <a:pos x="wd2" y="hd2"/>
-              </a:cxn>
-              <a:cxn ang="10800000">
-                <a:pos x="wd2" y="hd2"/>
-              </a:cxn>
-              <a:cxn ang="16200000">
-                <a:pos x="wd2" y="hd2"/>
-              </a:cxn>
-            </a:cxnLst>
-            <a:rect l="0" t="0" r="r" b="b"/>
-            <a:pathLst>
-              <a:path w="21600" h="21600" extrusionOk="0">
-                <a:moveTo>
-                  <a:pt x="15709" y="15709"/>
-                </a:moveTo>
-                <a:lnTo>
-                  <a:pt x="5891" y="15709"/>
-                </a:lnTo>
-                <a:lnTo>
-                  <a:pt x="5891" y="11782"/>
-                </a:lnTo>
-                <a:lnTo>
-                  <a:pt x="15709" y="11782"/>
-                </a:lnTo>
-                <a:cubicBezTo>
-                  <a:pt x="15709" y="11782"/>
-                  <a:pt x="15709" y="15709"/>
-                  <a:pt x="15709" y="15709"/>
-                </a:cubicBezTo>
-                <a:close/>
-                <a:moveTo>
-                  <a:pt x="16691" y="10800"/>
-                </a:moveTo>
-                <a:lnTo>
-                  <a:pt x="4909" y="10800"/>
-                </a:lnTo>
-                <a:lnTo>
-                  <a:pt x="4909" y="16691"/>
-                </a:lnTo>
-                <a:lnTo>
-                  <a:pt x="16691" y="16691"/>
-                </a:lnTo>
-                <a:cubicBezTo>
-                  <a:pt x="16691" y="16691"/>
-                  <a:pt x="16691" y="10800"/>
-                  <a:pt x="16691" y="10800"/>
-                </a:cubicBezTo>
-                <a:close/>
-                <a:moveTo>
-                  <a:pt x="11782" y="13745"/>
-                </a:moveTo>
-                <a:lnTo>
-                  <a:pt x="9818" y="13745"/>
-                </a:lnTo>
-                <a:lnTo>
-                  <a:pt x="9818" y="14727"/>
-                </a:lnTo>
-                <a:lnTo>
-                  <a:pt x="11782" y="14727"/>
-                </a:lnTo>
-                <a:cubicBezTo>
-                  <a:pt x="11782" y="14727"/>
-                  <a:pt x="11782" y="13745"/>
-                  <a:pt x="11782" y="13745"/>
-                </a:cubicBezTo>
-                <a:close/>
-                <a:moveTo>
-                  <a:pt x="18655" y="17673"/>
-                </a:moveTo>
-                <a:cubicBezTo>
-                  <a:pt x="18655" y="18214"/>
-                  <a:pt x="18214" y="18655"/>
-                  <a:pt x="17673" y="18655"/>
-                </a:cubicBezTo>
-                <a:lnTo>
-                  <a:pt x="3927" y="18655"/>
-                </a:lnTo>
-                <a:cubicBezTo>
-                  <a:pt x="3385" y="18655"/>
-                  <a:pt x="2945" y="18214"/>
-                  <a:pt x="2945" y="17673"/>
-                </a:cubicBezTo>
-                <a:lnTo>
-                  <a:pt x="2945" y="982"/>
-                </a:lnTo>
-                <a:lnTo>
-                  <a:pt x="18655" y="982"/>
-                </a:lnTo>
-                <a:cubicBezTo>
-                  <a:pt x="18655" y="982"/>
-                  <a:pt x="18655" y="17673"/>
-                  <a:pt x="18655" y="17673"/>
-                </a:cubicBezTo>
-                <a:close/>
-                <a:moveTo>
-                  <a:pt x="21109" y="0"/>
-                </a:moveTo>
-                <a:lnTo>
-                  <a:pt x="491" y="0"/>
-                </a:lnTo>
-                <a:cubicBezTo>
-                  <a:pt x="220" y="0"/>
-                  <a:pt x="0" y="220"/>
-                  <a:pt x="0" y="491"/>
-                </a:cubicBezTo>
-                <a:cubicBezTo>
-                  <a:pt x="0" y="762"/>
-                  <a:pt x="220" y="982"/>
-                  <a:pt x="491" y="982"/>
-                </a:cubicBezTo>
-                <a:lnTo>
-                  <a:pt x="1964" y="982"/>
-                </a:lnTo>
-                <a:lnTo>
-                  <a:pt x="1964" y="17673"/>
-                </a:lnTo>
-                <a:cubicBezTo>
-                  <a:pt x="1964" y="18757"/>
-                  <a:pt x="2843" y="19636"/>
-                  <a:pt x="3927" y="19636"/>
-                </a:cubicBezTo>
-                <a:lnTo>
-                  <a:pt x="4909" y="19636"/>
-                </a:lnTo>
-                <a:lnTo>
-                  <a:pt x="4909" y="21109"/>
-                </a:lnTo>
-                <a:cubicBezTo>
-                  <a:pt x="4909" y="21380"/>
-                  <a:pt x="5129" y="21600"/>
-                  <a:pt x="5400" y="21600"/>
-                </a:cubicBezTo>
-                <a:cubicBezTo>
-                  <a:pt x="5671" y="21600"/>
-                  <a:pt x="5891" y="21380"/>
-                  <a:pt x="5891" y="21109"/>
-                </a:cubicBezTo>
-                <a:lnTo>
-                  <a:pt x="5891" y="19636"/>
-                </a:lnTo>
-                <a:lnTo>
-                  <a:pt x="15709" y="19636"/>
-                </a:lnTo>
-                <a:lnTo>
-                  <a:pt x="15709" y="21109"/>
-                </a:lnTo>
-                <a:cubicBezTo>
-                  <a:pt x="15709" y="21380"/>
-                  <a:pt x="15929" y="21600"/>
-                  <a:pt x="16200" y="21600"/>
-                </a:cubicBezTo>
-                <a:cubicBezTo>
-                  <a:pt x="16471" y="21600"/>
-                  <a:pt x="16691" y="21380"/>
-                  <a:pt x="16691" y="21109"/>
-                </a:cubicBezTo>
-                <a:lnTo>
-                  <a:pt x="16691" y="19636"/>
-                </a:lnTo>
-                <a:lnTo>
-                  <a:pt x="17673" y="19636"/>
-                </a:lnTo>
-                <a:cubicBezTo>
-                  <a:pt x="18757" y="19636"/>
-                  <a:pt x="19636" y="18757"/>
-                  <a:pt x="19636" y="17673"/>
-                </a:cubicBezTo>
-                <a:lnTo>
-                  <a:pt x="19636" y="982"/>
-                </a:lnTo>
-                <a:lnTo>
-                  <a:pt x="21109" y="982"/>
-                </a:lnTo>
-                <a:cubicBezTo>
-                  <a:pt x="21380" y="982"/>
-                  <a:pt x="21600" y="762"/>
-                  <a:pt x="21600" y="491"/>
-                </a:cubicBezTo>
-                <a:cubicBezTo>
-                  <a:pt x="21600" y="220"/>
-                  <a:pt x="21380" y="0"/>
-                  <a:pt x="21109" y="0"/>
-                </a:cubicBezTo>
-                <a:moveTo>
-                  <a:pt x="11782" y="5891"/>
-                </a:moveTo>
-                <a:lnTo>
-                  <a:pt x="9818" y="5891"/>
-                </a:lnTo>
-                <a:lnTo>
-                  <a:pt x="9818" y="6873"/>
-                </a:lnTo>
-                <a:lnTo>
-                  <a:pt x="11782" y="6873"/>
-                </a:lnTo>
-                <a:cubicBezTo>
-                  <a:pt x="11782" y="6873"/>
-                  <a:pt x="11782" y="5891"/>
-                  <a:pt x="11782" y="5891"/>
-                </a:cubicBezTo>
-                <a:close/>
-                <a:moveTo>
-                  <a:pt x="15709" y="7855"/>
-                </a:moveTo>
-                <a:lnTo>
-                  <a:pt x="5891" y="7855"/>
-                </a:lnTo>
-                <a:lnTo>
-                  <a:pt x="5891" y="3927"/>
-                </a:lnTo>
-                <a:lnTo>
-                  <a:pt x="15709" y="3927"/>
-                </a:lnTo>
-                <a:cubicBezTo>
-                  <a:pt x="15709" y="3927"/>
-                  <a:pt x="15709" y="7855"/>
-                  <a:pt x="15709" y="7855"/>
-                </a:cubicBezTo>
-                <a:close/>
-                <a:moveTo>
-                  <a:pt x="16691" y="2945"/>
-                </a:moveTo>
-                <a:lnTo>
-                  <a:pt x="4909" y="2945"/>
-                </a:lnTo>
-                <a:lnTo>
-                  <a:pt x="4909" y="8836"/>
-                </a:lnTo>
-                <a:lnTo>
-                  <a:pt x="16691" y="8836"/>
-                </a:lnTo>
-                <a:cubicBezTo>
-                  <a:pt x="16691" y="8836"/>
-                  <a:pt x="16691" y="2945"/>
-                  <a:pt x="16691" y="2945"/>
-                </a:cubicBezTo>
-                <a:close/>
-              </a:path>
-            </a:pathLst>
-          </a:custGeom>
-          <a:solidFill>
-            <a:schemeClr val="accent1"/>
-          </a:solidFill>
-          <a:ln w="12700">
-            <a:miter lim="400000"/>
-          </a:ln>
-        </p:spPr>
-        <p:txBody>
-          <a:bodyPr lIns="38090" tIns="38090" rIns="38090" bIns="38090" anchor="ctr"/>
-          <a:lstStyle/>
-          <a:p>
-            <a:pPr defTabSz="457079">
-              <a:defRPr sz="3000" cap="none">
-                <a:solidFill>
-                  <a:srgbClr val="FFFFFF"/>
-                </a:solidFill>
-                <a:effectLst>
-                  <a:outerShdw blurRad="38100" dist="12700" dir="5400000" rotWithShape="0">
-                    <a:srgbClr val="000000">
-                      <a:alpha val="50000"/>
-                    </a:srgbClr>
-                  </a:outerShdw>
-                </a:effectLst>
-                <a:latin typeface="Gill Sans"/>
-                <a:ea typeface="Gill Sans"/>
-                <a:cs typeface="Gill Sans"/>
-                <a:sym typeface="Gill Sans"/>
-              </a:defRPr>
-            </a:pPr>
-            <a:endParaRPr sz="2999"/>
-          </a:p>
-        </p:txBody>
-      </p:sp>
-      <p:sp>
-        <p:nvSpPr>
-          <p:cNvPr id="35" name="Shape 2748"/>
-          <p:cNvSpPr/>
-          <p:nvPr/>
-        </p:nvSpPr>
-        <p:spPr>
-          <a:xfrm>
-            <a:off x="16345962" y="9605786"/>
-            <a:ext cx="558654" cy="558654"/>
-          </a:xfrm>
-          <a:custGeom>
-            <a:avLst/>
-            <a:gdLst/>
-            <a:ahLst/>
-            <a:cxnLst>
-              <a:cxn ang="0">
-                <a:pos x="wd2" y="hd2"/>
-              </a:cxn>
-              <a:cxn ang="5400000">
-                <a:pos x="wd2" y="hd2"/>
-              </a:cxn>
-              <a:cxn ang="10800000">
-                <a:pos x="wd2" y="hd2"/>
-              </a:cxn>
-              <a:cxn ang="16200000">
-                <a:pos x="wd2" y="hd2"/>
-              </a:cxn>
-            </a:cxnLst>
-            <a:rect l="0" t="0" r="r" b="b"/>
-            <a:pathLst>
-              <a:path w="21600" h="21600" extrusionOk="0">
-                <a:moveTo>
-                  <a:pt x="10800" y="20618"/>
-                </a:moveTo>
-                <a:cubicBezTo>
-                  <a:pt x="5377" y="20618"/>
-                  <a:pt x="982" y="16223"/>
-                  <a:pt x="982" y="10800"/>
-                </a:cubicBezTo>
-                <a:cubicBezTo>
-                  <a:pt x="982" y="5377"/>
-                  <a:pt x="5377" y="982"/>
-                  <a:pt x="10800" y="982"/>
-                </a:cubicBezTo>
-                <a:cubicBezTo>
-                  <a:pt x="16223" y="982"/>
-                  <a:pt x="20618" y="5377"/>
-                  <a:pt x="20618" y="10800"/>
-                </a:cubicBezTo>
-                <a:cubicBezTo>
-                  <a:pt x="20618" y="16223"/>
-                  <a:pt x="16223" y="20618"/>
-                  <a:pt x="10800" y="20618"/>
-                </a:cubicBezTo>
-                <a:moveTo>
-                  <a:pt x="18280" y="18579"/>
-                </a:moveTo>
-                <a:cubicBezTo>
-                  <a:pt x="20323" y="16614"/>
-                  <a:pt x="21600" y="13859"/>
-                  <a:pt x="21600" y="10800"/>
-                </a:cubicBezTo>
-                <a:cubicBezTo>
-                  <a:pt x="21600" y="4835"/>
-                  <a:pt x="16764" y="0"/>
-                  <a:pt x="10800" y="0"/>
-                </a:cubicBezTo>
-                <a:cubicBezTo>
-                  <a:pt x="4836" y="0"/>
-                  <a:pt x="0" y="4835"/>
-                  <a:pt x="0" y="10800"/>
-                </a:cubicBezTo>
-                <a:cubicBezTo>
-                  <a:pt x="0" y="13859"/>
-                  <a:pt x="1277" y="16614"/>
-                  <a:pt x="3320" y="18579"/>
-                </a:cubicBezTo>
-                <a:lnTo>
-                  <a:pt x="2107" y="20762"/>
-                </a:lnTo>
-                <a:cubicBezTo>
-                  <a:pt x="2019" y="20851"/>
-                  <a:pt x="1964" y="20974"/>
-                  <a:pt x="1964" y="21109"/>
-                </a:cubicBezTo>
-                <a:cubicBezTo>
-                  <a:pt x="1964" y="21380"/>
-                  <a:pt x="2184" y="21600"/>
-                  <a:pt x="2455" y="21600"/>
-                </a:cubicBezTo>
-                <a:cubicBezTo>
-                  <a:pt x="2590" y="21600"/>
-                  <a:pt x="2713" y="21545"/>
-                  <a:pt x="2802" y="21456"/>
-                </a:cubicBezTo>
-                <a:cubicBezTo>
-                  <a:pt x="2858" y="21400"/>
-                  <a:pt x="2894" y="21327"/>
-                  <a:pt x="2917" y="21248"/>
-                </a:cubicBezTo>
-                <a:lnTo>
-                  <a:pt x="4044" y="19219"/>
-                </a:lnTo>
-                <a:cubicBezTo>
-                  <a:pt x="5895" y="20706"/>
-                  <a:pt x="8242" y="21600"/>
-                  <a:pt x="10800" y="21600"/>
-                </a:cubicBezTo>
-                <a:cubicBezTo>
-                  <a:pt x="13358" y="21600"/>
-                  <a:pt x="15705" y="20706"/>
-                  <a:pt x="17555" y="19219"/>
-                </a:cubicBezTo>
-                <a:lnTo>
-                  <a:pt x="18683" y="21248"/>
-                </a:lnTo>
-                <a:cubicBezTo>
-                  <a:pt x="18743" y="21450"/>
-                  <a:pt x="18923" y="21600"/>
-                  <a:pt x="19145" y="21600"/>
-                </a:cubicBezTo>
-                <a:cubicBezTo>
-                  <a:pt x="19416" y="21600"/>
-                  <a:pt x="19636" y="21380"/>
-                  <a:pt x="19636" y="21109"/>
-                </a:cubicBezTo>
-                <a:cubicBezTo>
-                  <a:pt x="19636" y="20974"/>
-                  <a:pt x="19581" y="20851"/>
-                  <a:pt x="19493" y="20762"/>
-                </a:cubicBezTo>
-                <a:cubicBezTo>
-                  <a:pt x="19493" y="20762"/>
-                  <a:pt x="18280" y="18579"/>
-                  <a:pt x="18280" y="18579"/>
-                </a:cubicBezTo>
-                <a:close/>
-                <a:moveTo>
-                  <a:pt x="10800" y="16691"/>
-                </a:moveTo>
-                <a:cubicBezTo>
-                  <a:pt x="7547" y="16691"/>
-                  <a:pt x="4909" y="14053"/>
-                  <a:pt x="4909" y="10800"/>
-                </a:cubicBezTo>
-                <a:cubicBezTo>
-                  <a:pt x="4909" y="7547"/>
-                  <a:pt x="7547" y="4909"/>
-                  <a:pt x="10800" y="4909"/>
-                </a:cubicBezTo>
-                <a:cubicBezTo>
-                  <a:pt x="14053" y="4909"/>
-                  <a:pt x="16691" y="7547"/>
-                  <a:pt x="16691" y="10800"/>
-                </a:cubicBezTo>
-                <a:cubicBezTo>
-                  <a:pt x="16691" y="14053"/>
-                  <a:pt x="14053" y="16691"/>
-                  <a:pt x="10800" y="16691"/>
-                </a:cubicBezTo>
-                <a:moveTo>
-                  <a:pt x="10800" y="3927"/>
-                </a:moveTo>
-                <a:cubicBezTo>
-                  <a:pt x="7004" y="3927"/>
-                  <a:pt x="3927" y="7004"/>
-                  <a:pt x="3927" y="10800"/>
-                </a:cubicBezTo>
-                <a:cubicBezTo>
-                  <a:pt x="3927" y="14596"/>
-                  <a:pt x="7004" y="17673"/>
-                  <a:pt x="10800" y="17673"/>
-                </a:cubicBezTo>
-                <a:cubicBezTo>
-                  <a:pt x="14596" y="17673"/>
-                  <a:pt x="17673" y="14596"/>
-                  <a:pt x="17673" y="10800"/>
-                </a:cubicBezTo>
-                <a:cubicBezTo>
-                  <a:pt x="17673" y="7004"/>
-                  <a:pt x="14596" y="3927"/>
-                  <a:pt x="10800" y="3927"/>
-                </a:cubicBezTo>
-                <a:moveTo>
-                  <a:pt x="10800" y="12764"/>
-                </a:moveTo>
-                <a:cubicBezTo>
-                  <a:pt x="9716" y="12764"/>
-                  <a:pt x="8836" y="11884"/>
-                  <a:pt x="8836" y="10800"/>
-                </a:cubicBezTo>
-                <a:cubicBezTo>
-                  <a:pt x="8836" y="9716"/>
-                  <a:pt x="9716" y="8836"/>
-                  <a:pt x="10800" y="8836"/>
-                </a:cubicBezTo>
-                <a:cubicBezTo>
-                  <a:pt x="11884" y="8836"/>
-                  <a:pt x="12764" y="9716"/>
-                  <a:pt x="12764" y="10800"/>
-                </a:cubicBezTo>
-                <a:cubicBezTo>
-                  <a:pt x="12764" y="11884"/>
-                  <a:pt x="11884" y="12764"/>
-                  <a:pt x="10800" y="12764"/>
-                </a:cubicBezTo>
-                <a:moveTo>
-                  <a:pt x="10800" y="7855"/>
-                </a:moveTo>
-                <a:cubicBezTo>
-                  <a:pt x="9173" y="7855"/>
-                  <a:pt x="7855" y="9173"/>
-                  <a:pt x="7855" y="10800"/>
-                </a:cubicBezTo>
-                <a:cubicBezTo>
-                  <a:pt x="7855" y="12427"/>
-                  <a:pt x="9173" y="13745"/>
-                  <a:pt x="10800" y="13745"/>
-                </a:cubicBezTo>
-                <a:cubicBezTo>
-                  <a:pt x="12427" y="13745"/>
-                  <a:pt x="13745" y="12427"/>
-                  <a:pt x="13745" y="10800"/>
-                </a:cubicBezTo>
-                <a:cubicBezTo>
-                  <a:pt x="13745" y="9173"/>
-                  <a:pt x="12427" y="7855"/>
-                  <a:pt x="10800" y="7855"/>
-                </a:cubicBezTo>
-              </a:path>
-            </a:pathLst>
-          </a:custGeom>
-          <a:solidFill>
-            <a:schemeClr val="accent3"/>
-          </a:solidFill>
-          <a:ln w="12700">
-            <a:miter lim="400000"/>
-          </a:ln>
-        </p:spPr>
-        <p:txBody>
-          <a:bodyPr lIns="38090" tIns="38090" rIns="38090" bIns="38090" anchor="ctr"/>
-          <a:lstStyle/>
-          <a:p>
-            <a:pPr defTabSz="457079">
-              <a:defRPr sz="3000" cap="none">
-                <a:solidFill>
-                  <a:srgbClr val="FFFFFF"/>
-                </a:solidFill>
-                <a:effectLst>
-                  <a:outerShdw blurRad="38100" dist="12700" dir="5400000" rotWithShape="0">
-                    <a:srgbClr val="000000">
-                      <a:alpha val="50000"/>
-                    </a:srgbClr>
-                  </a:outerShdw>
-                </a:effectLst>
-                <a:latin typeface="Gill Sans"/>
-                <a:ea typeface="Gill Sans"/>
-                <a:cs typeface="Gill Sans"/>
-                <a:sym typeface="Gill Sans"/>
-              </a:defRPr>
-            </a:pPr>
-            <a:endParaRPr sz="2999"/>
-          </a:p>
-        </p:txBody>
-      </p:sp>
-      <p:sp>
-        <p:nvSpPr>
-          <p:cNvPr id="37" name="TextBox 36"/>
-          <p:cNvSpPr txBox="1"/>
-          <p:nvPr/>
-        </p:nvSpPr>
-        <p:spPr>
-          <a:xfrm>
-            <a:off x="3198080" y="5238105"/>
-            <a:ext cx="2935419" cy="646331"/>
-          </a:xfrm>
-          <a:prstGeom prst="rect">
-            <a:avLst/>
-          </a:prstGeom>
-          <a:noFill/>
-        </p:spPr>
-        <p:txBody>
-          <a:bodyPr wrap="none" rtlCol="0">
-            <a:spAutoFit/>
-          </a:bodyPr>
-          <a:lstStyle/>
-          <a:p>
-            <a:r>
-              <a:rPr lang="en-US" dirty="0">
-                <a:solidFill>
-                  <a:schemeClr val="accent1"/>
-                </a:solidFill>
-                <a:latin typeface="Lato Light" charset="0"/>
-                <a:ea typeface="Lato Light" charset="0"/>
-                <a:cs typeface="Lato Light" charset="0"/>
-              </a:rPr>
-              <a:t>Service Name</a:t>
-            </a:r>
-            <a:endParaRPr lang="en-US" sz="4000" dirty="0">
-              <a:solidFill>
-                <a:schemeClr val="accent1"/>
-              </a:solidFill>
-              <a:latin typeface="Lato Light" charset="0"/>
-              <a:ea typeface="Lato Light" charset="0"/>
-              <a:cs typeface="Lato Light" charset="0"/>
-            </a:endParaRPr>
-          </a:p>
-        </p:txBody>
-      </p:sp>
-      <p:sp>
-        <p:nvSpPr>
-          <p:cNvPr id="39" name="TextBox 38"/>
-          <p:cNvSpPr txBox="1"/>
-          <p:nvPr/>
-        </p:nvSpPr>
-        <p:spPr>
-          <a:xfrm>
-            <a:off x="3198080" y="5910167"/>
-            <a:ext cx="3656770" cy="954107"/>
-          </a:xfrm>
-          <a:prstGeom prst="rect">
-            <a:avLst/>
-          </a:prstGeom>
-          <a:noFill/>
-        </p:spPr>
-        <p:txBody>
-          <a:bodyPr wrap="square" rtlCol="0">
-            <a:spAutoFit/>
-          </a:bodyPr>
-          <a:lstStyle/>
-          <a:p>
-            <a:r>
-              <a:rPr lang="en-US" sz="2800" dirty="0">
-                <a:latin typeface="Lato Light" charset="0"/>
-                <a:ea typeface="Lato Light" charset="0"/>
-                <a:cs typeface="Lato Light" charset="0"/>
-              </a:rPr>
-              <a:t>A telegraph wire, or a strand of cobweb,</a:t>
-            </a:r>
-          </a:p>
-        </p:txBody>
-      </p:sp>
-      <p:sp>
-        <p:nvSpPr>
-          <p:cNvPr id="41" name="TextBox 40"/>
-          <p:cNvSpPr txBox="1"/>
-          <p:nvPr/>
-        </p:nvSpPr>
-        <p:spPr>
-          <a:xfrm>
-            <a:off x="3198080" y="7392784"/>
-            <a:ext cx="2935419" cy="646331"/>
-          </a:xfrm>
-          <a:prstGeom prst="rect">
-            <a:avLst/>
-          </a:prstGeom>
-          <a:noFill/>
-        </p:spPr>
-        <p:txBody>
-          <a:bodyPr wrap="none" rtlCol="0">
-            <a:spAutoFit/>
-          </a:bodyPr>
-          <a:lstStyle/>
-          <a:p>
-            <a:r>
-              <a:rPr lang="en-US" dirty="0">
-                <a:solidFill>
-                  <a:schemeClr val="accent2"/>
-                </a:solidFill>
-                <a:latin typeface="Lato Light" charset="0"/>
-                <a:ea typeface="Lato Light" charset="0"/>
-                <a:cs typeface="Lato Light" charset="0"/>
-              </a:rPr>
-              <a:t>Service Name</a:t>
-            </a:r>
-            <a:endParaRPr lang="en-US" sz="4000" dirty="0">
-              <a:solidFill>
-                <a:schemeClr val="accent2"/>
-              </a:solidFill>
-              <a:latin typeface="Lato Light" charset="0"/>
-              <a:ea typeface="Lato Light" charset="0"/>
-              <a:cs typeface="Lato Light" charset="0"/>
-            </a:endParaRPr>
-          </a:p>
-        </p:txBody>
-      </p:sp>
-      <p:sp>
-        <p:nvSpPr>
-          <p:cNvPr id="43" name="TextBox 42"/>
-          <p:cNvSpPr txBox="1"/>
-          <p:nvPr/>
-        </p:nvSpPr>
-        <p:spPr>
-          <a:xfrm>
-            <a:off x="3198080" y="8064846"/>
-            <a:ext cx="3656770" cy="954107"/>
-          </a:xfrm>
-          <a:prstGeom prst="rect">
-            <a:avLst/>
-          </a:prstGeom>
-          <a:noFill/>
-        </p:spPr>
-        <p:txBody>
-          <a:bodyPr wrap="square" rtlCol="0">
-            <a:spAutoFit/>
-          </a:bodyPr>
-          <a:lstStyle/>
-          <a:p>
-            <a:r>
-              <a:rPr lang="en-US" sz="2800" dirty="0">
-                <a:latin typeface="Lato Light" charset="0"/>
-                <a:ea typeface="Lato Light" charset="0"/>
-                <a:cs typeface="Lato Light" charset="0"/>
-              </a:rPr>
-              <a:t>A telegraph wire, or a strand of cobweb,</a:t>
-            </a:r>
-          </a:p>
-        </p:txBody>
-      </p:sp>
-      <p:sp>
-        <p:nvSpPr>
-          <p:cNvPr id="45" name="TextBox 44"/>
-          <p:cNvSpPr txBox="1"/>
-          <p:nvPr/>
-        </p:nvSpPr>
-        <p:spPr>
-          <a:xfrm>
-            <a:off x="3198080" y="9547796"/>
-            <a:ext cx="2935419" cy="646331"/>
-          </a:xfrm>
-          <a:prstGeom prst="rect">
-            <a:avLst/>
-          </a:prstGeom>
-          <a:noFill/>
-        </p:spPr>
-        <p:txBody>
-          <a:bodyPr wrap="none" rtlCol="0">
-            <a:spAutoFit/>
-          </a:bodyPr>
-          <a:lstStyle/>
-          <a:p>
-            <a:r>
-              <a:rPr lang="en-US" dirty="0">
-                <a:solidFill>
-                  <a:schemeClr val="accent3"/>
-                </a:solidFill>
-                <a:latin typeface="Lato Light" charset="0"/>
-                <a:ea typeface="Lato Light" charset="0"/>
-                <a:cs typeface="Lato Light" charset="0"/>
-              </a:rPr>
-              <a:t>Service Name</a:t>
-            </a:r>
-            <a:endParaRPr lang="en-US" sz="4000" dirty="0">
-              <a:solidFill>
-                <a:schemeClr val="accent3"/>
-              </a:solidFill>
-              <a:latin typeface="Lato Light" charset="0"/>
-              <a:ea typeface="Lato Light" charset="0"/>
-              <a:cs typeface="Lato Light" charset="0"/>
-            </a:endParaRPr>
-          </a:p>
-        </p:txBody>
-      </p:sp>
-      <p:sp>
-        <p:nvSpPr>
-          <p:cNvPr id="47" name="TextBox 46"/>
-          <p:cNvSpPr txBox="1"/>
-          <p:nvPr/>
-        </p:nvSpPr>
-        <p:spPr>
-          <a:xfrm>
-            <a:off x="3198080" y="10219859"/>
-            <a:ext cx="3656770" cy="954107"/>
-          </a:xfrm>
-          <a:prstGeom prst="rect">
-            <a:avLst/>
-          </a:prstGeom>
-          <a:noFill/>
-        </p:spPr>
-        <p:txBody>
-          <a:bodyPr wrap="square" rtlCol="0">
-            <a:spAutoFit/>
-          </a:bodyPr>
-          <a:lstStyle/>
-          <a:p>
-            <a:r>
-              <a:rPr lang="en-US" sz="2800" dirty="0">
-                <a:latin typeface="Lato Light" charset="0"/>
-                <a:ea typeface="Lato Light" charset="0"/>
-                <a:cs typeface="Lato Light" charset="0"/>
-              </a:rPr>
-              <a:t>A telegraph wire, or a strand of cobweb,</a:t>
-            </a:r>
-          </a:p>
-        </p:txBody>
-      </p:sp>
-      <p:sp>
-        <p:nvSpPr>
-          <p:cNvPr id="49" name="TextBox 48"/>
-          <p:cNvSpPr txBox="1"/>
-          <p:nvPr/>
-        </p:nvSpPr>
-        <p:spPr>
-          <a:xfrm>
-            <a:off x="10398401" y="5238105"/>
-            <a:ext cx="2935419" cy="646331"/>
-          </a:xfrm>
-          <a:prstGeom prst="rect">
-            <a:avLst/>
-          </a:prstGeom>
-          <a:noFill/>
-        </p:spPr>
-        <p:txBody>
-          <a:bodyPr wrap="none" rtlCol="0">
-            <a:spAutoFit/>
-          </a:bodyPr>
-          <a:lstStyle/>
-          <a:p>
-            <a:r>
-              <a:rPr lang="en-US" dirty="0">
-                <a:solidFill>
-                  <a:schemeClr val="accent4"/>
-                </a:solidFill>
-                <a:latin typeface="Lato Light" charset="0"/>
-                <a:ea typeface="Lato Light" charset="0"/>
-                <a:cs typeface="Lato Light" charset="0"/>
-              </a:rPr>
-              <a:t>Service Name</a:t>
-            </a:r>
-            <a:endParaRPr lang="en-US" sz="4000" dirty="0">
-              <a:solidFill>
-                <a:schemeClr val="accent4"/>
-              </a:solidFill>
-              <a:latin typeface="Lato Light" charset="0"/>
-              <a:ea typeface="Lato Light" charset="0"/>
-              <a:cs typeface="Lato Light" charset="0"/>
-            </a:endParaRPr>
-          </a:p>
-        </p:txBody>
-      </p:sp>
-      <p:sp>
-        <p:nvSpPr>
-          <p:cNvPr id="51" name="TextBox 50"/>
-          <p:cNvSpPr txBox="1"/>
-          <p:nvPr/>
-        </p:nvSpPr>
-        <p:spPr>
-          <a:xfrm>
-            <a:off x="10398401" y="5910167"/>
-            <a:ext cx="3656770" cy="954107"/>
-          </a:xfrm>
-          <a:prstGeom prst="rect">
-            <a:avLst/>
-          </a:prstGeom>
-          <a:noFill/>
-        </p:spPr>
-        <p:txBody>
-          <a:bodyPr wrap="square" rtlCol="0">
-            <a:spAutoFit/>
-          </a:bodyPr>
-          <a:lstStyle/>
-          <a:p>
-            <a:r>
-              <a:rPr lang="en-US" sz="2800" dirty="0">
-                <a:latin typeface="Lato Light" charset="0"/>
-                <a:ea typeface="Lato Light" charset="0"/>
-                <a:cs typeface="Lato Light" charset="0"/>
-              </a:rPr>
-              <a:t>A telegraph wire, or a strand of cobweb,</a:t>
-            </a:r>
-          </a:p>
-        </p:txBody>
-      </p:sp>
-      <p:sp>
-        <p:nvSpPr>
-          <p:cNvPr id="53" name="TextBox 52"/>
-          <p:cNvSpPr txBox="1"/>
-          <p:nvPr/>
-        </p:nvSpPr>
-        <p:spPr>
-          <a:xfrm>
-            <a:off x="10398401" y="7392784"/>
-            <a:ext cx="2935419" cy="646331"/>
-          </a:xfrm>
-          <a:prstGeom prst="rect">
-            <a:avLst/>
-          </a:prstGeom>
-          <a:noFill/>
-        </p:spPr>
-        <p:txBody>
-          <a:bodyPr wrap="none" rtlCol="0">
-            <a:spAutoFit/>
-          </a:bodyPr>
-          <a:lstStyle/>
-          <a:p>
-            <a:r>
-              <a:rPr lang="en-US" dirty="0">
-                <a:solidFill>
-                  <a:schemeClr val="accent5"/>
-                </a:solidFill>
-                <a:latin typeface="Lato Light" charset="0"/>
-                <a:ea typeface="Lato Light" charset="0"/>
-                <a:cs typeface="Lato Light" charset="0"/>
-              </a:rPr>
-              <a:t>Service Name</a:t>
-            </a:r>
-            <a:endParaRPr lang="en-US" sz="4000" dirty="0">
-              <a:solidFill>
-                <a:schemeClr val="accent5"/>
-              </a:solidFill>
-              <a:latin typeface="Lato Light" charset="0"/>
-              <a:ea typeface="Lato Light" charset="0"/>
-              <a:cs typeface="Lato Light" charset="0"/>
-            </a:endParaRPr>
-          </a:p>
-        </p:txBody>
-      </p:sp>
-      <p:sp>
-        <p:nvSpPr>
-          <p:cNvPr id="63" name="TextBox 62"/>
-          <p:cNvSpPr txBox="1"/>
-          <p:nvPr/>
-        </p:nvSpPr>
-        <p:spPr>
-          <a:xfrm>
-            <a:off x="10398401" y="8064846"/>
-            <a:ext cx="3656770" cy="954107"/>
-          </a:xfrm>
-          <a:prstGeom prst="rect">
-            <a:avLst/>
-          </a:prstGeom>
-          <a:noFill/>
-        </p:spPr>
-        <p:txBody>
-          <a:bodyPr wrap="square" rtlCol="0">
-            <a:spAutoFit/>
-          </a:bodyPr>
-          <a:lstStyle/>
-          <a:p>
-            <a:r>
-              <a:rPr lang="en-US" sz="2800" dirty="0">
-                <a:latin typeface="Lato Light" charset="0"/>
-                <a:ea typeface="Lato Light" charset="0"/>
-                <a:cs typeface="Lato Light" charset="0"/>
-              </a:rPr>
-              <a:t>A telegraph wire, or a strand of cobweb,</a:t>
-            </a:r>
-          </a:p>
-        </p:txBody>
-      </p:sp>
-      <p:sp>
-        <p:nvSpPr>
-          <p:cNvPr id="65" name="TextBox 64"/>
-          <p:cNvSpPr txBox="1"/>
-          <p:nvPr/>
-        </p:nvSpPr>
-        <p:spPr>
-          <a:xfrm>
-            <a:off x="10398401" y="9547796"/>
-            <a:ext cx="2935419" cy="646331"/>
-          </a:xfrm>
-          <a:prstGeom prst="rect">
-            <a:avLst/>
-          </a:prstGeom>
-          <a:noFill/>
-        </p:spPr>
-        <p:txBody>
-          <a:bodyPr wrap="none" rtlCol="0">
-            <a:spAutoFit/>
-          </a:bodyPr>
-          <a:lstStyle/>
-          <a:p>
-            <a:r>
-              <a:rPr lang="en-US" dirty="0">
-                <a:solidFill>
-                  <a:schemeClr val="accent6"/>
-                </a:solidFill>
-                <a:latin typeface="Lato Light" charset="0"/>
-                <a:ea typeface="Lato Light" charset="0"/>
-                <a:cs typeface="Lato Light" charset="0"/>
-              </a:rPr>
-              <a:t>Service Name</a:t>
-            </a:r>
-            <a:endParaRPr lang="en-US" sz="4000" dirty="0">
-              <a:solidFill>
-                <a:schemeClr val="accent6"/>
-              </a:solidFill>
-              <a:latin typeface="Lato Light" charset="0"/>
-              <a:ea typeface="Lato Light" charset="0"/>
-              <a:cs typeface="Lato Light" charset="0"/>
-            </a:endParaRPr>
-          </a:p>
-        </p:txBody>
-      </p:sp>
-      <p:sp>
-        <p:nvSpPr>
-          <p:cNvPr id="71" name="TextBox 70"/>
-          <p:cNvSpPr txBox="1"/>
-          <p:nvPr/>
-        </p:nvSpPr>
-        <p:spPr>
-          <a:xfrm>
-            <a:off x="10398401" y="10219859"/>
-            <a:ext cx="3656770" cy="954107"/>
-          </a:xfrm>
-          <a:prstGeom prst="rect">
-            <a:avLst/>
-          </a:prstGeom>
-          <a:noFill/>
-        </p:spPr>
-        <p:txBody>
-          <a:bodyPr wrap="square" rtlCol="0">
-            <a:spAutoFit/>
-          </a:bodyPr>
-          <a:lstStyle/>
-          <a:p>
-            <a:r>
-              <a:rPr lang="en-US" sz="2800" dirty="0">
-                <a:latin typeface="Lato Light" charset="0"/>
-                <a:ea typeface="Lato Light" charset="0"/>
-                <a:cs typeface="Lato Light" charset="0"/>
-              </a:rPr>
-              <a:t>A telegraph wire, or a strand of cobweb,</a:t>
-            </a:r>
-          </a:p>
-        </p:txBody>
-      </p:sp>
-      <p:sp>
-        <p:nvSpPr>
-          <p:cNvPr id="78" name="TextBox 77"/>
-          <p:cNvSpPr txBox="1"/>
-          <p:nvPr/>
-        </p:nvSpPr>
-        <p:spPr>
-          <a:xfrm>
-            <a:off x="17340638" y="5238105"/>
-            <a:ext cx="2935419" cy="646331"/>
-          </a:xfrm>
-          <a:prstGeom prst="rect">
-            <a:avLst/>
-          </a:prstGeom>
-          <a:noFill/>
-        </p:spPr>
-        <p:txBody>
-          <a:bodyPr wrap="none" rtlCol="0">
-            <a:spAutoFit/>
-          </a:bodyPr>
-          <a:lstStyle/>
-          <a:p>
-            <a:r>
-              <a:rPr lang="en-US" dirty="0">
-                <a:solidFill>
-                  <a:schemeClr val="accent1"/>
-                </a:solidFill>
-                <a:latin typeface="Lato Light" charset="0"/>
-                <a:ea typeface="Lato Light" charset="0"/>
-                <a:cs typeface="Lato Light" charset="0"/>
-              </a:rPr>
-              <a:t>Service Name</a:t>
-            </a:r>
-            <a:endParaRPr lang="en-US" sz="4000" dirty="0">
-              <a:solidFill>
-                <a:schemeClr val="accent1"/>
-              </a:solidFill>
-              <a:latin typeface="Lato Light" charset="0"/>
-              <a:ea typeface="Lato Light" charset="0"/>
-              <a:cs typeface="Lato Light" charset="0"/>
-            </a:endParaRPr>
-          </a:p>
-        </p:txBody>
-      </p:sp>
-      <p:sp>
-        <p:nvSpPr>
-          <p:cNvPr id="82" name="TextBox 81"/>
-          <p:cNvSpPr txBox="1"/>
-          <p:nvPr/>
-        </p:nvSpPr>
-        <p:spPr>
-          <a:xfrm>
-            <a:off x="17340638" y="5910167"/>
-            <a:ext cx="3656770" cy="954107"/>
-          </a:xfrm>
-          <a:prstGeom prst="rect">
-            <a:avLst/>
-          </a:prstGeom>
-          <a:noFill/>
-        </p:spPr>
-        <p:txBody>
-          <a:bodyPr wrap="square" rtlCol="0">
-            <a:spAutoFit/>
-          </a:bodyPr>
-          <a:lstStyle/>
-          <a:p>
-            <a:r>
-              <a:rPr lang="en-US" sz="2800" dirty="0">
-                <a:latin typeface="Lato Light" charset="0"/>
-                <a:ea typeface="Lato Light" charset="0"/>
-                <a:cs typeface="Lato Light" charset="0"/>
-              </a:rPr>
-              <a:t>A telegraph wire, or a strand of cobweb,</a:t>
-            </a:r>
-          </a:p>
-        </p:txBody>
-      </p:sp>
-      <p:sp>
-        <p:nvSpPr>
-          <p:cNvPr id="84" name="TextBox 83"/>
-          <p:cNvSpPr txBox="1"/>
-          <p:nvPr/>
-        </p:nvSpPr>
-        <p:spPr>
-          <a:xfrm>
-            <a:off x="17340638" y="7392784"/>
-            <a:ext cx="2935419" cy="646331"/>
-          </a:xfrm>
-          <a:prstGeom prst="rect">
-            <a:avLst/>
-          </a:prstGeom>
-          <a:noFill/>
-        </p:spPr>
-        <p:txBody>
-          <a:bodyPr wrap="none" rtlCol="0">
-            <a:spAutoFit/>
-          </a:bodyPr>
-          <a:lstStyle/>
-          <a:p>
-            <a:r>
-              <a:rPr lang="en-US" dirty="0">
-                <a:solidFill>
-                  <a:schemeClr val="accent2"/>
-                </a:solidFill>
-                <a:latin typeface="Lato Light" charset="0"/>
-                <a:ea typeface="Lato Light" charset="0"/>
-                <a:cs typeface="Lato Light" charset="0"/>
-              </a:rPr>
-              <a:t>Service Name</a:t>
-            </a:r>
-            <a:endParaRPr lang="en-US" sz="4000" dirty="0">
-              <a:solidFill>
-                <a:schemeClr val="accent2"/>
-              </a:solidFill>
-              <a:latin typeface="Lato Light" charset="0"/>
-              <a:ea typeface="Lato Light" charset="0"/>
-              <a:cs typeface="Lato Light" charset="0"/>
-            </a:endParaRPr>
-          </a:p>
-        </p:txBody>
-      </p:sp>
-      <p:sp>
-        <p:nvSpPr>
-          <p:cNvPr id="86" name="TextBox 85"/>
-          <p:cNvSpPr txBox="1"/>
-          <p:nvPr/>
-        </p:nvSpPr>
-        <p:spPr>
-          <a:xfrm>
-            <a:off x="17340638" y="8064846"/>
-            <a:ext cx="3656770" cy="954107"/>
-          </a:xfrm>
-          <a:prstGeom prst="rect">
-            <a:avLst/>
-          </a:prstGeom>
-          <a:noFill/>
-        </p:spPr>
-        <p:txBody>
-          <a:bodyPr wrap="square" rtlCol="0">
-            <a:spAutoFit/>
-          </a:bodyPr>
-          <a:lstStyle/>
-          <a:p>
-            <a:r>
-              <a:rPr lang="en-US" sz="2800" dirty="0">
-                <a:latin typeface="Lato Light" charset="0"/>
-                <a:ea typeface="Lato Light" charset="0"/>
-                <a:cs typeface="Lato Light" charset="0"/>
-              </a:rPr>
-              <a:t>A telegraph wire, or a strand of cobweb,</a:t>
-            </a:r>
-          </a:p>
-        </p:txBody>
-      </p:sp>
-      <p:sp>
-        <p:nvSpPr>
-          <p:cNvPr id="88" name="TextBox 87"/>
-          <p:cNvSpPr txBox="1"/>
-          <p:nvPr/>
-        </p:nvSpPr>
-        <p:spPr>
-          <a:xfrm>
-            <a:off x="17340638" y="9547796"/>
-            <a:ext cx="2935419" cy="646331"/>
-          </a:xfrm>
-          <a:prstGeom prst="rect">
-            <a:avLst/>
-          </a:prstGeom>
-          <a:noFill/>
-        </p:spPr>
-        <p:txBody>
-          <a:bodyPr wrap="none" rtlCol="0">
-            <a:spAutoFit/>
-          </a:bodyPr>
-          <a:lstStyle/>
-          <a:p>
-            <a:r>
-              <a:rPr lang="en-US" dirty="0">
-                <a:solidFill>
-                  <a:schemeClr val="accent3"/>
-                </a:solidFill>
-                <a:latin typeface="Lato Light" charset="0"/>
-                <a:ea typeface="Lato Light" charset="0"/>
-                <a:cs typeface="Lato Light" charset="0"/>
-              </a:rPr>
-              <a:t>Service Name</a:t>
-            </a:r>
-            <a:endParaRPr lang="en-US" sz="4000" dirty="0">
-              <a:solidFill>
-                <a:schemeClr val="accent3"/>
-              </a:solidFill>
-              <a:latin typeface="Lato Light" charset="0"/>
-              <a:ea typeface="Lato Light" charset="0"/>
-              <a:cs typeface="Lato Light" charset="0"/>
-            </a:endParaRPr>
-          </a:p>
-        </p:txBody>
-      </p:sp>
-      <p:sp>
-        <p:nvSpPr>
-          <p:cNvPr id="90" name="TextBox 89"/>
-          <p:cNvSpPr txBox="1"/>
-          <p:nvPr/>
-        </p:nvSpPr>
-        <p:spPr>
-          <a:xfrm>
-            <a:off x="17340638" y="10219859"/>
-            <a:ext cx="3656770" cy="954107"/>
-          </a:xfrm>
-          <a:prstGeom prst="rect">
-            <a:avLst/>
-          </a:prstGeom>
-          <a:noFill/>
-        </p:spPr>
-        <p:txBody>
-          <a:bodyPr wrap="square" rtlCol="0">
-            <a:spAutoFit/>
-          </a:bodyPr>
-          <a:lstStyle/>
-          <a:p>
-            <a:r>
-              <a:rPr lang="en-US" sz="2800" dirty="0">
-                <a:latin typeface="Lato Light" charset="0"/>
-                <a:ea typeface="Lato Light" charset="0"/>
-                <a:cs typeface="Lato Light" charset="0"/>
-              </a:rPr>
-              <a:t>A telegraph wire, or a strand of cobweb,</a:t>
-            </a:r>
-          </a:p>
-        </p:txBody>
-      </p:sp>
-      <p:sp>
-        <p:nvSpPr>
-          <p:cNvPr id="91" name="TextBox 90"/>
-          <p:cNvSpPr txBox="1"/>
-          <p:nvPr/>
-        </p:nvSpPr>
-        <p:spPr>
-          <a:xfrm>
-            <a:off x="1563687" y="1264885"/>
-            <a:ext cx="4397358" cy="1015663"/>
-          </a:xfrm>
-          <a:prstGeom prst="rect">
-            <a:avLst/>
-          </a:prstGeom>
-          <a:noFill/>
-        </p:spPr>
-        <p:txBody>
-          <a:bodyPr wrap="none" rtlCol="0">
-            <a:spAutoFit/>
-          </a:bodyPr>
-          <a:lstStyle/>
-          <a:p>
-            <a:r>
-              <a:rPr lang="en-US" sz="6000" dirty="0">
-                <a:latin typeface="Lato Light" charset="0"/>
-                <a:ea typeface="Lato Light" charset="0"/>
-                <a:cs typeface="Lato Light" charset="0"/>
-              </a:rPr>
-              <a:t>Our Services</a:t>
-            </a:r>
-          </a:p>
-        </p:txBody>
-      </p:sp>
-      <p:sp>
-        <p:nvSpPr>
-          <p:cNvPr id="92" name="TextBox 91"/>
-          <p:cNvSpPr txBox="1"/>
-          <p:nvPr/>
-        </p:nvSpPr>
-        <p:spPr>
-          <a:xfrm>
-            <a:off x="1563687" y="2221253"/>
-            <a:ext cx="5657318" cy="584775"/>
-          </a:xfrm>
-          <a:prstGeom prst="rect">
-            <a:avLst/>
-          </a:prstGeom>
-          <a:noFill/>
-        </p:spPr>
-        <p:txBody>
-          <a:bodyPr wrap="none" rtlCol="0">
-            <a:spAutoFit/>
-          </a:bodyPr>
-          <a:lstStyle/>
-          <a:p>
-            <a:r>
-              <a:rPr lang="en-US" sz="3200" dirty="0">
-                <a:latin typeface="Lato Light" charset="0"/>
-                <a:ea typeface="Lato Light" charset="0"/>
-                <a:cs typeface="Lato Light" charset="0"/>
-              </a:rPr>
-              <a:t>Write something in this section</a:t>
-            </a:r>
-          </a:p>
-        </p:txBody>
-      </p:sp>
-      <p:sp>
-        <p:nvSpPr>
-          <p:cNvPr id="94" name="TextBox 93"/>
-          <p:cNvSpPr txBox="1"/>
-          <p:nvPr/>
-        </p:nvSpPr>
-        <p:spPr>
-          <a:xfrm>
-            <a:off x="1577058" y="3025502"/>
-            <a:ext cx="21022215" cy="1127040"/>
-          </a:xfrm>
-          <a:prstGeom prst="rect">
-            <a:avLst/>
-          </a:prstGeom>
-          <a:noFill/>
-        </p:spPr>
-        <p:txBody>
-          <a:bodyPr wrap="square" rtlCol="0">
-            <a:spAutoFit/>
-          </a:bodyPr>
-          <a:lstStyle/>
-          <a:p>
-            <a:pPr>
-              <a:lnSpc>
-                <a:spcPct val="150000"/>
-              </a:lnSpc>
-            </a:pPr>
-            <a:r>
-              <a:rPr lang="en-US" sz="2399" dirty="0">
-                <a:latin typeface="Lato Light" charset="0"/>
-                <a:ea typeface="Lato Light" charset="0"/>
-                <a:cs typeface="Lato Light" charset="0"/>
-              </a:rPr>
-              <a:t>First: What is a Fast-Fish? Alive or dead a fish is technically fast, when it is connected with an occupied ship or boat, by any medium at all controllable by the occupant or occupants,—a mast, an oar, a nine-inch cable, a telegraph wire, or a strand of cobweb, it is all the same. Likewise a fish is technically fast when it</a:t>
-            </a:r>
-          </a:p>
-        </p:txBody>
-      </p:sp>
-    </p:spTree>
-    <p:extLst>
-      <p:ext uri="{BB962C8B-B14F-4D97-AF65-F5344CB8AC3E}">
-        <p14:creationId xmlns:p14="http://schemas.microsoft.com/office/powerpoint/2010/main" val="1211542729"/>
-      </p:ext>
-    </p:extLst>
-  </p:cSld>
-  <p:clrMapOvr>
-    <a:masterClrMapping/>
-  </p:clrMapOvr>
-  <p:timing>
-    <p:tnLst>
-      <p:par>
-        <p:cTn id="1" dur="indefinite" restart="never" nodeType="tmRoot"/>
-      </p:par>
-    </p:tnLst>
-  </p:timing>
-</p:sld>
-</file>
-
-<file path=ppt/slides/slide4.xml><?xml version="1.0" encoding="utf-8"?>
-<p:sld xmlns:a="http://schemas.openxmlformats.org/drawingml/2006/main" xmlns:r="http://schemas.openxmlformats.org/officeDocument/2006/relationships" xmlns:p="http://schemas.openxmlformats.org/presentationml/2006/main">
-  <p:cSld>
-    <p:spTree>
-      <p:nvGrpSpPr>
-        <p:cNvPr id="1" name=""/>
-        <p:cNvGrpSpPr/>
-        <p:nvPr/>
-      </p:nvGrpSpPr>
-      <p:grpSpPr>
-        <a:xfrm>
-          <a:off x="0" y="0"/>
-          <a:ext cx="0" cy="0"/>
-          <a:chOff x="0" y="0"/>
-          <a:chExt cx="0" cy="0"/>
-        </a:xfrm>
-      </p:grpSpPr>
-      <p:sp>
-        <p:nvSpPr>
           <p:cNvPr id="18" name="TextBox 17"/>
           <p:cNvSpPr txBox="1"/>
           <p:nvPr/>
@@ -7407,7 +3689,7 @@
               </a:lnSpc>
             </a:pPr>
             <a:r>
-              <a:rPr lang="en-US" dirty="0">
+              <a:rPr lang="en-US" dirty="0" smtClean="0">
                 <a:solidFill>
                   <a:schemeClr val="tx2"/>
                 </a:solidFill>
@@ -7415,8 +3697,16 @@
                 <a:ea typeface="Lato Light" charset="0"/>
                 <a:cs typeface="Lato Light" charset="0"/>
               </a:rPr>
-              <a:t>Project Title</a:t>
+              <a:t>Reported to phone </a:t>
             </a:r>
+            <a:endParaRPr lang="en-US" dirty="0">
+              <a:solidFill>
+                <a:schemeClr val="tx2"/>
+              </a:solidFill>
+              <a:latin typeface="Lato Light" charset="0"/>
+              <a:ea typeface="Lato Light" charset="0"/>
+              <a:cs typeface="Lato Light" charset="0"/>
+            </a:endParaRPr>
           </a:p>
           <a:p>
             <a:pPr algn="ctr">
@@ -7444,7 +3734,7 @@
         <p:spPr>
           <a:xfrm>
             <a:off x="701465" y="8182970"/>
-            <a:ext cx="6677444" cy="4407745"/>
+            <a:ext cx="6677444" cy="3277820"/>
           </a:xfrm>
           <a:prstGeom prst="rect">
             <a:avLst/>
@@ -7463,7 +3753,7 @@
               </a:lnSpc>
             </a:pPr>
             <a:r>
-              <a:rPr lang="en-US" dirty="0">
+              <a:rPr lang="en-US" sz="5400" dirty="0" smtClean="0">
                 <a:solidFill>
                   <a:schemeClr val="tx2"/>
                 </a:solidFill>
@@ -7471,7 +3761,7 @@
                 <a:ea typeface="Lato Light" charset="0"/>
                 <a:cs typeface="Lato Light" charset="0"/>
               </a:rPr>
-              <a:t>Project Title</a:t>
+              <a:t>Location on map</a:t>
             </a:r>
           </a:p>
           <a:p>
@@ -7481,13 +3771,24 @@
               </a:lnSpc>
             </a:pPr>
             <a:r>
-              <a:rPr lang="en-US" sz="2399" dirty="0">
+              <a:rPr lang="en-US" sz="2800" dirty="0" smtClean="0">
+                <a:solidFill>
+                  <a:schemeClr val="tx2"/>
+                </a:solidFill>
                 <a:latin typeface="Lato Light" charset="0"/>
                 <a:ea typeface="Lato Light" charset="0"/>
                 <a:cs typeface="Lato Light" charset="0"/>
               </a:rPr>
-              <a:t>First: What is a Fast-Fish? Alive or dead a fish is technically fast, when it is connected with an occupied ship or boat, by any medium at all controllable by the occupant or occupants,—a mast, an oar, a nine-inch cable, a telegraph wire, or a strand of cobweb, it is all the same.</a:t>
+              <a:t>The Explorer will ping the co-ordinates every 5 minutes mapping the route of the owner. </a:t>
             </a:r>
+            <a:endParaRPr lang="en-US" sz="2800" dirty="0">
+              <a:solidFill>
+                <a:schemeClr val="tx2"/>
+              </a:solidFill>
+              <a:latin typeface="Lato Light" charset="0"/>
+              <a:ea typeface="Lato Light" charset="0"/>
+              <a:cs typeface="Lato Light" charset="0"/>
+            </a:endParaRPr>
           </a:p>
         </p:txBody>
       </p:sp>
@@ -7519,7 +3820,7 @@
               </a:lnSpc>
             </a:pPr>
             <a:r>
-              <a:rPr lang="en-US" dirty="0">
+              <a:rPr lang="en-US" dirty="0" smtClean="0">
                 <a:solidFill>
                   <a:schemeClr val="tx2"/>
                 </a:solidFill>
@@ -7527,8 +3828,16 @@
                 <a:ea typeface="Lato Light" charset="0"/>
                 <a:cs typeface="Lato Light" charset="0"/>
               </a:rPr>
-              <a:t>Project Title</a:t>
+              <a:t>Compared with crime stats</a:t>
             </a:r>
+            <a:endParaRPr lang="en-US" dirty="0">
+              <a:solidFill>
+                <a:schemeClr val="tx2"/>
+              </a:solidFill>
+              <a:latin typeface="Lato Light" charset="0"/>
+              <a:ea typeface="Lato Light" charset="0"/>
+              <a:cs typeface="Lato Light" charset="0"/>
+            </a:endParaRPr>
           </a:p>
           <a:p>
             <a:pPr algn="ctr">
@@ -7637,6 +3946,3156 @@
     <p:extLst>
       <p:ext uri="{BB962C8B-B14F-4D97-AF65-F5344CB8AC3E}">
         <p14:creationId xmlns:p14="http://schemas.microsoft.com/office/powerpoint/2010/main" val="1747182971"/>
+      </p:ext>
+    </p:extLst>
+  </p:cSld>
+  <p:clrMapOvr>
+    <a:masterClrMapping/>
+  </p:clrMapOvr>
+  <p:timing>
+    <p:tnLst>
+      <p:par>
+        <p:cTn id="1" dur="indefinite" restart="never" nodeType="tmRoot"/>
+      </p:par>
+    </p:tnLst>
+  </p:timing>
+</p:sld>
+</file>
+
+<file path=ppt/slides/slide4.xml><?xml version="1.0" encoding="utf-8"?>
+<p:sld xmlns:a="http://schemas.openxmlformats.org/drawingml/2006/main" xmlns:r="http://schemas.openxmlformats.org/officeDocument/2006/relationships" xmlns:p="http://schemas.openxmlformats.org/presentationml/2006/main">
+  <p:cSld>
+    <p:spTree>
+      <p:nvGrpSpPr>
+        <p:cNvPr id="1" name=""/>
+        <p:cNvGrpSpPr/>
+        <p:nvPr/>
+      </p:nvGrpSpPr>
+      <p:grpSpPr>
+        <a:xfrm>
+          <a:off x="0" y="0"/>
+          <a:ext cx="0" cy="0"/>
+          <a:chOff x="0" y="0"/>
+          <a:chExt cx="0" cy="0"/>
+        </a:xfrm>
+      </p:grpSpPr>
+      <p:sp>
+        <p:nvSpPr>
+          <p:cNvPr id="27" name="Shape 2637"/>
+          <p:cNvSpPr/>
+          <p:nvPr/>
+        </p:nvSpPr>
+        <p:spPr>
+          <a:xfrm>
+            <a:off x="2400281" y="5350960"/>
+            <a:ext cx="360249" cy="660455"/>
+          </a:xfrm>
+          <a:custGeom>
+            <a:avLst/>
+            <a:gdLst/>
+            <a:ahLst/>
+            <a:cxnLst>
+              <a:cxn ang="0">
+                <a:pos x="wd2" y="hd2"/>
+              </a:cxn>
+              <a:cxn ang="5400000">
+                <a:pos x="wd2" y="hd2"/>
+              </a:cxn>
+              <a:cxn ang="10800000">
+                <a:pos x="wd2" y="hd2"/>
+              </a:cxn>
+              <a:cxn ang="16200000">
+                <a:pos x="wd2" y="hd2"/>
+              </a:cxn>
+            </a:cxnLst>
+            <a:rect l="0" t="0" r="r" b="b"/>
+            <a:pathLst>
+              <a:path w="21600" h="21600" extrusionOk="0">
+                <a:moveTo>
+                  <a:pt x="5400" y="8836"/>
+                </a:moveTo>
+                <a:lnTo>
+                  <a:pt x="16200" y="8836"/>
+                </a:lnTo>
+                <a:lnTo>
+                  <a:pt x="16200" y="11782"/>
+                </a:lnTo>
+                <a:cubicBezTo>
+                  <a:pt x="16200" y="13409"/>
+                  <a:pt x="13783" y="14727"/>
+                  <a:pt x="10800" y="14727"/>
+                </a:cubicBezTo>
+                <a:cubicBezTo>
+                  <a:pt x="7817" y="14727"/>
+                  <a:pt x="5400" y="13409"/>
+                  <a:pt x="5400" y="11782"/>
+                </a:cubicBezTo>
+                <a:cubicBezTo>
+                  <a:pt x="5400" y="11782"/>
+                  <a:pt x="5400" y="8836"/>
+                  <a:pt x="5400" y="8836"/>
+                </a:cubicBezTo>
+                <a:close/>
+                <a:moveTo>
+                  <a:pt x="5400" y="3927"/>
+                </a:moveTo>
+                <a:cubicBezTo>
+                  <a:pt x="5400" y="2301"/>
+                  <a:pt x="7817" y="982"/>
+                  <a:pt x="10800" y="982"/>
+                </a:cubicBezTo>
+                <a:cubicBezTo>
+                  <a:pt x="13783" y="982"/>
+                  <a:pt x="16200" y="2301"/>
+                  <a:pt x="16200" y="3927"/>
+                </a:cubicBezTo>
+                <a:lnTo>
+                  <a:pt x="16200" y="7855"/>
+                </a:lnTo>
+                <a:lnTo>
+                  <a:pt x="5400" y="7855"/>
+                </a:lnTo>
+                <a:cubicBezTo>
+                  <a:pt x="5400" y="7855"/>
+                  <a:pt x="5400" y="3927"/>
+                  <a:pt x="5400" y="3927"/>
+                </a:cubicBezTo>
+                <a:close/>
+                <a:moveTo>
+                  <a:pt x="10800" y="15709"/>
+                </a:moveTo>
+                <a:cubicBezTo>
+                  <a:pt x="14777" y="15709"/>
+                  <a:pt x="18000" y="13951"/>
+                  <a:pt x="18000" y="11782"/>
+                </a:cubicBezTo>
+                <a:lnTo>
+                  <a:pt x="18000" y="3927"/>
+                </a:lnTo>
+                <a:cubicBezTo>
+                  <a:pt x="18000" y="1758"/>
+                  <a:pt x="14777" y="0"/>
+                  <a:pt x="10800" y="0"/>
+                </a:cubicBezTo>
+                <a:cubicBezTo>
+                  <a:pt x="6823" y="0"/>
+                  <a:pt x="3600" y="1758"/>
+                  <a:pt x="3600" y="3927"/>
+                </a:cubicBezTo>
+                <a:lnTo>
+                  <a:pt x="3600" y="11782"/>
+                </a:lnTo>
+                <a:cubicBezTo>
+                  <a:pt x="3600" y="13951"/>
+                  <a:pt x="6823" y="15709"/>
+                  <a:pt x="10800" y="15709"/>
+                </a:cubicBezTo>
+                <a:moveTo>
+                  <a:pt x="21600" y="11782"/>
+                </a:moveTo>
+                <a:lnTo>
+                  <a:pt x="21600" y="10309"/>
+                </a:lnTo>
+                <a:cubicBezTo>
+                  <a:pt x="21600" y="10038"/>
+                  <a:pt x="21197" y="9818"/>
+                  <a:pt x="20700" y="9818"/>
+                </a:cubicBezTo>
+                <a:cubicBezTo>
+                  <a:pt x="20203" y="9818"/>
+                  <a:pt x="19800" y="10038"/>
+                  <a:pt x="19800" y="10309"/>
+                </a:cubicBezTo>
+                <a:lnTo>
+                  <a:pt x="19800" y="11782"/>
+                </a:lnTo>
+                <a:cubicBezTo>
+                  <a:pt x="19800" y="14493"/>
+                  <a:pt x="15771" y="16691"/>
+                  <a:pt x="10800" y="16691"/>
+                </a:cubicBezTo>
+                <a:cubicBezTo>
+                  <a:pt x="5829" y="16691"/>
+                  <a:pt x="1800" y="14493"/>
+                  <a:pt x="1800" y="11782"/>
+                </a:cubicBezTo>
+                <a:lnTo>
+                  <a:pt x="1800" y="10309"/>
+                </a:lnTo>
+                <a:cubicBezTo>
+                  <a:pt x="1800" y="10038"/>
+                  <a:pt x="1397" y="9818"/>
+                  <a:pt x="900" y="9818"/>
+                </a:cubicBezTo>
+                <a:cubicBezTo>
+                  <a:pt x="403" y="9818"/>
+                  <a:pt x="0" y="10038"/>
+                  <a:pt x="0" y="10309"/>
+                </a:cubicBezTo>
+                <a:lnTo>
+                  <a:pt x="0" y="11782"/>
+                </a:lnTo>
+                <a:cubicBezTo>
+                  <a:pt x="0" y="14870"/>
+                  <a:pt x="4358" y="17398"/>
+                  <a:pt x="9900" y="17648"/>
+                </a:cubicBezTo>
+                <a:lnTo>
+                  <a:pt x="9900" y="20618"/>
+                </a:lnTo>
+                <a:lnTo>
+                  <a:pt x="3600" y="20618"/>
+                </a:lnTo>
+                <a:cubicBezTo>
+                  <a:pt x="3103" y="20618"/>
+                  <a:pt x="2700" y="20838"/>
+                  <a:pt x="2700" y="21110"/>
+                </a:cubicBezTo>
+                <a:cubicBezTo>
+                  <a:pt x="2700" y="21381"/>
+                  <a:pt x="3103" y="21600"/>
+                  <a:pt x="3600" y="21600"/>
+                </a:cubicBezTo>
+                <a:lnTo>
+                  <a:pt x="18000" y="21600"/>
+                </a:lnTo>
+                <a:cubicBezTo>
+                  <a:pt x="18497" y="21600"/>
+                  <a:pt x="18900" y="21381"/>
+                  <a:pt x="18900" y="21110"/>
+                </a:cubicBezTo>
+                <a:cubicBezTo>
+                  <a:pt x="18900" y="20838"/>
+                  <a:pt x="18497" y="20618"/>
+                  <a:pt x="18000" y="20618"/>
+                </a:cubicBezTo>
+                <a:lnTo>
+                  <a:pt x="11700" y="20618"/>
+                </a:lnTo>
+                <a:lnTo>
+                  <a:pt x="11700" y="17648"/>
+                </a:lnTo>
+                <a:cubicBezTo>
+                  <a:pt x="17243" y="17398"/>
+                  <a:pt x="21600" y="14870"/>
+                  <a:pt x="21600" y="11782"/>
+                </a:cubicBezTo>
+              </a:path>
+            </a:pathLst>
+          </a:custGeom>
+          <a:solidFill>
+            <a:schemeClr val="accent1"/>
+          </a:solidFill>
+          <a:ln w="12700">
+            <a:miter lim="400000"/>
+          </a:ln>
+        </p:spPr>
+        <p:txBody>
+          <a:bodyPr lIns="38090" tIns="38090" rIns="38090" bIns="38090" anchor="ctr"/>
+          <a:lstStyle/>
+          <a:p>
+            <a:pPr defTabSz="457079">
+              <a:defRPr sz="3000" cap="none">
+                <a:solidFill>
+                  <a:srgbClr val="FFFFFF"/>
+                </a:solidFill>
+                <a:effectLst>
+                  <a:outerShdw blurRad="38100" dist="12700" dir="5400000" rotWithShape="0">
+                    <a:srgbClr val="000000">
+                      <a:alpha val="50000"/>
+                    </a:srgbClr>
+                  </a:outerShdw>
+                </a:effectLst>
+                <a:latin typeface="Gill Sans"/>
+                <a:ea typeface="Gill Sans"/>
+                <a:cs typeface="Gill Sans"/>
+                <a:sym typeface="Gill Sans"/>
+              </a:defRPr>
+            </a:pPr>
+            <a:endParaRPr sz="2999"/>
+          </a:p>
+        </p:txBody>
+      </p:sp>
+      <p:sp>
+        <p:nvSpPr>
+          <p:cNvPr id="28" name="Shape 2638"/>
+          <p:cNvSpPr/>
+          <p:nvPr/>
+        </p:nvSpPr>
+        <p:spPr>
+          <a:xfrm>
+            <a:off x="2234415" y="7498729"/>
+            <a:ext cx="660228" cy="660844"/>
+          </a:xfrm>
+          <a:custGeom>
+            <a:avLst/>
+            <a:gdLst/>
+            <a:ahLst/>
+            <a:cxnLst>
+              <a:cxn ang="0">
+                <a:pos x="wd2" y="hd2"/>
+              </a:cxn>
+              <a:cxn ang="5400000">
+                <a:pos x="wd2" y="hd2"/>
+              </a:cxn>
+              <a:cxn ang="10800000">
+                <a:pos x="wd2" y="hd2"/>
+              </a:cxn>
+              <a:cxn ang="16200000">
+                <a:pos x="wd2" y="hd2"/>
+              </a:cxn>
+            </a:cxnLst>
+            <a:rect l="0" t="0" r="r" b="b"/>
+            <a:pathLst>
+              <a:path w="21131" h="21132" extrusionOk="0">
+                <a:moveTo>
+                  <a:pt x="19045" y="7530"/>
+                </a:moveTo>
+                <a:cubicBezTo>
+                  <a:pt x="17544" y="9030"/>
+                  <a:pt x="15110" y="9030"/>
+                  <a:pt x="13610" y="7530"/>
+                </a:cubicBezTo>
+                <a:cubicBezTo>
+                  <a:pt x="12108" y="6031"/>
+                  <a:pt x="12108" y="3600"/>
+                  <a:pt x="13610" y="2100"/>
+                </a:cubicBezTo>
+                <a:cubicBezTo>
+                  <a:pt x="15110" y="600"/>
+                  <a:pt x="17544" y="600"/>
+                  <a:pt x="19045" y="2100"/>
+                </a:cubicBezTo>
+                <a:cubicBezTo>
+                  <a:pt x="20546" y="3600"/>
+                  <a:pt x="20546" y="6031"/>
+                  <a:pt x="19045" y="7530"/>
+                </a:cubicBezTo>
+                <a:moveTo>
+                  <a:pt x="7605" y="16245"/>
+                </a:moveTo>
+                <a:cubicBezTo>
+                  <a:pt x="7256" y="16593"/>
+                  <a:pt x="6776" y="16807"/>
+                  <a:pt x="6245" y="16807"/>
+                </a:cubicBezTo>
+                <a:cubicBezTo>
+                  <a:pt x="5184" y="16807"/>
+                  <a:pt x="4324" y="15948"/>
+                  <a:pt x="4324" y="14888"/>
+                </a:cubicBezTo>
+                <a:cubicBezTo>
+                  <a:pt x="4324" y="14358"/>
+                  <a:pt x="4539" y="13878"/>
+                  <a:pt x="4887" y="13530"/>
+                </a:cubicBezTo>
+                <a:lnTo>
+                  <a:pt x="11678" y="5991"/>
+                </a:lnTo>
+                <a:cubicBezTo>
+                  <a:pt x="11884" y="6798"/>
+                  <a:pt x="12298" y="7563"/>
+                  <a:pt x="12930" y="8194"/>
+                </a:cubicBezTo>
+                <a:cubicBezTo>
+                  <a:pt x="13569" y="8832"/>
+                  <a:pt x="14343" y="9248"/>
+                  <a:pt x="15160" y="9451"/>
+                </a:cubicBezTo>
+                <a:cubicBezTo>
+                  <a:pt x="15160" y="9451"/>
+                  <a:pt x="7605" y="16245"/>
+                  <a:pt x="7605" y="16245"/>
+                </a:cubicBezTo>
+                <a:close/>
+                <a:moveTo>
+                  <a:pt x="19724" y="1406"/>
+                </a:moveTo>
+                <a:cubicBezTo>
+                  <a:pt x="17848" y="-468"/>
+                  <a:pt x="14806" y="-468"/>
+                  <a:pt x="12930" y="1406"/>
+                </a:cubicBezTo>
+                <a:cubicBezTo>
+                  <a:pt x="12024" y="2312"/>
+                  <a:pt x="11559" y="3489"/>
+                  <a:pt x="11529" y="4676"/>
+                </a:cubicBezTo>
+                <a:lnTo>
+                  <a:pt x="4207" y="12851"/>
+                </a:lnTo>
+                <a:cubicBezTo>
+                  <a:pt x="3686" y="13373"/>
+                  <a:pt x="3363" y="14093"/>
+                  <a:pt x="3363" y="14888"/>
+                </a:cubicBezTo>
+                <a:cubicBezTo>
+                  <a:pt x="3363" y="15420"/>
+                  <a:pt x="3518" y="15912"/>
+                  <a:pt x="3769" y="16340"/>
+                </a:cubicBezTo>
+                <a:cubicBezTo>
+                  <a:pt x="2436" y="17104"/>
+                  <a:pt x="1907" y="17813"/>
+                  <a:pt x="2425" y="19364"/>
+                </a:cubicBezTo>
+                <a:cubicBezTo>
+                  <a:pt x="2487" y="19550"/>
+                  <a:pt x="2434" y="19622"/>
+                  <a:pt x="2409" y="19658"/>
+                </a:cubicBezTo>
+                <a:cubicBezTo>
+                  <a:pt x="2160" y="20003"/>
+                  <a:pt x="1132" y="20167"/>
+                  <a:pt x="500" y="20172"/>
+                </a:cubicBezTo>
+                <a:cubicBezTo>
+                  <a:pt x="493" y="20171"/>
+                  <a:pt x="487" y="20167"/>
+                  <a:pt x="480" y="20167"/>
+                </a:cubicBezTo>
+                <a:cubicBezTo>
+                  <a:pt x="215" y="20167"/>
+                  <a:pt x="0" y="20383"/>
+                  <a:pt x="0" y="20647"/>
+                </a:cubicBezTo>
+                <a:cubicBezTo>
+                  <a:pt x="0" y="20912"/>
+                  <a:pt x="214" y="21126"/>
+                  <a:pt x="479" y="21127"/>
+                </a:cubicBezTo>
+                <a:lnTo>
+                  <a:pt x="479" y="21132"/>
+                </a:lnTo>
+                <a:cubicBezTo>
+                  <a:pt x="821" y="21132"/>
+                  <a:pt x="2562" y="21088"/>
+                  <a:pt x="3189" y="20219"/>
+                </a:cubicBezTo>
+                <a:cubicBezTo>
+                  <a:pt x="3355" y="19988"/>
+                  <a:pt x="3516" y="19599"/>
+                  <a:pt x="3336" y="19060"/>
+                </a:cubicBezTo>
+                <a:cubicBezTo>
+                  <a:pt x="3030" y="18141"/>
+                  <a:pt x="3071" y="17806"/>
+                  <a:pt x="4399" y="17082"/>
+                </a:cubicBezTo>
+                <a:cubicBezTo>
+                  <a:pt x="4900" y="17504"/>
+                  <a:pt x="5539" y="17767"/>
+                  <a:pt x="6245" y="17767"/>
+                </a:cubicBezTo>
+                <a:cubicBezTo>
+                  <a:pt x="7042" y="17767"/>
+                  <a:pt x="7762" y="17445"/>
+                  <a:pt x="8284" y="16924"/>
+                </a:cubicBezTo>
+                <a:lnTo>
+                  <a:pt x="16485" y="9592"/>
+                </a:lnTo>
+                <a:cubicBezTo>
+                  <a:pt x="17662" y="9554"/>
+                  <a:pt x="18826" y="9091"/>
+                  <a:pt x="19724" y="8194"/>
+                </a:cubicBezTo>
+                <a:cubicBezTo>
+                  <a:pt x="21600" y="6320"/>
+                  <a:pt x="21600" y="3281"/>
+                  <a:pt x="19724" y="1406"/>
+                </a:cubicBezTo>
+                <a:moveTo>
+                  <a:pt x="8953" y="11504"/>
+                </a:moveTo>
+                <a:lnTo>
+                  <a:pt x="9633" y="12183"/>
+                </a:lnTo>
+                <a:lnTo>
+                  <a:pt x="12690" y="9807"/>
+                </a:lnTo>
+                <a:lnTo>
+                  <a:pt x="11331" y="8449"/>
+                </a:lnTo>
+                <a:cubicBezTo>
+                  <a:pt x="11331" y="8449"/>
+                  <a:pt x="8953" y="11504"/>
+                  <a:pt x="8953" y="11504"/>
+                </a:cubicBezTo>
+                <a:close/>
+              </a:path>
+            </a:pathLst>
+          </a:custGeom>
+          <a:solidFill>
+            <a:schemeClr val="accent2"/>
+          </a:solidFill>
+          <a:ln w="12700">
+            <a:miter lim="400000"/>
+          </a:ln>
+        </p:spPr>
+        <p:txBody>
+          <a:bodyPr lIns="38090" tIns="38090" rIns="38090" bIns="38090" anchor="ctr"/>
+          <a:lstStyle/>
+          <a:p>
+            <a:pPr defTabSz="457079">
+              <a:defRPr sz="3000" cap="none">
+                <a:solidFill>
+                  <a:srgbClr val="FFFFFF"/>
+                </a:solidFill>
+                <a:effectLst>
+                  <a:outerShdw blurRad="38100" dist="12700" dir="5400000" rotWithShape="0">
+                    <a:srgbClr val="000000">
+                      <a:alpha val="50000"/>
+                    </a:srgbClr>
+                  </a:outerShdw>
+                </a:effectLst>
+                <a:latin typeface="Gill Sans"/>
+                <a:ea typeface="Gill Sans"/>
+                <a:cs typeface="Gill Sans"/>
+                <a:sym typeface="Gill Sans"/>
+              </a:defRPr>
+            </a:pPr>
+            <a:endParaRPr sz="2999"/>
+          </a:p>
+        </p:txBody>
+      </p:sp>
+      <p:sp>
+        <p:nvSpPr>
+          <p:cNvPr id="29" name="Shape 2639"/>
+          <p:cNvSpPr/>
+          <p:nvPr/>
+        </p:nvSpPr>
+        <p:spPr>
+          <a:xfrm>
+            <a:off x="2250378" y="9646889"/>
+            <a:ext cx="660455" cy="420291"/>
+          </a:xfrm>
+          <a:custGeom>
+            <a:avLst/>
+            <a:gdLst/>
+            <a:ahLst/>
+            <a:cxnLst>
+              <a:cxn ang="0">
+                <a:pos x="wd2" y="hd2"/>
+              </a:cxn>
+              <a:cxn ang="5400000">
+                <a:pos x="wd2" y="hd2"/>
+              </a:cxn>
+              <a:cxn ang="10800000">
+                <a:pos x="wd2" y="hd2"/>
+              </a:cxn>
+              <a:cxn ang="16200000">
+                <a:pos x="wd2" y="hd2"/>
+              </a:cxn>
+            </a:cxnLst>
+            <a:rect l="0" t="0" r="r" b="b"/>
+            <a:pathLst>
+              <a:path w="21600" h="21600" extrusionOk="0">
+                <a:moveTo>
+                  <a:pt x="13255" y="3086"/>
+                </a:moveTo>
+                <a:cubicBezTo>
+                  <a:pt x="12984" y="3086"/>
+                  <a:pt x="12764" y="3432"/>
+                  <a:pt x="12764" y="3857"/>
+                </a:cubicBezTo>
+                <a:cubicBezTo>
+                  <a:pt x="12764" y="4284"/>
+                  <a:pt x="12984" y="4629"/>
+                  <a:pt x="13255" y="4629"/>
+                </a:cubicBezTo>
+                <a:cubicBezTo>
+                  <a:pt x="13525" y="4629"/>
+                  <a:pt x="13745" y="4284"/>
+                  <a:pt x="13745" y="3857"/>
+                </a:cubicBezTo>
+                <a:cubicBezTo>
+                  <a:pt x="13745" y="3432"/>
+                  <a:pt x="13525" y="3086"/>
+                  <a:pt x="13255" y="3086"/>
+                </a:cubicBezTo>
+                <a:moveTo>
+                  <a:pt x="20618" y="16495"/>
+                </a:moveTo>
+                <a:lnTo>
+                  <a:pt x="15709" y="12638"/>
+                </a:lnTo>
+                <a:lnTo>
+                  <a:pt x="15709" y="8963"/>
+                </a:lnTo>
+                <a:lnTo>
+                  <a:pt x="20618" y="5105"/>
+                </a:lnTo>
+                <a:cubicBezTo>
+                  <a:pt x="20618" y="5105"/>
+                  <a:pt x="20618" y="16495"/>
+                  <a:pt x="20618" y="16495"/>
+                </a:cubicBezTo>
+                <a:close/>
+                <a:moveTo>
+                  <a:pt x="14727" y="16971"/>
+                </a:moveTo>
+                <a:lnTo>
+                  <a:pt x="982" y="16971"/>
+                </a:lnTo>
+                <a:lnTo>
+                  <a:pt x="982" y="3086"/>
+                </a:lnTo>
+                <a:cubicBezTo>
+                  <a:pt x="982" y="2234"/>
+                  <a:pt x="1422" y="1543"/>
+                  <a:pt x="1964" y="1543"/>
+                </a:cubicBezTo>
+                <a:lnTo>
+                  <a:pt x="13745" y="1543"/>
+                </a:lnTo>
+                <a:cubicBezTo>
+                  <a:pt x="14287" y="1543"/>
+                  <a:pt x="14727" y="2234"/>
+                  <a:pt x="14727" y="3086"/>
+                </a:cubicBezTo>
+                <a:cubicBezTo>
+                  <a:pt x="14727" y="3086"/>
+                  <a:pt x="14727" y="16971"/>
+                  <a:pt x="14727" y="16971"/>
+                </a:cubicBezTo>
+                <a:close/>
+                <a:moveTo>
+                  <a:pt x="13745" y="20057"/>
+                </a:moveTo>
+                <a:lnTo>
+                  <a:pt x="1964" y="20057"/>
+                </a:lnTo>
+                <a:cubicBezTo>
+                  <a:pt x="1422" y="20057"/>
+                  <a:pt x="982" y="19367"/>
+                  <a:pt x="982" y="18514"/>
+                </a:cubicBezTo>
+                <a:lnTo>
+                  <a:pt x="14727" y="18514"/>
+                </a:lnTo>
+                <a:cubicBezTo>
+                  <a:pt x="14727" y="19367"/>
+                  <a:pt x="14287" y="20057"/>
+                  <a:pt x="13745" y="20057"/>
+                </a:cubicBezTo>
+                <a:moveTo>
+                  <a:pt x="21109" y="3086"/>
+                </a:moveTo>
+                <a:cubicBezTo>
+                  <a:pt x="21030" y="3086"/>
+                  <a:pt x="20958" y="3122"/>
+                  <a:pt x="20892" y="3175"/>
+                </a:cubicBezTo>
+                <a:lnTo>
+                  <a:pt x="20890" y="3167"/>
+                </a:lnTo>
+                <a:lnTo>
+                  <a:pt x="15709" y="7237"/>
+                </a:lnTo>
+                <a:lnTo>
+                  <a:pt x="15709" y="3086"/>
+                </a:lnTo>
+                <a:cubicBezTo>
+                  <a:pt x="15709" y="1382"/>
+                  <a:pt x="14830" y="0"/>
+                  <a:pt x="13745" y="0"/>
+                </a:cubicBezTo>
+                <a:lnTo>
+                  <a:pt x="1964" y="0"/>
+                </a:lnTo>
+                <a:cubicBezTo>
+                  <a:pt x="879" y="0"/>
+                  <a:pt x="0" y="1382"/>
+                  <a:pt x="0" y="3086"/>
+                </a:cubicBezTo>
+                <a:lnTo>
+                  <a:pt x="0" y="18514"/>
+                </a:lnTo>
+                <a:cubicBezTo>
+                  <a:pt x="0" y="20219"/>
+                  <a:pt x="879" y="21600"/>
+                  <a:pt x="1964" y="21600"/>
+                </a:cubicBezTo>
+                <a:lnTo>
+                  <a:pt x="13745" y="21600"/>
+                </a:lnTo>
+                <a:cubicBezTo>
+                  <a:pt x="14830" y="21600"/>
+                  <a:pt x="15709" y="20219"/>
+                  <a:pt x="15709" y="18514"/>
+                </a:cubicBezTo>
+                <a:lnTo>
+                  <a:pt x="15709" y="14363"/>
+                </a:lnTo>
+                <a:lnTo>
+                  <a:pt x="20890" y="18433"/>
+                </a:lnTo>
+                <a:lnTo>
+                  <a:pt x="20892" y="18427"/>
+                </a:lnTo>
+                <a:cubicBezTo>
+                  <a:pt x="20958" y="18478"/>
+                  <a:pt x="21030" y="18514"/>
+                  <a:pt x="21109" y="18514"/>
+                </a:cubicBezTo>
+                <a:cubicBezTo>
+                  <a:pt x="21380" y="18514"/>
+                  <a:pt x="21600" y="18170"/>
+                  <a:pt x="21600" y="17743"/>
+                </a:cubicBezTo>
+                <a:lnTo>
+                  <a:pt x="21600" y="3857"/>
+                </a:lnTo>
+                <a:cubicBezTo>
+                  <a:pt x="21600" y="3432"/>
+                  <a:pt x="21380" y="3086"/>
+                  <a:pt x="21109" y="3086"/>
+                </a:cubicBezTo>
+                <a:moveTo>
+                  <a:pt x="10309" y="6171"/>
+                </a:moveTo>
+                <a:cubicBezTo>
+                  <a:pt x="10038" y="6171"/>
+                  <a:pt x="9818" y="5827"/>
+                  <a:pt x="9818" y="5400"/>
+                </a:cubicBezTo>
+                <a:cubicBezTo>
+                  <a:pt x="9818" y="4974"/>
+                  <a:pt x="10038" y="4629"/>
+                  <a:pt x="10309" y="4629"/>
+                </a:cubicBezTo>
+                <a:cubicBezTo>
+                  <a:pt x="10580" y="4629"/>
+                  <a:pt x="10800" y="4974"/>
+                  <a:pt x="10800" y="5400"/>
+                </a:cubicBezTo>
+                <a:cubicBezTo>
+                  <a:pt x="10800" y="5827"/>
+                  <a:pt x="10580" y="6171"/>
+                  <a:pt x="10309" y="6171"/>
+                </a:cubicBezTo>
+                <a:moveTo>
+                  <a:pt x="10309" y="3086"/>
+                </a:moveTo>
+                <a:cubicBezTo>
+                  <a:pt x="9496" y="3086"/>
+                  <a:pt x="8836" y="4123"/>
+                  <a:pt x="8836" y="5400"/>
+                </a:cubicBezTo>
+                <a:cubicBezTo>
+                  <a:pt x="8836" y="6678"/>
+                  <a:pt x="9496" y="7714"/>
+                  <a:pt x="10309" y="7714"/>
+                </a:cubicBezTo>
+                <a:cubicBezTo>
+                  <a:pt x="11123" y="7714"/>
+                  <a:pt x="11782" y="6678"/>
+                  <a:pt x="11782" y="5400"/>
+                </a:cubicBezTo>
+                <a:cubicBezTo>
+                  <a:pt x="11782" y="4123"/>
+                  <a:pt x="11123" y="3086"/>
+                  <a:pt x="10309" y="3086"/>
+                </a:cubicBezTo>
+              </a:path>
+            </a:pathLst>
+          </a:custGeom>
+          <a:solidFill>
+            <a:schemeClr val="accent3"/>
+          </a:solidFill>
+          <a:ln w="12700">
+            <a:miter lim="400000"/>
+          </a:ln>
+        </p:spPr>
+        <p:txBody>
+          <a:bodyPr lIns="38090" tIns="38090" rIns="38090" bIns="38090" anchor="ctr"/>
+          <a:lstStyle/>
+          <a:p>
+            <a:pPr defTabSz="457079">
+              <a:defRPr sz="3000" cap="none">
+                <a:solidFill>
+                  <a:srgbClr val="FFFFFF"/>
+                </a:solidFill>
+                <a:effectLst>
+                  <a:outerShdw blurRad="38100" dist="12700" dir="5400000" rotWithShape="0">
+                    <a:srgbClr val="000000">
+                      <a:alpha val="50000"/>
+                    </a:srgbClr>
+                  </a:outerShdw>
+                </a:effectLst>
+                <a:latin typeface="Gill Sans"/>
+                <a:ea typeface="Gill Sans"/>
+                <a:cs typeface="Gill Sans"/>
+                <a:sym typeface="Gill Sans"/>
+              </a:defRPr>
+            </a:pPr>
+            <a:endParaRPr sz="2999"/>
+          </a:p>
+        </p:txBody>
+      </p:sp>
+      <p:sp>
+        <p:nvSpPr>
+          <p:cNvPr id="30" name="Shape 2641"/>
+          <p:cNvSpPr/>
+          <p:nvPr/>
+        </p:nvSpPr>
+        <p:spPr>
+          <a:xfrm>
+            <a:off x="9298606" y="5350957"/>
+            <a:ext cx="660455" cy="420624"/>
+          </a:xfrm>
+          <a:custGeom>
+            <a:avLst/>
+            <a:gdLst/>
+            <a:ahLst/>
+            <a:cxnLst>
+              <a:cxn ang="0">
+                <a:pos x="wd2" y="hd2"/>
+              </a:cxn>
+              <a:cxn ang="5400000">
+                <a:pos x="wd2" y="hd2"/>
+              </a:cxn>
+              <a:cxn ang="10800000">
+                <a:pos x="wd2" y="hd2"/>
+              </a:cxn>
+              <a:cxn ang="16200000">
+                <a:pos x="wd2" y="hd2"/>
+              </a:cxn>
+            </a:cxnLst>
+            <a:rect l="0" t="0" r="r" b="b"/>
+            <a:pathLst>
+              <a:path w="21600" h="21600" extrusionOk="0">
+                <a:moveTo>
+                  <a:pt x="20618" y="16606"/>
+                </a:moveTo>
+                <a:lnTo>
+                  <a:pt x="16691" y="14138"/>
+                </a:lnTo>
+                <a:lnTo>
+                  <a:pt x="16691" y="7462"/>
+                </a:lnTo>
+                <a:lnTo>
+                  <a:pt x="20618" y="4994"/>
+                </a:lnTo>
+                <a:cubicBezTo>
+                  <a:pt x="20618" y="4994"/>
+                  <a:pt x="20618" y="16606"/>
+                  <a:pt x="20618" y="16606"/>
+                </a:cubicBezTo>
+                <a:close/>
+                <a:moveTo>
+                  <a:pt x="21109" y="3086"/>
+                </a:moveTo>
+                <a:cubicBezTo>
+                  <a:pt x="21030" y="3086"/>
+                  <a:pt x="20958" y="3122"/>
+                  <a:pt x="20892" y="3174"/>
+                </a:cubicBezTo>
+                <a:lnTo>
+                  <a:pt x="20890" y="3167"/>
+                </a:lnTo>
+                <a:lnTo>
+                  <a:pt x="16018" y="6229"/>
+                </a:lnTo>
+                <a:cubicBezTo>
+                  <a:pt x="16013" y="6233"/>
+                  <a:pt x="16008" y="6235"/>
+                  <a:pt x="16003" y="6239"/>
+                </a:cubicBezTo>
+                <a:lnTo>
+                  <a:pt x="15980" y="6252"/>
+                </a:lnTo>
+                <a:lnTo>
+                  <a:pt x="15983" y="6260"/>
+                </a:lnTo>
+                <a:cubicBezTo>
+                  <a:pt x="15822" y="6387"/>
+                  <a:pt x="15709" y="6641"/>
+                  <a:pt x="15709" y="6943"/>
+                </a:cubicBezTo>
+                <a:lnTo>
+                  <a:pt x="15709" y="14657"/>
+                </a:lnTo>
+                <a:cubicBezTo>
+                  <a:pt x="15709" y="14959"/>
+                  <a:pt x="15822" y="15213"/>
+                  <a:pt x="15983" y="15340"/>
+                </a:cubicBezTo>
+                <a:lnTo>
+                  <a:pt x="15980" y="15347"/>
+                </a:lnTo>
+                <a:lnTo>
+                  <a:pt x="16002" y="15360"/>
+                </a:lnTo>
+                <a:cubicBezTo>
+                  <a:pt x="16008" y="15365"/>
+                  <a:pt x="16013" y="15368"/>
+                  <a:pt x="16018" y="15371"/>
+                </a:cubicBezTo>
+                <a:lnTo>
+                  <a:pt x="20890" y="18433"/>
+                </a:lnTo>
+                <a:lnTo>
+                  <a:pt x="20892" y="18426"/>
+                </a:lnTo>
+                <a:cubicBezTo>
+                  <a:pt x="20958" y="18478"/>
+                  <a:pt x="21030" y="18514"/>
+                  <a:pt x="21109" y="18514"/>
+                </a:cubicBezTo>
+                <a:cubicBezTo>
+                  <a:pt x="21380" y="18514"/>
+                  <a:pt x="21600" y="18169"/>
+                  <a:pt x="21600" y="17743"/>
+                </a:cubicBezTo>
+                <a:lnTo>
+                  <a:pt x="21600" y="3857"/>
+                </a:lnTo>
+                <a:cubicBezTo>
+                  <a:pt x="21600" y="3431"/>
+                  <a:pt x="21380" y="3086"/>
+                  <a:pt x="21109" y="3086"/>
+                </a:cubicBezTo>
+                <a:moveTo>
+                  <a:pt x="13745" y="18514"/>
+                </a:moveTo>
+                <a:cubicBezTo>
+                  <a:pt x="13745" y="19367"/>
+                  <a:pt x="13306" y="20057"/>
+                  <a:pt x="12764" y="20057"/>
+                </a:cubicBezTo>
+                <a:lnTo>
+                  <a:pt x="1964" y="20057"/>
+                </a:lnTo>
+                <a:cubicBezTo>
+                  <a:pt x="1422" y="20057"/>
+                  <a:pt x="982" y="19367"/>
+                  <a:pt x="982" y="18514"/>
+                </a:cubicBezTo>
+                <a:lnTo>
+                  <a:pt x="982" y="3086"/>
+                </a:lnTo>
+                <a:cubicBezTo>
+                  <a:pt x="982" y="2233"/>
+                  <a:pt x="1422" y="1543"/>
+                  <a:pt x="1964" y="1543"/>
+                </a:cubicBezTo>
+                <a:lnTo>
+                  <a:pt x="12764" y="1543"/>
+                </a:lnTo>
+                <a:cubicBezTo>
+                  <a:pt x="13306" y="1543"/>
+                  <a:pt x="13745" y="2233"/>
+                  <a:pt x="13745" y="3086"/>
+                </a:cubicBezTo>
+                <a:cubicBezTo>
+                  <a:pt x="13745" y="3086"/>
+                  <a:pt x="13745" y="18514"/>
+                  <a:pt x="13745" y="18514"/>
+                </a:cubicBezTo>
+                <a:close/>
+                <a:moveTo>
+                  <a:pt x="12764" y="0"/>
+                </a:moveTo>
+                <a:lnTo>
+                  <a:pt x="1964" y="0"/>
+                </a:lnTo>
+                <a:cubicBezTo>
+                  <a:pt x="879" y="0"/>
+                  <a:pt x="0" y="1382"/>
+                  <a:pt x="0" y="3086"/>
+                </a:cubicBezTo>
+                <a:lnTo>
+                  <a:pt x="0" y="18514"/>
+                </a:lnTo>
+                <a:cubicBezTo>
+                  <a:pt x="0" y="20219"/>
+                  <a:pt x="879" y="21600"/>
+                  <a:pt x="1964" y="21600"/>
+                </a:cubicBezTo>
+                <a:lnTo>
+                  <a:pt x="12764" y="21600"/>
+                </a:lnTo>
+                <a:cubicBezTo>
+                  <a:pt x="13848" y="21600"/>
+                  <a:pt x="14727" y="20219"/>
+                  <a:pt x="14727" y="18514"/>
+                </a:cubicBezTo>
+                <a:lnTo>
+                  <a:pt x="14727" y="3086"/>
+                </a:lnTo>
+                <a:cubicBezTo>
+                  <a:pt x="14727" y="1382"/>
+                  <a:pt x="13848" y="0"/>
+                  <a:pt x="12764" y="0"/>
+                </a:cubicBezTo>
+              </a:path>
+            </a:pathLst>
+          </a:custGeom>
+          <a:solidFill>
+            <a:schemeClr val="accent4"/>
+          </a:solidFill>
+          <a:ln w="12700">
+            <a:miter lim="400000"/>
+          </a:ln>
+        </p:spPr>
+        <p:txBody>
+          <a:bodyPr lIns="38090" tIns="38090" rIns="38090" bIns="38090" anchor="ctr"/>
+          <a:lstStyle/>
+          <a:p>
+            <a:pPr defTabSz="457079">
+              <a:defRPr sz="3000" cap="none">
+                <a:solidFill>
+                  <a:srgbClr val="FFFFFF"/>
+                </a:solidFill>
+                <a:effectLst>
+                  <a:outerShdw blurRad="38100" dist="12700" dir="5400000" rotWithShape="0">
+                    <a:srgbClr val="000000">
+                      <a:alpha val="50000"/>
+                    </a:srgbClr>
+                  </a:outerShdw>
+                </a:effectLst>
+                <a:latin typeface="Gill Sans"/>
+                <a:ea typeface="Gill Sans"/>
+                <a:cs typeface="Gill Sans"/>
+                <a:sym typeface="Gill Sans"/>
+              </a:defRPr>
+            </a:pPr>
+            <a:endParaRPr sz="2000"/>
+          </a:p>
+        </p:txBody>
+      </p:sp>
+      <p:sp>
+        <p:nvSpPr>
+          <p:cNvPr id="31" name="Shape 2643"/>
+          <p:cNvSpPr/>
+          <p:nvPr/>
+        </p:nvSpPr>
+        <p:spPr>
+          <a:xfrm>
+            <a:off x="9448712" y="7424734"/>
+            <a:ext cx="360249" cy="660455"/>
+          </a:xfrm>
+          <a:custGeom>
+            <a:avLst/>
+            <a:gdLst/>
+            <a:ahLst/>
+            <a:cxnLst>
+              <a:cxn ang="0">
+                <a:pos x="wd2" y="hd2"/>
+              </a:cxn>
+              <a:cxn ang="5400000">
+                <a:pos x="wd2" y="hd2"/>
+              </a:cxn>
+              <a:cxn ang="10800000">
+                <a:pos x="wd2" y="hd2"/>
+              </a:cxn>
+              <a:cxn ang="16200000">
+                <a:pos x="wd2" y="hd2"/>
+              </a:cxn>
+            </a:cxnLst>
+            <a:rect l="0" t="0" r="r" b="b"/>
+            <a:pathLst>
+              <a:path w="21600" h="21600" extrusionOk="0">
+                <a:moveTo>
+                  <a:pt x="11700" y="1473"/>
+                </a:moveTo>
+                <a:lnTo>
+                  <a:pt x="9900" y="1473"/>
+                </a:lnTo>
+                <a:cubicBezTo>
+                  <a:pt x="9403" y="1473"/>
+                  <a:pt x="9000" y="1692"/>
+                  <a:pt x="9000" y="1964"/>
+                </a:cubicBezTo>
+                <a:cubicBezTo>
+                  <a:pt x="9000" y="2235"/>
+                  <a:pt x="9403" y="2455"/>
+                  <a:pt x="9900" y="2455"/>
+                </a:cubicBezTo>
+                <a:lnTo>
+                  <a:pt x="11700" y="2455"/>
+                </a:lnTo>
+                <a:cubicBezTo>
+                  <a:pt x="12197" y="2455"/>
+                  <a:pt x="12600" y="2235"/>
+                  <a:pt x="12600" y="1964"/>
+                </a:cubicBezTo>
+                <a:cubicBezTo>
+                  <a:pt x="12600" y="1692"/>
+                  <a:pt x="12197" y="1473"/>
+                  <a:pt x="11700" y="1473"/>
+                </a:cubicBezTo>
+                <a:moveTo>
+                  <a:pt x="19800" y="2945"/>
+                </a:moveTo>
+                <a:lnTo>
+                  <a:pt x="1800" y="2945"/>
+                </a:lnTo>
+                <a:lnTo>
+                  <a:pt x="1800" y="1964"/>
+                </a:lnTo>
+                <a:cubicBezTo>
+                  <a:pt x="1800" y="1422"/>
+                  <a:pt x="2605" y="982"/>
+                  <a:pt x="3600" y="982"/>
+                </a:cubicBezTo>
+                <a:lnTo>
+                  <a:pt x="18000" y="982"/>
+                </a:lnTo>
+                <a:cubicBezTo>
+                  <a:pt x="18993" y="982"/>
+                  <a:pt x="19800" y="1422"/>
+                  <a:pt x="19800" y="1964"/>
+                </a:cubicBezTo>
+                <a:cubicBezTo>
+                  <a:pt x="19800" y="1964"/>
+                  <a:pt x="19800" y="2945"/>
+                  <a:pt x="19800" y="2945"/>
+                </a:cubicBezTo>
+                <a:close/>
+                <a:moveTo>
+                  <a:pt x="19800" y="17673"/>
+                </a:moveTo>
+                <a:lnTo>
+                  <a:pt x="1800" y="17673"/>
+                </a:lnTo>
+                <a:lnTo>
+                  <a:pt x="1800" y="3927"/>
+                </a:lnTo>
+                <a:lnTo>
+                  <a:pt x="19800" y="3927"/>
+                </a:lnTo>
+                <a:cubicBezTo>
+                  <a:pt x="19800" y="3927"/>
+                  <a:pt x="19800" y="17673"/>
+                  <a:pt x="19800" y="17673"/>
+                </a:cubicBezTo>
+                <a:close/>
+                <a:moveTo>
+                  <a:pt x="19800" y="19636"/>
+                </a:moveTo>
+                <a:cubicBezTo>
+                  <a:pt x="19800" y="20179"/>
+                  <a:pt x="18993" y="20618"/>
+                  <a:pt x="18000" y="20618"/>
+                </a:cubicBezTo>
+                <a:lnTo>
+                  <a:pt x="3600" y="20618"/>
+                </a:lnTo>
+                <a:cubicBezTo>
+                  <a:pt x="2605" y="20618"/>
+                  <a:pt x="1800" y="20179"/>
+                  <a:pt x="1800" y="19636"/>
+                </a:cubicBezTo>
+                <a:lnTo>
+                  <a:pt x="1800" y="18655"/>
+                </a:lnTo>
+                <a:lnTo>
+                  <a:pt x="19800" y="18655"/>
+                </a:lnTo>
+                <a:cubicBezTo>
+                  <a:pt x="19800" y="18655"/>
+                  <a:pt x="19800" y="19636"/>
+                  <a:pt x="19800" y="19636"/>
+                </a:cubicBezTo>
+                <a:close/>
+                <a:moveTo>
+                  <a:pt x="18000" y="0"/>
+                </a:moveTo>
+                <a:lnTo>
+                  <a:pt x="3600" y="0"/>
+                </a:lnTo>
+                <a:cubicBezTo>
+                  <a:pt x="1612" y="0"/>
+                  <a:pt x="0" y="879"/>
+                  <a:pt x="0" y="1964"/>
+                </a:cubicBezTo>
+                <a:lnTo>
+                  <a:pt x="0" y="19636"/>
+                </a:lnTo>
+                <a:cubicBezTo>
+                  <a:pt x="0" y="20721"/>
+                  <a:pt x="1612" y="21600"/>
+                  <a:pt x="3600" y="21600"/>
+                </a:cubicBezTo>
+                <a:lnTo>
+                  <a:pt x="18000" y="21600"/>
+                </a:lnTo>
+                <a:cubicBezTo>
+                  <a:pt x="19988" y="21600"/>
+                  <a:pt x="21600" y="20721"/>
+                  <a:pt x="21600" y="19636"/>
+                </a:cubicBezTo>
+                <a:lnTo>
+                  <a:pt x="21600" y="1964"/>
+                </a:lnTo>
+                <a:cubicBezTo>
+                  <a:pt x="21600" y="879"/>
+                  <a:pt x="19988" y="0"/>
+                  <a:pt x="18000" y="0"/>
+                </a:cubicBezTo>
+                <a:moveTo>
+                  <a:pt x="10800" y="20127"/>
+                </a:moveTo>
+                <a:cubicBezTo>
+                  <a:pt x="11297" y="20127"/>
+                  <a:pt x="11700" y="19908"/>
+                  <a:pt x="11700" y="19636"/>
+                </a:cubicBezTo>
+                <a:cubicBezTo>
+                  <a:pt x="11700" y="19366"/>
+                  <a:pt x="11297" y="19145"/>
+                  <a:pt x="10800" y="19145"/>
+                </a:cubicBezTo>
+                <a:cubicBezTo>
+                  <a:pt x="10303" y="19145"/>
+                  <a:pt x="9900" y="19366"/>
+                  <a:pt x="9900" y="19636"/>
+                </a:cubicBezTo>
+                <a:cubicBezTo>
+                  <a:pt x="9900" y="19908"/>
+                  <a:pt x="10303" y="20127"/>
+                  <a:pt x="10800" y="20127"/>
+                </a:cubicBezTo>
+              </a:path>
+            </a:pathLst>
+          </a:custGeom>
+          <a:solidFill>
+            <a:schemeClr val="accent5"/>
+          </a:solidFill>
+          <a:ln w="12700">
+            <a:miter lim="400000"/>
+          </a:ln>
+        </p:spPr>
+        <p:txBody>
+          <a:bodyPr lIns="38090" tIns="38090" rIns="38090" bIns="38090" anchor="ctr"/>
+          <a:lstStyle/>
+          <a:p>
+            <a:pPr defTabSz="457079">
+              <a:defRPr sz="3000" cap="none">
+                <a:solidFill>
+                  <a:srgbClr val="FFFFFF"/>
+                </a:solidFill>
+                <a:effectLst>
+                  <a:outerShdw blurRad="38100" dist="12700" dir="5400000" rotWithShape="0">
+                    <a:srgbClr val="000000">
+                      <a:alpha val="50000"/>
+                    </a:srgbClr>
+                  </a:outerShdw>
+                </a:effectLst>
+                <a:latin typeface="Gill Sans"/>
+                <a:ea typeface="Gill Sans"/>
+                <a:cs typeface="Gill Sans"/>
+                <a:sym typeface="Gill Sans"/>
+              </a:defRPr>
+            </a:pPr>
+            <a:endParaRPr sz="2999"/>
+          </a:p>
+        </p:txBody>
+      </p:sp>
+      <p:sp>
+        <p:nvSpPr>
+          <p:cNvPr id="32" name="Shape 2644"/>
+          <p:cNvSpPr/>
+          <p:nvPr/>
+        </p:nvSpPr>
+        <p:spPr>
+          <a:xfrm>
+            <a:off x="9388668" y="9607722"/>
+            <a:ext cx="480331" cy="660455"/>
+          </a:xfrm>
+          <a:custGeom>
+            <a:avLst/>
+            <a:gdLst/>
+            <a:ahLst/>
+            <a:cxnLst>
+              <a:cxn ang="0">
+                <a:pos x="wd2" y="hd2"/>
+              </a:cxn>
+              <a:cxn ang="5400000">
+                <a:pos x="wd2" y="hd2"/>
+              </a:cxn>
+              <a:cxn ang="10800000">
+                <a:pos x="wd2" y="hd2"/>
+              </a:cxn>
+              <a:cxn ang="16200000">
+                <a:pos x="wd2" y="hd2"/>
+              </a:cxn>
+            </a:cxnLst>
+            <a:rect l="0" t="0" r="r" b="b"/>
+            <a:pathLst>
+              <a:path w="21600" h="21600" extrusionOk="0">
+                <a:moveTo>
+                  <a:pt x="20250" y="19636"/>
+                </a:moveTo>
+                <a:cubicBezTo>
+                  <a:pt x="20250" y="20179"/>
+                  <a:pt x="19645" y="20618"/>
+                  <a:pt x="18900" y="20618"/>
+                </a:cubicBezTo>
+                <a:lnTo>
+                  <a:pt x="2700" y="20618"/>
+                </a:lnTo>
+                <a:cubicBezTo>
+                  <a:pt x="1954" y="20618"/>
+                  <a:pt x="1350" y="20179"/>
+                  <a:pt x="1350" y="19636"/>
+                </a:cubicBezTo>
+                <a:lnTo>
+                  <a:pt x="1350" y="1964"/>
+                </a:lnTo>
+                <a:cubicBezTo>
+                  <a:pt x="1350" y="1422"/>
+                  <a:pt x="1954" y="982"/>
+                  <a:pt x="2700" y="982"/>
+                </a:cubicBezTo>
+                <a:lnTo>
+                  <a:pt x="18900" y="982"/>
+                </a:lnTo>
+                <a:cubicBezTo>
+                  <a:pt x="19645" y="982"/>
+                  <a:pt x="20250" y="1422"/>
+                  <a:pt x="20250" y="1964"/>
+                </a:cubicBezTo>
+                <a:cubicBezTo>
+                  <a:pt x="20250" y="1964"/>
+                  <a:pt x="20250" y="19636"/>
+                  <a:pt x="20250" y="19636"/>
+                </a:cubicBezTo>
+                <a:close/>
+                <a:moveTo>
+                  <a:pt x="18900" y="0"/>
+                </a:moveTo>
+                <a:lnTo>
+                  <a:pt x="2700" y="0"/>
+                </a:lnTo>
+                <a:cubicBezTo>
+                  <a:pt x="1209" y="0"/>
+                  <a:pt x="0" y="879"/>
+                  <a:pt x="0" y="1964"/>
+                </a:cubicBezTo>
+                <a:lnTo>
+                  <a:pt x="0" y="19636"/>
+                </a:lnTo>
+                <a:cubicBezTo>
+                  <a:pt x="0" y="20721"/>
+                  <a:pt x="1209" y="21600"/>
+                  <a:pt x="2700" y="21600"/>
+                </a:cubicBezTo>
+                <a:lnTo>
+                  <a:pt x="18900" y="21600"/>
+                </a:lnTo>
+                <a:cubicBezTo>
+                  <a:pt x="20391" y="21600"/>
+                  <a:pt x="21600" y="20721"/>
+                  <a:pt x="21600" y="19636"/>
+                </a:cubicBezTo>
+                <a:lnTo>
+                  <a:pt x="21600" y="1964"/>
+                </a:lnTo>
+                <a:cubicBezTo>
+                  <a:pt x="21600" y="879"/>
+                  <a:pt x="20391" y="0"/>
+                  <a:pt x="18900" y="0"/>
+                </a:cubicBezTo>
+                <a:moveTo>
+                  <a:pt x="4050" y="3927"/>
+                </a:moveTo>
+                <a:lnTo>
+                  <a:pt x="17550" y="3927"/>
+                </a:lnTo>
+                <a:lnTo>
+                  <a:pt x="17550" y="17673"/>
+                </a:lnTo>
+                <a:lnTo>
+                  <a:pt x="4050" y="17673"/>
+                </a:lnTo>
+                <a:cubicBezTo>
+                  <a:pt x="4050" y="17673"/>
+                  <a:pt x="4050" y="3927"/>
+                  <a:pt x="4050" y="3927"/>
+                </a:cubicBezTo>
+                <a:close/>
+                <a:moveTo>
+                  <a:pt x="2700" y="18655"/>
+                </a:moveTo>
+                <a:lnTo>
+                  <a:pt x="18900" y="18655"/>
+                </a:lnTo>
+                <a:lnTo>
+                  <a:pt x="18900" y="2945"/>
+                </a:lnTo>
+                <a:lnTo>
+                  <a:pt x="2700" y="2945"/>
+                </a:lnTo>
+                <a:cubicBezTo>
+                  <a:pt x="2700" y="2945"/>
+                  <a:pt x="2700" y="18655"/>
+                  <a:pt x="2700" y="18655"/>
+                </a:cubicBezTo>
+                <a:close/>
+                <a:moveTo>
+                  <a:pt x="10125" y="2455"/>
+                </a:moveTo>
+                <a:lnTo>
+                  <a:pt x="11475" y="2455"/>
+                </a:lnTo>
+                <a:cubicBezTo>
+                  <a:pt x="11848" y="2455"/>
+                  <a:pt x="12150" y="2235"/>
+                  <a:pt x="12150" y="1964"/>
+                </a:cubicBezTo>
+                <a:cubicBezTo>
+                  <a:pt x="12150" y="1692"/>
+                  <a:pt x="11848" y="1473"/>
+                  <a:pt x="11475" y="1473"/>
+                </a:cubicBezTo>
+                <a:lnTo>
+                  <a:pt x="10125" y="1473"/>
+                </a:lnTo>
+                <a:cubicBezTo>
+                  <a:pt x="9752" y="1473"/>
+                  <a:pt x="9450" y="1692"/>
+                  <a:pt x="9450" y="1964"/>
+                </a:cubicBezTo>
+                <a:cubicBezTo>
+                  <a:pt x="9450" y="2235"/>
+                  <a:pt x="9752" y="2455"/>
+                  <a:pt x="10125" y="2455"/>
+                </a:cubicBezTo>
+                <a:moveTo>
+                  <a:pt x="10800" y="19145"/>
+                </a:moveTo>
+                <a:cubicBezTo>
+                  <a:pt x="10427" y="19145"/>
+                  <a:pt x="10125" y="19366"/>
+                  <a:pt x="10125" y="19636"/>
+                </a:cubicBezTo>
+                <a:cubicBezTo>
+                  <a:pt x="10125" y="19908"/>
+                  <a:pt x="10427" y="20127"/>
+                  <a:pt x="10800" y="20127"/>
+                </a:cubicBezTo>
+                <a:cubicBezTo>
+                  <a:pt x="11173" y="20127"/>
+                  <a:pt x="11475" y="19908"/>
+                  <a:pt x="11475" y="19636"/>
+                </a:cubicBezTo>
+                <a:cubicBezTo>
+                  <a:pt x="11475" y="19366"/>
+                  <a:pt x="11173" y="19145"/>
+                  <a:pt x="10800" y="19145"/>
+                </a:cubicBezTo>
+              </a:path>
+            </a:pathLst>
+          </a:custGeom>
+          <a:solidFill>
+            <a:schemeClr val="accent6"/>
+          </a:solidFill>
+          <a:ln w="12700">
+            <a:miter lim="400000"/>
+          </a:ln>
+        </p:spPr>
+        <p:txBody>
+          <a:bodyPr lIns="38090" tIns="38090" rIns="38090" bIns="38090" anchor="ctr"/>
+          <a:lstStyle/>
+          <a:p>
+            <a:pPr defTabSz="457079">
+              <a:defRPr sz="3000" cap="none">
+                <a:solidFill>
+                  <a:srgbClr val="FFFFFF"/>
+                </a:solidFill>
+                <a:effectLst>
+                  <a:outerShdw blurRad="38100" dist="12700" dir="5400000" rotWithShape="0">
+                    <a:srgbClr val="000000">
+                      <a:alpha val="50000"/>
+                    </a:srgbClr>
+                  </a:outerShdw>
+                </a:effectLst>
+                <a:latin typeface="Gill Sans"/>
+                <a:ea typeface="Gill Sans"/>
+                <a:cs typeface="Gill Sans"/>
+                <a:sym typeface="Gill Sans"/>
+              </a:defRPr>
+            </a:pPr>
+            <a:endParaRPr sz="2999"/>
+          </a:p>
+        </p:txBody>
+      </p:sp>
+      <p:sp>
+        <p:nvSpPr>
+          <p:cNvPr id="33" name="Shape 2688"/>
+          <p:cNvSpPr/>
+          <p:nvPr/>
+        </p:nvSpPr>
+        <p:spPr>
+          <a:xfrm>
+            <a:off x="16346832" y="7424733"/>
+            <a:ext cx="558654" cy="558654"/>
+          </a:xfrm>
+          <a:custGeom>
+            <a:avLst/>
+            <a:gdLst/>
+            <a:ahLst/>
+            <a:cxnLst>
+              <a:cxn ang="0">
+                <a:pos x="wd2" y="hd2"/>
+              </a:cxn>
+              <a:cxn ang="5400000">
+                <a:pos x="wd2" y="hd2"/>
+              </a:cxn>
+              <a:cxn ang="10800000">
+                <a:pos x="wd2" y="hd2"/>
+              </a:cxn>
+              <a:cxn ang="16200000">
+                <a:pos x="wd2" y="hd2"/>
+              </a:cxn>
+            </a:cxnLst>
+            <a:rect l="0" t="0" r="r" b="b"/>
+            <a:pathLst>
+              <a:path w="21600" h="21600" extrusionOk="0">
+                <a:moveTo>
+                  <a:pt x="20618" y="10309"/>
+                </a:moveTo>
+                <a:cubicBezTo>
+                  <a:pt x="20618" y="10851"/>
+                  <a:pt x="20178" y="11291"/>
+                  <a:pt x="19636" y="11291"/>
+                </a:cubicBezTo>
+                <a:lnTo>
+                  <a:pt x="19636" y="7364"/>
+                </a:lnTo>
+                <a:cubicBezTo>
+                  <a:pt x="20178" y="7364"/>
+                  <a:pt x="20618" y="7804"/>
+                  <a:pt x="20618" y="8345"/>
+                </a:cubicBezTo>
+                <a:cubicBezTo>
+                  <a:pt x="20618" y="8345"/>
+                  <a:pt x="20618" y="10309"/>
+                  <a:pt x="20618" y="10309"/>
+                </a:cubicBezTo>
+                <a:close/>
+                <a:moveTo>
+                  <a:pt x="18655" y="17182"/>
+                </a:moveTo>
+                <a:cubicBezTo>
+                  <a:pt x="18655" y="17453"/>
+                  <a:pt x="18434" y="17673"/>
+                  <a:pt x="18164" y="17673"/>
+                </a:cubicBezTo>
+                <a:cubicBezTo>
+                  <a:pt x="17893" y="17673"/>
+                  <a:pt x="17673" y="17453"/>
+                  <a:pt x="17673" y="17182"/>
+                </a:cubicBezTo>
+                <a:lnTo>
+                  <a:pt x="17673" y="1473"/>
+                </a:lnTo>
+                <a:cubicBezTo>
+                  <a:pt x="17673" y="1202"/>
+                  <a:pt x="17893" y="982"/>
+                  <a:pt x="18164" y="982"/>
+                </a:cubicBezTo>
+                <a:cubicBezTo>
+                  <a:pt x="18434" y="982"/>
+                  <a:pt x="18655" y="1202"/>
+                  <a:pt x="18655" y="1473"/>
+                </a:cubicBezTo>
+                <a:cubicBezTo>
+                  <a:pt x="18655" y="1473"/>
+                  <a:pt x="18655" y="17182"/>
+                  <a:pt x="18655" y="17182"/>
+                </a:cubicBezTo>
+                <a:close/>
+                <a:moveTo>
+                  <a:pt x="16691" y="15788"/>
+                </a:moveTo>
+                <a:lnTo>
+                  <a:pt x="2945" y="11745"/>
+                </a:lnTo>
+                <a:lnTo>
+                  <a:pt x="2945" y="6910"/>
+                </a:lnTo>
+                <a:lnTo>
+                  <a:pt x="16691" y="2867"/>
+                </a:lnTo>
+                <a:cubicBezTo>
+                  <a:pt x="16691" y="2867"/>
+                  <a:pt x="16691" y="15788"/>
+                  <a:pt x="16691" y="15788"/>
+                </a:cubicBezTo>
+                <a:close/>
+                <a:moveTo>
+                  <a:pt x="8251" y="18655"/>
+                </a:moveTo>
+                <a:lnTo>
+                  <a:pt x="5357" y="18655"/>
+                </a:lnTo>
+                <a:lnTo>
+                  <a:pt x="4126" y="13116"/>
+                </a:lnTo>
+                <a:lnTo>
+                  <a:pt x="7167" y="14010"/>
+                </a:lnTo>
+                <a:cubicBezTo>
+                  <a:pt x="7167" y="14010"/>
+                  <a:pt x="8251" y="18655"/>
+                  <a:pt x="8251" y="18655"/>
+                </a:cubicBezTo>
+                <a:close/>
+                <a:moveTo>
+                  <a:pt x="8709" y="20618"/>
+                </a:moveTo>
+                <a:lnTo>
+                  <a:pt x="5794" y="20618"/>
+                </a:lnTo>
+                <a:lnTo>
+                  <a:pt x="5576" y="19636"/>
+                </a:lnTo>
+                <a:lnTo>
+                  <a:pt x="8479" y="19636"/>
+                </a:lnTo>
+                <a:cubicBezTo>
+                  <a:pt x="8479" y="19636"/>
+                  <a:pt x="8709" y="20618"/>
+                  <a:pt x="8709" y="20618"/>
+                </a:cubicBezTo>
+                <a:close/>
+                <a:moveTo>
+                  <a:pt x="1964" y="11782"/>
+                </a:moveTo>
+                <a:lnTo>
+                  <a:pt x="982" y="11782"/>
+                </a:lnTo>
+                <a:lnTo>
+                  <a:pt x="982" y="6873"/>
+                </a:lnTo>
+                <a:lnTo>
+                  <a:pt x="1964" y="6873"/>
+                </a:lnTo>
+                <a:cubicBezTo>
+                  <a:pt x="1964" y="6873"/>
+                  <a:pt x="1964" y="11782"/>
+                  <a:pt x="1964" y="11782"/>
+                </a:cubicBezTo>
+                <a:close/>
+                <a:moveTo>
+                  <a:pt x="19636" y="6382"/>
+                </a:moveTo>
+                <a:lnTo>
+                  <a:pt x="19636" y="1473"/>
+                </a:lnTo>
+                <a:cubicBezTo>
+                  <a:pt x="19636" y="659"/>
+                  <a:pt x="18977" y="0"/>
+                  <a:pt x="18164" y="0"/>
+                </a:cubicBezTo>
+                <a:cubicBezTo>
+                  <a:pt x="17350" y="0"/>
+                  <a:pt x="16691" y="659"/>
+                  <a:pt x="16691" y="1473"/>
+                </a:cubicBezTo>
+                <a:lnTo>
+                  <a:pt x="16691" y="1844"/>
+                </a:lnTo>
+                <a:lnTo>
+                  <a:pt x="2459" y="6029"/>
+                </a:lnTo>
+                <a:cubicBezTo>
+                  <a:pt x="2313" y="5944"/>
+                  <a:pt x="2145" y="5891"/>
+                  <a:pt x="1964" y="5891"/>
+                </a:cubicBezTo>
+                <a:lnTo>
+                  <a:pt x="982" y="5891"/>
+                </a:lnTo>
+                <a:cubicBezTo>
+                  <a:pt x="440" y="5891"/>
+                  <a:pt x="0" y="6331"/>
+                  <a:pt x="0" y="6873"/>
+                </a:cubicBezTo>
+                <a:lnTo>
+                  <a:pt x="0" y="11782"/>
+                </a:lnTo>
+                <a:cubicBezTo>
+                  <a:pt x="0" y="12324"/>
+                  <a:pt x="440" y="12764"/>
+                  <a:pt x="982" y="12764"/>
+                </a:cubicBezTo>
+                <a:lnTo>
+                  <a:pt x="1964" y="12764"/>
+                </a:lnTo>
+                <a:cubicBezTo>
+                  <a:pt x="2145" y="12764"/>
+                  <a:pt x="2313" y="12711"/>
+                  <a:pt x="2458" y="12626"/>
+                </a:cubicBezTo>
+                <a:lnTo>
+                  <a:pt x="3050" y="12799"/>
+                </a:lnTo>
+                <a:lnTo>
+                  <a:pt x="4921" y="21216"/>
+                </a:lnTo>
+                <a:lnTo>
+                  <a:pt x="4930" y="21214"/>
+                </a:lnTo>
+                <a:cubicBezTo>
+                  <a:pt x="4979" y="21433"/>
+                  <a:pt x="5166" y="21600"/>
+                  <a:pt x="5400" y="21600"/>
+                </a:cubicBezTo>
+                <a:lnTo>
+                  <a:pt x="9327" y="21600"/>
+                </a:lnTo>
+                <a:cubicBezTo>
+                  <a:pt x="9598" y="21600"/>
+                  <a:pt x="9818" y="21381"/>
+                  <a:pt x="9818" y="21109"/>
+                </a:cubicBezTo>
+                <a:cubicBezTo>
+                  <a:pt x="9818" y="21072"/>
+                  <a:pt x="9805" y="21039"/>
+                  <a:pt x="9797" y="21005"/>
+                </a:cubicBezTo>
+                <a:lnTo>
+                  <a:pt x="9806" y="21003"/>
+                </a:lnTo>
+                <a:lnTo>
+                  <a:pt x="8249" y="14329"/>
+                </a:lnTo>
+                <a:lnTo>
+                  <a:pt x="16691" y="16811"/>
+                </a:lnTo>
+                <a:lnTo>
+                  <a:pt x="16691" y="17182"/>
+                </a:lnTo>
+                <a:cubicBezTo>
+                  <a:pt x="16691" y="17995"/>
+                  <a:pt x="17350" y="18655"/>
+                  <a:pt x="18164" y="18655"/>
+                </a:cubicBezTo>
+                <a:cubicBezTo>
+                  <a:pt x="18977" y="18655"/>
+                  <a:pt x="19636" y="17995"/>
+                  <a:pt x="19636" y="17182"/>
+                </a:cubicBezTo>
+                <a:lnTo>
+                  <a:pt x="19636" y="12273"/>
+                </a:lnTo>
+                <a:cubicBezTo>
+                  <a:pt x="20721" y="12273"/>
+                  <a:pt x="21600" y="11394"/>
+                  <a:pt x="21600" y="10309"/>
+                </a:cubicBezTo>
+                <a:lnTo>
+                  <a:pt x="21600" y="8345"/>
+                </a:lnTo>
+                <a:cubicBezTo>
+                  <a:pt x="21600" y="7261"/>
+                  <a:pt x="20721" y="6382"/>
+                  <a:pt x="19636" y="6382"/>
+                </a:cubicBezTo>
+              </a:path>
+            </a:pathLst>
+          </a:custGeom>
+          <a:solidFill>
+            <a:schemeClr val="accent2"/>
+          </a:solidFill>
+          <a:ln w="12700">
+            <a:miter lim="400000"/>
+          </a:ln>
+        </p:spPr>
+        <p:txBody>
+          <a:bodyPr lIns="38090" tIns="38090" rIns="38090" bIns="38090" anchor="ctr"/>
+          <a:lstStyle/>
+          <a:p>
+            <a:pPr defTabSz="457079">
+              <a:defRPr sz="3000" cap="none">
+                <a:solidFill>
+                  <a:srgbClr val="FFFFFF"/>
+                </a:solidFill>
+                <a:effectLst>
+                  <a:outerShdw blurRad="38100" dist="12700" dir="5400000" rotWithShape="0">
+                    <a:srgbClr val="000000">
+                      <a:alpha val="50000"/>
+                    </a:srgbClr>
+                  </a:outerShdw>
+                </a:effectLst>
+                <a:latin typeface="Gill Sans"/>
+                <a:ea typeface="Gill Sans"/>
+                <a:cs typeface="Gill Sans"/>
+                <a:sym typeface="Gill Sans"/>
+              </a:defRPr>
+            </a:pPr>
+            <a:endParaRPr sz="2999"/>
+          </a:p>
+        </p:txBody>
+      </p:sp>
+      <p:sp>
+        <p:nvSpPr>
+          <p:cNvPr id="34" name="Shape 2724"/>
+          <p:cNvSpPr>
+            <a:spLocks noChangeAspect="1"/>
+          </p:cNvSpPr>
+          <p:nvPr/>
+        </p:nvSpPr>
+        <p:spPr>
+          <a:xfrm>
+            <a:off x="16346831" y="5350959"/>
+            <a:ext cx="557784" cy="557784"/>
+          </a:xfrm>
+          <a:custGeom>
+            <a:avLst/>
+            <a:gdLst/>
+            <a:ahLst/>
+            <a:cxnLst>
+              <a:cxn ang="0">
+                <a:pos x="wd2" y="hd2"/>
+              </a:cxn>
+              <a:cxn ang="5400000">
+                <a:pos x="wd2" y="hd2"/>
+              </a:cxn>
+              <a:cxn ang="10800000">
+                <a:pos x="wd2" y="hd2"/>
+              </a:cxn>
+              <a:cxn ang="16200000">
+                <a:pos x="wd2" y="hd2"/>
+              </a:cxn>
+            </a:cxnLst>
+            <a:rect l="0" t="0" r="r" b="b"/>
+            <a:pathLst>
+              <a:path w="21600" h="21600" extrusionOk="0">
+                <a:moveTo>
+                  <a:pt x="15709" y="15709"/>
+                </a:moveTo>
+                <a:lnTo>
+                  <a:pt x="5891" y="15709"/>
+                </a:lnTo>
+                <a:lnTo>
+                  <a:pt x="5891" y="11782"/>
+                </a:lnTo>
+                <a:lnTo>
+                  <a:pt x="15709" y="11782"/>
+                </a:lnTo>
+                <a:cubicBezTo>
+                  <a:pt x="15709" y="11782"/>
+                  <a:pt x="15709" y="15709"/>
+                  <a:pt x="15709" y="15709"/>
+                </a:cubicBezTo>
+                <a:close/>
+                <a:moveTo>
+                  <a:pt x="16691" y="10800"/>
+                </a:moveTo>
+                <a:lnTo>
+                  <a:pt x="4909" y="10800"/>
+                </a:lnTo>
+                <a:lnTo>
+                  <a:pt x="4909" y="16691"/>
+                </a:lnTo>
+                <a:lnTo>
+                  <a:pt x="16691" y="16691"/>
+                </a:lnTo>
+                <a:cubicBezTo>
+                  <a:pt x="16691" y="16691"/>
+                  <a:pt x="16691" y="10800"/>
+                  <a:pt x="16691" y="10800"/>
+                </a:cubicBezTo>
+                <a:close/>
+                <a:moveTo>
+                  <a:pt x="11782" y="13745"/>
+                </a:moveTo>
+                <a:lnTo>
+                  <a:pt x="9818" y="13745"/>
+                </a:lnTo>
+                <a:lnTo>
+                  <a:pt x="9818" y="14727"/>
+                </a:lnTo>
+                <a:lnTo>
+                  <a:pt x="11782" y="14727"/>
+                </a:lnTo>
+                <a:cubicBezTo>
+                  <a:pt x="11782" y="14727"/>
+                  <a:pt x="11782" y="13745"/>
+                  <a:pt x="11782" y="13745"/>
+                </a:cubicBezTo>
+                <a:close/>
+                <a:moveTo>
+                  <a:pt x="18655" y="17673"/>
+                </a:moveTo>
+                <a:cubicBezTo>
+                  <a:pt x="18655" y="18214"/>
+                  <a:pt x="18214" y="18655"/>
+                  <a:pt x="17673" y="18655"/>
+                </a:cubicBezTo>
+                <a:lnTo>
+                  <a:pt x="3927" y="18655"/>
+                </a:lnTo>
+                <a:cubicBezTo>
+                  <a:pt x="3385" y="18655"/>
+                  <a:pt x="2945" y="18214"/>
+                  <a:pt x="2945" y="17673"/>
+                </a:cubicBezTo>
+                <a:lnTo>
+                  <a:pt x="2945" y="982"/>
+                </a:lnTo>
+                <a:lnTo>
+                  <a:pt x="18655" y="982"/>
+                </a:lnTo>
+                <a:cubicBezTo>
+                  <a:pt x="18655" y="982"/>
+                  <a:pt x="18655" y="17673"/>
+                  <a:pt x="18655" y="17673"/>
+                </a:cubicBezTo>
+                <a:close/>
+                <a:moveTo>
+                  <a:pt x="21109" y="0"/>
+                </a:moveTo>
+                <a:lnTo>
+                  <a:pt x="491" y="0"/>
+                </a:lnTo>
+                <a:cubicBezTo>
+                  <a:pt x="220" y="0"/>
+                  <a:pt x="0" y="220"/>
+                  <a:pt x="0" y="491"/>
+                </a:cubicBezTo>
+                <a:cubicBezTo>
+                  <a:pt x="0" y="762"/>
+                  <a:pt x="220" y="982"/>
+                  <a:pt x="491" y="982"/>
+                </a:cubicBezTo>
+                <a:lnTo>
+                  <a:pt x="1964" y="982"/>
+                </a:lnTo>
+                <a:lnTo>
+                  <a:pt x="1964" y="17673"/>
+                </a:lnTo>
+                <a:cubicBezTo>
+                  <a:pt x="1964" y="18757"/>
+                  <a:pt x="2843" y="19636"/>
+                  <a:pt x="3927" y="19636"/>
+                </a:cubicBezTo>
+                <a:lnTo>
+                  <a:pt x="4909" y="19636"/>
+                </a:lnTo>
+                <a:lnTo>
+                  <a:pt x="4909" y="21109"/>
+                </a:lnTo>
+                <a:cubicBezTo>
+                  <a:pt x="4909" y="21380"/>
+                  <a:pt x="5129" y="21600"/>
+                  <a:pt x="5400" y="21600"/>
+                </a:cubicBezTo>
+                <a:cubicBezTo>
+                  <a:pt x="5671" y="21600"/>
+                  <a:pt x="5891" y="21380"/>
+                  <a:pt x="5891" y="21109"/>
+                </a:cubicBezTo>
+                <a:lnTo>
+                  <a:pt x="5891" y="19636"/>
+                </a:lnTo>
+                <a:lnTo>
+                  <a:pt x="15709" y="19636"/>
+                </a:lnTo>
+                <a:lnTo>
+                  <a:pt x="15709" y="21109"/>
+                </a:lnTo>
+                <a:cubicBezTo>
+                  <a:pt x="15709" y="21380"/>
+                  <a:pt x="15929" y="21600"/>
+                  <a:pt x="16200" y="21600"/>
+                </a:cubicBezTo>
+                <a:cubicBezTo>
+                  <a:pt x="16471" y="21600"/>
+                  <a:pt x="16691" y="21380"/>
+                  <a:pt x="16691" y="21109"/>
+                </a:cubicBezTo>
+                <a:lnTo>
+                  <a:pt x="16691" y="19636"/>
+                </a:lnTo>
+                <a:lnTo>
+                  <a:pt x="17673" y="19636"/>
+                </a:lnTo>
+                <a:cubicBezTo>
+                  <a:pt x="18757" y="19636"/>
+                  <a:pt x="19636" y="18757"/>
+                  <a:pt x="19636" y="17673"/>
+                </a:cubicBezTo>
+                <a:lnTo>
+                  <a:pt x="19636" y="982"/>
+                </a:lnTo>
+                <a:lnTo>
+                  <a:pt x="21109" y="982"/>
+                </a:lnTo>
+                <a:cubicBezTo>
+                  <a:pt x="21380" y="982"/>
+                  <a:pt x="21600" y="762"/>
+                  <a:pt x="21600" y="491"/>
+                </a:cubicBezTo>
+                <a:cubicBezTo>
+                  <a:pt x="21600" y="220"/>
+                  <a:pt x="21380" y="0"/>
+                  <a:pt x="21109" y="0"/>
+                </a:cubicBezTo>
+                <a:moveTo>
+                  <a:pt x="11782" y="5891"/>
+                </a:moveTo>
+                <a:lnTo>
+                  <a:pt x="9818" y="5891"/>
+                </a:lnTo>
+                <a:lnTo>
+                  <a:pt x="9818" y="6873"/>
+                </a:lnTo>
+                <a:lnTo>
+                  <a:pt x="11782" y="6873"/>
+                </a:lnTo>
+                <a:cubicBezTo>
+                  <a:pt x="11782" y="6873"/>
+                  <a:pt x="11782" y="5891"/>
+                  <a:pt x="11782" y="5891"/>
+                </a:cubicBezTo>
+                <a:close/>
+                <a:moveTo>
+                  <a:pt x="15709" y="7855"/>
+                </a:moveTo>
+                <a:lnTo>
+                  <a:pt x="5891" y="7855"/>
+                </a:lnTo>
+                <a:lnTo>
+                  <a:pt x="5891" y="3927"/>
+                </a:lnTo>
+                <a:lnTo>
+                  <a:pt x="15709" y="3927"/>
+                </a:lnTo>
+                <a:cubicBezTo>
+                  <a:pt x="15709" y="3927"/>
+                  <a:pt x="15709" y="7855"/>
+                  <a:pt x="15709" y="7855"/>
+                </a:cubicBezTo>
+                <a:close/>
+                <a:moveTo>
+                  <a:pt x="16691" y="2945"/>
+                </a:moveTo>
+                <a:lnTo>
+                  <a:pt x="4909" y="2945"/>
+                </a:lnTo>
+                <a:lnTo>
+                  <a:pt x="4909" y="8836"/>
+                </a:lnTo>
+                <a:lnTo>
+                  <a:pt x="16691" y="8836"/>
+                </a:lnTo>
+                <a:cubicBezTo>
+                  <a:pt x="16691" y="8836"/>
+                  <a:pt x="16691" y="2945"/>
+                  <a:pt x="16691" y="2945"/>
+                </a:cubicBezTo>
+                <a:close/>
+              </a:path>
+            </a:pathLst>
+          </a:custGeom>
+          <a:solidFill>
+            <a:schemeClr val="accent1"/>
+          </a:solidFill>
+          <a:ln w="12700">
+            <a:miter lim="400000"/>
+          </a:ln>
+        </p:spPr>
+        <p:txBody>
+          <a:bodyPr lIns="38090" tIns="38090" rIns="38090" bIns="38090" anchor="ctr"/>
+          <a:lstStyle/>
+          <a:p>
+            <a:pPr defTabSz="457079">
+              <a:defRPr sz="3000" cap="none">
+                <a:solidFill>
+                  <a:srgbClr val="FFFFFF"/>
+                </a:solidFill>
+                <a:effectLst>
+                  <a:outerShdw blurRad="38100" dist="12700" dir="5400000" rotWithShape="0">
+                    <a:srgbClr val="000000">
+                      <a:alpha val="50000"/>
+                    </a:srgbClr>
+                  </a:outerShdw>
+                </a:effectLst>
+                <a:latin typeface="Gill Sans"/>
+                <a:ea typeface="Gill Sans"/>
+                <a:cs typeface="Gill Sans"/>
+                <a:sym typeface="Gill Sans"/>
+              </a:defRPr>
+            </a:pPr>
+            <a:endParaRPr sz="2999"/>
+          </a:p>
+        </p:txBody>
+      </p:sp>
+      <p:sp>
+        <p:nvSpPr>
+          <p:cNvPr id="35" name="Shape 2748"/>
+          <p:cNvSpPr/>
+          <p:nvPr/>
+        </p:nvSpPr>
+        <p:spPr>
+          <a:xfrm>
+            <a:off x="16345962" y="9605786"/>
+            <a:ext cx="558654" cy="558654"/>
+          </a:xfrm>
+          <a:custGeom>
+            <a:avLst/>
+            <a:gdLst/>
+            <a:ahLst/>
+            <a:cxnLst>
+              <a:cxn ang="0">
+                <a:pos x="wd2" y="hd2"/>
+              </a:cxn>
+              <a:cxn ang="5400000">
+                <a:pos x="wd2" y="hd2"/>
+              </a:cxn>
+              <a:cxn ang="10800000">
+                <a:pos x="wd2" y="hd2"/>
+              </a:cxn>
+              <a:cxn ang="16200000">
+                <a:pos x="wd2" y="hd2"/>
+              </a:cxn>
+            </a:cxnLst>
+            <a:rect l="0" t="0" r="r" b="b"/>
+            <a:pathLst>
+              <a:path w="21600" h="21600" extrusionOk="0">
+                <a:moveTo>
+                  <a:pt x="10800" y="20618"/>
+                </a:moveTo>
+                <a:cubicBezTo>
+                  <a:pt x="5377" y="20618"/>
+                  <a:pt x="982" y="16223"/>
+                  <a:pt x="982" y="10800"/>
+                </a:cubicBezTo>
+                <a:cubicBezTo>
+                  <a:pt x="982" y="5377"/>
+                  <a:pt x="5377" y="982"/>
+                  <a:pt x="10800" y="982"/>
+                </a:cubicBezTo>
+                <a:cubicBezTo>
+                  <a:pt x="16223" y="982"/>
+                  <a:pt x="20618" y="5377"/>
+                  <a:pt x="20618" y="10800"/>
+                </a:cubicBezTo>
+                <a:cubicBezTo>
+                  <a:pt x="20618" y="16223"/>
+                  <a:pt x="16223" y="20618"/>
+                  <a:pt x="10800" y="20618"/>
+                </a:cubicBezTo>
+                <a:moveTo>
+                  <a:pt x="18280" y="18579"/>
+                </a:moveTo>
+                <a:cubicBezTo>
+                  <a:pt x="20323" y="16614"/>
+                  <a:pt x="21600" y="13859"/>
+                  <a:pt x="21600" y="10800"/>
+                </a:cubicBezTo>
+                <a:cubicBezTo>
+                  <a:pt x="21600" y="4835"/>
+                  <a:pt x="16764" y="0"/>
+                  <a:pt x="10800" y="0"/>
+                </a:cubicBezTo>
+                <a:cubicBezTo>
+                  <a:pt x="4836" y="0"/>
+                  <a:pt x="0" y="4835"/>
+                  <a:pt x="0" y="10800"/>
+                </a:cubicBezTo>
+                <a:cubicBezTo>
+                  <a:pt x="0" y="13859"/>
+                  <a:pt x="1277" y="16614"/>
+                  <a:pt x="3320" y="18579"/>
+                </a:cubicBezTo>
+                <a:lnTo>
+                  <a:pt x="2107" y="20762"/>
+                </a:lnTo>
+                <a:cubicBezTo>
+                  <a:pt x="2019" y="20851"/>
+                  <a:pt x="1964" y="20974"/>
+                  <a:pt x="1964" y="21109"/>
+                </a:cubicBezTo>
+                <a:cubicBezTo>
+                  <a:pt x="1964" y="21380"/>
+                  <a:pt x="2184" y="21600"/>
+                  <a:pt x="2455" y="21600"/>
+                </a:cubicBezTo>
+                <a:cubicBezTo>
+                  <a:pt x="2590" y="21600"/>
+                  <a:pt x="2713" y="21545"/>
+                  <a:pt x="2802" y="21456"/>
+                </a:cubicBezTo>
+                <a:cubicBezTo>
+                  <a:pt x="2858" y="21400"/>
+                  <a:pt x="2894" y="21327"/>
+                  <a:pt x="2917" y="21248"/>
+                </a:cubicBezTo>
+                <a:lnTo>
+                  <a:pt x="4044" y="19219"/>
+                </a:lnTo>
+                <a:cubicBezTo>
+                  <a:pt x="5895" y="20706"/>
+                  <a:pt x="8242" y="21600"/>
+                  <a:pt x="10800" y="21600"/>
+                </a:cubicBezTo>
+                <a:cubicBezTo>
+                  <a:pt x="13358" y="21600"/>
+                  <a:pt x="15705" y="20706"/>
+                  <a:pt x="17555" y="19219"/>
+                </a:cubicBezTo>
+                <a:lnTo>
+                  <a:pt x="18683" y="21248"/>
+                </a:lnTo>
+                <a:cubicBezTo>
+                  <a:pt x="18743" y="21450"/>
+                  <a:pt x="18923" y="21600"/>
+                  <a:pt x="19145" y="21600"/>
+                </a:cubicBezTo>
+                <a:cubicBezTo>
+                  <a:pt x="19416" y="21600"/>
+                  <a:pt x="19636" y="21380"/>
+                  <a:pt x="19636" y="21109"/>
+                </a:cubicBezTo>
+                <a:cubicBezTo>
+                  <a:pt x="19636" y="20974"/>
+                  <a:pt x="19581" y="20851"/>
+                  <a:pt x="19493" y="20762"/>
+                </a:cubicBezTo>
+                <a:cubicBezTo>
+                  <a:pt x="19493" y="20762"/>
+                  <a:pt x="18280" y="18579"/>
+                  <a:pt x="18280" y="18579"/>
+                </a:cubicBezTo>
+                <a:close/>
+                <a:moveTo>
+                  <a:pt x="10800" y="16691"/>
+                </a:moveTo>
+                <a:cubicBezTo>
+                  <a:pt x="7547" y="16691"/>
+                  <a:pt x="4909" y="14053"/>
+                  <a:pt x="4909" y="10800"/>
+                </a:cubicBezTo>
+                <a:cubicBezTo>
+                  <a:pt x="4909" y="7547"/>
+                  <a:pt x="7547" y="4909"/>
+                  <a:pt x="10800" y="4909"/>
+                </a:cubicBezTo>
+                <a:cubicBezTo>
+                  <a:pt x="14053" y="4909"/>
+                  <a:pt x="16691" y="7547"/>
+                  <a:pt x="16691" y="10800"/>
+                </a:cubicBezTo>
+                <a:cubicBezTo>
+                  <a:pt x="16691" y="14053"/>
+                  <a:pt x="14053" y="16691"/>
+                  <a:pt x="10800" y="16691"/>
+                </a:cubicBezTo>
+                <a:moveTo>
+                  <a:pt x="10800" y="3927"/>
+                </a:moveTo>
+                <a:cubicBezTo>
+                  <a:pt x="7004" y="3927"/>
+                  <a:pt x="3927" y="7004"/>
+                  <a:pt x="3927" y="10800"/>
+                </a:cubicBezTo>
+                <a:cubicBezTo>
+                  <a:pt x="3927" y="14596"/>
+                  <a:pt x="7004" y="17673"/>
+                  <a:pt x="10800" y="17673"/>
+                </a:cubicBezTo>
+                <a:cubicBezTo>
+                  <a:pt x="14596" y="17673"/>
+                  <a:pt x="17673" y="14596"/>
+                  <a:pt x="17673" y="10800"/>
+                </a:cubicBezTo>
+                <a:cubicBezTo>
+                  <a:pt x="17673" y="7004"/>
+                  <a:pt x="14596" y="3927"/>
+                  <a:pt x="10800" y="3927"/>
+                </a:cubicBezTo>
+                <a:moveTo>
+                  <a:pt x="10800" y="12764"/>
+                </a:moveTo>
+                <a:cubicBezTo>
+                  <a:pt x="9716" y="12764"/>
+                  <a:pt x="8836" y="11884"/>
+                  <a:pt x="8836" y="10800"/>
+                </a:cubicBezTo>
+                <a:cubicBezTo>
+                  <a:pt x="8836" y="9716"/>
+                  <a:pt x="9716" y="8836"/>
+                  <a:pt x="10800" y="8836"/>
+                </a:cubicBezTo>
+                <a:cubicBezTo>
+                  <a:pt x="11884" y="8836"/>
+                  <a:pt x="12764" y="9716"/>
+                  <a:pt x="12764" y="10800"/>
+                </a:cubicBezTo>
+                <a:cubicBezTo>
+                  <a:pt x="12764" y="11884"/>
+                  <a:pt x="11884" y="12764"/>
+                  <a:pt x="10800" y="12764"/>
+                </a:cubicBezTo>
+                <a:moveTo>
+                  <a:pt x="10800" y="7855"/>
+                </a:moveTo>
+                <a:cubicBezTo>
+                  <a:pt x="9173" y="7855"/>
+                  <a:pt x="7855" y="9173"/>
+                  <a:pt x="7855" y="10800"/>
+                </a:cubicBezTo>
+                <a:cubicBezTo>
+                  <a:pt x="7855" y="12427"/>
+                  <a:pt x="9173" y="13745"/>
+                  <a:pt x="10800" y="13745"/>
+                </a:cubicBezTo>
+                <a:cubicBezTo>
+                  <a:pt x="12427" y="13745"/>
+                  <a:pt x="13745" y="12427"/>
+                  <a:pt x="13745" y="10800"/>
+                </a:cubicBezTo>
+                <a:cubicBezTo>
+                  <a:pt x="13745" y="9173"/>
+                  <a:pt x="12427" y="7855"/>
+                  <a:pt x="10800" y="7855"/>
+                </a:cubicBezTo>
+              </a:path>
+            </a:pathLst>
+          </a:custGeom>
+          <a:solidFill>
+            <a:schemeClr val="accent3"/>
+          </a:solidFill>
+          <a:ln w="12700">
+            <a:miter lim="400000"/>
+          </a:ln>
+        </p:spPr>
+        <p:txBody>
+          <a:bodyPr lIns="38090" tIns="38090" rIns="38090" bIns="38090" anchor="ctr"/>
+          <a:lstStyle/>
+          <a:p>
+            <a:pPr defTabSz="457079">
+              <a:defRPr sz="3000" cap="none">
+                <a:solidFill>
+                  <a:srgbClr val="FFFFFF"/>
+                </a:solidFill>
+                <a:effectLst>
+                  <a:outerShdw blurRad="38100" dist="12700" dir="5400000" rotWithShape="0">
+                    <a:srgbClr val="000000">
+                      <a:alpha val="50000"/>
+                    </a:srgbClr>
+                  </a:outerShdw>
+                </a:effectLst>
+                <a:latin typeface="Gill Sans"/>
+                <a:ea typeface="Gill Sans"/>
+                <a:cs typeface="Gill Sans"/>
+                <a:sym typeface="Gill Sans"/>
+              </a:defRPr>
+            </a:pPr>
+            <a:endParaRPr sz="2999"/>
+          </a:p>
+        </p:txBody>
+      </p:sp>
+      <p:sp>
+        <p:nvSpPr>
+          <p:cNvPr id="37" name="TextBox 36"/>
+          <p:cNvSpPr txBox="1"/>
+          <p:nvPr/>
+        </p:nvSpPr>
+        <p:spPr>
+          <a:xfrm>
+            <a:off x="3198080" y="5238105"/>
+            <a:ext cx="2935419" cy="646331"/>
+          </a:xfrm>
+          <a:prstGeom prst="rect">
+            <a:avLst/>
+          </a:prstGeom>
+          <a:noFill/>
+        </p:spPr>
+        <p:txBody>
+          <a:bodyPr wrap="none" rtlCol="0">
+            <a:spAutoFit/>
+          </a:bodyPr>
+          <a:lstStyle/>
+          <a:p>
+            <a:r>
+              <a:rPr lang="en-US" dirty="0">
+                <a:solidFill>
+                  <a:schemeClr val="accent1"/>
+                </a:solidFill>
+                <a:latin typeface="Lato Light" charset="0"/>
+                <a:ea typeface="Lato Light" charset="0"/>
+                <a:cs typeface="Lato Light" charset="0"/>
+              </a:rPr>
+              <a:t>Service Name</a:t>
+            </a:r>
+            <a:endParaRPr lang="en-US" sz="4000" dirty="0">
+              <a:solidFill>
+                <a:schemeClr val="accent1"/>
+              </a:solidFill>
+              <a:latin typeface="Lato Light" charset="0"/>
+              <a:ea typeface="Lato Light" charset="0"/>
+              <a:cs typeface="Lato Light" charset="0"/>
+            </a:endParaRPr>
+          </a:p>
+        </p:txBody>
+      </p:sp>
+      <p:sp>
+        <p:nvSpPr>
+          <p:cNvPr id="39" name="TextBox 38"/>
+          <p:cNvSpPr txBox="1"/>
+          <p:nvPr/>
+        </p:nvSpPr>
+        <p:spPr>
+          <a:xfrm>
+            <a:off x="3198080" y="5910167"/>
+            <a:ext cx="3656770" cy="954107"/>
+          </a:xfrm>
+          <a:prstGeom prst="rect">
+            <a:avLst/>
+          </a:prstGeom>
+          <a:noFill/>
+        </p:spPr>
+        <p:txBody>
+          <a:bodyPr wrap="square" rtlCol="0">
+            <a:spAutoFit/>
+          </a:bodyPr>
+          <a:lstStyle/>
+          <a:p>
+            <a:r>
+              <a:rPr lang="en-US" sz="2800" dirty="0">
+                <a:latin typeface="Lato Light" charset="0"/>
+                <a:ea typeface="Lato Light" charset="0"/>
+                <a:cs typeface="Lato Light" charset="0"/>
+              </a:rPr>
+              <a:t>A telegraph wire, or a strand of cobweb,</a:t>
+            </a:r>
+          </a:p>
+        </p:txBody>
+      </p:sp>
+      <p:sp>
+        <p:nvSpPr>
+          <p:cNvPr id="41" name="TextBox 40"/>
+          <p:cNvSpPr txBox="1"/>
+          <p:nvPr/>
+        </p:nvSpPr>
+        <p:spPr>
+          <a:xfrm>
+            <a:off x="3198080" y="7392784"/>
+            <a:ext cx="2935419" cy="646331"/>
+          </a:xfrm>
+          <a:prstGeom prst="rect">
+            <a:avLst/>
+          </a:prstGeom>
+          <a:noFill/>
+        </p:spPr>
+        <p:txBody>
+          <a:bodyPr wrap="none" rtlCol="0">
+            <a:spAutoFit/>
+          </a:bodyPr>
+          <a:lstStyle/>
+          <a:p>
+            <a:r>
+              <a:rPr lang="en-US" dirty="0">
+                <a:solidFill>
+                  <a:schemeClr val="accent2"/>
+                </a:solidFill>
+                <a:latin typeface="Lato Light" charset="0"/>
+                <a:ea typeface="Lato Light" charset="0"/>
+                <a:cs typeface="Lato Light" charset="0"/>
+              </a:rPr>
+              <a:t>Service Name</a:t>
+            </a:r>
+            <a:endParaRPr lang="en-US" sz="4000" dirty="0">
+              <a:solidFill>
+                <a:schemeClr val="accent2"/>
+              </a:solidFill>
+              <a:latin typeface="Lato Light" charset="0"/>
+              <a:ea typeface="Lato Light" charset="0"/>
+              <a:cs typeface="Lato Light" charset="0"/>
+            </a:endParaRPr>
+          </a:p>
+        </p:txBody>
+      </p:sp>
+      <p:sp>
+        <p:nvSpPr>
+          <p:cNvPr id="43" name="TextBox 42"/>
+          <p:cNvSpPr txBox="1"/>
+          <p:nvPr/>
+        </p:nvSpPr>
+        <p:spPr>
+          <a:xfrm>
+            <a:off x="3198080" y="8064846"/>
+            <a:ext cx="3656770" cy="954107"/>
+          </a:xfrm>
+          <a:prstGeom prst="rect">
+            <a:avLst/>
+          </a:prstGeom>
+          <a:noFill/>
+        </p:spPr>
+        <p:txBody>
+          <a:bodyPr wrap="square" rtlCol="0">
+            <a:spAutoFit/>
+          </a:bodyPr>
+          <a:lstStyle/>
+          <a:p>
+            <a:r>
+              <a:rPr lang="en-US" sz="2800" dirty="0">
+                <a:latin typeface="Lato Light" charset="0"/>
+                <a:ea typeface="Lato Light" charset="0"/>
+                <a:cs typeface="Lato Light" charset="0"/>
+              </a:rPr>
+              <a:t>A telegraph wire, or a strand of cobweb,</a:t>
+            </a:r>
+          </a:p>
+        </p:txBody>
+      </p:sp>
+      <p:sp>
+        <p:nvSpPr>
+          <p:cNvPr id="45" name="TextBox 44"/>
+          <p:cNvSpPr txBox="1"/>
+          <p:nvPr/>
+        </p:nvSpPr>
+        <p:spPr>
+          <a:xfrm>
+            <a:off x="3198080" y="9547796"/>
+            <a:ext cx="2935419" cy="646331"/>
+          </a:xfrm>
+          <a:prstGeom prst="rect">
+            <a:avLst/>
+          </a:prstGeom>
+          <a:noFill/>
+        </p:spPr>
+        <p:txBody>
+          <a:bodyPr wrap="none" rtlCol="0">
+            <a:spAutoFit/>
+          </a:bodyPr>
+          <a:lstStyle/>
+          <a:p>
+            <a:r>
+              <a:rPr lang="en-US" dirty="0">
+                <a:solidFill>
+                  <a:schemeClr val="accent3"/>
+                </a:solidFill>
+                <a:latin typeface="Lato Light" charset="0"/>
+                <a:ea typeface="Lato Light" charset="0"/>
+                <a:cs typeface="Lato Light" charset="0"/>
+              </a:rPr>
+              <a:t>Service Name</a:t>
+            </a:r>
+            <a:endParaRPr lang="en-US" sz="4000" dirty="0">
+              <a:solidFill>
+                <a:schemeClr val="accent3"/>
+              </a:solidFill>
+              <a:latin typeface="Lato Light" charset="0"/>
+              <a:ea typeface="Lato Light" charset="0"/>
+              <a:cs typeface="Lato Light" charset="0"/>
+            </a:endParaRPr>
+          </a:p>
+        </p:txBody>
+      </p:sp>
+      <p:sp>
+        <p:nvSpPr>
+          <p:cNvPr id="47" name="TextBox 46"/>
+          <p:cNvSpPr txBox="1"/>
+          <p:nvPr/>
+        </p:nvSpPr>
+        <p:spPr>
+          <a:xfrm>
+            <a:off x="3198080" y="10219859"/>
+            <a:ext cx="3656770" cy="954107"/>
+          </a:xfrm>
+          <a:prstGeom prst="rect">
+            <a:avLst/>
+          </a:prstGeom>
+          <a:noFill/>
+        </p:spPr>
+        <p:txBody>
+          <a:bodyPr wrap="square" rtlCol="0">
+            <a:spAutoFit/>
+          </a:bodyPr>
+          <a:lstStyle/>
+          <a:p>
+            <a:r>
+              <a:rPr lang="en-US" sz="2800" dirty="0">
+                <a:latin typeface="Lato Light" charset="0"/>
+                <a:ea typeface="Lato Light" charset="0"/>
+                <a:cs typeface="Lato Light" charset="0"/>
+              </a:rPr>
+              <a:t>A telegraph wire, or a strand of cobweb,</a:t>
+            </a:r>
+          </a:p>
+        </p:txBody>
+      </p:sp>
+      <p:sp>
+        <p:nvSpPr>
+          <p:cNvPr id="49" name="TextBox 48"/>
+          <p:cNvSpPr txBox="1"/>
+          <p:nvPr/>
+        </p:nvSpPr>
+        <p:spPr>
+          <a:xfrm>
+            <a:off x="10398401" y="5238105"/>
+            <a:ext cx="2935419" cy="646331"/>
+          </a:xfrm>
+          <a:prstGeom prst="rect">
+            <a:avLst/>
+          </a:prstGeom>
+          <a:noFill/>
+        </p:spPr>
+        <p:txBody>
+          <a:bodyPr wrap="none" rtlCol="0">
+            <a:spAutoFit/>
+          </a:bodyPr>
+          <a:lstStyle/>
+          <a:p>
+            <a:r>
+              <a:rPr lang="en-US" dirty="0">
+                <a:solidFill>
+                  <a:schemeClr val="accent4"/>
+                </a:solidFill>
+                <a:latin typeface="Lato Light" charset="0"/>
+                <a:ea typeface="Lato Light" charset="0"/>
+                <a:cs typeface="Lato Light" charset="0"/>
+              </a:rPr>
+              <a:t>Service Name</a:t>
+            </a:r>
+            <a:endParaRPr lang="en-US" sz="4000" dirty="0">
+              <a:solidFill>
+                <a:schemeClr val="accent4"/>
+              </a:solidFill>
+              <a:latin typeface="Lato Light" charset="0"/>
+              <a:ea typeface="Lato Light" charset="0"/>
+              <a:cs typeface="Lato Light" charset="0"/>
+            </a:endParaRPr>
+          </a:p>
+        </p:txBody>
+      </p:sp>
+      <p:sp>
+        <p:nvSpPr>
+          <p:cNvPr id="51" name="TextBox 50"/>
+          <p:cNvSpPr txBox="1"/>
+          <p:nvPr/>
+        </p:nvSpPr>
+        <p:spPr>
+          <a:xfrm>
+            <a:off x="10398401" y="5910167"/>
+            <a:ext cx="3656770" cy="954107"/>
+          </a:xfrm>
+          <a:prstGeom prst="rect">
+            <a:avLst/>
+          </a:prstGeom>
+          <a:noFill/>
+        </p:spPr>
+        <p:txBody>
+          <a:bodyPr wrap="square" rtlCol="0">
+            <a:spAutoFit/>
+          </a:bodyPr>
+          <a:lstStyle/>
+          <a:p>
+            <a:r>
+              <a:rPr lang="en-US" sz="2800" dirty="0">
+                <a:latin typeface="Lato Light" charset="0"/>
+                <a:ea typeface="Lato Light" charset="0"/>
+                <a:cs typeface="Lato Light" charset="0"/>
+              </a:rPr>
+              <a:t>A telegraph wire, or a strand of cobweb,</a:t>
+            </a:r>
+          </a:p>
+        </p:txBody>
+      </p:sp>
+      <p:sp>
+        <p:nvSpPr>
+          <p:cNvPr id="53" name="TextBox 52"/>
+          <p:cNvSpPr txBox="1"/>
+          <p:nvPr/>
+        </p:nvSpPr>
+        <p:spPr>
+          <a:xfrm>
+            <a:off x="10398401" y="7392784"/>
+            <a:ext cx="2935419" cy="646331"/>
+          </a:xfrm>
+          <a:prstGeom prst="rect">
+            <a:avLst/>
+          </a:prstGeom>
+          <a:noFill/>
+        </p:spPr>
+        <p:txBody>
+          <a:bodyPr wrap="none" rtlCol="0">
+            <a:spAutoFit/>
+          </a:bodyPr>
+          <a:lstStyle/>
+          <a:p>
+            <a:r>
+              <a:rPr lang="en-US" dirty="0">
+                <a:solidFill>
+                  <a:schemeClr val="accent5"/>
+                </a:solidFill>
+                <a:latin typeface="Lato Light" charset="0"/>
+                <a:ea typeface="Lato Light" charset="0"/>
+                <a:cs typeface="Lato Light" charset="0"/>
+              </a:rPr>
+              <a:t>Service Name</a:t>
+            </a:r>
+            <a:endParaRPr lang="en-US" sz="4000" dirty="0">
+              <a:solidFill>
+                <a:schemeClr val="accent5"/>
+              </a:solidFill>
+              <a:latin typeface="Lato Light" charset="0"/>
+              <a:ea typeface="Lato Light" charset="0"/>
+              <a:cs typeface="Lato Light" charset="0"/>
+            </a:endParaRPr>
+          </a:p>
+        </p:txBody>
+      </p:sp>
+      <p:sp>
+        <p:nvSpPr>
+          <p:cNvPr id="63" name="TextBox 62"/>
+          <p:cNvSpPr txBox="1"/>
+          <p:nvPr/>
+        </p:nvSpPr>
+        <p:spPr>
+          <a:xfrm>
+            <a:off x="10398401" y="8064846"/>
+            <a:ext cx="3656770" cy="954107"/>
+          </a:xfrm>
+          <a:prstGeom prst="rect">
+            <a:avLst/>
+          </a:prstGeom>
+          <a:noFill/>
+        </p:spPr>
+        <p:txBody>
+          <a:bodyPr wrap="square" rtlCol="0">
+            <a:spAutoFit/>
+          </a:bodyPr>
+          <a:lstStyle/>
+          <a:p>
+            <a:r>
+              <a:rPr lang="en-US" sz="2800" dirty="0">
+                <a:latin typeface="Lato Light" charset="0"/>
+                <a:ea typeface="Lato Light" charset="0"/>
+                <a:cs typeface="Lato Light" charset="0"/>
+              </a:rPr>
+              <a:t>A telegraph wire, or a strand of cobweb,</a:t>
+            </a:r>
+          </a:p>
+        </p:txBody>
+      </p:sp>
+      <p:sp>
+        <p:nvSpPr>
+          <p:cNvPr id="65" name="TextBox 64"/>
+          <p:cNvSpPr txBox="1"/>
+          <p:nvPr/>
+        </p:nvSpPr>
+        <p:spPr>
+          <a:xfrm>
+            <a:off x="10398401" y="9547796"/>
+            <a:ext cx="2935419" cy="646331"/>
+          </a:xfrm>
+          <a:prstGeom prst="rect">
+            <a:avLst/>
+          </a:prstGeom>
+          <a:noFill/>
+        </p:spPr>
+        <p:txBody>
+          <a:bodyPr wrap="none" rtlCol="0">
+            <a:spAutoFit/>
+          </a:bodyPr>
+          <a:lstStyle/>
+          <a:p>
+            <a:r>
+              <a:rPr lang="en-US" dirty="0">
+                <a:solidFill>
+                  <a:schemeClr val="accent6"/>
+                </a:solidFill>
+                <a:latin typeface="Lato Light" charset="0"/>
+                <a:ea typeface="Lato Light" charset="0"/>
+                <a:cs typeface="Lato Light" charset="0"/>
+              </a:rPr>
+              <a:t>Service Name</a:t>
+            </a:r>
+            <a:endParaRPr lang="en-US" sz="4000" dirty="0">
+              <a:solidFill>
+                <a:schemeClr val="accent6"/>
+              </a:solidFill>
+              <a:latin typeface="Lato Light" charset="0"/>
+              <a:ea typeface="Lato Light" charset="0"/>
+              <a:cs typeface="Lato Light" charset="0"/>
+            </a:endParaRPr>
+          </a:p>
+        </p:txBody>
+      </p:sp>
+      <p:sp>
+        <p:nvSpPr>
+          <p:cNvPr id="71" name="TextBox 70"/>
+          <p:cNvSpPr txBox="1"/>
+          <p:nvPr/>
+        </p:nvSpPr>
+        <p:spPr>
+          <a:xfrm>
+            <a:off x="10398401" y="10219859"/>
+            <a:ext cx="3656770" cy="954107"/>
+          </a:xfrm>
+          <a:prstGeom prst="rect">
+            <a:avLst/>
+          </a:prstGeom>
+          <a:noFill/>
+        </p:spPr>
+        <p:txBody>
+          <a:bodyPr wrap="square" rtlCol="0">
+            <a:spAutoFit/>
+          </a:bodyPr>
+          <a:lstStyle/>
+          <a:p>
+            <a:r>
+              <a:rPr lang="en-US" sz="2800" dirty="0">
+                <a:latin typeface="Lato Light" charset="0"/>
+                <a:ea typeface="Lato Light" charset="0"/>
+                <a:cs typeface="Lato Light" charset="0"/>
+              </a:rPr>
+              <a:t>A telegraph wire, or a strand of cobweb,</a:t>
+            </a:r>
+          </a:p>
+        </p:txBody>
+      </p:sp>
+      <p:sp>
+        <p:nvSpPr>
+          <p:cNvPr id="78" name="TextBox 77"/>
+          <p:cNvSpPr txBox="1"/>
+          <p:nvPr/>
+        </p:nvSpPr>
+        <p:spPr>
+          <a:xfrm>
+            <a:off x="17340638" y="5238105"/>
+            <a:ext cx="2935419" cy="646331"/>
+          </a:xfrm>
+          <a:prstGeom prst="rect">
+            <a:avLst/>
+          </a:prstGeom>
+          <a:noFill/>
+        </p:spPr>
+        <p:txBody>
+          <a:bodyPr wrap="none" rtlCol="0">
+            <a:spAutoFit/>
+          </a:bodyPr>
+          <a:lstStyle/>
+          <a:p>
+            <a:r>
+              <a:rPr lang="en-US" dirty="0">
+                <a:solidFill>
+                  <a:schemeClr val="accent1"/>
+                </a:solidFill>
+                <a:latin typeface="Lato Light" charset="0"/>
+                <a:ea typeface="Lato Light" charset="0"/>
+                <a:cs typeface="Lato Light" charset="0"/>
+              </a:rPr>
+              <a:t>Service Name</a:t>
+            </a:r>
+            <a:endParaRPr lang="en-US" sz="4000" dirty="0">
+              <a:solidFill>
+                <a:schemeClr val="accent1"/>
+              </a:solidFill>
+              <a:latin typeface="Lato Light" charset="0"/>
+              <a:ea typeface="Lato Light" charset="0"/>
+              <a:cs typeface="Lato Light" charset="0"/>
+            </a:endParaRPr>
+          </a:p>
+        </p:txBody>
+      </p:sp>
+      <p:sp>
+        <p:nvSpPr>
+          <p:cNvPr id="82" name="TextBox 81"/>
+          <p:cNvSpPr txBox="1"/>
+          <p:nvPr/>
+        </p:nvSpPr>
+        <p:spPr>
+          <a:xfrm>
+            <a:off x="17340638" y="5910167"/>
+            <a:ext cx="3656770" cy="954107"/>
+          </a:xfrm>
+          <a:prstGeom prst="rect">
+            <a:avLst/>
+          </a:prstGeom>
+          <a:noFill/>
+        </p:spPr>
+        <p:txBody>
+          <a:bodyPr wrap="square" rtlCol="0">
+            <a:spAutoFit/>
+          </a:bodyPr>
+          <a:lstStyle/>
+          <a:p>
+            <a:r>
+              <a:rPr lang="en-US" sz="2800" dirty="0">
+                <a:latin typeface="Lato Light" charset="0"/>
+                <a:ea typeface="Lato Light" charset="0"/>
+                <a:cs typeface="Lato Light" charset="0"/>
+              </a:rPr>
+              <a:t>A telegraph wire, or a strand of cobweb,</a:t>
+            </a:r>
+          </a:p>
+        </p:txBody>
+      </p:sp>
+      <p:sp>
+        <p:nvSpPr>
+          <p:cNvPr id="84" name="TextBox 83"/>
+          <p:cNvSpPr txBox="1"/>
+          <p:nvPr/>
+        </p:nvSpPr>
+        <p:spPr>
+          <a:xfrm>
+            <a:off x="17340638" y="7392784"/>
+            <a:ext cx="2935419" cy="646331"/>
+          </a:xfrm>
+          <a:prstGeom prst="rect">
+            <a:avLst/>
+          </a:prstGeom>
+          <a:noFill/>
+        </p:spPr>
+        <p:txBody>
+          <a:bodyPr wrap="none" rtlCol="0">
+            <a:spAutoFit/>
+          </a:bodyPr>
+          <a:lstStyle/>
+          <a:p>
+            <a:r>
+              <a:rPr lang="en-US" dirty="0">
+                <a:solidFill>
+                  <a:schemeClr val="accent2"/>
+                </a:solidFill>
+                <a:latin typeface="Lato Light" charset="0"/>
+                <a:ea typeface="Lato Light" charset="0"/>
+                <a:cs typeface="Lato Light" charset="0"/>
+              </a:rPr>
+              <a:t>Service Name</a:t>
+            </a:r>
+            <a:endParaRPr lang="en-US" sz="4000" dirty="0">
+              <a:solidFill>
+                <a:schemeClr val="accent2"/>
+              </a:solidFill>
+              <a:latin typeface="Lato Light" charset="0"/>
+              <a:ea typeface="Lato Light" charset="0"/>
+              <a:cs typeface="Lato Light" charset="0"/>
+            </a:endParaRPr>
+          </a:p>
+        </p:txBody>
+      </p:sp>
+      <p:sp>
+        <p:nvSpPr>
+          <p:cNvPr id="86" name="TextBox 85"/>
+          <p:cNvSpPr txBox="1"/>
+          <p:nvPr/>
+        </p:nvSpPr>
+        <p:spPr>
+          <a:xfrm>
+            <a:off x="17340638" y="8064846"/>
+            <a:ext cx="3656770" cy="954107"/>
+          </a:xfrm>
+          <a:prstGeom prst="rect">
+            <a:avLst/>
+          </a:prstGeom>
+          <a:noFill/>
+        </p:spPr>
+        <p:txBody>
+          <a:bodyPr wrap="square" rtlCol="0">
+            <a:spAutoFit/>
+          </a:bodyPr>
+          <a:lstStyle/>
+          <a:p>
+            <a:r>
+              <a:rPr lang="en-US" sz="2800" dirty="0">
+                <a:latin typeface="Lato Light" charset="0"/>
+                <a:ea typeface="Lato Light" charset="0"/>
+                <a:cs typeface="Lato Light" charset="0"/>
+              </a:rPr>
+              <a:t>A telegraph wire, or a strand of cobweb,</a:t>
+            </a:r>
+          </a:p>
+        </p:txBody>
+      </p:sp>
+      <p:sp>
+        <p:nvSpPr>
+          <p:cNvPr id="88" name="TextBox 87"/>
+          <p:cNvSpPr txBox="1"/>
+          <p:nvPr/>
+        </p:nvSpPr>
+        <p:spPr>
+          <a:xfrm>
+            <a:off x="17340638" y="9547796"/>
+            <a:ext cx="2935419" cy="646331"/>
+          </a:xfrm>
+          <a:prstGeom prst="rect">
+            <a:avLst/>
+          </a:prstGeom>
+          <a:noFill/>
+        </p:spPr>
+        <p:txBody>
+          <a:bodyPr wrap="none" rtlCol="0">
+            <a:spAutoFit/>
+          </a:bodyPr>
+          <a:lstStyle/>
+          <a:p>
+            <a:r>
+              <a:rPr lang="en-US" dirty="0">
+                <a:solidFill>
+                  <a:schemeClr val="accent3"/>
+                </a:solidFill>
+                <a:latin typeface="Lato Light" charset="0"/>
+                <a:ea typeface="Lato Light" charset="0"/>
+                <a:cs typeface="Lato Light" charset="0"/>
+              </a:rPr>
+              <a:t>Service Name</a:t>
+            </a:r>
+            <a:endParaRPr lang="en-US" sz="4000" dirty="0">
+              <a:solidFill>
+                <a:schemeClr val="accent3"/>
+              </a:solidFill>
+              <a:latin typeface="Lato Light" charset="0"/>
+              <a:ea typeface="Lato Light" charset="0"/>
+              <a:cs typeface="Lato Light" charset="0"/>
+            </a:endParaRPr>
+          </a:p>
+        </p:txBody>
+      </p:sp>
+      <p:sp>
+        <p:nvSpPr>
+          <p:cNvPr id="90" name="TextBox 89"/>
+          <p:cNvSpPr txBox="1"/>
+          <p:nvPr/>
+        </p:nvSpPr>
+        <p:spPr>
+          <a:xfrm>
+            <a:off x="17340638" y="10219859"/>
+            <a:ext cx="3656770" cy="954107"/>
+          </a:xfrm>
+          <a:prstGeom prst="rect">
+            <a:avLst/>
+          </a:prstGeom>
+          <a:noFill/>
+        </p:spPr>
+        <p:txBody>
+          <a:bodyPr wrap="square" rtlCol="0">
+            <a:spAutoFit/>
+          </a:bodyPr>
+          <a:lstStyle/>
+          <a:p>
+            <a:r>
+              <a:rPr lang="en-US" sz="2800" dirty="0">
+                <a:latin typeface="Lato Light" charset="0"/>
+                <a:ea typeface="Lato Light" charset="0"/>
+                <a:cs typeface="Lato Light" charset="0"/>
+              </a:rPr>
+              <a:t>A telegraph wire, or a strand of cobweb,</a:t>
+            </a:r>
+          </a:p>
+        </p:txBody>
+      </p:sp>
+      <p:sp>
+        <p:nvSpPr>
+          <p:cNvPr id="91" name="TextBox 90"/>
+          <p:cNvSpPr txBox="1"/>
+          <p:nvPr/>
+        </p:nvSpPr>
+        <p:spPr>
+          <a:xfrm>
+            <a:off x="1563687" y="1264885"/>
+            <a:ext cx="4397358" cy="1015663"/>
+          </a:xfrm>
+          <a:prstGeom prst="rect">
+            <a:avLst/>
+          </a:prstGeom>
+          <a:noFill/>
+        </p:spPr>
+        <p:txBody>
+          <a:bodyPr wrap="none" rtlCol="0">
+            <a:spAutoFit/>
+          </a:bodyPr>
+          <a:lstStyle/>
+          <a:p>
+            <a:r>
+              <a:rPr lang="en-US" sz="6000" dirty="0">
+                <a:latin typeface="Lato Light" charset="0"/>
+                <a:ea typeface="Lato Light" charset="0"/>
+                <a:cs typeface="Lato Light" charset="0"/>
+              </a:rPr>
+              <a:t>Our Services</a:t>
+            </a:r>
+          </a:p>
+        </p:txBody>
+      </p:sp>
+      <p:sp>
+        <p:nvSpPr>
+          <p:cNvPr id="92" name="TextBox 91"/>
+          <p:cNvSpPr txBox="1"/>
+          <p:nvPr/>
+        </p:nvSpPr>
+        <p:spPr>
+          <a:xfrm>
+            <a:off x="1563687" y="2221253"/>
+            <a:ext cx="5657318" cy="584775"/>
+          </a:xfrm>
+          <a:prstGeom prst="rect">
+            <a:avLst/>
+          </a:prstGeom>
+          <a:noFill/>
+        </p:spPr>
+        <p:txBody>
+          <a:bodyPr wrap="none" rtlCol="0">
+            <a:spAutoFit/>
+          </a:bodyPr>
+          <a:lstStyle/>
+          <a:p>
+            <a:r>
+              <a:rPr lang="en-US" sz="3200" dirty="0">
+                <a:latin typeface="Lato Light" charset="0"/>
+                <a:ea typeface="Lato Light" charset="0"/>
+                <a:cs typeface="Lato Light" charset="0"/>
+              </a:rPr>
+              <a:t>Write something in this section</a:t>
+            </a:r>
+          </a:p>
+        </p:txBody>
+      </p:sp>
+      <p:sp>
+        <p:nvSpPr>
+          <p:cNvPr id="94" name="TextBox 93"/>
+          <p:cNvSpPr txBox="1"/>
+          <p:nvPr/>
+        </p:nvSpPr>
+        <p:spPr>
+          <a:xfrm>
+            <a:off x="1577058" y="3025502"/>
+            <a:ext cx="21022215" cy="1127040"/>
+          </a:xfrm>
+          <a:prstGeom prst="rect">
+            <a:avLst/>
+          </a:prstGeom>
+          <a:noFill/>
+        </p:spPr>
+        <p:txBody>
+          <a:bodyPr wrap="square" rtlCol="0">
+            <a:spAutoFit/>
+          </a:bodyPr>
+          <a:lstStyle/>
+          <a:p>
+            <a:pPr>
+              <a:lnSpc>
+                <a:spcPct val="150000"/>
+              </a:lnSpc>
+            </a:pPr>
+            <a:r>
+              <a:rPr lang="en-US" sz="2399" dirty="0">
+                <a:latin typeface="Lato Light" charset="0"/>
+                <a:ea typeface="Lato Light" charset="0"/>
+                <a:cs typeface="Lato Light" charset="0"/>
+              </a:rPr>
+              <a:t>First: What is a Fast-Fish? Alive or dead a fish is technically fast, when it is connected with an occupied ship or boat, by any medium at all controllable by the occupant or occupants,—a mast, an oar, a nine-inch cable, a telegraph wire, or a strand of cobweb, it is all the same. Likewise a fish is technically fast when it</a:t>
+            </a:r>
+          </a:p>
+        </p:txBody>
+      </p:sp>
+    </p:spTree>
+    <p:extLst>
+      <p:ext uri="{BB962C8B-B14F-4D97-AF65-F5344CB8AC3E}">
+        <p14:creationId xmlns:p14="http://schemas.microsoft.com/office/powerpoint/2010/main" val="1211542729"/>
       </p:ext>
     </p:extLst>
   </p:cSld>

--- a/Showcase Presentation.pptx
+++ b/Showcase Presentation.pptx
@@ -5,16 +5,13 @@
     <p:sldMasterId id="2147483660" r:id="rId1"/>
   </p:sldMasterIdLst>
   <p:notesMasterIdLst>
-    <p:notesMasterId r:id="rId9"/>
+    <p:notesMasterId r:id="rId6"/>
   </p:notesMasterIdLst>
   <p:sldIdLst>
     <p:sldId id="257" r:id="rId2"/>
     <p:sldId id="261" r:id="rId3"/>
     <p:sldId id="263" r:id="rId4"/>
-    <p:sldId id="262" r:id="rId5"/>
-    <p:sldId id="264" r:id="rId6"/>
-    <p:sldId id="265" r:id="rId7"/>
-    <p:sldId id="266" r:id="rId8"/>
+    <p:sldId id="264" r:id="rId5"/>
   </p:sldIdLst>
   <p:sldSz cx="24387175" cy="13716000"/>
   <p:notesSz cx="6858000" cy="9144000"/>
@@ -1795,7 +1792,7 @@
         <p:spPr>
           <a:xfrm>
             <a:off x="2697325" y="5132748"/>
-            <a:ext cx="8118926" cy="3244158"/>
+            <a:ext cx="8118926" cy="2418867"/>
           </a:xfrm>
           <a:prstGeom prst="rect">
             <a:avLst/>
@@ -1814,7 +1811,7 @@
               </a:lnSpc>
             </a:pPr>
             <a:r>
-              <a:rPr lang="en-US" sz="2800" dirty="0" smtClean="0">
+              <a:rPr lang="en-US" sz="2600" dirty="0" smtClean="0">
                 <a:latin typeface="Lato Light" charset="0"/>
                 <a:ea typeface="Lato Light" charset="0"/>
                 <a:cs typeface="Lato Light" charset="0"/>
@@ -1828,7 +1825,7 @@
                 <a:spcPct val="150000"/>
               </a:lnSpc>
             </a:pPr>
-            <a:endParaRPr lang="en-US" sz="2800" dirty="0">
+            <a:endParaRPr lang="en-US" sz="2600" dirty="0">
               <a:latin typeface="Lato Light" charset="0"/>
               <a:ea typeface="Lato Light" charset="0"/>
               <a:cs typeface="Lato Light" charset="0"/>
@@ -1886,7 +1883,7 @@
         <p:spPr>
           <a:xfrm>
             <a:off x="13469402" y="5132748"/>
-            <a:ext cx="6722498" cy="1951496"/>
+            <a:ext cx="6722498" cy="1818703"/>
           </a:xfrm>
           <a:prstGeom prst="rect">
             <a:avLst/>
@@ -1905,7 +1902,7 @@
               </a:lnSpc>
             </a:pPr>
             <a:r>
-              <a:rPr lang="en-US" sz="2800" dirty="0" smtClean="0">
+              <a:rPr lang="en-US" sz="2600" dirty="0" smtClean="0">
                 <a:latin typeface="Lato Light" charset="0"/>
                 <a:ea typeface="Lato Light" charset="0"/>
                 <a:cs typeface="Lato Light" charset="0"/>
@@ -1913,14 +1910,14 @@
               <a:t>Is to </a:t>
             </a:r>
             <a:r>
-              <a:rPr lang="en-US" sz="2800" dirty="0" smtClean="0">
+              <a:rPr lang="en-US" sz="2600" dirty="0" smtClean="0">
                 <a:latin typeface="Lato Light" charset="0"/>
                 <a:ea typeface="Lato Light" charset="0"/>
                 <a:cs typeface="Lato Light" charset="0"/>
               </a:rPr>
               <a:t>combat the amount of children that are abducted every year and ensure safety of minors</a:t>
             </a:r>
-            <a:endParaRPr lang="en-US" sz="2800" dirty="0">
+            <a:endParaRPr lang="en-US" sz="2600" dirty="0">
               <a:latin typeface="Lato Light" charset="0"/>
               <a:ea typeface="Lato Light" charset="0"/>
               <a:cs typeface="Lato Light" charset="0"/>
@@ -2019,7 +2016,7 @@
         <p:spPr>
           <a:xfrm>
             <a:off x="13469402" y="9738481"/>
-            <a:ext cx="6722498" cy="2239844"/>
+            <a:ext cx="6722498" cy="2418867"/>
           </a:xfrm>
           <a:prstGeom prst="rect">
             <a:avLst/>
@@ -2038,7 +2035,7 @@
               </a:lnSpc>
             </a:pPr>
             <a:r>
-              <a:rPr lang="en-US" sz="2400" dirty="0" smtClean="0">
+              <a:rPr lang="en-US" sz="2600" dirty="0" smtClean="0">
                 <a:latin typeface="Lato Light" charset="0"/>
                 <a:ea typeface="Lato Light" charset="0"/>
                 <a:cs typeface="Lato Light" charset="0"/>
@@ -2046,7 +2043,7 @@
               <a:t>This device is straight forward and easy to set up and use. </a:t>
             </a:r>
             <a:r>
-              <a:rPr lang="en-US" sz="2400" dirty="0">
+              <a:rPr lang="en-US" sz="2600" dirty="0">
                 <a:latin typeface="Lato Light" charset="0"/>
                 <a:ea typeface="Lato Light" charset="0"/>
                 <a:cs typeface="Lato Light" charset="0"/>
@@ -2054,7 +2051,7 @@
               <a:t>B</a:t>
             </a:r>
             <a:r>
-              <a:rPr lang="en-US" sz="2400" dirty="0" smtClean="0">
+              <a:rPr lang="en-US" sz="2600" dirty="0" smtClean="0">
                 <a:latin typeface="Lato Light" charset="0"/>
                 <a:ea typeface="Lato Light" charset="0"/>
                 <a:cs typeface="Lato Light" charset="0"/>
@@ -2062,7 +2059,7 @@
               <a:t>y </a:t>
             </a:r>
             <a:r>
-              <a:rPr lang="en-US" sz="2400" dirty="0">
+              <a:rPr lang="en-US" sz="2600" dirty="0">
                 <a:latin typeface="Lato Light" charset="0"/>
                 <a:ea typeface="Lato Light" charset="0"/>
                 <a:cs typeface="Lato Light" charset="0"/>
@@ -2070,14 +2067,14 @@
               <a:t>u</a:t>
             </a:r>
             <a:r>
-              <a:rPr lang="en-US" sz="2400" dirty="0" smtClean="0">
+              <a:rPr lang="en-US" sz="2600" dirty="0" smtClean="0">
                 <a:latin typeface="Lato Light" charset="0"/>
                 <a:ea typeface="Lato Light" charset="0"/>
                 <a:cs typeface="Lato Light" charset="0"/>
               </a:rPr>
               <a:t>tilizing the long range, low power wireless communication features of the Explorer, making it ideal for this job.</a:t>
             </a:r>
-            <a:endParaRPr lang="en-US" sz="2400" dirty="0">
+            <a:endParaRPr lang="en-US" sz="2600" dirty="0">
               <a:latin typeface="Lato Light" charset="0"/>
               <a:ea typeface="Lato Light" charset="0"/>
               <a:cs typeface="Lato Light" charset="0"/>
@@ -3590,7 +3587,7 @@
         <p:spPr>
           <a:xfrm>
             <a:off x="2697325" y="9675026"/>
-            <a:ext cx="6722498" cy="2597827"/>
+            <a:ext cx="6722498" cy="2418867"/>
           </a:xfrm>
           <a:prstGeom prst="rect">
             <a:avLst/>
@@ -3609,14 +3606,14 @@
               </a:lnSpc>
             </a:pPr>
             <a:r>
-              <a:rPr lang="en-US" sz="2800" dirty="0" smtClean="0">
+              <a:rPr lang="en-US" sz="2600" dirty="0" smtClean="0">
                 <a:latin typeface="Lato Light" charset="0"/>
                 <a:ea typeface="Lato Light" charset="0"/>
                 <a:cs typeface="Lato Light" charset="0"/>
               </a:rPr>
               <a:t>If this product would be on the market, our goal would be to improve the owners safety and ensure their knows where they are at all times. </a:t>
             </a:r>
-            <a:endParaRPr lang="en-US" sz="2800" dirty="0" smtClean="0">
+            <a:endParaRPr lang="en-US" sz="2600" dirty="0" smtClean="0">
               <a:latin typeface="Lato Light" charset="0"/>
               <a:ea typeface="Lato Light" charset="0"/>
               <a:cs typeface="Lato Light" charset="0"/>
@@ -3670,7 +3667,7 @@
         <p:spPr>
           <a:xfrm>
             <a:off x="8854865" y="1305920"/>
-            <a:ext cx="6677444" cy="4407745"/>
+            <a:ext cx="6677444" cy="4801314"/>
           </a:xfrm>
           <a:prstGeom prst="rect">
             <a:avLst/>
@@ -3697,16 +3694,8 @@
                 <a:ea typeface="Lato Light" charset="0"/>
                 <a:cs typeface="Lato Light" charset="0"/>
               </a:rPr>
-              <a:t>Reported to phone </a:t>
+              <a:t>Reported to phone</a:t>
             </a:r>
-            <a:endParaRPr lang="en-US" dirty="0">
-              <a:solidFill>
-                <a:schemeClr val="tx2"/>
-              </a:solidFill>
-              <a:latin typeface="Lato Light" charset="0"/>
-              <a:ea typeface="Lato Light" charset="0"/>
-              <a:cs typeface="Lato Light" charset="0"/>
-            </a:endParaRPr>
           </a:p>
           <a:p>
             <a:pPr algn="ctr">
@@ -3715,13 +3704,24 @@
               </a:lnSpc>
             </a:pPr>
             <a:r>
-              <a:rPr lang="en-US" sz="2399" dirty="0">
+              <a:rPr lang="en-US" sz="2800" dirty="0" smtClean="0">
+                <a:solidFill>
+                  <a:srgbClr val="A3A3A3"/>
+                </a:solidFill>
                 <a:latin typeface="Lato Light" charset="0"/>
                 <a:ea typeface="Lato Light" charset="0"/>
                 <a:cs typeface="Lato Light" charset="0"/>
               </a:rPr>
-              <a:t>First: What is a Fast-Fish? Alive or dead a fish is technically fast, when it is connected with an occupied ship or boat, by any medium at all controllable by the occupant or occupants,—a mast, an oar, a nine-inch cable, a telegraph wire, or a strand of cobweb, it is all the same.</a:t>
+              <a:t>On the guardian’s side they will be updated every 5 minutes and if the child is diverted from their usual route or is separated from their walking partner, a notification is sent to their phone to then alert them.</a:t>
             </a:r>
+            <a:endParaRPr lang="en-US" sz="2400" dirty="0">
+              <a:solidFill>
+                <a:srgbClr val="A3A3A3"/>
+              </a:solidFill>
+              <a:latin typeface="Lato Light" charset="0"/>
+              <a:ea typeface="Lato Light" charset="0"/>
+              <a:cs typeface="Lato Light" charset="0"/>
+            </a:endParaRPr>
           </a:p>
         </p:txBody>
       </p:sp>
@@ -3734,7 +3734,7 @@
         <p:spPr>
           <a:xfrm>
             <a:off x="701465" y="8182970"/>
-            <a:ext cx="6677444" cy="3277820"/>
+            <a:ext cx="6677444" cy="4570482"/>
           </a:xfrm>
           <a:prstGeom prst="rect">
             <a:avLst/>
@@ -3773,7 +3773,7 @@
             <a:r>
               <a:rPr lang="en-US" sz="2800" dirty="0" smtClean="0">
                 <a:solidFill>
-                  <a:schemeClr val="tx2"/>
+                  <a:srgbClr val="ADADAD"/>
                 </a:solidFill>
                 <a:latin typeface="Lato Light" charset="0"/>
                 <a:ea typeface="Lato Light" charset="0"/>
@@ -3781,9 +3781,20 @@
               </a:rPr>
               <a:t>The Explorer will ping the co-ordinates every 5 minutes mapping the route of the owner. </a:t>
             </a:r>
+            <a:r>
+              <a:rPr lang="en-US" sz="2800" dirty="0" smtClean="0">
+                <a:solidFill>
+                  <a:srgbClr val="ADADAD"/>
+                </a:solidFill>
+                <a:latin typeface="Lato Light" charset="0"/>
+                <a:ea typeface="Lato Light" charset="0"/>
+                <a:cs typeface="Lato Light" charset="0"/>
+              </a:rPr>
+              <a:t>Furthermore you can map out the usual routes you would take for example: Going to school or going to the shops.</a:t>
+            </a:r>
             <a:endParaRPr lang="en-US" sz="2800" dirty="0">
               <a:solidFill>
-                <a:schemeClr val="tx2"/>
+                <a:srgbClr val="ADADAD"/>
               </a:solidFill>
               <a:latin typeface="Lato Light" charset="0"/>
               <a:ea typeface="Lato Light" charset="0"/>
@@ -3801,7 +3812,7 @@
         <p:spPr>
           <a:xfrm>
             <a:off x="16980748" y="8182970"/>
-            <a:ext cx="6677444" cy="4407745"/>
+            <a:ext cx="6677444" cy="4246162"/>
           </a:xfrm>
           <a:prstGeom prst="rect">
             <a:avLst/>
@@ -3851,7 +3862,55 @@
                 <a:ea typeface="Lato Light" charset="0"/>
                 <a:cs typeface="Lato Light" charset="0"/>
               </a:rPr>
-              <a:t>First: What is a Fast-Fish? Alive or dead a fish is technically fast, when it is connected with an occupied ship or boat, by any medium at all controllable by the occupant or occupants,—a mast, an oar, a nine-inch cable, a telegraph wire, or a strand of cobweb, it is all the same.</a:t>
+              <a:t>First: What is a Fast-Fish? Alive or dead a fish is technically fast, when it is connected with an occupied ship or boat, by any medium at all controllable by the </a:t>
+            </a:r>
+            <a:r>
+              <a:rPr lang="en-US" sz="2399" dirty="0" smtClean="0">
+                <a:latin typeface="Lato Light" charset="0"/>
+                <a:ea typeface="Lato Light" charset="0"/>
+                <a:cs typeface="Lato Light" charset="0"/>
+              </a:rPr>
+              <a:t>or </a:t>
+            </a:r>
+            <a:r>
+              <a:rPr lang="en-US" sz="2399" dirty="0">
+                <a:latin typeface="Lato Light" charset="0"/>
+                <a:ea typeface="Lato Light" charset="0"/>
+                <a:cs typeface="Lato Light" charset="0"/>
+              </a:rPr>
+              <a:t>occupants,—a mast, an oar, a </a:t>
+            </a:r>
+            <a:r>
+              <a:rPr lang="en-US" sz="2399" dirty="0">
+                <a:latin typeface="Lato Light" charset="0"/>
+                <a:ea typeface="Lato Light" charset="0"/>
+                <a:cs typeface="Lato Light" charset="0"/>
+              </a:rPr>
+              <a:t>nine-</a:t>
+            </a:r>
+            <a:r>
+              <a:rPr lang="en-US" sz="2399" dirty="0" err="1">
+                <a:latin typeface="Lato Light" charset="0"/>
+                <a:ea typeface="Lato Light" charset="0"/>
+                <a:cs typeface="Lato Light" charset="0"/>
+              </a:rPr>
+              <a:t>inoccupantch</a:t>
+            </a:r>
+            <a:r>
+              <a:rPr lang="en-US" sz="2399" dirty="0">
+                <a:latin typeface="Lato Light" charset="0"/>
+                <a:ea typeface="Lato Light" charset="0"/>
+                <a:cs typeface="Lato Light" charset="0"/>
+              </a:rPr>
+              <a:t> </a:t>
+            </a:r>
+            <a:r>
+              <a:rPr lang="en-US" sz="2399" dirty="0">
+                <a:latin typeface="Lato Light" charset="0"/>
+                <a:ea typeface="Lato Light" charset="0"/>
+                <a:cs typeface="Lato Light" charset="0"/>
+              </a:rPr>
+              <a:t>cable, a telegraph wire, or a strand of cobweb, it is all the same.</a:t>
             </a:r>
           </a:p>
         </p:txBody>
@@ -3963,3156 +4022,6 @@
 </file>
 
 <file path=ppt/slides/slide4.xml><?xml version="1.0" encoding="utf-8"?>
-<p:sld xmlns:a="http://schemas.openxmlformats.org/drawingml/2006/main" xmlns:r="http://schemas.openxmlformats.org/officeDocument/2006/relationships" xmlns:p="http://schemas.openxmlformats.org/presentationml/2006/main">
-  <p:cSld>
-    <p:spTree>
-      <p:nvGrpSpPr>
-        <p:cNvPr id="1" name=""/>
-        <p:cNvGrpSpPr/>
-        <p:nvPr/>
-      </p:nvGrpSpPr>
-      <p:grpSpPr>
-        <a:xfrm>
-          <a:off x="0" y="0"/>
-          <a:ext cx="0" cy="0"/>
-          <a:chOff x="0" y="0"/>
-          <a:chExt cx="0" cy="0"/>
-        </a:xfrm>
-      </p:grpSpPr>
-      <p:sp>
-        <p:nvSpPr>
-          <p:cNvPr id="27" name="Shape 2637"/>
-          <p:cNvSpPr/>
-          <p:nvPr/>
-        </p:nvSpPr>
-        <p:spPr>
-          <a:xfrm>
-            <a:off x="2400281" y="5350960"/>
-            <a:ext cx="360249" cy="660455"/>
-          </a:xfrm>
-          <a:custGeom>
-            <a:avLst/>
-            <a:gdLst/>
-            <a:ahLst/>
-            <a:cxnLst>
-              <a:cxn ang="0">
-                <a:pos x="wd2" y="hd2"/>
-              </a:cxn>
-              <a:cxn ang="5400000">
-                <a:pos x="wd2" y="hd2"/>
-              </a:cxn>
-              <a:cxn ang="10800000">
-                <a:pos x="wd2" y="hd2"/>
-              </a:cxn>
-              <a:cxn ang="16200000">
-                <a:pos x="wd2" y="hd2"/>
-              </a:cxn>
-            </a:cxnLst>
-            <a:rect l="0" t="0" r="r" b="b"/>
-            <a:pathLst>
-              <a:path w="21600" h="21600" extrusionOk="0">
-                <a:moveTo>
-                  <a:pt x="5400" y="8836"/>
-                </a:moveTo>
-                <a:lnTo>
-                  <a:pt x="16200" y="8836"/>
-                </a:lnTo>
-                <a:lnTo>
-                  <a:pt x="16200" y="11782"/>
-                </a:lnTo>
-                <a:cubicBezTo>
-                  <a:pt x="16200" y="13409"/>
-                  <a:pt x="13783" y="14727"/>
-                  <a:pt x="10800" y="14727"/>
-                </a:cubicBezTo>
-                <a:cubicBezTo>
-                  <a:pt x="7817" y="14727"/>
-                  <a:pt x="5400" y="13409"/>
-                  <a:pt x="5400" y="11782"/>
-                </a:cubicBezTo>
-                <a:cubicBezTo>
-                  <a:pt x="5400" y="11782"/>
-                  <a:pt x="5400" y="8836"/>
-                  <a:pt x="5400" y="8836"/>
-                </a:cubicBezTo>
-                <a:close/>
-                <a:moveTo>
-                  <a:pt x="5400" y="3927"/>
-                </a:moveTo>
-                <a:cubicBezTo>
-                  <a:pt x="5400" y="2301"/>
-                  <a:pt x="7817" y="982"/>
-                  <a:pt x="10800" y="982"/>
-                </a:cubicBezTo>
-                <a:cubicBezTo>
-                  <a:pt x="13783" y="982"/>
-                  <a:pt x="16200" y="2301"/>
-                  <a:pt x="16200" y="3927"/>
-                </a:cubicBezTo>
-                <a:lnTo>
-                  <a:pt x="16200" y="7855"/>
-                </a:lnTo>
-                <a:lnTo>
-                  <a:pt x="5400" y="7855"/>
-                </a:lnTo>
-                <a:cubicBezTo>
-                  <a:pt x="5400" y="7855"/>
-                  <a:pt x="5400" y="3927"/>
-                  <a:pt x="5400" y="3927"/>
-                </a:cubicBezTo>
-                <a:close/>
-                <a:moveTo>
-                  <a:pt x="10800" y="15709"/>
-                </a:moveTo>
-                <a:cubicBezTo>
-                  <a:pt x="14777" y="15709"/>
-                  <a:pt x="18000" y="13951"/>
-                  <a:pt x="18000" y="11782"/>
-                </a:cubicBezTo>
-                <a:lnTo>
-                  <a:pt x="18000" y="3927"/>
-                </a:lnTo>
-                <a:cubicBezTo>
-                  <a:pt x="18000" y="1758"/>
-                  <a:pt x="14777" y="0"/>
-                  <a:pt x="10800" y="0"/>
-                </a:cubicBezTo>
-                <a:cubicBezTo>
-                  <a:pt x="6823" y="0"/>
-                  <a:pt x="3600" y="1758"/>
-                  <a:pt x="3600" y="3927"/>
-                </a:cubicBezTo>
-                <a:lnTo>
-                  <a:pt x="3600" y="11782"/>
-                </a:lnTo>
-                <a:cubicBezTo>
-                  <a:pt x="3600" y="13951"/>
-                  <a:pt x="6823" y="15709"/>
-                  <a:pt x="10800" y="15709"/>
-                </a:cubicBezTo>
-                <a:moveTo>
-                  <a:pt x="21600" y="11782"/>
-                </a:moveTo>
-                <a:lnTo>
-                  <a:pt x="21600" y="10309"/>
-                </a:lnTo>
-                <a:cubicBezTo>
-                  <a:pt x="21600" y="10038"/>
-                  <a:pt x="21197" y="9818"/>
-                  <a:pt x="20700" y="9818"/>
-                </a:cubicBezTo>
-                <a:cubicBezTo>
-                  <a:pt x="20203" y="9818"/>
-                  <a:pt x="19800" y="10038"/>
-                  <a:pt x="19800" y="10309"/>
-                </a:cubicBezTo>
-                <a:lnTo>
-                  <a:pt x="19800" y="11782"/>
-                </a:lnTo>
-                <a:cubicBezTo>
-                  <a:pt x="19800" y="14493"/>
-                  <a:pt x="15771" y="16691"/>
-                  <a:pt x="10800" y="16691"/>
-                </a:cubicBezTo>
-                <a:cubicBezTo>
-                  <a:pt x="5829" y="16691"/>
-                  <a:pt x="1800" y="14493"/>
-                  <a:pt x="1800" y="11782"/>
-                </a:cubicBezTo>
-                <a:lnTo>
-                  <a:pt x="1800" y="10309"/>
-                </a:lnTo>
-                <a:cubicBezTo>
-                  <a:pt x="1800" y="10038"/>
-                  <a:pt x="1397" y="9818"/>
-                  <a:pt x="900" y="9818"/>
-                </a:cubicBezTo>
-                <a:cubicBezTo>
-                  <a:pt x="403" y="9818"/>
-                  <a:pt x="0" y="10038"/>
-                  <a:pt x="0" y="10309"/>
-                </a:cubicBezTo>
-                <a:lnTo>
-                  <a:pt x="0" y="11782"/>
-                </a:lnTo>
-                <a:cubicBezTo>
-                  <a:pt x="0" y="14870"/>
-                  <a:pt x="4358" y="17398"/>
-                  <a:pt x="9900" y="17648"/>
-                </a:cubicBezTo>
-                <a:lnTo>
-                  <a:pt x="9900" y="20618"/>
-                </a:lnTo>
-                <a:lnTo>
-                  <a:pt x="3600" y="20618"/>
-                </a:lnTo>
-                <a:cubicBezTo>
-                  <a:pt x="3103" y="20618"/>
-                  <a:pt x="2700" y="20838"/>
-                  <a:pt x="2700" y="21110"/>
-                </a:cubicBezTo>
-                <a:cubicBezTo>
-                  <a:pt x="2700" y="21381"/>
-                  <a:pt x="3103" y="21600"/>
-                  <a:pt x="3600" y="21600"/>
-                </a:cubicBezTo>
-                <a:lnTo>
-                  <a:pt x="18000" y="21600"/>
-                </a:lnTo>
-                <a:cubicBezTo>
-                  <a:pt x="18497" y="21600"/>
-                  <a:pt x="18900" y="21381"/>
-                  <a:pt x="18900" y="21110"/>
-                </a:cubicBezTo>
-                <a:cubicBezTo>
-                  <a:pt x="18900" y="20838"/>
-                  <a:pt x="18497" y="20618"/>
-                  <a:pt x="18000" y="20618"/>
-                </a:cubicBezTo>
-                <a:lnTo>
-                  <a:pt x="11700" y="20618"/>
-                </a:lnTo>
-                <a:lnTo>
-                  <a:pt x="11700" y="17648"/>
-                </a:lnTo>
-                <a:cubicBezTo>
-                  <a:pt x="17243" y="17398"/>
-                  <a:pt x="21600" y="14870"/>
-                  <a:pt x="21600" y="11782"/>
-                </a:cubicBezTo>
-              </a:path>
-            </a:pathLst>
-          </a:custGeom>
-          <a:solidFill>
-            <a:schemeClr val="accent1"/>
-          </a:solidFill>
-          <a:ln w="12700">
-            <a:miter lim="400000"/>
-          </a:ln>
-        </p:spPr>
-        <p:txBody>
-          <a:bodyPr lIns="38090" tIns="38090" rIns="38090" bIns="38090" anchor="ctr"/>
-          <a:lstStyle/>
-          <a:p>
-            <a:pPr defTabSz="457079">
-              <a:defRPr sz="3000" cap="none">
-                <a:solidFill>
-                  <a:srgbClr val="FFFFFF"/>
-                </a:solidFill>
-                <a:effectLst>
-                  <a:outerShdw blurRad="38100" dist="12700" dir="5400000" rotWithShape="0">
-                    <a:srgbClr val="000000">
-                      <a:alpha val="50000"/>
-                    </a:srgbClr>
-                  </a:outerShdw>
-                </a:effectLst>
-                <a:latin typeface="Gill Sans"/>
-                <a:ea typeface="Gill Sans"/>
-                <a:cs typeface="Gill Sans"/>
-                <a:sym typeface="Gill Sans"/>
-              </a:defRPr>
-            </a:pPr>
-            <a:endParaRPr sz="2999"/>
-          </a:p>
-        </p:txBody>
-      </p:sp>
-      <p:sp>
-        <p:nvSpPr>
-          <p:cNvPr id="28" name="Shape 2638"/>
-          <p:cNvSpPr/>
-          <p:nvPr/>
-        </p:nvSpPr>
-        <p:spPr>
-          <a:xfrm>
-            <a:off x="2234415" y="7498729"/>
-            <a:ext cx="660228" cy="660844"/>
-          </a:xfrm>
-          <a:custGeom>
-            <a:avLst/>
-            <a:gdLst/>
-            <a:ahLst/>
-            <a:cxnLst>
-              <a:cxn ang="0">
-                <a:pos x="wd2" y="hd2"/>
-              </a:cxn>
-              <a:cxn ang="5400000">
-                <a:pos x="wd2" y="hd2"/>
-              </a:cxn>
-              <a:cxn ang="10800000">
-                <a:pos x="wd2" y="hd2"/>
-              </a:cxn>
-              <a:cxn ang="16200000">
-                <a:pos x="wd2" y="hd2"/>
-              </a:cxn>
-            </a:cxnLst>
-            <a:rect l="0" t="0" r="r" b="b"/>
-            <a:pathLst>
-              <a:path w="21131" h="21132" extrusionOk="0">
-                <a:moveTo>
-                  <a:pt x="19045" y="7530"/>
-                </a:moveTo>
-                <a:cubicBezTo>
-                  <a:pt x="17544" y="9030"/>
-                  <a:pt x="15110" y="9030"/>
-                  <a:pt x="13610" y="7530"/>
-                </a:cubicBezTo>
-                <a:cubicBezTo>
-                  <a:pt x="12108" y="6031"/>
-                  <a:pt x="12108" y="3600"/>
-                  <a:pt x="13610" y="2100"/>
-                </a:cubicBezTo>
-                <a:cubicBezTo>
-                  <a:pt x="15110" y="600"/>
-                  <a:pt x="17544" y="600"/>
-                  <a:pt x="19045" y="2100"/>
-                </a:cubicBezTo>
-                <a:cubicBezTo>
-                  <a:pt x="20546" y="3600"/>
-                  <a:pt x="20546" y="6031"/>
-                  <a:pt x="19045" y="7530"/>
-                </a:cubicBezTo>
-                <a:moveTo>
-                  <a:pt x="7605" y="16245"/>
-                </a:moveTo>
-                <a:cubicBezTo>
-                  <a:pt x="7256" y="16593"/>
-                  <a:pt x="6776" y="16807"/>
-                  <a:pt x="6245" y="16807"/>
-                </a:cubicBezTo>
-                <a:cubicBezTo>
-                  <a:pt x="5184" y="16807"/>
-                  <a:pt x="4324" y="15948"/>
-                  <a:pt x="4324" y="14888"/>
-                </a:cubicBezTo>
-                <a:cubicBezTo>
-                  <a:pt x="4324" y="14358"/>
-                  <a:pt x="4539" y="13878"/>
-                  <a:pt x="4887" y="13530"/>
-                </a:cubicBezTo>
-                <a:lnTo>
-                  <a:pt x="11678" y="5991"/>
-                </a:lnTo>
-                <a:cubicBezTo>
-                  <a:pt x="11884" y="6798"/>
-                  <a:pt x="12298" y="7563"/>
-                  <a:pt x="12930" y="8194"/>
-                </a:cubicBezTo>
-                <a:cubicBezTo>
-                  <a:pt x="13569" y="8832"/>
-                  <a:pt x="14343" y="9248"/>
-                  <a:pt x="15160" y="9451"/>
-                </a:cubicBezTo>
-                <a:cubicBezTo>
-                  <a:pt x="15160" y="9451"/>
-                  <a:pt x="7605" y="16245"/>
-                  <a:pt x="7605" y="16245"/>
-                </a:cubicBezTo>
-                <a:close/>
-                <a:moveTo>
-                  <a:pt x="19724" y="1406"/>
-                </a:moveTo>
-                <a:cubicBezTo>
-                  <a:pt x="17848" y="-468"/>
-                  <a:pt x="14806" y="-468"/>
-                  <a:pt x="12930" y="1406"/>
-                </a:cubicBezTo>
-                <a:cubicBezTo>
-                  <a:pt x="12024" y="2312"/>
-                  <a:pt x="11559" y="3489"/>
-                  <a:pt x="11529" y="4676"/>
-                </a:cubicBezTo>
-                <a:lnTo>
-                  <a:pt x="4207" y="12851"/>
-                </a:lnTo>
-                <a:cubicBezTo>
-                  <a:pt x="3686" y="13373"/>
-                  <a:pt x="3363" y="14093"/>
-                  <a:pt x="3363" y="14888"/>
-                </a:cubicBezTo>
-                <a:cubicBezTo>
-                  <a:pt x="3363" y="15420"/>
-                  <a:pt x="3518" y="15912"/>
-                  <a:pt x="3769" y="16340"/>
-                </a:cubicBezTo>
-                <a:cubicBezTo>
-                  <a:pt x="2436" y="17104"/>
-                  <a:pt x="1907" y="17813"/>
-                  <a:pt x="2425" y="19364"/>
-                </a:cubicBezTo>
-                <a:cubicBezTo>
-                  <a:pt x="2487" y="19550"/>
-                  <a:pt x="2434" y="19622"/>
-                  <a:pt x="2409" y="19658"/>
-                </a:cubicBezTo>
-                <a:cubicBezTo>
-                  <a:pt x="2160" y="20003"/>
-                  <a:pt x="1132" y="20167"/>
-                  <a:pt x="500" y="20172"/>
-                </a:cubicBezTo>
-                <a:cubicBezTo>
-                  <a:pt x="493" y="20171"/>
-                  <a:pt x="487" y="20167"/>
-                  <a:pt x="480" y="20167"/>
-                </a:cubicBezTo>
-                <a:cubicBezTo>
-                  <a:pt x="215" y="20167"/>
-                  <a:pt x="0" y="20383"/>
-                  <a:pt x="0" y="20647"/>
-                </a:cubicBezTo>
-                <a:cubicBezTo>
-                  <a:pt x="0" y="20912"/>
-                  <a:pt x="214" y="21126"/>
-                  <a:pt x="479" y="21127"/>
-                </a:cubicBezTo>
-                <a:lnTo>
-                  <a:pt x="479" y="21132"/>
-                </a:lnTo>
-                <a:cubicBezTo>
-                  <a:pt x="821" y="21132"/>
-                  <a:pt x="2562" y="21088"/>
-                  <a:pt x="3189" y="20219"/>
-                </a:cubicBezTo>
-                <a:cubicBezTo>
-                  <a:pt x="3355" y="19988"/>
-                  <a:pt x="3516" y="19599"/>
-                  <a:pt x="3336" y="19060"/>
-                </a:cubicBezTo>
-                <a:cubicBezTo>
-                  <a:pt x="3030" y="18141"/>
-                  <a:pt x="3071" y="17806"/>
-                  <a:pt x="4399" y="17082"/>
-                </a:cubicBezTo>
-                <a:cubicBezTo>
-                  <a:pt x="4900" y="17504"/>
-                  <a:pt x="5539" y="17767"/>
-                  <a:pt x="6245" y="17767"/>
-                </a:cubicBezTo>
-                <a:cubicBezTo>
-                  <a:pt x="7042" y="17767"/>
-                  <a:pt x="7762" y="17445"/>
-                  <a:pt x="8284" y="16924"/>
-                </a:cubicBezTo>
-                <a:lnTo>
-                  <a:pt x="16485" y="9592"/>
-                </a:lnTo>
-                <a:cubicBezTo>
-                  <a:pt x="17662" y="9554"/>
-                  <a:pt x="18826" y="9091"/>
-                  <a:pt x="19724" y="8194"/>
-                </a:cubicBezTo>
-                <a:cubicBezTo>
-                  <a:pt x="21600" y="6320"/>
-                  <a:pt x="21600" y="3281"/>
-                  <a:pt x="19724" y="1406"/>
-                </a:cubicBezTo>
-                <a:moveTo>
-                  <a:pt x="8953" y="11504"/>
-                </a:moveTo>
-                <a:lnTo>
-                  <a:pt x="9633" y="12183"/>
-                </a:lnTo>
-                <a:lnTo>
-                  <a:pt x="12690" y="9807"/>
-                </a:lnTo>
-                <a:lnTo>
-                  <a:pt x="11331" y="8449"/>
-                </a:lnTo>
-                <a:cubicBezTo>
-                  <a:pt x="11331" y="8449"/>
-                  <a:pt x="8953" y="11504"/>
-                  <a:pt x="8953" y="11504"/>
-                </a:cubicBezTo>
-                <a:close/>
-              </a:path>
-            </a:pathLst>
-          </a:custGeom>
-          <a:solidFill>
-            <a:schemeClr val="accent2"/>
-          </a:solidFill>
-          <a:ln w="12700">
-            <a:miter lim="400000"/>
-          </a:ln>
-        </p:spPr>
-        <p:txBody>
-          <a:bodyPr lIns="38090" tIns="38090" rIns="38090" bIns="38090" anchor="ctr"/>
-          <a:lstStyle/>
-          <a:p>
-            <a:pPr defTabSz="457079">
-              <a:defRPr sz="3000" cap="none">
-                <a:solidFill>
-                  <a:srgbClr val="FFFFFF"/>
-                </a:solidFill>
-                <a:effectLst>
-                  <a:outerShdw blurRad="38100" dist="12700" dir="5400000" rotWithShape="0">
-                    <a:srgbClr val="000000">
-                      <a:alpha val="50000"/>
-                    </a:srgbClr>
-                  </a:outerShdw>
-                </a:effectLst>
-                <a:latin typeface="Gill Sans"/>
-                <a:ea typeface="Gill Sans"/>
-                <a:cs typeface="Gill Sans"/>
-                <a:sym typeface="Gill Sans"/>
-              </a:defRPr>
-            </a:pPr>
-            <a:endParaRPr sz="2999"/>
-          </a:p>
-        </p:txBody>
-      </p:sp>
-      <p:sp>
-        <p:nvSpPr>
-          <p:cNvPr id="29" name="Shape 2639"/>
-          <p:cNvSpPr/>
-          <p:nvPr/>
-        </p:nvSpPr>
-        <p:spPr>
-          <a:xfrm>
-            <a:off x="2250378" y="9646889"/>
-            <a:ext cx="660455" cy="420291"/>
-          </a:xfrm>
-          <a:custGeom>
-            <a:avLst/>
-            <a:gdLst/>
-            <a:ahLst/>
-            <a:cxnLst>
-              <a:cxn ang="0">
-                <a:pos x="wd2" y="hd2"/>
-              </a:cxn>
-              <a:cxn ang="5400000">
-                <a:pos x="wd2" y="hd2"/>
-              </a:cxn>
-              <a:cxn ang="10800000">
-                <a:pos x="wd2" y="hd2"/>
-              </a:cxn>
-              <a:cxn ang="16200000">
-                <a:pos x="wd2" y="hd2"/>
-              </a:cxn>
-            </a:cxnLst>
-            <a:rect l="0" t="0" r="r" b="b"/>
-            <a:pathLst>
-              <a:path w="21600" h="21600" extrusionOk="0">
-                <a:moveTo>
-                  <a:pt x="13255" y="3086"/>
-                </a:moveTo>
-                <a:cubicBezTo>
-                  <a:pt x="12984" y="3086"/>
-                  <a:pt x="12764" y="3432"/>
-                  <a:pt x="12764" y="3857"/>
-                </a:cubicBezTo>
-                <a:cubicBezTo>
-                  <a:pt x="12764" y="4284"/>
-                  <a:pt x="12984" y="4629"/>
-                  <a:pt x="13255" y="4629"/>
-                </a:cubicBezTo>
-                <a:cubicBezTo>
-                  <a:pt x="13525" y="4629"/>
-                  <a:pt x="13745" y="4284"/>
-                  <a:pt x="13745" y="3857"/>
-                </a:cubicBezTo>
-                <a:cubicBezTo>
-                  <a:pt x="13745" y="3432"/>
-                  <a:pt x="13525" y="3086"/>
-                  <a:pt x="13255" y="3086"/>
-                </a:cubicBezTo>
-                <a:moveTo>
-                  <a:pt x="20618" y="16495"/>
-                </a:moveTo>
-                <a:lnTo>
-                  <a:pt x="15709" y="12638"/>
-                </a:lnTo>
-                <a:lnTo>
-                  <a:pt x="15709" y="8963"/>
-                </a:lnTo>
-                <a:lnTo>
-                  <a:pt x="20618" y="5105"/>
-                </a:lnTo>
-                <a:cubicBezTo>
-                  <a:pt x="20618" y="5105"/>
-                  <a:pt x="20618" y="16495"/>
-                  <a:pt x="20618" y="16495"/>
-                </a:cubicBezTo>
-                <a:close/>
-                <a:moveTo>
-                  <a:pt x="14727" y="16971"/>
-                </a:moveTo>
-                <a:lnTo>
-                  <a:pt x="982" y="16971"/>
-                </a:lnTo>
-                <a:lnTo>
-                  <a:pt x="982" y="3086"/>
-                </a:lnTo>
-                <a:cubicBezTo>
-                  <a:pt x="982" y="2234"/>
-                  <a:pt x="1422" y="1543"/>
-                  <a:pt x="1964" y="1543"/>
-                </a:cubicBezTo>
-                <a:lnTo>
-                  <a:pt x="13745" y="1543"/>
-                </a:lnTo>
-                <a:cubicBezTo>
-                  <a:pt x="14287" y="1543"/>
-                  <a:pt x="14727" y="2234"/>
-                  <a:pt x="14727" y="3086"/>
-                </a:cubicBezTo>
-                <a:cubicBezTo>
-                  <a:pt x="14727" y="3086"/>
-                  <a:pt x="14727" y="16971"/>
-                  <a:pt x="14727" y="16971"/>
-                </a:cubicBezTo>
-                <a:close/>
-                <a:moveTo>
-                  <a:pt x="13745" y="20057"/>
-                </a:moveTo>
-                <a:lnTo>
-                  <a:pt x="1964" y="20057"/>
-                </a:lnTo>
-                <a:cubicBezTo>
-                  <a:pt x="1422" y="20057"/>
-                  <a:pt x="982" y="19367"/>
-                  <a:pt x="982" y="18514"/>
-                </a:cubicBezTo>
-                <a:lnTo>
-                  <a:pt x="14727" y="18514"/>
-                </a:lnTo>
-                <a:cubicBezTo>
-                  <a:pt x="14727" y="19367"/>
-                  <a:pt x="14287" y="20057"/>
-                  <a:pt x="13745" y="20057"/>
-                </a:cubicBezTo>
-                <a:moveTo>
-                  <a:pt x="21109" y="3086"/>
-                </a:moveTo>
-                <a:cubicBezTo>
-                  <a:pt x="21030" y="3086"/>
-                  <a:pt x="20958" y="3122"/>
-                  <a:pt x="20892" y="3175"/>
-                </a:cubicBezTo>
-                <a:lnTo>
-                  <a:pt x="20890" y="3167"/>
-                </a:lnTo>
-                <a:lnTo>
-                  <a:pt x="15709" y="7237"/>
-                </a:lnTo>
-                <a:lnTo>
-                  <a:pt x="15709" y="3086"/>
-                </a:lnTo>
-                <a:cubicBezTo>
-                  <a:pt x="15709" y="1382"/>
-                  <a:pt x="14830" y="0"/>
-                  <a:pt x="13745" y="0"/>
-                </a:cubicBezTo>
-                <a:lnTo>
-                  <a:pt x="1964" y="0"/>
-                </a:lnTo>
-                <a:cubicBezTo>
-                  <a:pt x="879" y="0"/>
-                  <a:pt x="0" y="1382"/>
-                  <a:pt x="0" y="3086"/>
-                </a:cubicBezTo>
-                <a:lnTo>
-                  <a:pt x="0" y="18514"/>
-                </a:lnTo>
-                <a:cubicBezTo>
-                  <a:pt x="0" y="20219"/>
-                  <a:pt x="879" y="21600"/>
-                  <a:pt x="1964" y="21600"/>
-                </a:cubicBezTo>
-                <a:lnTo>
-                  <a:pt x="13745" y="21600"/>
-                </a:lnTo>
-                <a:cubicBezTo>
-                  <a:pt x="14830" y="21600"/>
-                  <a:pt x="15709" y="20219"/>
-                  <a:pt x="15709" y="18514"/>
-                </a:cubicBezTo>
-                <a:lnTo>
-                  <a:pt x="15709" y="14363"/>
-                </a:lnTo>
-                <a:lnTo>
-                  <a:pt x="20890" y="18433"/>
-                </a:lnTo>
-                <a:lnTo>
-                  <a:pt x="20892" y="18427"/>
-                </a:lnTo>
-                <a:cubicBezTo>
-                  <a:pt x="20958" y="18478"/>
-                  <a:pt x="21030" y="18514"/>
-                  <a:pt x="21109" y="18514"/>
-                </a:cubicBezTo>
-                <a:cubicBezTo>
-                  <a:pt x="21380" y="18514"/>
-                  <a:pt x="21600" y="18170"/>
-                  <a:pt x="21600" y="17743"/>
-                </a:cubicBezTo>
-                <a:lnTo>
-                  <a:pt x="21600" y="3857"/>
-                </a:lnTo>
-                <a:cubicBezTo>
-                  <a:pt x="21600" y="3432"/>
-                  <a:pt x="21380" y="3086"/>
-                  <a:pt x="21109" y="3086"/>
-                </a:cubicBezTo>
-                <a:moveTo>
-                  <a:pt x="10309" y="6171"/>
-                </a:moveTo>
-                <a:cubicBezTo>
-                  <a:pt x="10038" y="6171"/>
-                  <a:pt x="9818" y="5827"/>
-                  <a:pt x="9818" y="5400"/>
-                </a:cubicBezTo>
-                <a:cubicBezTo>
-                  <a:pt x="9818" y="4974"/>
-                  <a:pt x="10038" y="4629"/>
-                  <a:pt x="10309" y="4629"/>
-                </a:cubicBezTo>
-                <a:cubicBezTo>
-                  <a:pt x="10580" y="4629"/>
-                  <a:pt x="10800" y="4974"/>
-                  <a:pt x="10800" y="5400"/>
-                </a:cubicBezTo>
-                <a:cubicBezTo>
-                  <a:pt x="10800" y="5827"/>
-                  <a:pt x="10580" y="6171"/>
-                  <a:pt x="10309" y="6171"/>
-                </a:cubicBezTo>
-                <a:moveTo>
-                  <a:pt x="10309" y="3086"/>
-                </a:moveTo>
-                <a:cubicBezTo>
-                  <a:pt x="9496" y="3086"/>
-                  <a:pt x="8836" y="4123"/>
-                  <a:pt x="8836" y="5400"/>
-                </a:cubicBezTo>
-                <a:cubicBezTo>
-                  <a:pt x="8836" y="6678"/>
-                  <a:pt x="9496" y="7714"/>
-                  <a:pt x="10309" y="7714"/>
-                </a:cubicBezTo>
-                <a:cubicBezTo>
-                  <a:pt x="11123" y="7714"/>
-                  <a:pt x="11782" y="6678"/>
-                  <a:pt x="11782" y="5400"/>
-                </a:cubicBezTo>
-                <a:cubicBezTo>
-                  <a:pt x="11782" y="4123"/>
-                  <a:pt x="11123" y="3086"/>
-                  <a:pt x="10309" y="3086"/>
-                </a:cubicBezTo>
-              </a:path>
-            </a:pathLst>
-          </a:custGeom>
-          <a:solidFill>
-            <a:schemeClr val="accent3"/>
-          </a:solidFill>
-          <a:ln w="12700">
-            <a:miter lim="400000"/>
-          </a:ln>
-        </p:spPr>
-        <p:txBody>
-          <a:bodyPr lIns="38090" tIns="38090" rIns="38090" bIns="38090" anchor="ctr"/>
-          <a:lstStyle/>
-          <a:p>
-            <a:pPr defTabSz="457079">
-              <a:defRPr sz="3000" cap="none">
-                <a:solidFill>
-                  <a:srgbClr val="FFFFFF"/>
-                </a:solidFill>
-                <a:effectLst>
-                  <a:outerShdw blurRad="38100" dist="12700" dir="5400000" rotWithShape="0">
-                    <a:srgbClr val="000000">
-                      <a:alpha val="50000"/>
-                    </a:srgbClr>
-                  </a:outerShdw>
-                </a:effectLst>
-                <a:latin typeface="Gill Sans"/>
-                <a:ea typeface="Gill Sans"/>
-                <a:cs typeface="Gill Sans"/>
-                <a:sym typeface="Gill Sans"/>
-              </a:defRPr>
-            </a:pPr>
-            <a:endParaRPr sz="2999"/>
-          </a:p>
-        </p:txBody>
-      </p:sp>
-      <p:sp>
-        <p:nvSpPr>
-          <p:cNvPr id="30" name="Shape 2641"/>
-          <p:cNvSpPr/>
-          <p:nvPr/>
-        </p:nvSpPr>
-        <p:spPr>
-          <a:xfrm>
-            <a:off x="9298606" y="5350957"/>
-            <a:ext cx="660455" cy="420624"/>
-          </a:xfrm>
-          <a:custGeom>
-            <a:avLst/>
-            <a:gdLst/>
-            <a:ahLst/>
-            <a:cxnLst>
-              <a:cxn ang="0">
-                <a:pos x="wd2" y="hd2"/>
-              </a:cxn>
-              <a:cxn ang="5400000">
-                <a:pos x="wd2" y="hd2"/>
-              </a:cxn>
-              <a:cxn ang="10800000">
-                <a:pos x="wd2" y="hd2"/>
-              </a:cxn>
-              <a:cxn ang="16200000">
-                <a:pos x="wd2" y="hd2"/>
-              </a:cxn>
-            </a:cxnLst>
-            <a:rect l="0" t="0" r="r" b="b"/>
-            <a:pathLst>
-              <a:path w="21600" h="21600" extrusionOk="0">
-                <a:moveTo>
-                  <a:pt x="20618" y="16606"/>
-                </a:moveTo>
-                <a:lnTo>
-                  <a:pt x="16691" y="14138"/>
-                </a:lnTo>
-                <a:lnTo>
-                  <a:pt x="16691" y="7462"/>
-                </a:lnTo>
-                <a:lnTo>
-                  <a:pt x="20618" y="4994"/>
-                </a:lnTo>
-                <a:cubicBezTo>
-                  <a:pt x="20618" y="4994"/>
-                  <a:pt x="20618" y="16606"/>
-                  <a:pt x="20618" y="16606"/>
-                </a:cubicBezTo>
-                <a:close/>
-                <a:moveTo>
-                  <a:pt x="21109" y="3086"/>
-                </a:moveTo>
-                <a:cubicBezTo>
-                  <a:pt x="21030" y="3086"/>
-                  <a:pt x="20958" y="3122"/>
-                  <a:pt x="20892" y="3174"/>
-                </a:cubicBezTo>
-                <a:lnTo>
-                  <a:pt x="20890" y="3167"/>
-                </a:lnTo>
-                <a:lnTo>
-                  <a:pt x="16018" y="6229"/>
-                </a:lnTo>
-                <a:cubicBezTo>
-                  <a:pt x="16013" y="6233"/>
-                  <a:pt x="16008" y="6235"/>
-                  <a:pt x="16003" y="6239"/>
-                </a:cubicBezTo>
-                <a:lnTo>
-                  <a:pt x="15980" y="6252"/>
-                </a:lnTo>
-                <a:lnTo>
-                  <a:pt x="15983" y="6260"/>
-                </a:lnTo>
-                <a:cubicBezTo>
-                  <a:pt x="15822" y="6387"/>
-                  <a:pt x="15709" y="6641"/>
-                  <a:pt x="15709" y="6943"/>
-                </a:cubicBezTo>
-                <a:lnTo>
-                  <a:pt x="15709" y="14657"/>
-                </a:lnTo>
-                <a:cubicBezTo>
-                  <a:pt x="15709" y="14959"/>
-                  <a:pt x="15822" y="15213"/>
-                  <a:pt x="15983" y="15340"/>
-                </a:cubicBezTo>
-                <a:lnTo>
-                  <a:pt x="15980" y="15347"/>
-                </a:lnTo>
-                <a:lnTo>
-                  <a:pt x="16002" y="15360"/>
-                </a:lnTo>
-                <a:cubicBezTo>
-                  <a:pt x="16008" y="15365"/>
-                  <a:pt x="16013" y="15368"/>
-                  <a:pt x="16018" y="15371"/>
-                </a:cubicBezTo>
-                <a:lnTo>
-                  <a:pt x="20890" y="18433"/>
-                </a:lnTo>
-                <a:lnTo>
-                  <a:pt x="20892" y="18426"/>
-                </a:lnTo>
-                <a:cubicBezTo>
-                  <a:pt x="20958" y="18478"/>
-                  <a:pt x="21030" y="18514"/>
-                  <a:pt x="21109" y="18514"/>
-                </a:cubicBezTo>
-                <a:cubicBezTo>
-                  <a:pt x="21380" y="18514"/>
-                  <a:pt x="21600" y="18169"/>
-                  <a:pt x="21600" y="17743"/>
-                </a:cubicBezTo>
-                <a:lnTo>
-                  <a:pt x="21600" y="3857"/>
-                </a:lnTo>
-                <a:cubicBezTo>
-                  <a:pt x="21600" y="3431"/>
-                  <a:pt x="21380" y="3086"/>
-                  <a:pt x="21109" y="3086"/>
-                </a:cubicBezTo>
-                <a:moveTo>
-                  <a:pt x="13745" y="18514"/>
-                </a:moveTo>
-                <a:cubicBezTo>
-                  <a:pt x="13745" y="19367"/>
-                  <a:pt x="13306" y="20057"/>
-                  <a:pt x="12764" y="20057"/>
-                </a:cubicBezTo>
-                <a:lnTo>
-                  <a:pt x="1964" y="20057"/>
-                </a:lnTo>
-                <a:cubicBezTo>
-                  <a:pt x="1422" y="20057"/>
-                  <a:pt x="982" y="19367"/>
-                  <a:pt x="982" y="18514"/>
-                </a:cubicBezTo>
-                <a:lnTo>
-                  <a:pt x="982" y="3086"/>
-                </a:lnTo>
-                <a:cubicBezTo>
-                  <a:pt x="982" y="2233"/>
-                  <a:pt x="1422" y="1543"/>
-                  <a:pt x="1964" y="1543"/>
-                </a:cubicBezTo>
-                <a:lnTo>
-                  <a:pt x="12764" y="1543"/>
-                </a:lnTo>
-                <a:cubicBezTo>
-                  <a:pt x="13306" y="1543"/>
-                  <a:pt x="13745" y="2233"/>
-                  <a:pt x="13745" y="3086"/>
-                </a:cubicBezTo>
-                <a:cubicBezTo>
-                  <a:pt x="13745" y="3086"/>
-                  <a:pt x="13745" y="18514"/>
-                  <a:pt x="13745" y="18514"/>
-                </a:cubicBezTo>
-                <a:close/>
-                <a:moveTo>
-                  <a:pt x="12764" y="0"/>
-                </a:moveTo>
-                <a:lnTo>
-                  <a:pt x="1964" y="0"/>
-                </a:lnTo>
-                <a:cubicBezTo>
-                  <a:pt x="879" y="0"/>
-                  <a:pt x="0" y="1382"/>
-                  <a:pt x="0" y="3086"/>
-                </a:cubicBezTo>
-                <a:lnTo>
-                  <a:pt x="0" y="18514"/>
-                </a:lnTo>
-                <a:cubicBezTo>
-                  <a:pt x="0" y="20219"/>
-                  <a:pt x="879" y="21600"/>
-                  <a:pt x="1964" y="21600"/>
-                </a:cubicBezTo>
-                <a:lnTo>
-                  <a:pt x="12764" y="21600"/>
-                </a:lnTo>
-                <a:cubicBezTo>
-                  <a:pt x="13848" y="21600"/>
-                  <a:pt x="14727" y="20219"/>
-                  <a:pt x="14727" y="18514"/>
-                </a:cubicBezTo>
-                <a:lnTo>
-                  <a:pt x="14727" y="3086"/>
-                </a:lnTo>
-                <a:cubicBezTo>
-                  <a:pt x="14727" y="1382"/>
-                  <a:pt x="13848" y="0"/>
-                  <a:pt x="12764" y="0"/>
-                </a:cubicBezTo>
-              </a:path>
-            </a:pathLst>
-          </a:custGeom>
-          <a:solidFill>
-            <a:schemeClr val="accent4"/>
-          </a:solidFill>
-          <a:ln w="12700">
-            <a:miter lim="400000"/>
-          </a:ln>
-        </p:spPr>
-        <p:txBody>
-          <a:bodyPr lIns="38090" tIns="38090" rIns="38090" bIns="38090" anchor="ctr"/>
-          <a:lstStyle/>
-          <a:p>
-            <a:pPr defTabSz="457079">
-              <a:defRPr sz="3000" cap="none">
-                <a:solidFill>
-                  <a:srgbClr val="FFFFFF"/>
-                </a:solidFill>
-                <a:effectLst>
-                  <a:outerShdw blurRad="38100" dist="12700" dir="5400000" rotWithShape="0">
-                    <a:srgbClr val="000000">
-                      <a:alpha val="50000"/>
-                    </a:srgbClr>
-                  </a:outerShdw>
-                </a:effectLst>
-                <a:latin typeface="Gill Sans"/>
-                <a:ea typeface="Gill Sans"/>
-                <a:cs typeface="Gill Sans"/>
-                <a:sym typeface="Gill Sans"/>
-              </a:defRPr>
-            </a:pPr>
-            <a:endParaRPr sz="2000"/>
-          </a:p>
-        </p:txBody>
-      </p:sp>
-      <p:sp>
-        <p:nvSpPr>
-          <p:cNvPr id="31" name="Shape 2643"/>
-          <p:cNvSpPr/>
-          <p:nvPr/>
-        </p:nvSpPr>
-        <p:spPr>
-          <a:xfrm>
-            <a:off x="9448712" y="7424734"/>
-            <a:ext cx="360249" cy="660455"/>
-          </a:xfrm>
-          <a:custGeom>
-            <a:avLst/>
-            <a:gdLst/>
-            <a:ahLst/>
-            <a:cxnLst>
-              <a:cxn ang="0">
-                <a:pos x="wd2" y="hd2"/>
-              </a:cxn>
-              <a:cxn ang="5400000">
-                <a:pos x="wd2" y="hd2"/>
-              </a:cxn>
-              <a:cxn ang="10800000">
-                <a:pos x="wd2" y="hd2"/>
-              </a:cxn>
-              <a:cxn ang="16200000">
-                <a:pos x="wd2" y="hd2"/>
-              </a:cxn>
-            </a:cxnLst>
-            <a:rect l="0" t="0" r="r" b="b"/>
-            <a:pathLst>
-              <a:path w="21600" h="21600" extrusionOk="0">
-                <a:moveTo>
-                  <a:pt x="11700" y="1473"/>
-                </a:moveTo>
-                <a:lnTo>
-                  <a:pt x="9900" y="1473"/>
-                </a:lnTo>
-                <a:cubicBezTo>
-                  <a:pt x="9403" y="1473"/>
-                  <a:pt x="9000" y="1692"/>
-                  <a:pt x="9000" y="1964"/>
-                </a:cubicBezTo>
-                <a:cubicBezTo>
-                  <a:pt x="9000" y="2235"/>
-                  <a:pt x="9403" y="2455"/>
-                  <a:pt x="9900" y="2455"/>
-                </a:cubicBezTo>
-                <a:lnTo>
-                  <a:pt x="11700" y="2455"/>
-                </a:lnTo>
-                <a:cubicBezTo>
-                  <a:pt x="12197" y="2455"/>
-                  <a:pt x="12600" y="2235"/>
-                  <a:pt x="12600" y="1964"/>
-                </a:cubicBezTo>
-                <a:cubicBezTo>
-                  <a:pt x="12600" y="1692"/>
-                  <a:pt x="12197" y="1473"/>
-                  <a:pt x="11700" y="1473"/>
-                </a:cubicBezTo>
-                <a:moveTo>
-                  <a:pt x="19800" y="2945"/>
-                </a:moveTo>
-                <a:lnTo>
-                  <a:pt x="1800" y="2945"/>
-                </a:lnTo>
-                <a:lnTo>
-                  <a:pt x="1800" y="1964"/>
-                </a:lnTo>
-                <a:cubicBezTo>
-                  <a:pt x="1800" y="1422"/>
-                  <a:pt x="2605" y="982"/>
-                  <a:pt x="3600" y="982"/>
-                </a:cubicBezTo>
-                <a:lnTo>
-                  <a:pt x="18000" y="982"/>
-                </a:lnTo>
-                <a:cubicBezTo>
-                  <a:pt x="18993" y="982"/>
-                  <a:pt x="19800" y="1422"/>
-                  <a:pt x="19800" y="1964"/>
-                </a:cubicBezTo>
-                <a:cubicBezTo>
-                  <a:pt x="19800" y="1964"/>
-                  <a:pt x="19800" y="2945"/>
-                  <a:pt x="19800" y="2945"/>
-                </a:cubicBezTo>
-                <a:close/>
-                <a:moveTo>
-                  <a:pt x="19800" y="17673"/>
-                </a:moveTo>
-                <a:lnTo>
-                  <a:pt x="1800" y="17673"/>
-                </a:lnTo>
-                <a:lnTo>
-                  <a:pt x="1800" y="3927"/>
-                </a:lnTo>
-                <a:lnTo>
-                  <a:pt x="19800" y="3927"/>
-                </a:lnTo>
-                <a:cubicBezTo>
-                  <a:pt x="19800" y="3927"/>
-                  <a:pt x="19800" y="17673"/>
-                  <a:pt x="19800" y="17673"/>
-                </a:cubicBezTo>
-                <a:close/>
-                <a:moveTo>
-                  <a:pt x="19800" y="19636"/>
-                </a:moveTo>
-                <a:cubicBezTo>
-                  <a:pt x="19800" y="20179"/>
-                  <a:pt x="18993" y="20618"/>
-                  <a:pt x="18000" y="20618"/>
-                </a:cubicBezTo>
-                <a:lnTo>
-                  <a:pt x="3600" y="20618"/>
-                </a:lnTo>
-                <a:cubicBezTo>
-                  <a:pt x="2605" y="20618"/>
-                  <a:pt x="1800" y="20179"/>
-                  <a:pt x="1800" y="19636"/>
-                </a:cubicBezTo>
-                <a:lnTo>
-                  <a:pt x="1800" y="18655"/>
-                </a:lnTo>
-                <a:lnTo>
-                  <a:pt x="19800" y="18655"/>
-                </a:lnTo>
-                <a:cubicBezTo>
-                  <a:pt x="19800" y="18655"/>
-                  <a:pt x="19800" y="19636"/>
-                  <a:pt x="19800" y="19636"/>
-                </a:cubicBezTo>
-                <a:close/>
-                <a:moveTo>
-                  <a:pt x="18000" y="0"/>
-                </a:moveTo>
-                <a:lnTo>
-                  <a:pt x="3600" y="0"/>
-                </a:lnTo>
-                <a:cubicBezTo>
-                  <a:pt x="1612" y="0"/>
-                  <a:pt x="0" y="879"/>
-                  <a:pt x="0" y="1964"/>
-                </a:cubicBezTo>
-                <a:lnTo>
-                  <a:pt x="0" y="19636"/>
-                </a:lnTo>
-                <a:cubicBezTo>
-                  <a:pt x="0" y="20721"/>
-                  <a:pt x="1612" y="21600"/>
-                  <a:pt x="3600" y="21600"/>
-                </a:cubicBezTo>
-                <a:lnTo>
-                  <a:pt x="18000" y="21600"/>
-                </a:lnTo>
-                <a:cubicBezTo>
-                  <a:pt x="19988" y="21600"/>
-                  <a:pt x="21600" y="20721"/>
-                  <a:pt x="21600" y="19636"/>
-                </a:cubicBezTo>
-                <a:lnTo>
-                  <a:pt x="21600" y="1964"/>
-                </a:lnTo>
-                <a:cubicBezTo>
-                  <a:pt x="21600" y="879"/>
-                  <a:pt x="19988" y="0"/>
-                  <a:pt x="18000" y="0"/>
-                </a:cubicBezTo>
-                <a:moveTo>
-                  <a:pt x="10800" y="20127"/>
-                </a:moveTo>
-                <a:cubicBezTo>
-                  <a:pt x="11297" y="20127"/>
-                  <a:pt x="11700" y="19908"/>
-                  <a:pt x="11700" y="19636"/>
-                </a:cubicBezTo>
-                <a:cubicBezTo>
-                  <a:pt x="11700" y="19366"/>
-                  <a:pt x="11297" y="19145"/>
-                  <a:pt x="10800" y="19145"/>
-                </a:cubicBezTo>
-                <a:cubicBezTo>
-                  <a:pt x="10303" y="19145"/>
-                  <a:pt x="9900" y="19366"/>
-                  <a:pt x="9900" y="19636"/>
-                </a:cubicBezTo>
-                <a:cubicBezTo>
-                  <a:pt x="9900" y="19908"/>
-                  <a:pt x="10303" y="20127"/>
-                  <a:pt x="10800" y="20127"/>
-                </a:cubicBezTo>
-              </a:path>
-            </a:pathLst>
-          </a:custGeom>
-          <a:solidFill>
-            <a:schemeClr val="accent5"/>
-          </a:solidFill>
-          <a:ln w="12700">
-            <a:miter lim="400000"/>
-          </a:ln>
-        </p:spPr>
-        <p:txBody>
-          <a:bodyPr lIns="38090" tIns="38090" rIns="38090" bIns="38090" anchor="ctr"/>
-          <a:lstStyle/>
-          <a:p>
-            <a:pPr defTabSz="457079">
-              <a:defRPr sz="3000" cap="none">
-                <a:solidFill>
-                  <a:srgbClr val="FFFFFF"/>
-                </a:solidFill>
-                <a:effectLst>
-                  <a:outerShdw blurRad="38100" dist="12700" dir="5400000" rotWithShape="0">
-                    <a:srgbClr val="000000">
-                      <a:alpha val="50000"/>
-                    </a:srgbClr>
-                  </a:outerShdw>
-                </a:effectLst>
-                <a:latin typeface="Gill Sans"/>
-                <a:ea typeface="Gill Sans"/>
-                <a:cs typeface="Gill Sans"/>
-                <a:sym typeface="Gill Sans"/>
-              </a:defRPr>
-            </a:pPr>
-            <a:endParaRPr sz="2999"/>
-          </a:p>
-        </p:txBody>
-      </p:sp>
-      <p:sp>
-        <p:nvSpPr>
-          <p:cNvPr id="32" name="Shape 2644"/>
-          <p:cNvSpPr/>
-          <p:nvPr/>
-        </p:nvSpPr>
-        <p:spPr>
-          <a:xfrm>
-            <a:off x="9388668" y="9607722"/>
-            <a:ext cx="480331" cy="660455"/>
-          </a:xfrm>
-          <a:custGeom>
-            <a:avLst/>
-            <a:gdLst/>
-            <a:ahLst/>
-            <a:cxnLst>
-              <a:cxn ang="0">
-                <a:pos x="wd2" y="hd2"/>
-              </a:cxn>
-              <a:cxn ang="5400000">
-                <a:pos x="wd2" y="hd2"/>
-              </a:cxn>
-              <a:cxn ang="10800000">
-                <a:pos x="wd2" y="hd2"/>
-              </a:cxn>
-              <a:cxn ang="16200000">
-                <a:pos x="wd2" y="hd2"/>
-              </a:cxn>
-            </a:cxnLst>
-            <a:rect l="0" t="0" r="r" b="b"/>
-            <a:pathLst>
-              <a:path w="21600" h="21600" extrusionOk="0">
-                <a:moveTo>
-                  <a:pt x="20250" y="19636"/>
-                </a:moveTo>
-                <a:cubicBezTo>
-                  <a:pt x="20250" y="20179"/>
-                  <a:pt x="19645" y="20618"/>
-                  <a:pt x="18900" y="20618"/>
-                </a:cubicBezTo>
-                <a:lnTo>
-                  <a:pt x="2700" y="20618"/>
-                </a:lnTo>
-                <a:cubicBezTo>
-                  <a:pt x="1954" y="20618"/>
-                  <a:pt x="1350" y="20179"/>
-                  <a:pt x="1350" y="19636"/>
-                </a:cubicBezTo>
-                <a:lnTo>
-                  <a:pt x="1350" y="1964"/>
-                </a:lnTo>
-                <a:cubicBezTo>
-                  <a:pt x="1350" y="1422"/>
-                  <a:pt x="1954" y="982"/>
-                  <a:pt x="2700" y="982"/>
-                </a:cubicBezTo>
-                <a:lnTo>
-                  <a:pt x="18900" y="982"/>
-                </a:lnTo>
-                <a:cubicBezTo>
-                  <a:pt x="19645" y="982"/>
-                  <a:pt x="20250" y="1422"/>
-                  <a:pt x="20250" y="1964"/>
-                </a:cubicBezTo>
-                <a:cubicBezTo>
-                  <a:pt x="20250" y="1964"/>
-                  <a:pt x="20250" y="19636"/>
-                  <a:pt x="20250" y="19636"/>
-                </a:cubicBezTo>
-                <a:close/>
-                <a:moveTo>
-                  <a:pt x="18900" y="0"/>
-                </a:moveTo>
-                <a:lnTo>
-                  <a:pt x="2700" y="0"/>
-                </a:lnTo>
-                <a:cubicBezTo>
-                  <a:pt x="1209" y="0"/>
-                  <a:pt x="0" y="879"/>
-                  <a:pt x="0" y="1964"/>
-                </a:cubicBezTo>
-                <a:lnTo>
-                  <a:pt x="0" y="19636"/>
-                </a:lnTo>
-                <a:cubicBezTo>
-                  <a:pt x="0" y="20721"/>
-                  <a:pt x="1209" y="21600"/>
-                  <a:pt x="2700" y="21600"/>
-                </a:cubicBezTo>
-                <a:lnTo>
-                  <a:pt x="18900" y="21600"/>
-                </a:lnTo>
-                <a:cubicBezTo>
-                  <a:pt x="20391" y="21600"/>
-                  <a:pt x="21600" y="20721"/>
-                  <a:pt x="21600" y="19636"/>
-                </a:cubicBezTo>
-                <a:lnTo>
-                  <a:pt x="21600" y="1964"/>
-                </a:lnTo>
-                <a:cubicBezTo>
-                  <a:pt x="21600" y="879"/>
-                  <a:pt x="20391" y="0"/>
-                  <a:pt x="18900" y="0"/>
-                </a:cubicBezTo>
-                <a:moveTo>
-                  <a:pt x="4050" y="3927"/>
-                </a:moveTo>
-                <a:lnTo>
-                  <a:pt x="17550" y="3927"/>
-                </a:lnTo>
-                <a:lnTo>
-                  <a:pt x="17550" y="17673"/>
-                </a:lnTo>
-                <a:lnTo>
-                  <a:pt x="4050" y="17673"/>
-                </a:lnTo>
-                <a:cubicBezTo>
-                  <a:pt x="4050" y="17673"/>
-                  <a:pt x="4050" y="3927"/>
-                  <a:pt x="4050" y="3927"/>
-                </a:cubicBezTo>
-                <a:close/>
-                <a:moveTo>
-                  <a:pt x="2700" y="18655"/>
-                </a:moveTo>
-                <a:lnTo>
-                  <a:pt x="18900" y="18655"/>
-                </a:lnTo>
-                <a:lnTo>
-                  <a:pt x="18900" y="2945"/>
-                </a:lnTo>
-                <a:lnTo>
-                  <a:pt x="2700" y="2945"/>
-                </a:lnTo>
-                <a:cubicBezTo>
-                  <a:pt x="2700" y="2945"/>
-                  <a:pt x="2700" y="18655"/>
-                  <a:pt x="2700" y="18655"/>
-                </a:cubicBezTo>
-                <a:close/>
-                <a:moveTo>
-                  <a:pt x="10125" y="2455"/>
-                </a:moveTo>
-                <a:lnTo>
-                  <a:pt x="11475" y="2455"/>
-                </a:lnTo>
-                <a:cubicBezTo>
-                  <a:pt x="11848" y="2455"/>
-                  <a:pt x="12150" y="2235"/>
-                  <a:pt x="12150" y="1964"/>
-                </a:cubicBezTo>
-                <a:cubicBezTo>
-                  <a:pt x="12150" y="1692"/>
-                  <a:pt x="11848" y="1473"/>
-                  <a:pt x="11475" y="1473"/>
-                </a:cubicBezTo>
-                <a:lnTo>
-                  <a:pt x="10125" y="1473"/>
-                </a:lnTo>
-                <a:cubicBezTo>
-                  <a:pt x="9752" y="1473"/>
-                  <a:pt x="9450" y="1692"/>
-                  <a:pt x="9450" y="1964"/>
-                </a:cubicBezTo>
-                <a:cubicBezTo>
-                  <a:pt x="9450" y="2235"/>
-                  <a:pt x="9752" y="2455"/>
-                  <a:pt x="10125" y="2455"/>
-                </a:cubicBezTo>
-                <a:moveTo>
-                  <a:pt x="10800" y="19145"/>
-                </a:moveTo>
-                <a:cubicBezTo>
-                  <a:pt x="10427" y="19145"/>
-                  <a:pt x="10125" y="19366"/>
-                  <a:pt x="10125" y="19636"/>
-                </a:cubicBezTo>
-                <a:cubicBezTo>
-                  <a:pt x="10125" y="19908"/>
-                  <a:pt x="10427" y="20127"/>
-                  <a:pt x="10800" y="20127"/>
-                </a:cubicBezTo>
-                <a:cubicBezTo>
-                  <a:pt x="11173" y="20127"/>
-                  <a:pt x="11475" y="19908"/>
-                  <a:pt x="11475" y="19636"/>
-                </a:cubicBezTo>
-                <a:cubicBezTo>
-                  <a:pt x="11475" y="19366"/>
-                  <a:pt x="11173" y="19145"/>
-                  <a:pt x="10800" y="19145"/>
-                </a:cubicBezTo>
-              </a:path>
-            </a:pathLst>
-          </a:custGeom>
-          <a:solidFill>
-            <a:schemeClr val="accent6"/>
-          </a:solidFill>
-          <a:ln w="12700">
-            <a:miter lim="400000"/>
-          </a:ln>
-        </p:spPr>
-        <p:txBody>
-          <a:bodyPr lIns="38090" tIns="38090" rIns="38090" bIns="38090" anchor="ctr"/>
-          <a:lstStyle/>
-          <a:p>
-            <a:pPr defTabSz="457079">
-              <a:defRPr sz="3000" cap="none">
-                <a:solidFill>
-                  <a:srgbClr val="FFFFFF"/>
-                </a:solidFill>
-                <a:effectLst>
-                  <a:outerShdw blurRad="38100" dist="12700" dir="5400000" rotWithShape="0">
-                    <a:srgbClr val="000000">
-                      <a:alpha val="50000"/>
-                    </a:srgbClr>
-                  </a:outerShdw>
-                </a:effectLst>
-                <a:latin typeface="Gill Sans"/>
-                <a:ea typeface="Gill Sans"/>
-                <a:cs typeface="Gill Sans"/>
-                <a:sym typeface="Gill Sans"/>
-              </a:defRPr>
-            </a:pPr>
-            <a:endParaRPr sz="2999"/>
-          </a:p>
-        </p:txBody>
-      </p:sp>
-      <p:sp>
-        <p:nvSpPr>
-          <p:cNvPr id="33" name="Shape 2688"/>
-          <p:cNvSpPr/>
-          <p:nvPr/>
-        </p:nvSpPr>
-        <p:spPr>
-          <a:xfrm>
-            <a:off x="16346832" y="7424733"/>
-            <a:ext cx="558654" cy="558654"/>
-          </a:xfrm>
-          <a:custGeom>
-            <a:avLst/>
-            <a:gdLst/>
-            <a:ahLst/>
-            <a:cxnLst>
-              <a:cxn ang="0">
-                <a:pos x="wd2" y="hd2"/>
-              </a:cxn>
-              <a:cxn ang="5400000">
-                <a:pos x="wd2" y="hd2"/>
-              </a:cxn>
-              <a:cxn ang="10800000">
-                <a:pos x="wd2" y="hd2"/>
-              </a:cxn>
-              <a:cxn ang="16200000">
-                <a:pos x="wd2" y="hd2"/>
-              </a:cxn>
-            </a:cxnLst>
-            <a:rect l="0" t="0" r="r" b="b"/>
-            <a:pathLst>
-              <a:path w="21600" h="21600" extrusionOk="0">
-                <a:moveTo>
-                  <a:pt x="20618" y="10309"/>
-                </a:moveTo>
-                <a:cubicBezTo>
-                  <a:pt x="20618" y="10851"/>
-                  <a:pt x="20178" y="11291"/>
-                  <a:pt x="19636" y="11291"/>
-                </a:cubicBezTo>
-                <a:lnTo>
-                  <a:pt x="19636" y="7364"/>
-                </a:lnTo>
-                <a:cubicBezTo>
-                  <a:pt x="20178" y="7364"/>
-                  <a:pt x="20618" y="7804"/>
-                  <a:pt x="20618" y="8345"/>
-                </a:cubicBezTo>
-                <a:cubicBezTo>
-                  <a:pt x="20618" y="8345"/>
-                  <a:pt x="20618" y="10309"/>
-                  <a:pt x="20618" y="10309"/>
-                </a:cubicBezTo>
-                <a:close/>
-                <a:moveTo>
-                  <a:pt x="18655" y="17182"/>
-                </a:moveTo>
-                <a:cubicBezTo>
-                  <a:pt x="18655" y="17453"/>
-                  <a:pt x="18434" y="17673"/>
-                  <a:pt x="18164" y="17673"/>
-                </a:cubicBezTo>
-                <a:cubicBezTo>
-                  <a:pt x="17893" y="17673"/>
-                  <a:pt x="17673" y="17453"/>
-                  <a:pt x="17673" y="17182"/>
-                </a:cubicBezTo>
-                <a:lnTo>
-                  <a:pt x="17673" y="1473"/>
-                </a:lnTo>
-                <a:cubicBezTo>
-                  <a:pt x="17673" y="1202"/>
-                  <a:pt x="17893" y="982"/>
-                  <a:pt x="18164" y="982"/>
-                </a:cubicBezTo>
-                <a:cubicBezTo>
-                  <a:pt x="18434" y="982"/>
-                  <a:pt x="18655" y="1202"/>
-                  <a:pt x="18655" y="1473"/>
-                </a:cubicBezTo>
-                <a:cubicBezTo>
-                  <a:pt x="18655" y="1473"/>
-                  <a:pt x="18655" y="17182"/>
-                  <a:pt x="18655" y="17182"/>
-                </a:cubicBezTo>
-                <a:close/>
-                <a:moveTo>
-                  <a:pt x="16691" y="15788"/>
-                </a:moveTo>
-                <a:lnTo>
-                  <a:pt x="2945" y="11745"/>
-                </a:lnTo>
-                <a:lnTo>
-                  <a:pt x="2945" y="6910"/>
-                </a:lnTo>
-                <a:lnTo>
-                  <a:pt x="16691" y="2867"/>
-                </a:lnTo>
-                <a:cubicBezTo>
-                  <a:pt x="16691" y="2867"/>
-                  <a:pt x="16691" y="15788"/>
-                  <a:pt x="16691" y="15788"/>
-                </a:cubicBezTo>
-                <a:close/>
-                <a:moveTo>
-                  <a:pt x="8251" y="18655"/>
-                </a:moveTo>
-                <a:lnTo>
-                  <a:pt x="5357" y="18655"/>
-                </a:lnTo>
-                <a:lnTo>
-                  <a:pt x="4126" y="13116"/>
-                </a:lnTo>
-                <a:lnTo>
-                  <a:pt x="7167" y="14010"/>
-                </a:lnTo>
-                <a:cubicBezTo>
-                  <a:pt x="7167" y="14010"/>
-                  <a:pt x="8251" y="18655"/>
-                  <a:pt x="8251" y="18655"/>
-                </a:cubicBezTo>
-                <a:close/>
-                <a:moveTo>
-                  <a:pt x="8709" y="20618"/>
-                </a:moveTo>
-                <a:lnTo>
-                  <a:pt x="5794" y="20618"/>
-                </a:lnTo>
-                <a:lnTo>
-                  <a:pt x="5576" y="19636"/>
-                </a:lnTo>
-                <a:lnTo>
-                  <a:pt x="8479" y="19636"/>
-                </a:lnTo>
-                <a:cubicBezTo>
-                  <a:pt x="8479" y="19636"/>
-                  <a:pt x="8709" y="20618"/>
-                  <a:pt x="8709" y="20618"/>
-                </a:cubicBezTo>
-                <a:close/>
-                <a:moveTo>
-                  <a:pt x="1964" y="11782"/>
-                </a:moveTo>
-                <a:lnTo>
-                  <a:pt x="982" y="11782"/>
-                </a:lnTo>
-                <a:lnTo>
-                  <a:pt x="982" y="6873"/>
-                </a:lnTo>
-                <a:lnTo>
-                  <a:pt x="1964" y="6873"/>
-                </a:lnTo>
-                <a:cubicBezTo>
-                  <a:pt x="1964" y="6873"/>
-                  <a:pt x="1964" y="11782"/>
-                  <a:pt x="1964" y="11782"/>
-                </a:cubicBezTo>
-                <a:close/>
-                <a:moveTo>
-                  <a:pt x="19636" y="6382"/>
-                </a:moveTo>
-                <a:lnTo>
-                  <a:pt x="19636" y="1473"/>
-                </a:lnTo>
-                <a:cubicBezTo>
-                  <a:pt x="19636" y="659"/>
-                  <a:pt x="18977" y="0"/>
-                  <a:pt x="18164" y="0"/>
-                </a:cubicBezTo>
-                <a:cubicBezTo>
-                  <a:pt x="17350" y="0"/>
-                  <a:pt x="16691" y="659"/>
-                  <a:pt x="16691" y="1473"/>
-                </a:cubicBezTo>
-                <a:lnTo>
-                  <a:pt x="16691" y="1844"/>
-                </a:lnTo>
-                <a:lnTo>
-                  <a:pt x="2459" y="6029"/>
-                </a:lnTo>
-                <a:cubicBezTo>
-                  <a:pt x="2313" y="5944"/>
-                  <a:pt x="2145" y="5891"/>
-                  <a:pt x="1964" y="5891"/>
-                </a:cubicBezTo>
-                <a:lnTo>
-                  <a:pt x="982" y="5891"/>
-                </a:lnTo>
-                <a:cubicBezTo>
-                  <a:pt x="440" y="5891"/>
-                  <a:pt x="0" y="6331"/>
-                  <a:pt x="0" y="6873"/>
-                </a:cubicBezTo>
-                <a:lnTo>
-                  <a:pt x="0" y="11782"/>
-                </a:lnTo>
-                <a:cubicBezTo>
-                  <a:pt x="0" y="12324"/>
-                  <a:pt x="440" y="12764"/>
-                  <a:pt x="982" y="12764"/>
-                </a:cubicBezTo>
-                <a:lnTo>
-                  <a:pt x="1964" y="12764"/>
-                </a:lnTo>
-                <a:cubicBezTo>
-                  <a:pt x="2145" y="12764"/>
-                  <a:pt x="2313" y="12711"/>
-                  <a:pt x="2458" y="12626"/>
-                </a:cubicBezTo>
-                <a:lnTo>
-                  <a:pt x="3050" y="12799"/>
-                </a:lnTo>
-                <a:lnTo>
-                  <a:pt x="4921" y="21216"/>
-                </a:lnTo>
-                <a:lnTo>
-                  <a:pt x="4930" y="21214"/>
-                </a:lnTo>
-                <a:cubicBezTo>
-                  <a:pt x="4979" y="21433"/>
-                  <a:pt x="5166" y="21600"/>
-                  <a:pt x="5400" y="21600"/>
-                </a:cubicBezTo>
-                <a:lnTo>
-                  <a:pt x="9327" y="21600"/>
-                </a:lnTo>
-                <a:cubicBezTo>
-                  <a:pt x="9598" y="21600"/>
-                  <a:pt x="9818" y="21381"/>
-                  <a:pt x="9818" y="21109"/>
-                </a:cubicBezTo>
-                <a:cubicBezTo>
-                  <a:pt x="9818" y="21072"/>
-                  <a:pt x="9805" y="21039"/>
-                  <a:pt x="9797" y="21005"/>
-                </a:cubicBezTo>
-                <a:lnTo>
-                  <a:pt x="9806" y="21003"/>
-                </a:lnTo>
-                <a:lnTo>
-                  <a:pt x="8249" y="14329"/>
-                </a:lnTo>
-                <a:lnTo>
-                  <a:pt x="16691" y="16811"/>
-                </a:lnTo>
-                <a:lnTo>
-                  <a:pt x="16691" y="17182"/>
-                </a:lnTo>
-                <a:cubicBezTo>
-                  <a:pt x="16691" y="17995"/>
-                  <a:pt x="17350" y="18655"/>
-                  <a:pt x="18164" y="18655"/>
-                </a:cubicBezTo>
-                <a:cubicBezTo>
-                  <a:pt x="18977" y="18655"/>
-                  <a:pt x="19636" y="17995"/>
-                  <a:pt x="19636" y="17182"/>
-                </a:cubicBezTo>
-                <a:lnTo>
-                  <a:pt x="19636" y="12273"/>
-                </a:lnTo>
-                <a:cubicBezTo>
-                  <a:pt x="20721" y="12273"/>
-                  <a:pt x="21600" y="11394"/>
-                  <a:pt x="21600" y="10309"/>
-                </a:cubicBezTo>
-                <a:lnTo>
-                  <a:pt x="21600" y="8345"/>
-                </a:lnTo>
-                <a:cubicBezTo>
-                  <a:pt x="21600" y="7261"/>
-                  <a:pt x="20721" y="6382"/>
-                  <a:pt x="19636" y="6382"/>
-                </a:cubicBezTo>
-              </a:path>
-            </a:pathLst>
-          </a:custGeom>
-          <a:solidFill>
-            <a:schemeClr val="accent2"/>
-          </a:solidFill>
-          <a:ln w="12700">
-            <a:miter lim="400000"/>
-          </a:ln>
-        </p:spPr>
-        <p:txBody>
-          <a:bodyPr lIns="38090" tIns="38090" rIns="38090" bIns="38090" anchor="ctr"/>
-          <a:lstStyle/>
-          <a:p>
-            <a:pPr defTabSz="457079">
-              <a:defRPr sz="3000" cap="none">
-                <a:solidFill>
-                  <a:srgbClr val="FFFFFF"/>
-                </a:solidFill>
-                <a:effectLst>
-                  <a:outerShdw blurRad="38100" dist="12700" dir="5400000" rotWithShape="0">
-                    <a:srgbClr val="000000">
-                      <a:alpha val="50000"/>
-                    </a:srgbClr>
-                  </a:outerShdw>
-                </a:effectLst>
-                <a:latin typeface="Gill Sans"/>
-                <a:ea typeface="Gill Sans"/>
-                <a:cs typeface="Gill Sans"/>
-                <a:sym typeface="Gill Sans"/>
-              </a:defRPr>
-            </a:pPr>
-            <a:endParaRPr sz="2999"/>
-          </a:p>
-        </p:txBody>
-      </p:sp>
-      <p:sp>
-        <p:nvSpPr>
-          <p:cNvPr id="34" name="Shape 2724"/>
-          <p:cNvSpPr>
-            <a:spLocks noChangeAspect="1"/>
-          </p:cNvSpPr>
-          <p:nvPr/>
-        </p:nvSpPr>
-        <p:spPr>
-          <a:xfrm>
-            <a:off x="16346831" y="5350959"/>
-            <a:ext cx="557784" cy="557784"/>
-          </a:xfrm>
-          <a:custGeom>
-            <a:avLst/>
-            <a:gdLst/>
-            <a:ahLst/>
-            <a:cxnLst>
-              <a:cxn ang="0">
-                <a:pos x="wd2" y="hd2"/>
-              </a:cxn>
-              <a:cxn ang="5400000">
-                <a:pos x="wd2" y="hd2"/>
-              </a:cxn>
-              <a:cxn ang="10800000">
-                <a:pos x="wd2" y="hd2"/>
-              </a:cxn>
-              <a:cxn ang="16200000">
-                <a:pos x="wd2" y="hd2"/>
-              </a:cxn>
-            </a:cxnLst>
-            <a:rect l="0" t="0" r="r" b="b"/>
-            <a:pathLst>
-              <a:path w="21600" h="21600" extrusionOk="0">
-                <a:moveTo>
-                  <a:pt x="15709" y="15709"/>
-                </a:moveTo>
-                <a:lnTo>
-                  <a:pt x="5891" y="15709"/>
-                </a:lnTo>
-                <a:lnTo>
-                  <a:pt x="5891" y="11782"/>
-                </a:lnTo>
-                <a:lnTo>
-                  <a:pt x="15709" y="11782"/>
-                </a:lnTo>
-                <a:cubicBezTo>
-                  <a:pt x="15709" y="11782"/>
-                  <a:pt x="15709" y="15709"/>
-                  <a:pt x="15709" y="15709"/>
-                </a:cubicBezTo>
-                <a:close/>
-                <a:moveTo>
-                  <a:pt x="16691" y="10800"/>
-                </a:moveTo>
-                <a:lnTo>
-                  <a:pt x="4909" y="10800"/>
-                </a:lnTo>
-                <a:lnTo>
-                  <a:pt x="4909" y="16691"/>
-                </a:lnTo>
-                <a:lnTo>
-                  <a:pt x="16691" y="16691"/>
-                </a:lnTo>
-                <a:cubicBezTo>
-                  <a:pt x="16691" y="16691"/>
-                  <a:pt x="16691" y="10800"/>
-                  <a:pt x="16691" y="10800"/>
-                </a:cubicBezTo>
-                <a:close/>
-                <a:moveTo>
-                  <a:pt x="11782" y="13745"/>
-                </a:moveTo>
-                <a:lnTo>
-                  <a:pt x="9818" y="13745"/>
-                </a:lnTo>
-                <a:lnTo>
-                  <a:pt x="9818" y="14727"/>
-                </a:lnTo>
-                <a:lnTo>
-                  <a:pt x="11782" y="14727"/>
-                </a:lnTo>
-                <a:cubicBezTo>
-                  <a:pt x="11782" y="14727"/>
-                  <a:pt x="11782" y="13745"/>
-                  <a:pt x="11782" y="13745"/>
-                </a:cubicBezTo>
-                <a:close/>
-                <a:moveTo>
-                  <a:pt x="18655" y="17673"/>
-                </a:moveTo>
-                <a:cubicBezTo>
-                  <a:pt x="18655" y="18214"/>
-                  <a:pt x="18214" y="18655"/>
-                  <a:pt x="17673" y="18655"/>
-                </a:cubicBezTo>
-                <a:lnTo>
-                  <a:pt x="3927" y="18655"/>
-                </a:lnTo>
-                <a:cubicBezTo>
-                  <a:pt x="3385" y="18655"/>
-                  <a:pt x="2945" y="18214"/>
-                  <a:pt x="2945" y="17673"/>
-                </a:cubicBezTo>
-                <a:lnTo>
-                  <a:pt x="2945" y="982"/>
-                </a:lnTo>
-                <a:lnTo>
-                  <a:pt x="18655" y="982"/>
-                </a:lnTo>
-                <a:cubicBezTo>
-                  <a:pt x="18655" y="982"/>
-                  <a:pt x="18655" y="17673"/>
-                  <a:pt x="18655" y="17673"/>
-                </a:cubicBezTo>
-                <a:close/>
-                <a:moveTo>
-                  <a:pt x="21109" y="0"/>
-                </a:moveTo>
-                <a:lnTo>
-                  <a:pt x="491" y="0"/>
-                </a:lnTo>
-                <a:cubicBezTo>
-                  <a:pt x="220" y="0"/>
-                  <a:pt x="0" y="220"/>
-                  <a:pt x="0" y="491"/>
-                </a:cubicBezTo>
-                <a:cubicBezTo>
-                  <a:pt x="0" y="762"/>
-                  <a:pt x="220" y="982"/>
-                  <a:pt x="491" y="982"/>
-                </a:cubicBezTo>
-                <a:lnTo>
-                  <a:pt x="1964" y="982"/>
-                </a:lnTo>
-                <a:lnTo>
-                  <a:pt x="1964" y="17673"/>
-                </a:lnTo>
-                <a:cubicBezTo>
-                  <a:pt x="1964" y="18757"/>
-                  <a:pt x="2843" y="19636"/>
-                  <a:pt x="3927" y="19636"/>
-                </a:cubicBezTo>
-                <a:lnTo>
-                  <a:pt x="4909" y="19636"/>
-                </a:lnTo>
-                <a:lnTo>
-                  <a:pt x="4909" y="21109"/>
-                </a:lnTo>
-                <a:cubicBezTo>
-                  <a:pt x="4909" y="21380"/>
-                  <a:pt x="5129" y="21600"/>
-                  <a:pt x="5400" y="21600"/>
-                </a:cubicBezTo>
-                <a:cubicBezTo>
-                  <a:pt x="5671" y="21600"/>
-                  <a:pt x="5891" y="21380"/>
-                  <a:pt x="5891" y="21109"/>
-                </a:cubicBezTo>
-                <a:lnTo>
-                  <a:pt x="5891" y="19636"/>
-                </a:lnTo>
-                <a:lnTo>
-                  <a:pt x="15709" y="19636"/>
-                </a:lnTo>
-                <a:lnTo>
-                  <a:pt x="15709" y="21109"/>
-                </a:lnTo>
-                <a:cubicBezTo>
-                  <a:pt x="15709" y="21380"/>
-                  <a:pt x="15929" y="21600"/>
-                  <a:pt x="16200" y="21600"/>
-                </a:cubicBezTo>
-                <a:cubicBezTo>
-                  <a:pt x="16471" y="21600"/>
-                  <a:pt x="16691" y="21380"/>
-                  <a:pt x="16691" y="21109"/>
-                </a:cubicBezTo>
-                <a:lnTo>
-                  <a:pt x="16691" y="19636"/>
-                </a:lnTo>
-                <a:lnTo>
-                  <a:pt x="17673" y="19636"/>
-                </a:lnTo>
-                <a:cubicBezTo>
-                  <a:pt x="18757" y="19636"/>
-                  <a:pt x="19636" y="18757"/>
-                  <a:pt x="19636" y="17673"/>
-                </a:cubicBezTo>
-                <a:lnTo>
-                  <a:pt x="19636" y="982"/>
-                </a:lnTo>
-                <a:lnTo>
-                  <a:pt x="21109" y="982"/>
-                </a:lnTo>
-                <a:cubicBezTo>
-                  <a:pt x="21380" y="982"/>
-                  <a:pt x="21600" y="762"/>
-                  <a:pt x="21600" y="491"/>
-                </a:cubicBezTo>
-                <a:cubicBezTo>
-                  <a:pt x="21600" y="220"/>
-                  <a:pt x="21380" y="0"/>
-                  <a:pt x="21109" y="0"/>
-                </a:cubicBezTo>
-                <a:moveTo>
-                  <a:pt x="11782" y="5891"/>
-                </a:moveTo>
-                <a:lnTo>
-                  <a:pt x="9818" y="5891"/>
-                </a:lnTo>
-                <a:lnTo>
-                  <a:pt x="9818" y="6873"/>
-                </a:lnTo>
-                <a:lnTo>
-                  <a:pt x="11782" y="6873"/>
-                </a:lnTo>
-                <a:cubicBezTo>
-                  <a:pt x="11782" y="6873"/>
-                  <a:pt x="11782" y="5891"/>
-                  <a:pt x="11782" y="5891"/>
-                </a:cubicBezTo>
-                <a:close/>
-                <a:moveTo>
-                  <a:pt x="15709" y="7855"/>
-                </a:moveTo>
-                <a:lnTo>
-                  <a:pt x="5891" y="7855"/>
-                </a:lnTo>
-                <a:lnTo>
-                  <a:pt x="5891" y="3927"/>
-                </a:lnTo>
-                <a:lnTo>
-                  <a:pt x="15709" y="3927"/>
-                </a:lnTo>
-                <a:cubicBezTo>
-                  <a:pt x="15709" y="3927"/>
-                  <a:pt x="15709" y="7855"/>
-                  <a:pt x="15709" y="7855"/>
-                </a:cubicBezTo>
-                <a:close/>
-                <a:moveTo>
-                  <a:pt x="16691" y="2945"/>
-                </a:moveTo>
-                <a:lnTo>
-                  <a:pt x="4909" y="2945"/>
-                </a:lnTo>
-                <a:lnTo>
-                  <a:pt x="4909" y="8836"/>
-                </a:lnTo>
-                <a:lnTo>
-                  <a:pt x="16691" y="8836"/>
-                </a:lnTo>
-                <a:cubicBezTo>
-                  <a:pt x="16691" y="8836"/>
-                  <a:pt x="16691" y="2945"/>
-                  <a:pt x="16691" y="2945"/>
-                </a:cubicBezTo>
-                <a:close/>
-              </a:path>
-            </a:pathLst>
-          </a:custGeom>
-          <a:solidFill>
-            <a:schemeClr val="accent1"/>
-          </a:solidFill>
-          <a:ln w="12700">
-            <a:miter lim="400000"/>
-          </a:ln>
-        </p:spPr>
-        <p:txBody>
-          <a:bodyPr lIns="38090" tIns="38090" rIns="38090" bIns="38090" anchor="ctr"/>
-          <a:lstStyle/>
-          <a:p>
-            <a:pPr defTabSz="457079">
-              <a:defRPr sz="3000" cap="none">
-                <a:solidFill>
-                  <a:srgbClr val="FFFFFF"/>
-                </a:solidFill>
-                <a:effectLst>
-                  <a:outerShdw blurRad="38100" dist="12700" dir="5400000" rotWithShape="0">
-                    <a:srgbClr val="000000">
-                      <a:alpha val="50000"/>
-                    </a:srgbClr>
-                  </a:outerShdw>
-                </a:effectLst>
-                <a:latin typeface="Gill Sans"/>
-                <a:ea typeface="Gill Sans"/>
-                <a:cs typeface="Gill Sans"/>
-                <a:sym typeface="Gill Sans"/>
-              </a:defRPr>
-            </a:pPr>
-            <a:endParaRPr sz="2999"/>
-          </a:p>
-        </p:txBody>
-      </p:sp>
-      <p:sp>
-        <p:nvSpPr>
-          <p:cNvPr id="35" name="Shape 2748"/>
-          <p:cNvSpPr/>
-          <p:nvPr/>
-        </p:nvSpPr>
-        <p:spPr>
-          <a:xfrm>
-            <a:off x="16345962" y="9605786"/>
-            <a:ext cx="558654" cy="558654"/>
-          </a:xfrm>
-          <a:custGeom>
-            <a:avLst/>
-            <a:gdLst/>
-            <a:ahLst/>
-            <a:cxnLst>
-              <a:cxn ang="0">
-                <a:pos x="wd2" y="hd2"/>
-              </a:cxn>
-              <a:cxn ang="5400000">
-                <a:pos x="wd2" y="hd2"/>
-              </a:cxn>
-              <a:cxn ang="10800000">
-                <a:pos x="wd2" y="hd2"/>
-              </a:cxn>
-              <a:cxn ang="16200000">
-                <a:pos x="wd2" y="hd2"/>
-              </a:cxn>
-            </a:cxnLst>
-            <a:rect l="0" t="0" r="r" b="b"/>
-            <a:pathLst>
-              <a:path w="21600" h="21600" extrusionOk="0">
-                <a:moveTo>
-                  <a:pt x="10800" y="20618"/>
-                </a:moveTo>
-                <a:cubicBezTo>
-                  <a:pt x="5377" y="20618"/>
-                  <a:pt x="982" y="16223"/>
-                  <a:pt x="982" y="10800"/>
-                </a:cubicBezTo>
-                <a:cubicBezTo>
-                  <a:pt x="982" y="5377"/>
-                  <a:pt x="5377" y="982"/>
-                  <a:pt x="10800" y="982"/>
-                </a:cubicBezTo>
-                <a:cubicBezTo>
-                  <a:pt x="16223" y="982"/>
-                  <a:pt x="20618" y="5377"/>
-                  <a:pt x="20618" y="10800"/>
-                </a:cubicBezTo>
-                <a:cubicBezTo>
-                  <a:pt x="20618" y="16223"/>
-                  <a:pt x="16223" y="20618"/>
-                  <a:pt x="10800" y="20618"/>
-                </a:cubicBezTo>
-                <a:moveTo>
-                  <a:pt x="18280" y="18579"/>
-                </a:moveTo>
-                <a:cubicBezTo>
-                  <a:pt x="20323" y="16614"/>
-                  <a:pt x="21600" y="13859"/>
-                  <a:pt x="21600" y="10800"/>
-                </a:cubicBezTo>
-                <a:cubicBezTo>
-                  <a:pt x="21600" y="4835"/>
-                  <a:pt x="16764" y="0"/>
-                  <a:pt x="10800" y="0"/>
-                </a:cubicBezTo>
-                <a:cubicBezTo>
-                  <a:pt x="4836" y="0"/>
-                  <a:pt x="0" y="4835"/>
-                  <a:pt x="0" y="10800"/>
-                </a:cubicBezTo>
-                <a:cubicBezTo>
-                  <a:pt x="0" y="13859"/>
-                  <a:pt x="1277" y="16614"/>
-                  <a:pt x="3320" y="18579"/>
-                </a:cubicBezTo>
-                <a:lnTo>
-                  <a:pt x="2107" y="20762"/>
-                </a:lnTo>
-                <a:cubicBezTo>
-                  <a:pt x="2019" y="20851"/>
-                  <a:pt x="1964" y="20974"/>
-                  <a:pt x="1964" y="21109"/>
-                </a:cubicBezTo>
-                <a:cubicBezTo>
-                  <a:pt x="1964" y="21380"/>
-                  <a:pt x="2184" y="21600"/>
-                  <a:pt x="2455" y="21600"/>
-                </a:cubicBezTo>
-                <a:cubicBezTo>
-                  <a:pt x="2590" y="21600"/>
-                  <a:pt x="2713" y="21545"/>
-                  <a:pt x="2802" y="21456"/>
-                </a:cubicBezTo>
-                <a:cubicBezTo>
-                  <a:pt x="2858" y="21400"/>
-                  <a:pt x="2894" y="21327"/>
-                  <a:pt x="2917" y="21248"/>
-                </a:cubicBezTo>
-                <a:lnTo>
-                  <a:pt x="4044" y="19219"/>
-                </a:lnTo>
-                <a:cubicBezTo>
-                  <a:pt x="5895" y="20706"/>
-                  <a:pt x="8242" y="21600"/>
-                  <a:pt x="10800" y="21600"/>
-                </a:cubicBezTo>
-                <a:cubicBezTo>
-                  <a:pt x="13358" y="21600"/>
-                  <a:pt x="15705" y="20706"/>
-                  <a:pt x="17555" y="19219"/>
-                </a:cubicBezTo>
-                <a:lnTo>
-                  <a:pt x="18683" y="21248"/>
-                </a:lnTo>
-                <a:cubicBezTo>
-                  <a:pt x="18743" y="21450"/>
-                  <a:pt x="18923" y="21600"/>
-                  <a:pt x="19145" y="21600"/>
-                </a:cubicBezTo>
-                <a:cubicBezTo>
-                  <a:pt x="19416" y="21600"/>
-                  <a:pt x="19636" y="21380"/>
-                  <a:pt x="19636" y="21109"/>
-                </a:cubicBezTo>
-                <a:cubicBezTo>
-                  <a:pt x="19636" y="20974"/>
-                  <a:pt x="19581" y="20851"/>
-                  <a:pt x="19493" y="20762"/>
-                </a:cubicBezTo>
-                <a:cubicBezTo>
-                  <a:pt x="19493" y="20762"/>
-                  <a:pt x="18280" y="18579"/>
-                  <a:pt x="18280" y="18579"/>
-                </a:cubicBezTo>
-                <a:close/>
-                <a:moveTo>
-                  <a:pt x="10800" y="16691"/>
-                </a:moveTo>
-                <a:cubicBezTo>
-                  <a:pt x="7547" y="16691"/>
-                  <a:pt x="4909" y="14053"/>
-                  <a:pt x="4909" y="10800"/>
-                </a:cubicBezTo>
-                <a:cubicBezTo>
-                  <a:pt x="4909" y="7547"/>
-                  <a:pt x="7547" y="4909"/>
-                  <a:pt x="10800" y="4909"/>
-                </a:cubicBezTo>
-                <a:cubicBezTo>
-                  <a:pt x="14053" y="4909"/>
-                  <a:pt x="16691" y="7547"/>
-                  <a:pt x="16691" y="10800"/>
-                </a:cubicBezTo>
-                <a:cubicBezTo>
-                  <a:pt x="16691" y="14053"/>
-                  <a:pt x="14053" y="16691"/>
-                  <a:pt x="10800" y="16691"/>
-                </a:cubicBezTo>
-                <a:moveTo>
-                  <a:pt x="10800" y="3927"/>
-                </a:moveTo>
-                <a:cubicBezTo>
-                  <a:pt x="7004" y="3927"/>
-                  <a:pt x="3927" y="7004"/>
-                  <a:pt x="3927" y="10800"/>
-                </a:cubicBezTo>
-                <a:cubicBezTo>
-                  <a:pt x="3927" y="14596"/>
-                  <a:pt x="7004" y="17673"/>
-                  <a:pt x="10800" y="17673"/>
-                </a:cubicBezTo>
-                <a:cubicBezTo>
-                  <a:pt x="14596" y="17673"/>
-                  <a:pt x="17673" y="14596"/>
-                  <a:pt x="17673" y="10800"/>
-                </a:cubicBezTo>
-                <a:cubicBezTo>
-                  <a:pt x="17673" y="7004"/>
-                  <a:pt x="14596" y="3927"/>
-                  <a:pt x="10800" y="3927"/>
-                </a:cubicBezTo>
-                <a:moveTo>
-                  <a:pt x="10800" y="12764"/>
-                </a:moveTo>
-                <a:cubicBezTo>
-                  <a:pt x="9716" y="12764"/>
-                  <a:pt x="8836" y="11884"/>
-                  <a:pt x="8836" y="10800"/>
-                </a:cubicBezTo>
-                <a:cubicBezTo>
-                  <a:pt x="8836" y="9716"/>
-                  <a:pt x="9716" y="8836"/>
-                  <a:pt x="10800" y="8836"/>
-                </a:cubicBezTo>
-                <a:cubicBezTo>
-                  <a:pt x="11884" y="8836"/>
-                  <a:pt x="12764" y="9716"/>
-                  <a:pt x="12764" y="10800"/>
-                </a:cubicBezTo>
-                <a:cubicBezTo>
-                  <a:pt x="12764" y="11884"/>
-                  <a:pt x="11884" y="12764"/>
-                  <a:pt x="10800" y="12764"/>
-                </a:cubicBezTo>
-                <a:moveTo>
-                  <a:pt x="10800" y="7855"/>
-                </a:moveTo>
-                <a:cubicBezTo>
-                  <a:pt x="9173" y="7855"/>
-                  <a:pt x="7855" y="9173"/>
-                  <a:pt x="7855" y="10800"/>
-                </a:cubicBezTo>
-                <a:cubicBezTo>
-                  <a:pt x="7855" y="12427"/>
-                  <a:pt x="9173" y="13745"/>
-                  <a:pt x="10800" y="13745"/>
-                </a:cubicBezTo>
-                <a:cubicBezTo>
-                  <a:pt x="12427" y="13745"/>
-                  <a:pt x="13745" y="12427"/>
-                  <a:pt x="13745" y="10800"/>
-                </a:cubicBezTo>
-                <a:cubicBezTo>
-                  <a:pt x="13745" y="9173"/>
-                  <a:pt x="12427" y="7855"/>
-                  <a:pt x="10800" y="7855"/>
-                </a:cubicBezTo>
-              </a:path>
-            </a:pathLst>
-          </a:custGeom>
-          <a:solidFill>
-            <a:schemeClr val="accent3"/>
-          </a:solidFill>
-          <a:ln w="12700">
-            <a:miter lim="400000"/>
-          </a:ln>
-        </p:spPr>
-        <p:txBody>
-          <a:bodyPr lIns="38090" tIns="38090" rIns="38090" bIns="38090" anchor="ctr"/>
-          <a:lstStyle/>
-          <a:p>
-            <a:pPr defTabSz="457079">
-              <a:defRPr sz="3000" cap="none">
-                <a:solidFill>
-                  <a:srgbClr val="FFFFFF"/>
-                </a:solidFill>
-                <a:effectLst>
-                  <a:outerShdw blurRad="38100" dist="12700" dir="5400000" rotWithShape="0">
-                    <a:srgbClr val="000000">
-                      <a:alpha val="50000"/>
-                    </a:srgbClr>
-                  </a:outerShdw>
-                </a:effectLst>
-                <a:latin typeface="Gill Sans"/>
-                <a:ea typeface="Gill Sans"/>
-                <a:cs typeface="Gill Sans"/>
-                <a:sym typeface="Gill Sans"/>
-              </a:defRPr>
-            </a:pPr>
-            <a:endParaRPr sz="2999"/>
-          </a:p>
-        </p:txBody>
-      </p:sp>
-      <p:sp>
-        <p:nvSpPr>
-          <p:cNvPr id="37" name="TextBox 36"/>
-          <p:cNvSpPr txBox="1"/>
-          <p:nvPr/>
-        </p:nvSpPr>
-        <p:spPr>
-          <a:xfrm>
-            <a:off x="3198080" y="5238105"/>
-            <a:ext cx="2935419" cy="646331"/>
-          </a:xfrm>
-          <a:prstGeom prst="rect">
-            <a:avLst/>
-          </a:prstGeom>
-          <a:noFill/>
-        </p:spPr>
-        <p:txBody>
-          <a:bodyPr wrap="none" rtlCol="0">
-            <a:spAutoFit/>
-          </a:bodyPr>
-          <a:lstStyle/>
-          <a:p>
-            <a:r>
-              <a:rPr lang="en-US" dirty="0">
-                <a:solidFill>
-                  <a:schemeClr val="accent1"/>
-                </a:solidFill>
-                <a:latin typeface="Lato Light" charset="0"/>
-                <a:ea typeface="Lato Light" charset="0"/>
-                <a:cs typeface="Lato Light" charset="0"/>
-              </a:rPr>
-              <a:t>Service Name</a:t>
-            </a:r>
-            <a:endParaRPr lang="en-US" sz="4000" dirty="0">
-              <a:solidFill>
-                <a:schemeClr val="accent1"/>
-              </a:solidFill>
-              <a:latin typeface="Lato Light" charset="0"/>
-              <a:ea typeface="Lato Light" charset="0"/>
-              <a:cs typeface="Lato Light" charset="0"/>
-            </a:endParaRPr>
-          </a:p>
-        </p:txBody>
-      </p:sp>
-      <p:sp>
-        <p:nvSpPr>
-          <p:cNvPr id="39" name="TextBox 38"/>
-          <p:cNvSpPr txBox="1"/>
-          <p:nvPr/>
-        </p:nvSpPr>
-        <p:spPr>
-          <a:xfrm>
-            <a:off x="3198080" y="5910167"/>
-            <a:ext cx="3656770" cy="954107"/>
-          </a:xfrm>
-          <a:prstGeom prst="rect">
-            <a:avLst/>
-          </a:prstGeom>
-          <a:noFill/>
-        </p:spPr>
-        <p:txBody>
-          <a:bodyPr wrap="square" rtlCol="0">
-            <a:spAutoFit/>
-          </a:bodyPr>
-          <a:lstStyle/>
-          <a:p>
-            <a:r>
-              <a:rPr lang="en-US" sz="2800" dirty="0">
-                <a:latin typeface="Lato Light" charset="0"/>
-                <a:ea typeface="Lato Light" charset="0"/>
-                <a:cs typeface="Lato Light" charset="0"/>
-              </a:rPr>
-              <a:t>A telegraph wire, or a strand of cobweb,</a:t>
-            </a:r>
-          </a:p>
-        </p:txBody>
-      </p:sp>
-      <p:sp>
-        <p:nvSpPr>
-          <p:cNvPr id="41" name="TextBox 40"/>
-          <p:cNvSpPr txBox="1"/>
-          <p:nvPr/>
-        </p:nvSpPr>
-        <p:spPr>
-          <a:xfrm>
-            <a:off x="3198080" y="7392784"/>
-            <a:ext cx="2935419" cy="646331"/>
-          </a:xfrm>
-          <a:prstGeom prst="rect">
-            <a:avLst/>
-          </a:prstGeom>
-          <a:noFill/>
-        </p:spPr>
-        <p:txBody>
-          <a:bodyPr wrap="none" rtlCol="0">
-            <a:spAutoFit/>
-          </a:bodyPr>
-          <a:lstStyle/>
-          <a:p>
-            <a:r>
-              <a:rPr lang="en-US" dirty="0">
-                <a:solidFill>
-                  <a:schemeClr val="accent2"/>
-                </a:solidFill>
-                <a:latin typeface="Lato Light" charset="0"/>
-                <a:ea typeface="Lato Light" charset="0"/>
-                <a:cs typeface="Lato Light" charset="0"/>
-              </a:rPr>
-              <a:t>Service Name</a:t>
-            </a:r>
-            <a:endParaRPr lang="en-US" sz="4000" dirty="0">
-              <a:solidFill>
-                <a:schemeClr val="accent2"/>
-              </a:solidFill>
-              <a:latin typeface="Lato Light" charset="0"/>
-              <a:ea typeface="Lato Light" charset="0"/>
-              <a:cs typeface="Lato Light" charset="0"/>
-            </a:endParaRPr>
-          </a:p>
-        </p:txBody>
-      </p:sp>
-      <p:sp>
-        <p:nvSpPr>
-          <p:cNvPr id="43" name="TextBox 42"/>
-          <p:cNvSpPr txBox="1"/>
-          <p:nvPr/>
-        </p:nvSpPr>
-        <p:spPr>
-          <a:xfrm>
-            <a:off x="3198080" y="8064846"/>
-            <a:ext cx="3656770" cy="954107"/>
-          </a:xfrm>
-          <a:prstGeom prst="rect">
-            <a:avLst/>
-          </a:prstGeom>
-          <a:noFill/>
-        </p:spPr>
-        <p:txBody>
-          <a:bodyPr wrap="square" rtlCol="0">
-            <a:spAutoFit/>
-          </a:bodyPr>
-          <a:lstStyle/>
-          <a:p>
-            <a:r>
-              <a:rPr lang="en-US" sz="2800" dirty="0">
-                <a:latin typeface="Lato Light" charset="0"/>
-                <a:ea typeface="Lato Light" charset="0"/>
-                <a:cs typeface="Lato Light" charset="0"/>
-              </a:rPr>
-              <a:t>A telegraph wire, or a strand of cobweb,</a:t>
-            </a:r>
-          </a:p>
-        </p:txBody>
-      </p:sp>
-      <p:sp>
-        <p:nvSpPr>
-          <p:cNvPr id="45" name="TextBox 44"/>
-          <p:cNvSpPr txBox="1"/>
-          <p:nvPr/>
-        </p:nvSpPr>
-        <p:spPr>
-          <a:xfrm>
-            <a:off x="3198080" y="9547796"/>
-            <a:ext cx="2935419" cy="646331"/>
-          </a:xfrm>
-          <a:prstGeom prst="rect">
-            <a:avLst/>
-          </a:prstGeom>
-          <a:noFill/>
-        </p:spPr>
-        <p:txBody>
-          <a:bodyPr wrap="none" rtlCol="0">
-            <a:spAutoFit/>
-          </a:bodyPr>
-          <a:lstStyle/>
-          <a:p>
-            <a:r>
-              <a:rPr lang="en-US" dirty="0">
-                <a:solidFill>
-                  <a:schemeClr val="accent3"/>
-                </a:solidFill>
-                <a:latin typeface="Lato Light" charset="0"/>
-                <a:ea typeface="Lato Light" charset="0"/>
-                <a:cs typeface="Lato Light" charset="0"/>
-              </a:rPr>
-              <a:t>Service Name</a:t>
-            </a:r>
-            <a:endParaRPr lang="en-US" sz="4000" dirty="0">
-              <a:solidFill>
-                <a:schemeClr val="accent3"/>
-              </a:solidFill>
-              <a:latin typeface="Lato Light" charset="0"/>
-              <a:ea typeface="Lato Light" charset="0"/>
-              <a:cs typeface="Lato Light" charset="0"/>
-            </a:endParaRPr>
-          </a:p>
-        </p:txBody>
-      </p:sp>
-      <p:sp>
-        <p:nvSpPr>
-          <p:cNvPr id="47" name="TextBox 46"/>
-          <p:cNvSpPr txBox="1"/>
-          <p:nvPr/>
-        </p:nvSpPr>
-        <p:spPr>
-          <a:xfrm>
-            <a:off x="3198080" y="10219859"/>
-            <a:ext cx="3656770" cy="954107"/>
-          </a:xfrm>
-          <a:prstGeom prst="rect">
-            <a:avLst/>
-          </a:prstGeom>
-          <a:noFill/>
-        </p:spPr>
-        <p:txBody>
-          <a:bodyPr wrap="square" rtlCol="0">
-            <a:spAutoFit/>
-          </a:bodyPr>
-          <a:lstStyle/>
-          <a:p>
-            <a:r>
-              <a:rPr lang="en-US" sz="2800" dirty="0">
-                <a:latin typeface="Lato Light" charset="0"/>
-                <a:ea typeface="Lato Light" charset="0"/>
-                <a:cs typeface="Lato Light" charset="0"/>
-              </a:rPr>
-              <a:t>A telegraph wire, or a strand of cobweb,</a:t>
-            </a:r>
-          </a:p>
-        </p:txBody>
-      </p:sp>
-      <p:sp>
-        <p:nvSpPr>
-          <p:cNvPr id="49" name="TextBox 48"/>
-          <p:cNvSpPr txBox="1"/>
-          <p:nvPr/>
-        </p:nvSpPr>
-        <p:spPr>
-          <a:xfrm>
-            <a:off x="10398401" y="5238105"/>
-            <a:ext cx="2935419" cy="646331"/>
-          </a:xfrm>
-          <a:prstGeom prst="rect">
-            <a:avLst/>
-          </a:prstGeom>
-          <a:noFill/>
-        </p:spPr>
-        <p:txBody>
-          <a:bodyPr wrap="none" rtlCol="0">
-            <a:spAutoFit/>
-          </a:bodyPr>
-          <a:lstStyle/>
-          <a:p>
-            <a:r>
-              <a:rPr lang="en-US" dirty="0">
-                <a:solidFill>
-                  <a:schemeClr val="accent4"/>
-                </a:solidFill>
-                <a:latin typeface="Lato Light" charset="0"/>
-                <a:ea typeface="Lato Light" charset="0"/>
-                <a:cs typeface="Lato Light" charset="0"/>
-              </a:rPr>
-              <a:t>Service Name</a:t>
-            </a:r>
-            <a:endParaRPr lang="en-US" sz="4000" dirty="0">
-              <a:solidFill>
-                <a:schemeClr val="accent4"/>
-              </a:solidFill>
-              <a:latin typeface="Lato Light" charset="0"/>
-              <a:ea typeface="Lato Light" charset="0"/>
-              <a:cs typeface="Lato Light" charset="0"/>
-            </a:endParaRPr>
-          </a:p>
-        </p:txBody>
-      </p:sp>
-      <p:sp>
-        <p:nvSpPr>
-          <p:cNvPr id="51" name="TextBox 50"/>
-          <p:cNvSpPr txBox="1"/>
-          <p:nvPr/>
-        </p:nvSpPr>
-        <p:spPr>
-          <a:xfrm>
-            <a:off x="10398401" y="5910167"/>
-            <a:ext cx="3656770" cy="954107"/>
-          </a:xfrm>
-          <a:prstGeom prst="rect">
-            <a:avLst/>
-          </a:prstGeom>
-          <a:noFill/>
-        </p:spPr>
-        <p:txBody>
-          <a:bodyPr wrap="square" rtlCol="0">
-            <a:spAutoFit/>
-          </a:bodyPr>
-          <a:lstStyle/>
-          <a:p>
-            <a:r>
-              <a:rPr lang="en-US" sz="2800" dirty="0">
-                <a:latin typeface="Lato Light" charset="0"/>
-                <a:ea typeface="Lato Light" charset="0"/>
-                <a:cs typeface="Lato Light" charset="0"/>
-              </a:rPr>
-              <a:t>A telegraph wire, or a strand of cobweb,</a:t>
-            </a:r>
-          </a:p>
-        </p:txBody>
-      </p:sp>
-      <p:sp>
-        <p:nvSpPr>
-          <p:cNvPr id="53" name="TextBox 52"/>
-          <p:cNvSpPr txBox="1"/>
-          <p:nvPr/>
-        </p:nvSpPr>
-        <p:spPr>
-          <a:xfrm>
-            <a:off x="10398401" y="7392784"/>
-            <a:ext cx="2935419" cy="646331"/>
-          </a:xfrm>
-          <a:prstGeom prst="rect">
-            <a:avLst/>
-          </a:prstGeom>
-          <a:noFill/>
-        </p:spPr>
-        <p:txBody>
-          <a:bodyPr wrap="none" rtlCol="0">
-            <a:spAutoFit/>
-          </a:bodyPr>
-          <a:lstStyle/>
-          <a:p>
-            <a:r>
-              <a:rPr lang="en-US" dirty="0">
-                <a:solidFill>
-                  <a:schemeClr val="accent5"/>
-                </a:solidFill>
-                <a:latin typeface="Lato Light" charset="0"/>
-                <a:ea typeface="Lato Light" charset="0"/>
-                <a:cs typeface="Lato Light" charset="0"/>
-              </a:rPr>
-              <a:t>Service Name</a:t>
-            </a:r>
-            <a:endParaRPr lang="en-US" sz="4000" dirty="0">
-              <a:solidFill>
-                <a:schemeClr val="accent5"/>
-              </a:solidFill>
-              <a:latin typeface="Lato Light" charset="0"/>
-              <a:ea typeface="Lato Light" charset="0"/>
-              <a:cs typeface="Lato Light" charset="0"/>
-            </a:endParaRPr>
-          </a:p>
-        </p:txBody>
-      </p:sp>
-      <p:sp>
-        <p:nvSpPr>
-          <p:cNvPr id="63" name="TextBox 62"/>
-          <p:cNvSpPr txBox="1"/>
-          <p:nvPr/>
-        </p:nvSpPr>
-        <p:spPr>
-          <a:xfrm>
-            <a:off x="10398401" y="8064846"/>
-            <a:ext cx="3656770" cy="954107"/>
-          </a:xfrm>
-          <a:prstGeom prst="rect">
-            <a:avLst/>
-          </a:prstGeom>
-          <a:noFill/>
-        </p:spPr>
-        <p:txBody>
-          <a:bodyPr wrap="square" rtlCol="0">
-            <a:spAutoFit/>
-          </a:bodyPr>
-          <a:lstStyle/>
-          <a:p>
-            <a:r>
-              <a:rPr lang="en-US" sz="2800" dirty="0">
-                <a:latin typeface="Lato Light" charset="0"/>
-                <a:ea typeface="Lato Light" charset="0"/>
-                <a:cs typeface="Lato Light" charset="0"/>
-              </a:rPr>
-              <a:t>A telegraph wire, or a strand of cobweb,</a:t>
-            </a:r>
-          </a:p>
-        </p:txBody>
-      </p:sp>
-      <p:sp>
-        <p:nvSpPr>
-          <p:cNvPr id="65" name="TextBox 64"/>
-          <p:cNvSpPr txBox="1"/>
-          <p:nvPr/>
-        </p:nvSpPr>
-        <p:spPr>
-          <a:xfrm>
-            <a:off x="10398401" y="9547796"/>
-            <a:ext cx="2935419" cy="646331"/>
-          </a:xfrm>
-          <a:prstGeom prst="rect">
-            <a:avLst/>
-          </a:prstGeom>
-          <a:noFill/>
-        </p:spPr>
-        <p:txBody>
-          <a:bodyPr wrap="none" rtlCol="0">
-            <a:spAutoFit/>
-          </a:bodyPr>
-          <a:lstStyle/>
-          <a:p>
-            <a:r>
-              <a:rPr lang="en-US" dirty="0">
-                <a:solidFill>
-                  <a:schemeClr val="accent6"/>
-                </a:solidFill>
-                <a:latin typeface="Lato Light" charset="0"/>
-                <a:ea typeface="Lato Light" charset="0"/>
-                <a:cs typeface="Lato Light" charset="0"/>
-              </a:rPr>
-              <a:t>Service Name</a:t>
-            </a:r>
-            <a:endParaRPr lang="en-US" sz="4000" dirty="0">
-              <a:solidFill>
-                <a:schemeClr val="accent6"/>
-              </a:solidFill>
-              <a:latin typeface="Lato Light" charset="0"/>
-              <a:ea typeface="Lato Light" charset="0"/>
-              <a:cs typeface="Lato Light" charset="0"/>
-            </a:endParaRPr>
-          </a:p>
-        </p:txBody>
-      </p:sp>
-      <p:sp>
-        <p:nvSpPr>
-          <p:cNvPr id="71" name="TextBox 70"/>
-          <p:cNvSpPr txBox="1"/>
-          <p:nvPr/>
-        </p:nvSpPr>
-        <p:spPr>
-          <a:xfrm>
-            <a:off x="10398401" y="10219859"/>
-            <a:ext cx="3656770" cy="954107"/>
-          </a:xfrm>
-          <a:prstGeom prst="rect">
-            <a:avLst/>
-          </a:prstGeom>
-          <a:noFill/>
-        </p:spPr>
-        <p:txBody>
-          <a:bodyPr wrap="square" rtlCol="0">
-            <a:spAutoFit/>
-          </a:bodyPr>
-          <a:lstStyle/>
-          <a:p>
-            <a:r>
-              <a:rPr lang="en-US" sz="2800" dirty="0">
-                <a:latin typeface="Lato Light" charset="0"/>
-                <a:ea typeface="Lato Light" charset="0"/>
-                <a:cs typeface="Lato Light" charset="0"/>
-              </a:rPr>
-              <a:t>A telegraph wire, or a strand of cobweb,</a:t>
-            </a:r>
-          </a:p>
-        </p:txBody>
-      </p:sp>
-      <p:sp>
-        <p:nvSpPr>
-          <p:cNvPr id="78" name="TextBox 77"/>
-          <p:cNvSpPr txBox="1"/>
-          <p:nvPr/>
-        </p:nvSpPr>
-        <p:spPr>
-          <a:xfrm>
-            <a:off x="17340638" y="5238105"/>
-            <a:ext cx="2935419" cy="646331"/>
-          </a:xfrm>
-          <a:prstGeom prst="rect">
-            <a:avLst/>
-          </a:prstGeom>
-          <a:noFill/>
-        </p:spPr>
-        <p:txBody>
-          <a:bodyPr wrap="none" rtlCol="0">
-            <a:spAutoFit/>
-          </a:bodyPr>
-          <a:lstStyle/>
-          <a:p>
-            <a:r>
-              <a:rPr lang="en-US" dirty="0">
-                <a:solidFill>
-                  <a:schemeClr val="accent1"/>
-                </a:solidFill>
-                <a:latin typeface="Lato Light" charset="0"/>
-                <a:ea typeface="Lato Light" charset="0"/>
-                <a:cs typeface="Lato Light" charset="0"/>
-              </a:rPr>
-              <a:t>Service Name</a:t>
-            </a:r>
-            <a:endParaRPr lang="en-US" sz="4000" dirty="0">
-              <a:solidFill>
-                <a:schemeClr val="accent1"/>
-              </a:solidFill>
-              <a:latin typeface="Lato Light" charset="0"/>
-              <a:ea typeface="Lato Light" charset="0"/>
-              <a:cs typeface="Lato Light" charset="0"/>
-            </a:endParaRPr>
-          </a:p>
-        </p:txBody>
-      </p:sp>
-      <p:sp>
-        <p:nvSpPr>
-          <p:cNvPr id="82" name="TextBox 81"/>
-          <p:cNvSpPr txBox="1"/>
-          <p:nvPr/>
-        </p:nvSpPr>
-        <p:spPr>
-          <a:xfrm>
-            <a:off x="17340638" y="5910167"/>
-            <a:ext cx="3656770" cy="954107"/>
-          </a:xfrm>
-          <a:prstGeom prst="rect">
-            <a:avLst/>
-          </a:prstGeom>
-          <a:noFill/>
-        </p:spPr>
-        <p:txBody>
-          <a:bodyPr wrap="square" rtlCol="0">
-            <a:spAutoFit/>
-          </a:bodyPr>
-          <a:lstStyle/>
-          <a:p>
-            <a:r>
-              <a:rPr lang="en-US" sz="2800" dirty="0">
-                <a:latin typeface="Lato Light" charset="0"/>
-                <a:ea typeface="Lato Light" charset="0"/>
-                <a:cs typeface="Lato Light" charset="0"/>
-              </a:rPr>
-              <a:t>A telegraph wire, or a strand of cobweb,</a:t>
-            </a:r>
-          </a:p>
-        </p:txBody>
-      </p:sp>
-      <p:sp>
-        <p:nvSpPr>
-          <p:cNvPr id="84" name="TextBox 83"/>
-          <p:cNvSpPr txBox="1"/>
-          <p:nvPr/>
-        </p:nvSpPr>
-        <p:spPr>
-          <a:xfrm>
-            <a:off x="17340638" y="7392784"/>
-            <a:ext cx="2935419" cy="646331"/>
-          </a:xfrm>
-          <a:prstGeom prst="rect">
-            <a:avLst/>
-          </a:prstGeom>
-          <a:noFill/>
-        </p:spPr>
-        <p:txBody>
-          <a:bodyPr wrap="none" rtlCol="0">
-            <a:spAutoFit/>
-          </a:bodyPr>
-          <a:lstStyle/>
-          <a:p>
-            <a:r>
-              <a:rPr lang="en-US" dirty="0">
-                <a:solidFill>
-                  <a:schemeClr val="accent2"/>
-                </a:solidFill>
-                <a:latin typeface="Lato Light" charset="0"/>
-                <a:ea typeface="Lato Light" charset="0"/>
-                <a:cs typeface="Lato Light" charset="0"/>
-              </a:rPr>
-              <a:t>Service Name</a:t>
-            </a:r>
-            <a:endParaRPr lang="en-US" sz="4000" dirty="0">
-              <a:solidFill>
-                <a:schemeClr val="accent2"/>
-              </a:solidFill>
-              <a:latin typeface="Lato Light" charset="0"/>
-              <a:ea typeface="Lato Light" charset="0"/>
-              <a:cs typeface="Lato Light" charset="0"/>
-            </a:endParaRPr>
-          </a:p>
-        </p:txBody>
-      </p:sp>
-      <p:sp>
-        <p:nvSpPr>
-          <p:cNvPr id="86" name="TextBox 85"/>
-          <p:cNvSpPr txBox="1"/>
-          <p:nvPr/>
-        </p:nvSpPr>
-        <p:spPr>
-          <a:xfrm>
-            <a:off x="17340638" y="8064846"/>
-            <a:ext cx="3656770" cy="954107"/>
-          </a:xfrm>
-          <a:prstGeom prst="rect">
-            <a:avLst/>
-          </a:prstGeom>
-          <a:noFill/>
-        </p:spPr>
-        <p:txBody>
-          <a:bodyPr wrap="square" rtlCol="0">
-            <a:spAutoFit/>
-          </a:bodyPr>
-          <a:lstStyle/>
-          <a:p>
-            <a:r>
-              <a:rPr lang="en-US" sz="2800" dirty="0">
-                <a:latin typeface="Lato Light" charset="0"/>
-                <a:ea typeface="Lato Light" charset="0"/>
-                <a:cs typeface="Lato Light" charset="0"/>
-              </a:rPr>
-              <a:t>A telegraph wire, or a strand of cobweb,</a:t>
-            </a:r>
-          </a:p>
-        </p:txBody>
-      </p:sp>
-      <p:sp>
-        <p:nvSpPr>
-          <p:cNvPr id="88" name="TextBox 87"/>
-          <p:cNvSpPr txBox="1"/>
-          <p:nvPr/>
-        </p:nvSpPr>
-        <p:spPr>
-          <a:xfrm>
-            <a:off x="17340638" y="9547796"/>
-            <a:ext cx="2935419" cy="646331"/>
-          </a:xfrm>
-          <a:prstGeom prst="rect">
-            <a:avLst/>
-          </a:prstGeom>
-          <a:noFill/>
-        </p:spPr>
-        <p:txBody>
-          <a:bodyPr wrap="none" rtlCol="0">
-            <a:spAutoFit/>
-          </a:bodyPr>
-          <a:lstStyle/>
-          <a:p>
-            <a:r>
-              <a:rPr lang="en-US" dirty="0">
-                <a:solidFill>
-                  <a:schemeClr val="accent3"/>
-                </a:solidFill>
-                <a:latin typeface="Lato Light" charset="0"/>
-                <a:ea typeface="Lato Light" charset="0"/>
-                <a:cs typeface="Lato Light" charset="0"/>
-              </a:rPr>
-              <a:t>Service Name</a:t>
-            </a:r>
-            <a:endParaRPr lang="en-US" sz="4000" dirty="0">
-              <a:solidFill>
-                <a:schemeClr val="accent3"/>
-              </a:solidFill>
-              <a:latin typeface="Lato Light" charset="0"/>
-              <a:ea typeface="Lato Light" charset="0"/>
-              <a:cs typeface="Lato Light" charset="0"/>
-            </a:endParaRPr>
-          </a:p>
-        </p:txBody>
-      </p:sp>
-      <p:sp>
-        <p:nvSpPr>
-          <p:cNvPr id="90" name="TextBox 89"/>
-          <p:cNvSpPr txBox="1"/>
-          <p:nvPr/>
-        </p:nvSpPr>
-        <p:spPr>
-          <a:xfrm>
-            <a:off x="17340638" y="10219859"/>
-            <a:ext cx="3656770" cy="954107"/>
-          </a:xfrm>
-          <a:prstGeom prst="rect">
-            <a:avLst/>
-          </a:prstGeom>
-          <a:noFill/>
-        </p:spPr>
-        <p:txBody>
-          <a:bodyPr wrap="square" rtlCol="0">
-            <a:spAutoFit/>
-          </a:bodyPr>
-          <a:lstStyle/>
-          <a:p>
-            <a:r>
-              <a:rPr lang="en-US" sz="2800" dirty="0">
-                <a:latin typeface="Lato Light" charset="0"/>
-                <a:ea typeface="Lato Light" charset="0"/>
-                <a:cs typeface="Lato Light" charset="0"/>
-              </a:rPr>
-              <a:t>A telegraph wire, or a strand of cobweb,</a:t>
-            </a:r>
-          </a:p>
-        </p:txBody>
-      </p:sp>
-      <p:sp>
-        <p:nvSpPr>
-          <p:cNvPr id="91" name="TextBox 90"/>
-          <p:cNvSpPr txBox="1"/>
-          <p:nvPr/>
-        </p:nvSpPr>
-        <p:spPr>
-          <a:xfrm>
-            <a:off x="1563687" y="1264885"/>
-            <a:ext cx="4397358" cy="1015663"/>
-          </a:xfrm>
-          <a:prstGeom prst="rect">
-            <a:avLst/>
-          </a:prstGeom>
-          <a:noFill/>
-        </p:spPr>
-        <p:txBody>
-          <a:bodyPr wrap="none" rtlCol="0">
-            <a:spAutoFit/>
-          </a:bodyPr>
-          <a:lstStyle/>
-          <a:p>
-            <a:r>
-              <a:rPr lang="en-US" sz="6000" dirty="0">
-                <a:latin typeface="Lato Light" charset="0"/>
-                <a:ea typeface="Lato Light" charset="0"/>
-                <a:cs typeface="Lato Light" charset="0"/>
-              </a:rPr>
-              <a:t>Our Services</a:t>
-            </a:r>
-          </a:p>
-        </p:txBody>
-      </p:sp>
-      <p:sp>
-        <p:nvSpPr>
-          <p:cNvPr id="92" name="TextBox 91"/>
-          <p:cNvSpPr txBox="1"/>
-          <p:nvPr/>
-        </p:nvSpPr>
-        <p:spPr>
-          <a:xfrm>
-            <a:off x="1563687" y="2221253"/>
-            <a:ext cx="5657318" cy="584775"/>
-          </a:xfrm>
-          <a:prstGeom prst="rect">
-            <a:avLst/>
-          </a:prstGeom>
-          <a:noFill/>
-        </p:spPr>
-        <p:txBody>
-          <a:bodyPr wrap="none" rtlCol="0">
-            <a:spAutoFit/>
-          </a:bodyPr>
-          <a:lstStyle/>
-          <a:p>
-            <a:r>
-              <a:rPr lang="en-US" sz="3200" dirty="0">
-                <a:latin typeface="Lato Light" charset="0"/>
-                <a:ea typeface="Lato Light" charset="0"/>
-                <a:cs typeface="Lato Light" charset="0"/>
-              </a:rPr>
-              <a:t>Write something in this section</a:t>
-            </a:r>
-          </a:p>
-        </p:txBody>
-      </p:sp>
-      <p:sp>
-        <p:nvSpPr>
-          <p:cNvPr id="94" name="TextBox 93"/>
-          <p:cNvSpPr txBox="1"/>
-          <p:nvPr/>
-        </p:nvSpPr>
-        <p:spPr>
-          <a:xfrm>
-            <a:off x="1577058" y="3025502"/>
-            <a:ext cx="21022215" cy="1127040"/>
-          </a:xfrm>
-          <a:prstGeom prst="rect">
-            <a:avLst/>
-          </a:prstGeom>
-          <a:noFill/>
-        </p:spPr>
-        <p:txBody>
-          <a:bodyPr wrap="square" rtlCol="0">
-            <a:spAutoFit/>
-          </a:bodyPr>
-          <a:lstStyle/>
-          <a:p>
-            <a:pPr>
-              <a:lnSpc>
-                <a:spcPct val="150000"/>
-              </a:lnSpc>
-            </a:pPr>
-            <a:r>
-              <a:rPr lang="en-US" sz="2399" dirty="0">
-                <a:latin typeface="Lato Light" charset="0"/>
-                <a:ea typeface="Lato Light" charset="0"/>
-                <a:cs typeface="Lato Light" charset="0"/>
-              </a:rPr>
-              <a:t>First: What is a Fast-Fish? Alive or dead a fish is technically fast, when it is connected with an occupied ship or boat, by any medium at all controllable by the occupant or occupants,—a mast, an oar, a nine-inch cable, a telegraph wire, or a strand of cobweb, it is all the same. Likewise a fish is technically fast when it</a:t>
-            </a:r>
-          </a:p>
-        </p:txBody>
-      </p:sp>
-    </p:spTree>
-    <p:extLst>
-      <p:ext uri="{BB962C8B-B14F-4D97-AF65-F5344CB8AC3E}">
-        <p14:creationId xmlns:p14="http://schemas.microsoft.com/office/powerpoint/2010/main" val="1211542729"/>
-      </p:ext>
-    </p:extLst>
-  </p:cSld>
-  <p:clrMapOvr>
-    <a:masterClrMapping/>
-  </p:clrMapOvr>
-  <p:timing>
-    <p:tnLst>
-      <p:par>
-        <p:cTn id="1" dur="indefinite" restart="never" nodeType="tmRoot"/>
-      </p:par>
-    </p:tnLst>
-  </p:timing>
-</p:sld>
-</file>
-
-<file path=ppt/slides/slide5.xml><?xml version="1.0" encoding="utf-8"?>
 <p:sld xmlns:a="http://schemas.openxmlformats.org/drawingml/2006/main" xmlns:r="http://schemas.openxmlformats.org/officeDocument/2006/relationships" xmlns:p="http://schemas.openxmlformats.org/presentationml/2006/main">
   <p:cSld>
     <p:spTree>
@@ -8344,1956 +5253,6 @@
     <p:extLst>
       <p:ext uri="{BB962C8B-B14F-4D97-AF65-F5344CB8AC3E}">
         <p14:creationId xmlns:p14="http://schemas.microsoft.com/office/powerpoint/2010/main" val="1045278578"/>
-      </p:ext>
-    </p:extLst>
-  </p:cSld>
-  <p:clrMapOvr>
-    <a:masterClrMapping/>
-  </p:clrMapOvr>
-  <p:timing>
-    <p:tnLst>
-      <p:par>
-        <p:cTn id="1" dur="indefinite" restart="never" nodeType="tmRoot"/>
-      </p:par>
-    </p:tnLst>
-  </p:timing>
-</p:sld>
-</file>
-
-<file path=ppt/slides/slide6.xml><?xml version="1.0" encoding="utf-8"?>
-<p:sld xmlns:a="http://schemas.openxmlformats.org/drawingml/2006/main" xmlns:r="http://schemas.openxmlformats.org/officeDocument/2006/relationships" xmlns:p="http://schemas.openxmlformats.org/presentationml/2006/main">
-  <p:cSld>
-    <p:spTree>
-      <p:nvGrpSpPr>
-        <p:cNvPr id="1" name=""/>
-        <p:cNvGrpSpPr/>
-        <p:nvPr/>
-      </p:nvGrpSpPr>
-      <p:grpSpPr>
-        <a:xfrm>
-          <a:off x="0" y="0"/>
-          <a:ext cx="0" cy="0"/>
-          <a:chOff x="0" y="0"/>
-          <a:chExt cx="0" cy="0"/>
-        </a:xfrm>
-      </p:grpSpPr>
-      <p:sp>
-        <p:nvSpPr>
-          <p:cNvPr id="24" name="Rectangle 23"/>
-          <p:cNvSpPr/>
-          <p:nvPr/>
-        </p:nvSpPr>
-        <p:spPr>
-          <a:xfrm>
-            <a:off x="4762" y="0"/>
-            <a:ext cx="24377650" cy="13716002"/>
-          </a:xfrm>
-          <a:prstGeom prst="rect">
-            <a:avLst/>
-          </a:prstGeom>
-          <a:solidFill>
-            <a:srgbClr val="3E5870">
-              <a:alpha val="86000"/>
-            </a:srgbClr>
-          </a:solidFill>
-          <a:ln>
-            <a:noFill/>
-          </a:ln>
-        </p:spPr>
-        <p:style>
-          <a:lnRef idx="2">
-            <a:schemeClr val="accent1">
-              <a:shade val="50000"/>
-            </a:schemeClr>
-          </a:lnRef>
-          <a:fillRef idx="1">
-            <a:schemeClr val="accent1"/>
-          </a:fillRef>
-          <a:effectRef idx="0">
-            <a:schemeClr val="accent1"/>
-          </a:effectRef>
-          <a:fontRef idx="minor">
-            <a:schemeClr val="lt1"/>
-          </a:fontRef>
-        </p:style>
-        <p:txBody>
-          <a:bodyPr rtlCol="0" anchor="ctr"/>
-          <a:lstStyle/>
-          <a:p>
-            <a:pPr algn="ctr"/>
-            <a:endParaRPr lang="en-US" dirty="0">
-              <a:latin typeface="Lato Light" charset="0"/>
-            </a:endParaRPr>
-          </a:p>
-        </p:txBody>
-      </p:sp>
-      <p:sp>
-        <p:nvSpPr>
-          <p:cNvPr id="3" name="Picture Placeholder 2"/>
-          <p:cNvSpPr>
-            <a:spLocks noGrp="1"/>
-          </p:cNvSpPr>
-          <p:nvPr>
-            <p:ph type="pic" sz="quarter" idx="13"/>
-          </p:nvPr>
-        </p:nvSpPr>
-        <p:spPr/>
-      </p:sp>
-      <p:sp>
-        <p:nvSpPr>
-          <p:cNvPr id="44" name="Line 5"/>
-          <p:cNvSpPr>
-            <a:spLocks noChangeShapeType="1"/>
-          </p:cNvSpPr>
-          <p:nvPr/>
-        </p:nvSpPr>
-        <p:spPr bwMode="auto">
-          <a:xfrm>
-            <a:off x="1498741" y="-1748368"/>
-            <a:ext cx="0" cy="0"/>
-          </a:xfrm>
-          <a:prstGeom prst="line">
-            <a:avLst/>
-          </a:prstGeom>
-          <a:noFill/>
-          <a:ln>
-            <a:noFill/>
-          </a:ln>
-          <a:extLst>
-            <a:ext uri="{909E8E84-426E-40dd-AFC4-6F175D3DCCD1}">
-              <a14:hiddenFill xmlns:a14="http://schemas.microsoft.com/office/drawing/2010/main" xmlns="">
-                <a:noFill/>
-              </a14:hiddenFill>
-            </a:ext>
-            <a:ext uri="{91240B29-F687-4f45-9708-019B960494DF}">
-              <a14:hiddenLine xmlns:a14="http://schemas.microsoft.com/office/drawing/2010/main" xmlns="" w="9525">
-                <a:solidFill>
-                  <a:srgbClr val="000000"/>
-                </a:solidFill>
-                <a:round/>
-                <a:headEnd/>
-                <a:tailEnd/>
-              </a14:hiddenLine>
-            </a:ext>
-          </a:extLst>
-        </p:spPr>
-        <p:txBody>
-          <a:bodyPr vert="horz" wrap="square" lIns="243796" tIns="121899" rIns="243796" bIns="121899" numCol="1" anchor="t" anchorCtr="0" compatLnSpc="1">
-            <a:prstTxWarp prst="textNoShape">
-              <a:avLst/>
-            </a:prstTxWarp>
-          </a:bodyPr>
-          <a:lstStyle/>
-          <a:p>
-            <a:endParaRPr lang="en-US" dirty="0">
-              <a:latin typeface="Lato Light" charset="0"/>
-            </a:endParaRPr>
-          </a:p>
-        </p:txBody>
-      </p:sp>
-      <p:sp>
-        <p:nvSpPr>
-          <p:cNvPr id="45" name="Line 6"/>
-          <p:cNvSpPr>
-            <a:spLocks noChangeShapeType="1"/>
-          </p:cNvSpPr>
-          <p:nvPr/>
-        </p:nvSpPr>
-        <p:spPr bwMode="auto">
-          <a:xfrm>
-            <a:off x="1498741" y="-1748368"/>
-            <a:ext cx="0" cy="0"/>
-          </a:xfrm>
-          <a:prstGeom prst="line">
-            <a:avLst/>
-          </a:prstGeom>
-          <a:noFill/>
-          <a:ln>
-            <a:noFill/>
-          </a:ln>
-          <a:extLst>
-            <a:ext uri="{909E8E84-426E-40dd-AFC4-6F175D3DCCD1}">
-              <a14:hiddenFill xmlns:a14="http://schemas.microsoft.com/office/drawing/2010/main" xmlns="">
-                <a:noFill/>
-              </a14:hiddenFill>
-            </a:ext>
-            <a:ext uri="{91240B29-F687-4f45-9708-019B960494DF}">
-              <a14:hiddenLine xmlns:a14="http://schemas.microsoft.com/office/drawing/2010/main" xmlns="" w="9525">
-                <a:solidFill>
-                  <a:srgbClr val="000000"/>
-                </a:solidFill>
-                <a:round/>
-                <a:headEnd/>
-                <a:tailEnd/>
-              </a14:hiddenLine>
-            </a:ext>
-          </a:extLst>
-        </p:spPr>
-        <p:txBody>
-          <a:bodyPr vert="horz" wrap="square" lIns="243796" tIns="121899" rIns="243796" bIns="121899" numCol="1" anchor="t" anchorCtr="0" compatLnSpc="1">
-            <a:prstTxWarp prst="textNoShape">
-              <a:avLst/>
-            </a:prstTxWarp>
-          </a:bodyPr>
-          <a:lstStyle/>
-          <a:p>
-            <a:endParaRPr lang="en-US" dirty="0">
-              <a:latin typeface="Lato Light" charset="0"/>
-            </a:endParaRPr>
-          </a:p>
-        </p:txBody>
-      </p:sp>
-      <p:sp>
-        <p:nvSpPr>
-          <p:cNvPr id="20" name="Shape 1646"/>
-          <p:cNvSpPr/>
-          <p:nvPr/>
-        </p:nvSpPr>
-        <p:spPr>
-          <a:xfrm>
-            <a:off x="16003647" y="10346345"/>
-            <a:ext cx="424080" cy="424079"/>
-          </a:xfrm>
-          <a:custGeom>
-            <a:avLst/>
-            <a:gdLst/>
-            <a:ahLst/>
-            <a:cxnLst>
-              <a:cxn ang="0">
-                <a:pos x="wd2" y="hd2"/>
-              </a:cxn>
-              <a:cxn ang="5400000">
-                <a:pos x="wd2" y="hd2"/>
-              </a:cxn>
-              <a:cxn ang="10800000">
-                <a:pos x="wd2" y="hd2"/>
-              </a:cxn>
-              <a:cxn ang="16200000">
-                <a:pos x="wd2" y="hd2"/>
-              </a:cxn>
-            </a:cxnLst>
-            <a:rect l="0" t="0" r="r" b="b"/>
-            <a:pathLst>
-              <a:path w="21600" h="21600" extrusionOk="0">
-                <a:moveTo>
-                  <a:pt x="273" y="21600"/>
-                </a:moveTo>
-                <a:lnTo>
-                  <a:pt x="4902" y="21600"/>
-                </a:lnTo>
-                <a:lnTo>
-                  <a:pt x="4902" y="7024"/>
-                </a:lnTo>
-                <a:lnTo>
-                  <a:pt x="273" y="7024"/>
-                </a:lnTo>
-                <a:lnTo>
-                  <a:pt x="273" y="21600"/>
-                </a:lnTo>
-                <a:cubicBezTo>
-                  <a:pt x="273" y="21600"/>
-                  <a:pt x="273" y="21600"/>
-                  <a:pt x="273" y="21600"/>
-                </a:cubicBezTo>
-                <a:close/>
-                <a:moveTo>
-                  <a:pt x="2621" y="0"/>
-                </a:moveTo>
-                <a:cubicBezTo>
-                  <a:pt x="1033" y="0"/>
-                  <a:pt x="0" y="1086"/>
-                  <a:pt x="0" y="2518"/>
-                </a:cubicBezTo>
-                <a:cubicBezTo>
-                  <a:pt x="0" y="3917"/>
-                  <a:pt x="1004" y="5039"/>
-                  <a:pt x="2558" y="5039"/>
-                </a:cubicBezTo>
-                <a:lnTo>
-                  <a:pt x="2589" y="5039"/>
-                </a:lnTo>
-                <a:cubicBezTo>
-                  <a:pt x="4203" y="5039"/>
-                  <a:pt x="5207" y="3917"/>
-                  <a:pt x="5207" y="2518"/>
-                </a:cubicBezTo>
-                <a:cubicBezTo>
-                  <a:pt x="5178" y="1086"/>
-                  <a:pt x="4203" y="0"/>
-                  <a:pt x="2621" y="0"/>
-                </a:cubicBezTo>
-                <a:cubicBezTo>
-                  <a:pt x="2621" y="0"/>
-                  <a:pt x="2621" y="0"/>
-                  <a:pt x="2621" y="0"/>
-                </a:cubicBezTo>
-                <a:close/>
-                <a:moveTo>
-                  <a:pt x="21600" y="13242"/>
-                </a:moveTo>
-                <a:lnTo>
-                  <a:pt x="21600" y="21600"/>
-                </a:lnTo>
-                <a:lnTo>
-                  <a:pt x="16970" y="21600"/>
-                </a:lnTo>
-                <a:lnTo>
-                  <a:pt x="16970" y="13803"/>
-                </a:lnTo>
-                <a:cubicBezTo>
-                  <a:pt x="16970" y="11844"/>
-                  <a:pt x="16299" y="10507"/>
-                  <a:pt x="14623" y="10507"/>
-                </a:cubicBezTo>
-                <a:cubicBezTo>
-                  <a:pt x="13345" y="10507"/>
-                  <a:pt x="12582" y="11408"/>
-                  <a:pt x="12250" y="12280"/>
-                </a:cubicBezTo>
-                <a:cubicBezTo>
-                  <a:pt x="12127" y="12592"/>
-                  <a:pt x="12094" y="13025"/>
-                  <a:pt x="12094" y="13462"/>
-                </a:cubicBezTo>
-                <a:lnTo>
-                  <a:pt x="12094" y="21600"/>
-                </a:lnTo>
-                <a:lnTo>
-                  <a:pt x="7463" y="21600"/>
-                </a:lnTo>
-                <a:cubicBezTo>
-                  <a:pt x="7463" y="21600"/>
-                  <a:pt x="7525" y="8394"/>
-                  <a:pt x="7463" y="7024"/>
-                </a:cubicBezTo>
-                <a:lnTo>
-                  <a:pt x="12094" y="7024"/>
-                </a:lnTo>
-                <a:lnTo>
-                  <a:pt x="12094" y="9093"/>
-                </a:lnTo>
-                <a:cubicBezTo>
-                  <a:pt x="12087" y="9106"/>
-                  <a:pt x="12074" y="9123"/>
-                  <a:pt x="12066" y="9139"/>
-                </a:cubicBezTo>
-                <a:lnTo>
-                  <a:pt x="12094" y="9139"/>
-                </a:lnTo>
-                <a:lnTo>
-                  <a:pt x="12094" y="9093"/>
-                </a:lnTo>
-                <a:cubicBezTo>
-                  <a:pt x="12710" y="8101"/>
-                  <a:pt x="13808" y="6683"/>
-                  <a:pt x="16269" y="6683"/>
-                </a:cubicBezTo>
-                <a:cubicBezTo>
-                  <a:pt x="19315" y="6683"/>
-                  <a:pt x="21600" y="8767"/>
-                  <a:pt x="21600" y="13242"/>
-                </a:cubicBezTo>
-                <a:cubicBezTo>
-                  <a:pt x="21600" y="13242"/>
-                  <a:pt x="21600" y="13242"/>
-                  <a:pt x="21600" y="13242"/>
-                </a:cubicBezTo>
-                <a:close/>
-              </a:path>
-            </a:pathLst>
-          </a:custGeom>
-          <a:solidFill>
-            <a:schemeClr val="bg1"/>
-          </a:solidFill>
-          <a:ln w="12700" cap="flat">
-            <a:noFill/>
-            <a:miter lim="400000"/>
-          </a:ln>
-          <a:effectLst/>
-        </p:spPr>
-        <p:txBody>
-          <a:bodyPr wrap="square" lIns="0" tIns="0" rIns="0" bIns="0" numCol="1" anchor="ctr">
-            <a:noAutofit/>
-          </a:bodyPr>
-          <a:lstStyle/>
-          <a:p>
-            <a:pPr>
-              <a:defRPr sz="3000">
-                <a:solidFill>
-                  <a:srgbClr val="FFFFFF"/>
-                </a:solidFill>
-                <a:effectLst>
-                  <a:outerShdw blurRad="38100" dist="12700" dir="5400000" rotWithShape="0">
-                    <a:srgbClr val="000000">
-                      <a:alpha val="50000"/>
-                    </a:srgbClr>
-                  </a:outerShdw>
-                </a:effectLst>
-                <a:latin typeface="Gill Sans"/>
-                <a:ea typeface="Gill Sans"/>
-                <a:cs typeface="Gill Sans"/>
-                <a:sym typeface="Gill Sans"/>
-              </a:defRPr>
-            </a:pPr>
-            <a:endParaRPr sz="3001">
-              <a:solidFill>
-                <a:schemeClr val="bg1"/>
-              </a:solidFill>
-              <a:latin typeface="Lato Light" charset="0"/>
-              <a:ea typeface="Lato Light" charset="0"/>
-              <a:cs typeface="Lato Light" charset="0"/>
-            </a:endParaRPr>
-          </a:p>
-        </p:txBody>
-      </p:sp>
-      <p:sp>
-        <p:nvSpPr>
-          <p:cNvPr id="21" name="Shape 1649"/>
-          <p:cNvSpPr/>
-          <p:nvPr/>
-        </p:nvSpPr>
-        <p:spPr>
-          <a:xfrm>
-            <a:off x="13919122" y="10366939"/>
-            <a:ext cx="484738" cy="393886"/>
-          </a:xfrm>
-          <a:custGeom>
-            <a:avLst/>
-            <a:gdLst/>
-            <a:ahLst/>
-            <a:cxnLst>
-              <a:cxn ang="0">
-                <a:pos x="wd2" y="hd2"/>
-              </a:cxn>
-              <a:cxn ang="5400000">
-                <a:pos x="wd2" y="hd2"/>
-              </a:cxn>
-              <a:cxn ang="10800000">
-                <a:pos x="wd2" y="hd2"/>
-              </a:cxn>
-              <a:cxn ang="16200000">
-                <a:pos x="wd2" y="hd2"/>
-              </a:cxn>
-            </a:cxnLst>
-            <a:rect l="0" t="0" r="r" b="b"/>
-            <a:pathLst>
-              <a:path w="21600" h="21600" extrusionOk="0">
-                <a:moveTo>
-                  <a:pt x="21600" y="2559"/>
-                </a:moveTo>
-                <a:cubicBezTo>
-                  <a:pt x="20805" y="2994"/>
-                  <a:pt x="19949" y="3285"/>
-                  <a:pt x="19055" y="3417"/>
-                </a:cubicBezTo>
-                <a:cubicBezTo>
-                  <a:pt x="19968" y="2742"/>
-                  <a:pt x="20672" y="1676"/>
-                  <a:pt x="21003" y="401"/>
-                </a:cubicBezTo>
-                <a:cubicBezTo>
-                  <a:pt x="20147" y="1026"/>
-                  <a:pt x="19198" y="1478"/>
-                  <a:pt x="18187" y="1722"/>
-                </a:cubicBezTo>
-                <a:cubicBezTo>
-                  <a:pt x="17379" y="665"/>
-                  <a:pt x="16228" y="0"/>
-                  <a:pt x="14953" y="0"/>
-                </a:cubicBezTo>
-                <a:cubicBezTo>
-                  <a:pt x="12506" y="0"/>
-                  <a:pt x="10524" y="2441"/>
-                  <a:pt x="10524" y="5454"/>
-                </a:cubicBezTo>
-                <a:cubicBezTo>
-                  <a:pt x="10524" y="5881"/>
-                  <a:pt x="10561" y="6298"/>
-                  <a:pt x="10637" y="6694"/>
-                </a:cubicBezTo>
-                <a:cubicBezTo>
-                  <a:pt x="6954" y="6468"/>
-                  <a:pt x="3689" y="4296"/>
-                  <a:pt x="1504" y="998"/>
-                </a:cubicBezTo>
-                <a:cubicBezTo>
-                  <a:pt x="1122" y="1806"/>
-                  <a:pt x="903" y="2742"/>
-                  <a:pt x="903" y="3739"/>
-                </a:cubicBezTo>
-                <a:cubicBezTo>
-                  <a:pt x="903" y="5631"/>
-                  <a:pt x="1686" y="7302"/>
-                  <a:pt x="2875" y="8279"/>
-                </a:cubicBezTo>
-                <a:cubicBezTo>
-                  <a:pt x="2149" y="8248"/>
-                  <a:pt x="1466" y="8005"/>
-                  <a:pt x="868" y="7599"/>
-                </a:cubicBezTo>
-                <a:cubicBezTo>
-                  <a:pt x="868" y="7618"/>
-                  <a:pt x="868" y="7641"/>
-                  <a:pt x="868" y="7666"/>
-                </a:cubicBezTo>
-                <a:cubicBezTo>
-                  <a:pt x="868" y="10307"/>
-                  <a:pt x="2395" y="12512"/>
-                  <a:pt x="4423" y="13011"/>
-                </a:cubicBezTo>
-                <a:cubicBezTo>
-                  <a:pt x="4051" y="13134"/>
-                  <a:pt x="3658" y="13201"/>
-                  <a:pt x="3255" y="13201"/>
-                </a:cubicBezTo>
-                <a:cubicBezTo>
-                  <a:pt x="2970" y="13201"/>
-                  <a:pt x="2691" y="13168"/>
-                  <a:pt x="2420" y="13106"/>
-                </a:cubicBezTo>
-                <a:cubicBezTo>
-                  <a:pt x="2983" y="15270"/>
-                  <a:pt x="4621" y="16846"/>
-                  <a:pt x="6561" y="16890"/>
-                </a:cubicBezTo>
-                <a:cubicBezTo>
-                  <a:pt x="5042" y="18353"/>
-                  <a:pt x="3134" y="19225"/>
-                  <a:pt x="1056" y="19225"/>
-                </a:cubicBezTo>
-                <a:cubicBezTo>
-                  <a:pt x="700" y="19225"/>
-                  <a:pt x="347" y="19197"/>
-                  <a:pt x="0" y="19149"/>
-                </a:cubicBezTo>
-                <a:cubicBezTo>
-                  <a:pt x="1963" y="20695"/>
-                  <a:pt x="4290" y="21600"/>
-                  <a:pt x="6791" y="21600"/>
-                </a:cubicBezTo>
-                <a:cubicBezTo>
-                  <a:pt x="14943" y="21600"/>
-                  <a:pt x="19401" y="13291"/>
-                  <a:pt x="19401" y="6084"/>
-                </a:cubicBezTo>
-                <a:cubicBezTo>
-                  <a:pt x="19401" y="5851"/>
-                  <a:pt x="19396" y="5613"/>
-                  <a:pt x="19388" y="5380"/>
-                </a:cubicBezTo>
-                <a:cubicBezTo>
-                  <a:pt x="20253" y="4614"/>
-                  <a:pt x="21005" y="3652"/>
-                  <a:pt x="21600" y="2559"/>
-                </a:cubicBezTo>
-                <a:cubicBezTo>
-                  <a:pt x="21600" y="2559"/>
-                  <a:pt x="21600" y="2559"/>
-                  <a:pt x="21600" y="2559"/>
-                </a:cubicBezTo>
-                <a:close/>
-              </a:path>
-            </a:pathLst>
-          </a:custGeom>
-          <a:solidFill>
-            <a:schemeClr val="bg1"/>
-          </a:solidFill>
-          <a:ln w="12700" cap="flat">
-            <a:noFill/>
-            <a:miter lim="400000"/>
-          </a:ln>
-          <a:effectLst/>
-        </p:spPr>
-        <p:txBody>
-          <a:bodyPr wrap="square" lIns="0" tIns="0" rIns="0" bIns="0" numCol="1" anchor="ctr">
-            <a:noAutofit/>
-          </a:bodyPr>
-          <a:lstStyle/>
-          <a:p>
-            <a:pPr>
-              <a:defRPr sz="3000">
-                <a:solidFill>
-                  <a:srgbClr val="FFFFFF"/>
-                </a:solidFill>
-                <a:effectLst>
-                  <a:outerShdw blurRad="38100" dist="12700" dir="5400000" rotWithShape="0">
-                    <a:srgbClr val="000000">
-                      <a:alpha val="50000"/>
-                    </a:srgbClr>
-                  </a:outerShdw>
-                </a:effectLst>
-                <a:latin typeface="Gill Sans"/>
-                <a:ea typeface="Gill Sans"/>
-                <a:cs typeface="Gill Sans"/>
-                <a:sym typeface="Gill Sans"/>
-              </a:defRPr>
-            </a:pPr>
-            <a:endParaRPr sz="3001">
-              <a:solidFill>
-                <a:schemeClr val="bg1"/>
-              </a:solidFill>
-              <a:latin typeface="Lato Light" charset="0"/>
-              <a:ea typeface="Lato Light" charset="0"/>
-              <a:cs typeface="Lato Light" charset="0"/>
-            </a:endParaRPr>
-          </a:p>
-        </p:txBody>
-      </p:sp>
-      <p:sp>
-        <p:nvSpPr>
-          <p:cNvPr id="22" name="Shape 1658"/>
-          <p:cNvSpPr/>
-          <p:nvPr/>
-        </p:nvSpPr>
-        <p:spPr>
-          <a:xfrm>
-            <a:off x="14981891" y="10326415"/>
-            <a:ext cx="449529" cy="449507"/>
-          </a:xfrm>
-          <a:custGeom>
-            <a:avLst/>
-            <a:gdLst/>
-            <a:ahLst/>
-            <a:cxnLst>
-              <a:cxn ang="0">
-                <a:pos x="wd2" y="hd2"/>
-              </a:cxn>
-              <a:cxn ang="5400000">
-                <a:pos x="wd2" y="hd2"/>
-              </a:cxn>
-              <a:cxn ang="10800000">
-                <a:pos x="wd2" y="hd2"/>
-              </a:cxn>
-              <a:cxn ang="16200000">
-                <a:pos x="wd2" y="hd2"/>
-              </a:cxn>
-            </a:cxnLst>
-            <a:rect l="0" t="0" r="r" b="b"/>
-            <a:pathLst>
-              <a:path w="21600" h="21600" extrusionOk="0">
-                <a:moveTo>
-                  <a:pt x="19495" y="17427"/>
-                </a:moveTo>
-                <a:cubicBezTo>
-                  <a:pt x="19495" y="18567"/>
-                  <a:pt x="18567" y="19497"/>
-                  <a:pt x="17424" y="19497"/>
-                </a:cubicBezTo>
-                <a:lnTo>
-                  <a:pt x="4174" y="19497"/>
-                </a:lnTo>
-                <a:cubicBezTo>
-                  <a:pt x="3033" y="19497"/>
-                  <a:pt x="2104" y="18567"/>
-                  <a:pt x="2104" y="17427"/>
-                </a:cubicBezTo>
-                <a:lnTo>
-                  <a:pt x="2104" y="8583"/>
-                </a:lnTo>
-                <a:lnTo>
-                  <a:pt x="5329" y="8583"/>
-                </a:lnTo>
-                <a:cubicBezTo>
-                  <a:pt x="5049" y="9269"/>
-                  <a:pt x="4895" y="10017"/>
-                  <a:pt x="4895" y="10800"/>
-                </a:cubicBezTo>
-                <a:cubicBezTo>
-                  <a:pt x="4895" y="14057"/>
-                  <a:pt x="7543" y="16709"/>
-                  <a:pt x="10799" y="16709"/>
-                </a:cubicBezTo>
-                <a:cubicBezTo>
-                  <a:pt x="14056" y="16709"/>
-                  <a:pt x="16705" y="14057"/>
-                  <a:pt x="16705" y="10800"/>
-                </a:cubicBezTo>
-                <a:cubicBezTo>
-                  <a:pt x="16705" y="10017"/>
-                  <a:pt x="16549" y="9269"/>
-                  <a:pt x="16269" y="8583"/>
-                </a:cubicBezTo>
-                <a:lnTo>
-                  <a:pt x="19495" y="8583"/>
-                </a:lnTo>
-                <a:lnTo>
-                  <a:pt x="19495" y="17427"/>
-                </a:lnTo>
-                <a:cubicBezTo>
-                  <a:pt x="19495" y="17427"/>
-                  <a:pt x="19495" y="17427"/>
-                  <a:pt x="19495" y="17427"/>
-                </a:cubicBezTo>
-                <a:close/>
-                <a:moveTo>
-                  <a:pt x="7716" y="8583"/>
-                </a:moveTo>
-                <a:cubicBezTo>
-                  <a:pt x="8408" y="7627"/>
-                  <a:pt x="9531" y="7001"/>
-                  <a:pt x="10799" y="7001"/>
-                </a:cubicBezTo>
-                <a:cubicBezTo>
-                  <a:pt x="12068" y="7001"/>
-                  <a:pt x="13191" y="7627"/>
-                  <a:pt x="13882" y="8583"/>
-                </a:cubicBezTo>
-                <a:cubicBezTo>
-                  <a:pt x="14331" y="9210"/>
-                  <a:pt x="14603" y="9973"/>
-                  <a:pt x="14603" y="10800"/>
-                </a:cubicBezTo>
-                <a:cubicBezTo>
-                  <a:pt x="14603" y="12897"/>
-                  <a:pt x="12896" y="14603"/>
-                  <a:pt x="10799" y="14603"/>
-                </a:cubicBezTo>
-                <a:cubicBezTo>
-                  <a:pt x="8703" y="14603"/>
-                  <a:pt x="6998" y="12897"/>
-                  <a:pt x="6998" y="10800"/>
-                </a:cubicBezTo>
-                <a:cubicBezTo>
-                  <a:pt x="6998" y="9973"/>
-                  <a:pt x="7266" y="9210"/>
-                  <a:pt x="7716" y="8583"/>
-                </a:cubicBezTo>
-                <a:cubicBezTo>
-                  <a:pt x="7716" y="8583"/>
-                  <a:pt x="7716" y="8583"/>
-                  <a:pt x="7716" y="8583"/>
-                </a:cubicBezTo>
-                <a:close/>
-                <a:moveTo>
-                  <a:pt x="18622" y="2490"/>
-                </a:moveTo>
-                <a:lnTo>
-                  <a:pt x="19099" y="2487"/>
-                </a:lnTo>
-                <a:lnTo>
-                  <a:pt x="19099" y="2965"/>
-                </a:lnTo>
-                <a:lnTo>
-                  <a:pt x="19099" y="6150"/>
-                </a:lnTo>
-                <a:lnTo>
-                  <a:pt x="15450" y="6163"/>
-                </a:lnTo>
-                <a:lnTo>
-                  <a:pt x="15437" y="2502"/>
-                </a:lnTo>
-                <a:lnTo>
-                  <a:pt x="18622" y="2490"/>
-                </a:lnTo>
-                <a:cubicBezTo>
-                  <a:pt x="18622" y="2490"/>
-                  <a:pt x="18622" y="2490"/>
-                  <a:pt x="18622" y="2490"/>
-                </a:cubicBezTo>
-                <a:close/>
-                <a:moveTo>
-                  <a:pt x="17424" y="0"/>
-                </a:moveTo>
-                <a:lnTo>
-                  <a:pt x="4174" y="0"/>
-                </a:lnTo>
-                <a:cubicBezTo>
-                  <a:pt x="1873" y="0"/>
-                  <a:pt x="0" y="1873"/>
-                  <a:pt x="0" y="4176"/>
-                </a:cubicBezTo>
-                <a:lnTo>
-                  <a:pt x="0" y="8583"/>
-                </a:lnTo>
-                <a:lnTo>
-                  <a:pt x="0" y="17427"/>
-                </a:lnTo>
-                <a:cubicBezTo>
-                  <a:pt x="0" y="19727"/>
-                  <a:pt x="1873" y="21600"/>
-                  <a:pt x="4174" y="21600"/>
-                </a:cubicBezTo>
-                <a:lnTo>
-                  <a:pt x="17424" y="21600"/>
-                </a:lnTo>
-                <a:cubicBezTo>
-                  <a:pt x="19727" y="21600"/>
-                  <a:pt x="21600" y="19727"/>
-                  <a:pt x="21600" y="17427"/>
-                </a:cubicBezTo>
-                <a:lnTo>
-                  <a:pt x="21600" y="8583"/>
-                </a:lnTo>
-                <a:lnTo>
-                  <a:pt x="21600" y="4176"/>
-                </a:lnTo>
-                <a:cubicBezTo>
-                  <a:pt x="21600" y="1873"/>
-                  <a:pt x="19727" y="0"/>
-                  <a:pt x="17424" y="0"/>
-                </a:cubicBezTo>
-                <a:cubicBezTo>
-                  <a:pt x="17424" y="0"/>
-                  <a:pt x="17424" y="0"/>
-                  <a:pt x="17424" y="0"/>
-                </a:cubicBezTo>
-                <a:close/>
-              </a:path>
-            </a:pathLst>
-          </a:custGeom>
-          <a:solidFill>
-            <a:schemeClr val="bg1"/>
-          </a:solidFill>
-          <a:ln w="12700" cap="flat">
-            <a:noFill/>
-            <a:miter lim="400000"/>
-          </a:ln>
-          <a:effectLst/>
-        </p:spPr>
-        <p:txBody>
-          <a:bodyPr wrap="square" lIns="0" tIns="0" rIns="0" bIns="0" numCol="1" anchor="ctr">
-            <a:noAutofit/>
-          </a:bodyPr>
-          <a:lstStyle/>
-          <a:p>
-            <a:pPr>
-              <a:defRPr sz="3000">
-                <a:solidFill>
-                  <a:srgbClr val="FFFFFF"/>
-                </a:solidFill>
-                <a:effectLst>
-                  <a:outerShdw blurRad="38100" dist="12700" dir="5400000" rotWithShape="0">
-                    <a:srgbClr val="000000">
-                      <a:alpha val="50000"/>
-                    </a:srgbClr>
-                  </a:outerShdw>
-                </a:effectLst>
-                <a:latin typeface="Gill Sans"/>
-                <a:ea typeface="Gill Sans"/>
-                <a:cs typeface="Gill Sans"/>
-                <a:sym typeface="Gill Sans"/>
-              </a:defRPr>
-            </a:pPr>
-            <a:endParaRPr sz="3001" dirty="0">
-              <a:solidFill>
-                <a:schemeClr val="bg1"/>
-              </a:solidFill>
-              <a:latin typeface="Lato Light" charset="0"/>
-              <a:ea typeface="Lato Light" charset="0"/>
-              <a:cs typeface="Lato Light" charset="0"/>
-            </a:endParaRPr>
-          </a:p>
-        </p:txBody>
-      </p:sp>
-      <p:sp>
-        <p:nvSpPr>
-          <p:cNvPr id="23" name="Shape 1661"/>
-          <p:cNvSpPr/>
-          <p:nvPr/>
-        </p:nvSpPr>
-        <p:spPr>
-          <a:xfrm>
-            <a:off x="16999956" y="10351034"/>
-            <a:ext cx="318033" cy="423153"/>
-          </a:xfrm>
-          <a:custGeom>
-            <a:avLst/>
-            <a:gdLst/>
-            <a:ahLst/>
-            <a:cxnLst>
-              <a:cxn ang="0">
-                <a:pos x="wd2" y="hd2"/>
-              </a:cxn>
-              <a:cxn ang="5400000">
-                <a:pos x="wd2" y="hd2"/>
-              </a:cxn>
-              <a:cxn ang="10800000">
-                <a:pos x="wd2" y="hd2"/>
-              </a:cxn>
-              <a:cxn ang="16200000">
-                <a:pos x="wd2" y="hd2"/>
-              </a:cxn>
-            </a:cxnLst>
-            <a:rect l="0" t="0" r="r" b="b"/>
-            <a:pathLst>
-              <a:path w="21600" h="21555" extrusionOk="0">
-                <a:moveTo>
-                  <a:pt x="11451" y="0"/>
-                </a:moveTo>
-                <a:cubicBezTo>
-                  <a:pt x="3838" y="0"/>
-                  <a:pt x="0" y="4218"/>
-                  <a:pt x="0" y="7733"/>
-                </a:cubicBezTo>
-                <a:cubicBezTo>
-                  <a:pt x="0" y="9864"/>
-                  <a:pt x="1041" y="11759"/>
-                  <a:pt x="3280" y="12463"/>
-                </a:cubicBezTo>
-                <a:cubicBezTo>
-                  <a:pt x="3646" y="12579"/>
-                  <a:pt x="3975" y="12468"/>
-                  <a:pt x="4084" y="12154"/>
-                </a:cubicBezTo>
-                <a:cubicBezTo>
-                  <a:pt x="4156" y="11937"/>
-                  <a:pt x="4332" y="11389"/>
-                  <a:pt x="4412" y="11159"/>
-                </a:cubicBezTo>
-                <a:cubicBezTo>
-                  <a:pt x="4518" y="10850"/>
-                  <a:pt x="4478" y="10742"/>
-                  <a:pt x="4180" y="10470"/>
-                </a:cubicBezTo>
-                <a:cubicBezTo>
-                  <a:pt x="3533" y="9882"/>
-                  <a:pt x="3122" y="9120"/>
-                  <a:pt x="3122" y="8042"/>
-                </a:cubicBezTo>
-                <a:cubicBezTo>
-                  <a:pt x="3122" y="4914"/>
-                  <a:pt x="6154" y="2111"/>
-                  <a:pt x="11012" y="2111"/>
-                </a:cubicBezTo>
-                <a:cubicBezTo>
-                  <a:pt x="15316" y="2111"/>
-                  <a:pt x="17682" y="4144"/>
-                  <a:pt x="17682" y="6858"/>
-                </a:cubicBezTo>
-                <a:cubicBezTo>
-                  <a:pt x="17682" y="10427"/>
-                  <a:pt x="15637" y="13441"/>
-                  <a:pt x="12601" y="13441"/>
-                </a:cubicBezTo>
-                <a:cubicBezTo>
-                  <a:pt x="10924" y="13441"/>
-                  <a:pt x="9670" y="12371"/>
-                  <a:pt x="10071" y="11056"/>
-                </a:cubicBezTo>
-                <a:cubicBezTo>
-                  <a:pt x="10551" y="9487"/>
-                  <a:pt x="11485" y="7793"/>
-                  <a:pt x="11485" y="6663"/>
-                </a:cubicBezTo>
-                <a:cubicBezTo>
-                  <a:pt x="11485" y="5648"/>
-                  <a:pt x="10780" y="4803"/>
-                  <a:pt x="9324" y="4803"/>
-                </a:cubicBezTo>
-                <a:cubicBezTo>
-                  <a:pt x="7610" y="4803"/>
-                  <a:pt x="6234" y="6172"/>
-                  <a:pt x="6234" y="8006"/>
-                </a:cubicBezTo>
-                <a:cubicBezTo>
-                  <a:pt x="6234" y="9174"/>
-                  <a:pt x="6744" y="9967"/>
-                  <a:pt x="6744" y="9967"/>
-                </a:cubicBezTo>
-                <a:cubicBezTo>
-                  <a:pt x="6744" y="9967"/>
-                  <a:pt x="4991" y="15708"/>
-                  <a:pt x="4683" y="16714"/>
-                </a:cubicBezTo>
-                <a:cubicBezTo>
-                  <a:pt x="4068" y="18716"/>
-                  <a:pt x="4588" y="21172"/>
-                  <a:pt x="4638" y="21418"/>
-                </a:cubicBezTo>
-                <a:cubicBezTo>
-                  <a:pt x="4662" y="21567"/>
-                  <a:pt x="4905" y="21600"/>
-                  <a:pt x="5016" y="21492"/>
-                </a:cubicBezTo>
-                <a:cubicBezTo>
-                  <a:pt x="5175" y="21333"/>
-                  <a:pt x="7216" y="19382"/>
-                  <a:pt x="7911" y="17439"/>
-                </a:cubicBezTo>
-                <a:cubicBezTo>
-                  <a:pt x="8106" y="16886"/>
-                  <a:pt x="9038" y="14035"/>
-                  <a:pt x="9038" y="14035"/>
-                </a:cubicBezTo>
-                <a:cubicBezTo>
-                  <a:pt x="9595" y="14856"/>
-                  <a:pt x="11221" y="15577"/>
-                  <a:pt x="12952" y="15577"/>
-                </a:cubicBezTo>
-                <a:cubicBezTo>
-                  <a:pt x="18105" y="15577"/>
-                  <a:pt x="21600" y="11951"/>
-                  <a:pt x="21600" y="7094"/>
-                </a:cubicBezTo>
-                <a:cubicBezTo>
-                  <a:pt x="21600" y="3420"/>
-                  <a:pt x="17575" y="0"/>
-                  <a:pt x="11451" y="0"/>
-                </a:cubicBezTo>
-                <a:cubicBezTo>
-                  <a:pt x="11451" y="0"/>
-                  <a:pt x="11451" y="0"/>
-                  <a:pt x="11451" y="0"/>
-                </a:cubicBezTo>
-                <a:close/>
-              </a:path>
-            </a:pathLst>
-          </a:custGeom>
-          <a:solidFill>
-            <a:schemeClr val="bg1"/>
-          </a:solidFill>
-          <a:ln w="12700" cap="flat">
-            <a:noFill/>
-            <a:miter lim="400000"/>
-          </a:ln>
-          <a:effectLst/>
-        </p:spPr>
-        <p:txBody>
-          <a:bodyPr wrap="square" lIns="0" tIns="0" rIns="0" bIns="0" numCol="1" anchor="ctr">
-            <a:noAutofit/>
-          </a:bodyPr>
-          <a:lstStyle/>
-          <a:p>
-            <a:pPr>
-              <a:defRPr sz="3000">
-                <a:solidFill>
-                  <a:srgbClr val="FFFFFF"/>
-                </a:solidFill>
-                <a:effectLst>
-                  <a:outerShdw blurRad="38100" dist="12700" dir="5400000" rotWithShape="0">
-                    <a:srgbClr val="000000">
-                      <a:alpha val="50000"/>
-                    </a:srgbClr>
-                  </a:outerShdw>
-                </a:effectLst>
-                <a:latin typeface="Gill Sans"/>
-                <a:ea typeface="Gill Sans"/>
-                <a:cs typeface="Gill Sans"/>
-                <a:sym typeface="Gill Sans"/>
-              </a:defRPr>
-            </a:pPr>
-            <a:endParaRPr sz="3001">
-              <a:solidFill>
-                <a:schemeClr val="bg1"/>
-              </a:solidFill>
-              <a:latin typeface="Lato Light" charset="0"/>
-              <a:ea typeface="Lato Light" charset="0"/>
-              <a:cs typeface="Lato Light" charset="0"/>
-            </a:endParaRPr>
-          </a:p>
-        </p:txBody>
-      </p:sp>
-      <p:sp>
-        <p:nvSpPr>
-          <p:cNvPr id="25" name="Shape 1652"/>
-          <p:cNvSpPr/>
-          <p:nvPr/>
-        </p:nvSpPr>
-        <p:spPr>
-          <a:xfrm>
-            <a:off x="17890216" y="10382445"/>
-            <a:ext cx="463368" cy="347587"/>
-          </a:xfrm>
-          <a:custGeom>
-            <a:avLst/>
-            <a:gdLst/>
-            <a:ahLst/>
-            <a:cxnLst>
-              <a:cxn ang="0">
-                <a:pos x="wd2" y="hd2"/>
-              </a:cxn>
-              <a:cxn ang="5400000">
-                <a:pos x="wd2" y="hd2"/>
-              </a:cxn>
-              <a:cxn ang="10800000">
-                <a:pos x="wd2" y="hd2"/>
-              </a:cxn>
-              <a:cxn ang="16200000">
-                <a:pos x="wd2" y="hd2"/>
-              </a:cxn>
-            </a:cxnLst>
-            <a:rect l="0" t="0" r="r" b="b"/>
-            <a:pathLst>
-              <a:path w="21600" h="21600" extrusionOk="0">
-                <a:moveTo>
-                  <a:pt x="8640" y="16021"/>
-                </a:moveTo>
-                <a:lnTo>
-                  <a:pt x="8640" y="4401"/>
-                </a:lnTo>
-                <a:lnTo>
-                  <a:pt x="14811" y="10212"/>
-                </a:lnTo>
-                <a:lnTo>
-                  <a:pt x="8640" y="16021"/>
-                </a:lnTo>
-                <a:cubicBezTo>
-                  <a:pt x="8640" y="16021"/>
-                  <a:pt x="8640" y="16021"/>
-                  <a:pt x="8640" y="16021"/>
-                </a:cubicBezTo>
-                <a:close/>
-                <a:moveTo>
-                  <a:pt x="21600" y="4613"/>
-                </a:moveTo>
-                <a:cubicBezTo>
-                  <a:pt x="21600" y="2066"/>
-                  <a:pt x="20156" y="0"/>
-                  <a:pt x="18372" y="0"/>
-                </a:cubicBezTo>
-                <a:lnTo>
-                  <a:pt x="3228" y="0"/>
-                </a:lnTo>
-                <a:cubicBezTo>
-                  <a:pt x="1444" y="0"/>
-                  <a:pt x="0" y="2066"/>
-                  <a:pt x="0" y="4613"/>
-                </a:cubicBezTo>
-                <a:lnTo>
-                  <a:pt x="0" y="16986"/>
-                </a:lnTo>
-                <a:cubicBezTo>
-                  <a:pt x="0" y="19533"/>
-                  <a:pt x="1444" y="21600"/>
-                  <a:pt x="3228" y="21600"/>
-                </a:cubicBezTo>
-                <a:lnTo>
-                  <a:pt x="18372" y="21600"/>
-                </a:lnTo>
-                <a:cubicBezTo>
-                  <a:pt x="20156" y="21600"/>
-                  <a:pt x="21600" y="19533"/>
-                  <a:pt x="21600" y="16986"/>
-                </a:cubicBezTo>
-                <a:lnTo>
-                  <a:pt x="21600" y="4613"/>
-                </a:lnTo>
-                <a:cubicBezTo>
-                  <a:pt x="21600" y="4613"/>
-                  <a:pt x="21600" y="4613"/>
-                  <a:pt x="21600" y="4613"/>
-                </a:cubicBezTo>
-                <a:close/>
-              </a:path>
-            </a:pathLst>
-          </a:custGeom>
-          <a:solidFill>
-            <a:schemeClr val="bg1"/>
-          </a:solidFill>
-          <a:ln w="12700" cap="flat">
-            <a:noFill/>
-            <a:miter lim="400000"/>
-          </a:ln>
-          <a:effectLst/>
-        </p:spPr>
-        <p:txBody>
-          <a:bodyPr wrap="square" lIns="0" tIns="0" rIns="0" bIns="0" numCol="1" anchor="ctr">
-            <a:noAutofit/>
-          </a:bodyPr>
-          <a:lstStyle/>
-          <a:p>
-            <a:pPr>
-              <a:defRPr sz="3000">
-                <a:solidFill>
-                  <a:srgbClr val="FFFFFF"/>
-                </a:solidFill>
-                <a:effectLst>
-                  <a:outerShdw blurRad="38100" dist="12700" dir="5400000" rotWithShape="0">
-                    <a:srgbClr val="000000">
-                      <a:alpha val="50000"/>
-                    </a:srgbClr>
-                  </a:outerShdw>
-                </a:effectLst>
-                <a:latin typeface="Gill Sans"/>
-                <a:ea typeface="Gill Sans"/>
-                <a:cs typeface="Gill Sans"/>
-                <a:sym typeface="Gill Sans"/>
-              </a:defRPr>
-            </a:pPr>
-            <a:endParaRPr sz="3001">
-              <a:solidFill>
-                <a:schemeClr val="bg1"/>
-              </a:solidFill>
-              <a:latin typeface="Lato Light" charset="0"/>
-              <a:ea typeface="Lato Light" charset="0"/>
-              <a:cs typeface="Lato Light" charset="0"/>
-            </a:endParaRPr>
-          </a:p>
-        </p:txBody>
-      </p:sp>
-      <p:sp>
-        <p:nvSpPr>
-          <p:cNvPr id="28" name="Freeform 27"/>
-          <p:cNvSpPr>
-            <a:spLocks noChangeArrowheads="1"/>
-          </p:cNvSpPr>
-          <p:nvPr/>
-        </p:nvSpPr>
-        <p:spPr bwMode="auto">
-          <a:xfrm>
-            <a:off x="13087720" y="10313067"/>
-            <a:ext cx="253372" cy="470548"/>
-          </a:xfrm>
-          <a:custGeom>
-            <a:avLst/>
-            <a:gdLst>
-              <a:gd name="T0" fmla="*/ 248 w 249"/>
-              <a:gd name="T1" fmla="*/ 80 h 453"/>
-              <a:gd name="T2" fmla="*/ 248 w 249"/>
-              <a:gd name="T3" fmla="*/ 80 h 453"/>
-              <a:gd name="T4" fmla="*/ 177 w 249"/>
-              <a:gd name="T5" fmla="*/ 80 h 453"/>
-              <a:gd name="T6" fmla="*/ 160 w 249"/>
-              <a:gd name="T7" fmla="*/ 107 h 453"/>
-              <a:gd name="T8" fmla="*/ 160 w 249"/>
-              <a:gd name="T9" fmla="*/ 160 h 453"/>
-              <a:gd name="T10" fmla="*/ 248 w 249"/>
-              <a:gd name="T11" fmla="*/ 160 h 453"/>
-              <a:gd name="T12" fmla="*/ 248 w 249"/>
-              <a:gd name="T13" fmla="*/ 231 h 453"/>
-              <a:gd name="T14" fmla="*/ 160 w 249"/>
-              <a:gd name="T15" fmla="*/ 231 h 453"/>
-              <a:gd name="T16" fmla="*/ 160 w 249"/>
-              <a:gd name="T17" fmla="*/ 452 h 453"/>
-              <a:gd name="T18" fmla="*/ 79 w 249"/>
-              <a:gd name="T19" fmla="*/ 452 h 453"/>
-              <a:gd name="T20" fmla="*/ 79 w 249"/>
-              <a:gd name="T21" fmla="*/ 231 h 453"/>
-              <a:gd name="T22" fmla="*/ 0 w 249"/>
-              <a:gd name="T23" fmla="*/ 231 h 453"/>
-              <a:gd name="T24" fmla="*/ 0 w 249"/>
-              <a:gd name="T25" fmla="*/ 160 h 453"/>
-              <a:gd name="T26" fmla="*/ 79 w 249"/>
-              <a:gd name="T27" fmla="*/ 160 h 453"/>
-              <a:gd name="T28" fmla="*/ 79 w 249"/>
-              <a:gd name="T29" fmla="*/ 116 h 453"/>
-              <a:gd name="T30" fmla="*/ 177 w 249"/>
-              <a:gd name="T31" fmla="*/ 0 h 453"/>
-              <a:gd name="T32" fmla="*/ 248 w 249"/>
-              <a:gd name="T33" fmla="*/ 0 h 453"/>
-              <a:gd name="T34" fmla="*/ 248 w 249"/>
-              <a:gd name="T35" fmla="*/ 80 h 453"/>
-            </a:gdLst>
-            <a:ahLst/>
-            <a:cxnLst>
-              <a:cxn ang="0">
-                <a:pos x="T0" y="T1"/>
-              </a:cxn>
-              <a:cxn ang="0">
-                <a:pos x="T2" y="T3"/>
-              </a:cxn>
-              <a:cxn ang="0">
-                <a:pos x="T4" y="T5"/>
-              </a:cxn>
-              <a:cxn ang="0">
-                <a:pos x="T6" y="T7"/>
-              </a:cxn>
-              <a:cxn ang="0">
-                <a:pos x="T8" y="T9"/>
-              </a:cxn>
-              <a:cxn ang="0">
-                <a:pos x="T10" y="T11"/>
-              </a:cxn>
-              <a:cxn ang="0">
-                <a:pos x="T12" y="T13"/>
-              </a:cxn>
-              <a:cxn ang="0">
-                <a:pos x="T14" y="T15"/>
-              </a:cxn>
-              <a:cxn ang="0">
-                <a:pos x="T16" y="T17"/>
-              </a:cxn>
-              <a:cxn ang="0">
-                <a:pos x="T18" y="T19"/>
-              </a:cxn>
-              <a:cxn ang="0">
-                <a:pos x="T20" y="T21"/>
-              </a:cxn>
-              <a:cxn ang="0">
-                <a:pos x="T22" y="T23"/>
-              </a:cxn>
-              <a:cxn ang="0">
-                <a:pos x="T24" y="T25"/>
-              </a:cxn>
-              <a:cxn ang="0">
-                <a:pos x="T26" y="T27"/>
-              </a:cxn>
-              <a:cxn ang="0">
-                <a:pos x="T28" y="T29"/>
-              </a:cxn>
-              <a:cxn ang="0">
-                <a:pos x="T30" y="T31"/>
-              </a:cxn>
-              <a:cxn ang="0">
-                <a:pos x="T32" y="T33"/>
-              </a:cxn>
-              <a:cxn ang="0">
-                <a:pos x="T34" y="T35"/>
-              </a:cxn>
-            </a:cxnLst>
-            <a:rect l="0" t="0" r="r" b="b"/>
-            <a:pathLst>
-              <a:path w="249" h="453">
-                <a:moveTo>
-                  <a:pt x="248" y="80"/>
-                </a:moveTo>
-                <a:lnTo>
-                  <a:pt x="248" y="80"/>
-                </a:lnTo>
-                <a:cubicBezTo>
-                  <a:pt x="177" y="80"/>
-                  <a:pt x="177" y="80"/>
-                  <a:pt x="177" y="80"/>
-                </a:cubicBezTo>
-                <a:cubicBezTo>
-                  <a:pt x="169" y="80"/>
-                  <a:pt x="160" y="89"/>
-                  <a:pt x="160" y="107"/>
-                </a:cubicBezTo>
-                <a:cubicBezTo>
-                  <a:pt x="160" y="160"/>
-                  <a:pt x="160" y="160"/>
-                  <a:pt x="160" y="160"/>
-                </a:cubicBezTo>
-                <a:cubicBezTo>
-                  <a:pt x="248" y="160"/>
-                  <a:pt x="248" y="160"/>
-                  <a:pt x="248" y="160"/>
-                </a:cubicBezTo>
-                <a:cubicBezTo>
-                  <a:pt x="248" y="231"/>
-                  <a:pt x="248" y="231"/>
-                  <a:pt x="248" y="231"/>
-                </a:cubicBezTo>
-                <a:cubicBezTo>
-                  <a:pt x="160" y="231"/>
-                  <a:pt x="160" y="231"/>
-                  <a:pt x="160" y="231"/>
-                </a:cubicBezTo>
-                <a:cubicBezTo>
-                  <a:pt x="160" y="452"/>
-                  <a:pt x="160" y="452"/>
-                  <a:pt x="160" y="452"/>
-                </a:cubicBezTo>
-                <a:cubicBezTo>
-                  <a:pt x="79" y="452"/>
-                  <a:pt x="79" y="452"/>
-                  <a:pt x="79" y="452"/>
-                </a:cubicBezTo>
-                <a:cubicBezTo>
-                  <a:pt x="79" y="231"/>
-                  <a:pt x="79" y="231"/>
-                  <a:pt x="79" y="231"/>
-                </a:cubicBezTo>
-                <a:cubicBezTo>
-                  <a:pt x="0" y="231"/>
-                  <a:pt x="0" y="231"/>
-                  <a:pt x="0" y="231"/>
-                </a:cubicBezTo>
-                <a:cubicBezTo>
-                  <a:pt x="0" y="160"/>
-                  <a:pt x="0" y="160"/>
-                  <a:pt x="0" y="160"/>
-                </a:cubicBezTo>
-                <a:cubicBezTo>
-                  <a:pt x="79" y="160"/>
-                  <a:pt x="79" y="160"/>
-                  <a:pt x="79" y="160"/>
-                </a:cubicBezTo>
-                <a:cubicBezTo>
-                  <a:pt x="79" y="116"/>
-                  <a:pt x="79" y="116"/>
-                  <a:pt x="79" y="116"/>
-                </a:cubicBezTo>
-                <a:cubicBezTo>
-                  <a:pt x="79" y="54"/>
-                  <a:pt x="115" y="0"/>
-                  <a:pt x="177" y="0"/>
-                </a:cubicBezTo>
-                <a:cubicBezTo>
-                  <a:pt x="248" y="0"/>
-                  <a:pt x="248" y="0"/>
-                  <a:pt x="248" y="0"/>
-                </a:cubicBezTo>
-                <a:lnTo>
-                  <a:pt x="248" y="80"/>
-                </a:lnTo>
-              </a:path>
-            </a:pathLst>
-          </a:custGeom>
-          <a:solidFill>
-            <a:schemeClr val="bg1"/>
-          </a:solidFill>
-          <a:ln>
-            <a:noFill/>
-          </a:ln>
-          <a:effectLst/>
-          <a:extLst>
-            <a:ext uri="{91240B29-F687-4f45-9708-019B960494DF}">
-              <a14:hiddenLine xmlns:a14="http://schemas.microsoft.com/office/drawing/2010/main" xmlns="" w="9525" cap="flat">
-                <a:solidFill>
-                  <a:srgbClr val="808080"/>
-                </a:solidFill>
-                <a:bevel/>
-                <a:headEnd/>
-                <a:tailEnd/>
-              </a14:hiddenLine>
-            </a:ext>
-            <a:ext uri="{AF507438-7753-43e0-B8FC-AC1667EBCBE1}">
-              <a14:hiddenEffects xmlns:a14="http://schemas.microsoft.com/office/drawing/2010/main" xmlns="">
-                <a:effectLst>
-                  <a:outerShdw blurRad="63500" dist="38099" dir="2700000" algn="ctr" rotWithShape="0">
-                    <a:srgbClr val="000000">
-                      <a:alpha val="74998"/>
-                    </a:srgbClr>
-                  </a:outerShdw>
-                </a:effectLst>
-              </a14:hiddenEffects>
-            </a:ext>
-          </a:extLst>
-        </p:spPr>
-        <p:txBody>
-          <a:bodyPr wrap="none" lIns="34290" tIns="17145" rIns="34290" bIns="17145" anchor="ctr"/>
-          <a:lstStyle/>
-          <a:p>
-            <a:pPr>
-              <a:defRPr/>
-            </a:pPr>
-            <a:endParaRPr lang="en-US" dirty="0">
-              <a:solidFill>
-                <a:schemeClr val="bg1"/>
-              </a:solidFill>
-              <a:latin typeface="Lato Light" charset="0"/>
-              <a:ea typeface="Lato Light" charset="0"/>
-              <a:cs typeface="Lato Light" charset="0"/>
-            </a:endParaRPr>
-          </a:p>
-        </p:txBody>
-      </p:sp>
-      <p:sp>
-        <p:nvSpPr>
-          <p:cNvPr id="31" name="TextBox 30"/>
-          <p:cNvSpPr txBox="1"/>
-          <p:nvPr/>
-        </p:nvSpPr>
-        <p:spPr>
-          <a:xfrm>
-            <a:off x="12964815" y="6641499"/>
-            <a:ext cx="5341527" cy="1077474"/>
-          </a:xfrm>
-          <a:prstGeom prst="rect">
-            <a:avLst/>
-          </a:prstGeom>
-          <a:noFill/>
-        </p:spPr>
-        <p:txBody>
-          <a:bodyPr wrap="none" rtlCol="0">
-            <a:spAutoFit/>
-          </a:bodyPr>
-          <a:lstStyle/>
-          <a:p>
-            <a:r>
-              <a:rPr lang="en-US" sz="3201" dirty="0">
-                <a:solidFill>
-                  <a:schemeClr val="bg1"/>
-                </a:solidFill>
-                <a:latin typeface="Lato Light" charset="0"/>
-                <a:ea typeface="Lato Light" charset="0"/>
-                <a:cs typeface="Lato Light" charset="0"/>
-              </a:rPr>
-              <a:t>Send us a message or visit us</a:t>
-            </a:r>
-          </a:p>
-          <a:p>
-            <a:r>
-              <a:rPr lang="en-US" sz="3201" dirty="0">
-                <a:solidFill>
-                  <a:schemeClr val="bg1"/>
-                </a:solidFill>
-                <a:latin typeface="Lato Light" charset="0"/>
-                <a:ea typeface="Lato Light" charset="0"/>
-                <a:cs typeface="Lato Light" charset="0"/>
-              </a:rPr>
-              <a:t>Whenever you like</a:t>
-            </a:r>
-          </a:p>
-        </p:txBody>
-      </p:sp>
-      <p:sp>
-        <p:nvSpPr>
-          <p:cNvPr id="34" name="TextBox 33"/>
-          <p:cNvSpPr txBox="1"/>
-          <p:nvPr/>
-        </p:nvSpPr>
-        <p:spPr>
-          <a:xfrm>
-            <a:off x="12964815" y="8083407"/>
-            <a:ext cx="6449201" cy="1570045"/>
-          </a:xfrm>
-          <a:prstGeom prst="rect">
-            <a:avLst/>
-          </a:prstGeom>
-          <a:noFill/>
-        </p:spPr>
-        <p:txBody>
-          <a:bodyPr wrap="none" rtlCol="0">
-            <a:spAutoFit/>
-          </a:bodyPr>
-          <a:lstStyle/>
-          <a:p>
-            <a:r>
-              <a:rPr lang="en-US" sz="3201" dirty="0">
-                <a:solidFill>
-                  <a:schemeClr val="bg1"/>
-                </a:solidFill>
-                <a:latin typeface="Lato Light" charset="0"/>
-                <a:ea typeface="Lato Light" charset="0"/>
-                <a:cs typeface="Lato Light" charset="0"/>
-              </a:rPr>
-              <a:t>Empire State Building</a:t>
-            </a:r>
-          </a:p>
-          <a:p>
-            <a:r>
-              <a:rPr lang="en-US" sz="3201" dirty="0">
-                <a:solidFill>
-                  <a:schemeClr val="bg1"/>
-                </a:solidFill>
-                <a:latin typeface="Lato Light" charset="0"/>
-                <a:ea typeface="Lato Light" charset="0"/>
-                <a:cs typeface="Lato Light" charset="0"/>
-              </a:rPr>
-              <a:t>350 5th Ave, New York, NY 10118</a:t>
-            </a:r>
-          </a:p>
-          <a:p>
-            <a:r>
-              <a:rPr lang="en-US" sz="3201" dirty="0">
-                <a:solidFill>
-                  <a:schemeClr val="bg1"/>
-                </a:solidFill>
-                <a:latin typeface="Lato Light" charset="0"/>
-                <a:ea typeface="Lato Light" charset="0"/>
-                <a:cs typeface="Lato Light" charset="0"/>
-              </a:rPr>
-              <a:t>(212) 736-3100</a:t>
-            </a:r>
-          </a:p>
-        </p:txBody>
-      </p:sp>
-      <p:sp>
-        <p:nvSpPr>
-          <p:cNvPr id="35" name="TextBox 34"/>
-          <p:cNvSpPr txBox="1"/>
-          <p:nvPr/>
-        </p:nvSpPr>
-        <p:spPr>
-          <a:xfrm>
-            <a:off x="12964814" y="2932384"/>
-            <a:ext cx="4846198" cy="369332"/>
-          </a:xfrm>
-          <a:prstGeom prst="rect">
-            <a:avLst/>
-          </a:prstGeom>
-          <a:noFill/>
-        </p:spPr>
-        <p:txBody>
-          <a:bodyPr wrap="none" rtlCol="0">
-            <a:spAutoFit/>
-          </a:bodyPr>
-          <a:lstStyle/>
-          <a:p>
-            <a:r>
-              <a:rPr lang="en-US" sz="1800" spc="300" dirty="0">
-                <a:solidFill>
-                  <a:schemeClr val="bg1"/>
-                </a:solidFill>
-                <a:latin typeface="Lato Light" charset="0"/>
-                <a:ea typeface="Lato Light" charset="0"/>
-                <a:cs typeface="Lato Light" charset="0"/>
-              </a:rPr>
-              <a:t>WRITE A TITLE IN THIS SECTION</a:t>
-            </a:r>
-          </a:p>
-        </p:txBody>
-      </p:sp>
-      <p:sp>
-        <p:nvSpPr>
-          <p:cNvPr id="38" name="TextBox 37"/>
-          <p:cNvSpPr txBox="1"/>
-          <p:nvPr/>
-        </p:nvSpPr>
-        <p:spPr>
-          <a:xfrm>
-            <a:off x="12964814" y="3235469"/>
-            <a:ext cx="4620176" cy="1938992"/>
-          </a:xfrm>
-          <a:prstGeom prst="rect">
-            <a:avLst/>
-          </a:prstGeom>
-          <a:noFill/>
-        </p:spPr>
-        <p:txBody>
-          <a:bodyPr wrap="none" rtlCol="0">
-            <a:spAutoFit/>
-          </a:bodyPr>
-          <a:lstStyle/>
-          <a:p>
-            <a:r>
-              <a:rPr lang="en-US" sz="6000" dirty="0">
-                <a:solidFill>
-                  <a:schemeClr val="bg1"/>
-                </a:solidFill>
-                <a:latin typeface="Lato Light" charset="0"/>
-                <a:ea typeface="Lato Light" charset="0"/>
-                <a:cs typeface="Lato Light" charset="0"/>
-              </a:rPr>
-              <a:t>Get in Touch</a:t>
-            </a:r>
-          </a:p>
-          <a:p>
-            <a:r>
-              <a:rPr lang="en-US" sz="6000" dirty="0">
-                <a:solidFill>
-                  <a:schemeClr val="bg1"/>
-                </a:solidFill>
-                <a:latin typeface="Lato Light" charset="0"/>
-                <a:ea typeface="Lato Light" charset="0"/>
-                <a:cs typeface="Lato Light" charset="0"/>
-              </a:rPr>
-              <a:t>With Us</a:t>
-            </a:r>
-          </a:p>
-        </p:txBody>
-      </p:sp>
-      <p:sp>
-        <p:nvSpPr>
-          <p:cNvPr id="40" name="TextBox 39"/>
-          <p:cNvSpPr txBox="1"/>
-          <p:nvPr/>
-        </p:nvSpPr>
-        <p:spPr>
-          <a:xfrm>
-            <a:off x="12964814" y="5181258"/>
-            <a:ext cx="9264264" cy="1066959"/>
-          </a:xfrm>
-          <a:prstGeom prst="rect">
-            <a:avLst/>
-          </a:prstGeom>
-          <a:noFill/>
-        </p:spPr>
-        <p:txBody>
-          <a:bodyPr wrap="square" rtlCol="0">
-            <a:spAutoFit/>
-          </a:bodyPr>
-          <a:lstStyle/>
-          <a:p>
-            <a:pPr>
-              <a:lnSpc>
-                <a:spcPts val="3780"/>
-              </a:lnSpc>
-            </a:pPr>
-            <a:r>
-              <a:rPr lang="en-US" sz="2399" dirty="0">
-                <a:solidFill>
-                  <a:schemeClr val="bg1"/>
-                </a:solidFill>
-                <a:latin typeface="Lato Light" charset="0"/>
-                <a:ea typeface="Lato Light" charset="0"/>
-                <a:cs typeface="Lato Light" charset="0"/>
-              </a:rPr>
-              <a:t>A telegraph wire, or a strand of cobweb, it is all the same. Likewise a fish is technically fast when it bears a waif, or any other recognized</a:t>
-            </a:r>
-          </a:p>
-        </p:txBody>
-      </p:sp>
-      <p:cxnSp>
-        <p:nvCxnSpPr>
-          <p:cNvPr id="10" name="Straight Connector 9"/>
-          <p:cNvCxnSpPr/>
-          <p:nvPr/>
-        </p:nvCxnSpPr>
-        <p:spPr>
-          <a:xfrm>
-            <a:off x="12434887" y="2828926"/>
-            <a:ext cx="0" cy="8143875"/>
-          </a:xfrm>
-          <a:prstGeom prst="line">
-            <a:avLst/>
-          </a:prstGeom>
-          <a:ln>
-            <a:solidFill>
-              <a:schemeClr val="accent1"/>
-            </a:solidFill>
-          </a:ln>
-        </p:spPr>
-        <p:style>
-          <a:lnRef idx="1">
-            <a:schemeClr val="accent1"/>
-          </a:lnRef>
-          <a:fillRef idx="0">
-            <a:schemeClr val="accent1"/>
-          </a:fillRef>
-          <a:effectRef idx="0">
-            <a:schemeClr val="accent1"/>
-          </a:effectRef>
-          <a:fontRef idx="minor">
-            <a:schemeClr val="tx1"/>
-          </a:fontRef>
-        </p:style>
-      </p:cxnSp>
-    </p:spTree>
-    <p:extLst>
-      <p:ext uri="{BB962C8B-B14F-4D97-AF65-F5344CB8AC3E}">
-        <p14:creationId xmlns:p14="http://schemas.microsoft.com/office/powerpoint/2010/main" val="1580827986"/>
-      </p:ext>
-    </p:extLst>
-  </p:cSld>
-  <p:clrMapOvr>
-    <a:masterClrMapping/>
-  </p:clrMapOvr>
-  <p:timing>
-    <p:tnLst>
-      <p:par>
-        <p:cTn id="1" dur="indefinite" restart="never" nodeType="tmRoot"/>
-      </p:par>
-    </p:tnLst>
-  </p:timing>
-</p:sld>
-</file>
-
-<file path=ppt/slides/slide7.xml><?xml version="1.0" encoding="utf-8"?>
-<p:sld xmlns:a="http://schemas.openxmlformats.org/drawingml/2006/main" xmlns:r="http://schemas.openxmlformats.org/officeDocument/2006/relationships" xmlns:p="http://schemas.openxmlformats.org/presentationml/2006/main">
-  <p:cSld>
-    <p:spTree>
-      <p:nvGrpSpPr>
-        <p:cNvPr id="1" name=""/>
-        <p:cNvGrpSpPr/>
-        <p:nvPr/>
-      </p:nvGrpSpPr>
-      <p:grpSpPr>
-        <a:xfrm>
-          <a:off x="0" y="0"/>
-          <a:ext cx="0" cy="0"/>
-          <a:chOff x="0" y="0"/>
-          <a:chExt cx="0" cy="0"/>
-        </a:xfrm>
-      </p:grpSpPr>
-      <p:sp>
-        <p:nvSpPr>
-          <p:cNvPr id="14337" name="TextBox 503"/>
-          <p:cNvSpPr txBox="1">
-            <a:spLocks noChangeArrowheads="1"/>
-          </p:cNvSpPr>
-          <p:nvPr/>
-        </p:nvSpPr>
-        <p:spPr bwMode="auto">
-          <a:xfrm>
-            <a:off x="6511925" y="5546725"/>
-            <a:ext cx="11453812" cy="1016000"/>
-          </a:xfrm>
-          <a:prstGeom prst="rect">
-            <a:avLst/>
-          </a:prstGeom>
-          <a:noFill/>
-          <a:ln>
-            <a:noFill/>
-          </a:ln>
-          <a:extLst>
-            <a:ext uri="{909E8E84-426E-40DD-AFC4-6F175D3DCCD1}">
-              <a14:hiddenFill xmlns:a14="http://schemas.microsoft.com/office/drawing/2010/main">
-                <a:solidFill>
-                  <a:srgbClr val="FFFFFF"/>
-                </a:solidFill>
-              </a14:hiddenFill>
-            </a:ext>
-            <a:ext uri="{91240B29-F687-4F45-9708-019B960494DF}">
-              <a14:hiddenLine xmlns:a14="http://schemas.microsoft.com/office/drawing/2010/main" w="9525">
-                <a:solidFill>
-                  <a:srgbClr val="000000"/>
-                </a:solidFill>
-                <a:miter lim="800000"/>
-                <a:headEnd/>
-                <a:tailEnd/>
-              </a14:hiddenLine>
-            </a:ext>
-          </a:extLst>
-        </p:spPr>
-        <p:txBody>
-          <a:bodyPr>
-            <a:spAutoFit/>
-          </a:bodyPr>
-          <a:lstStyle>
-            <a:lvl1pPr>
-              <a:defRPr sz="3600">
-                <a:solidFill>
-                  <a:schemeClr val="tx1"/>
-                </a:solidFill>
-                <a:latin typeface="Lato Light" charset="0"/>
-              </a:defRPr>
-            </a:lvl1pPr>
-            <a:lvl2pPr marL="742950" indent="-285750">
-              <a:defRPr sz="3600">
-                <a:solidFill>
-                  <a:schemeClr val="tx1"/>
-                </a:solidFill>
-                <a:latin typeface="Lato Light" charset="0"/>
-              </a:defRPr>
-            </a:lvl2pPr>
-            <a:lvl3pPr marL="1143000" indent="-228600">
-              <a:defRPr sz="3600">
-                <a:solidFill>
-                  <a:schemeClr val="tx1"/>
-                </a:solidFill>
-                <a:latin typeface="Lato Light" charset="0"/>
-              </a:defRPr>
-            </a:lvl3pPr>
-            <a:lvl4pPr marL="1600200" indent="-228600">
-              <a:defRPr sz="3600">
-                <a:solidFill>
-                  <a:schemeClr val="tx1"/>
-                </a:solidFill>
-                <a:latin typeface="Lato Light" charset="0"/>
-              </a:defRPr>
-            </a:lvl4pPr>
-            <a:lvl5pPr marL="2057400" indent="-228600">
-              <a:defRPr sz="3600">
-                <a:solidFill>
-                  <a:schemeClr val="tx1"/>
-                </a:solidFill>
-                <a:latin typeface="Lato Light" charset="0"/>
-              </a:defRPr>
-            </a:lvl5pPr>
-            <a:lvl6pPr marL="2514600" indent="-228600" defTabSz="1827213" fontAlgn="base">
-              <a:spcBef>
-                <a:spcPct val="0"/>
-              </a:spcBef>
-              <a:spcAft>
-                <a:spcPct val="0"/>
-              </a:spcAft>
-              <a:defRPr sz="3600">
-                <a:solidFill>
-                  <a:schemeClr val="tx1"/>
-                </a:solidFill>
-                <a:latin typeface="Lato Light" charset="0"/>
-              </a:defRPr>
-            </a:lvl6pPr>
-            <a:lvl7pPr marL="2971800" indent="-228600" defTabSz="1827213" fontAlgn="base">
-              <a:spcBef>
-                <a:spcPct val="0"/>
-              </a:spcBef>
-              <a:spcAft>
-                <a:spcPct val="0"/>
-              </a:spcAft>
-              <a:defRPr sz="3600">
-                <a:solidFill>
-                  <a:schemeClr val="tx1"/>
-                </a:solidFill>
-                <a:latin typeface="Lato Light" charset="0"/>
-              </a:defRPr>
-            </a:lvl7pPr>
-            <a:lvl8pPr marL="3429000" indent="-228600" defTabSz="1827213" fontAlgn="base">
-              <a:spcBef>
-                <a:spcPct val="0"/>
-              </a:spcBef>
-              <a:spcAft>
-                <a:spcPct val="0"/>
-              </a:spcAft>
-              <a:defRPr sz="3600">
-                <a:solidFill>
-                  <a:schemeClr val="tx1"/>
-                </a:solidFill>
-                <a:latin typeface="Lato Light" charset="0"/>
-              </a:defRPr>
-            </a:lvl8pPr>
-            <a:lvl9pPr marL="3886200" indent="-228600" defTabSz="1827213" fontAlgn="base">
-              <a:spcBef>
-                <a:spcPct val="0"/>
-              </a:spcBef>
-              <a:spcAft>
-                <a:spcPct val="0"/>
-              </a:spcAft>
-              <a:defRPr sz="3600">
-                <a:solidFill>
-                  <a:schemeClr val="tx1"/>
-                </a:solidFill>
-                <a:latin typeface="Lato Light" charset="0"/>
-              </a:defRPr>
-            </a:lvl9pPr>
-          </a:lstStyle>
-          <a:p>
-            <a:pPr algn="ctr" eaLnBrk="1" hangingPunct="1"/>
-            <a:r>
-              <a:rPr lang="en-US" altLang="x-none" sz="6000">
-                <a:latin typeface="Lato" charset="0"/>
-                <a:ea typeface="Lato" charset="0"/>
-                <a:cs typeface="Lato" charset="0"/>
-              </a:rPr>
-              <a:t>Download More Templates</a:t>
-            </a:r>
-          </a:p>
-        </p:txBody>
-      </p:sp>
-      <p:pic>
-        <p:nvPicPr>
-          <p:cNvPr id="14338" name="Picture 3">
-            <a:hlinkClick r:id="rId2"/>
-          </p:cNvPr>
-          <p:cNvPicPr>
-            <a:picLocks noChangeAspect="1"/>
-          </p:cNvPicPr>
-          <p:nvPr/>
-        </p:nvPicPr>
-        <p:blipFill>
-          <a:blip r:embed="rId3">
-            <a:extLst>
-              <a:ext uri="{28A0092B-C50C-407E-A947-70E740481C1C}">
-                <a14:useLocalDpi xmlns:a14="http://schemas.microsoft.com/office/drawing/2010/main" val="0"/>
-              </a:ext>
-            </a:extLst>
-          </a:blip>
-          <a:srcRect/>
-          <a:stretch>
-            <a:fillRect/>
-          </a:stretch>
-        </p:blipFill>
-        <p:spPr bwMode="auto">
-          <a:xfrm>
-            <a:off x="9045576" y="6562726"/>
-            <a:ext cx="6296025" cy="2360613"/>
-          </a:xfrm>
-          <a:prstGeom prst="rect">
-            <a:avLst/>
-          </a:prstGeom>
-          <a:noFill/>
-          <a:ln>
-            <a:noFill/>
-          </a:ln>
-          <a:extLst>
-            <a:ext uri="{909E8E84-426E-40DD-AFC4-6F175D3DCCD1}">
-              <a14:hiddenFill xmlns:a14="http://schemas.microsoft.com/office/drawing/2010/main">
-                <a:solidFill>
-                  <a:srgbClr val="FFFFFF"/>
-                </a:solidFill>
-              </a14:hiddenFill>
-            </a:ext>
-            <a:ext uri="{91240B29-F687-4F45-9708-019B960494DF}">
-              <a14:hiddenLine xmlns:a14="http://schemas.microsoft.com/office/drawing/2010/main" w="9525">
-                <a:solidFill>
-                  <a:srgbClr val="000000"/>
-                </a:solidFill>
-                <a:miter lim="800000"/>
-                <a:headEnd/>
-                <a:tailEnd/>
-              </a14:hiddenLine>
-            </a:ext>
-          </a:extLst>
-        </p:spPr>
-      </p:pic>
-    </p:spTree>
-    <p:extLst>
-      <p:ext uri="{BB962C8B-B14F-4D97-AF65-F5344CB8AC3E}">
-        <p14:creationId xmlns:p14="http://schemas.microsoft.com/office/powerpoint/2010/main" val="308280018"/>
       </p:ext>
     </p:extLst>
   </p:cSld>

--- a/Showcase Presentation.pptx
+++ b/Showcase Presentation.pptx
@@ -1907,15 +1907,7 @@
                 <a:ea typeface="Lato Light" charset="0"/>
                 <a:cs typeface="Lato Light" charset="0"/>
               </a:rPr>
-              <a:t>Is to </a:t>
-            </a:r>
-            <a:r>
-              <a:rPr lang="en-US" sz="2600" dirty="0" smtClean="0">
-                <a:latin typeface="Lato Light" charset="0"/>
-                <a:ea typeface="Lato Light" charset="0"/>
-                <a:cs typeface="Lato Light" charset="0"/>
-              </a:rPr>
-              <a:t>combat the amount of children that are abducted every year and ensure safety of minors</a:t>
+              <a:t>Is to combat the amount of children that are abducted every year and ensure safety of minors</a:t>
             </a:r>
             <a:endParaRPr lang="en-US" sz="2600" dirty="0">
               <a:latin typeface="Lato Light" charset="0"/>
@@ -3613,11 +3605,6 @@
               </a:rPr>
               <a:t>If this product would be on the market, our goal would be to improve the owners safety and ensure their knows where they are at all times. </a:t>
             </a:r>
-            <a:endParaRPr lang="en-US" sz="2600" dirty="0" smtClean="0">
-              <a:latin typeface="Lato Light" charset="0"/>
-              <a:ea typeface="Lato Light" charset="0"/>
-              <a:cs typeface="Lato Light" charset="0"/>
-            </a:endParaRPr>
           </a:p>
         </p:txBody>
       </p:sp>
@@ -3779,18 +3766,7 @@
                 <a:ea typeface="Lato Light" charset="0"/>
                 <a:cs typeface="Lato Light" charset="0"/>
               </a:rPr>
-              <a:t>The Explorer will ping the co-ordinates every 5 minutes mapping the route of the owner. </a:t>
-            </a:r>
-            <a:r>
-              <a:rPr lang="en-US" sz="2800" dirty="0" smtClean="0">
-                <a:solidFill>
-                  <a:srgbClr val="ADADAD"/>
-                </a:solidFill>
-                <a:latin typeface="Lato Light" charset="0"/>
-                <a:ea typeface="Lato Light" charset="0"/>
-                <a:cs typeface="Lato Light" charset="0"/>
-              </a:rPr>
-              <a:t>Furthermore you can map out the usual routes you would take for example: Going to school or going to the shops.</a:t>
+              <a:t>The Explorer will ping the co-ordinates every 5 minutes mapping the route of the owner. Furthermore you can map out the usual routes you would take for example: Going to school or going to the shops.</a:t>
             </a:r>
             <a:endParaRPr lang="en-US" sz="2800" dirty="0">
               <a:solidFill>
@@ -3878,15 +3854,7 @@
                 <a:ea typeface="Lato Light" charset="0"/>
                 <a:cs typeface="Lato Light" charset="0"/>
               </a:rPr>
-              <a:t>occupants,—a mast, an oar, a </a:t>
-            </a:r>
-            <a:r>
-              <a:rPr lang="en-US" sz="2399" dirty="0">
-                <a:latin typeface="Lato Light" charset="0"/>
-                <a:ea typeface="Lato Light" charset="0"/>
-                <a:cs typeface="Lato Light" charset="0"/>
-              </a:rPr>
-              <a:t>nine-</a:t>
+              <a:t>occupants,—a mast, an oar, a nine-</a:t>
             </a:r>
             <a:r>
               <a:rPr lang="en-US" sz="2399" dirty="0" err="1">
@@ -3902,15 +3870,7 @@
                 <a:ea typeface="Lato Light" charset="0"/>
                 <a:cs typeface="Lato Light" charset="0"/>
               </a:rPr>
-              <a:t> </a:t>
-            </a:r>
-            <a:r>
-              <a:rPr lang="en-US" sz="2399" dirty="0">
-                <a:latin typeface="Lato Light" charset="0"/>
-                <a:ea typeface="Lato Light" charset="0"/>
-                <a:cs typeface="Lato Light" charset="0"/>
-              </a:rPr>
-              <a:t>cable, a telegraph wire, or a strand of cobweb, it is all the same.</a:t>
+              <a:t> cable, a telegraph wire, or a strand of cobweb, it is all the same.</a:t>
             </a:r>
           </a:p>
         </p:txBody>

--- a/Showcase Presentation.pptx
+++ b/Showcase Presentation.pptx
@@ -8,7 +8,7 @@
     <p:notesMasterId r:id="rId6"/>
   </p:notesMasterIdLst>
   <p:sldIdLst>
-    <p:sldId id="257" r:id="rId2"/>
+    <p:sldId id="265" r:id="rId2"/>
     <p:sldId id="261" r:id="rId3"/>
     <p:sldId id="263" r:id="rId4"/>
     <p:sldId id="264" r:id="rId5"/>
@@ -558,7 +558,7 @@
     </p:spTree>
     <p:extLst>
       <p:ext uri="{BB962C8B-B14F-4D97-AF65-F5344CB8AC3E}">
-        <p14:creationId xmlns:p14="http://schemas.microsoft.com/office/powerpoint/2010/main" val="1323080872"/>
+        <p14:creationId xmlns:p14="http://schemas.microsoft.com/office/powerpoint/2010/main" val="3879846236"/>
       </p:ext>
     </p:extLst>
   </p:cSld>
@@ -659,81 +659,6 @@
 </file>
 
 <file path=ppt/slideLayouts/slideLayout2.xml><?xml version="1.0" encoding="utf-8"?>
-<p:sldLayout xmlns:a="http://schemas.openxmlformats.org/drawingml/2006/main" xmlns:r="http://schemas.openxmlformats.org/officeDocument/2006/relationships" xmlns:p="http://schemas.openxmlformats.org/presentationml/2006/main">
-  <p:cSld name="3_Blank">
-    <p:spTree>
-      <p:nvGrpSpPr>
-        <p:cNvPr id="1" name=""/>
-        <p:cNvGrpSpPr/>
-        <p:nvPr/>
-      </p:nvGrpSpPr>
-      <p:grpSpPr>
-        <a:xfrm>
-          <a:off x="0" y="0"/>
-          <a:ext cx="0" cy="0"/>
-          <a:chOff x="0" y="0"/>
-          <a:chExt cx="0" cy="0"/>
-        </a:xfrm>
-      </p:grpSpPr>
-      <p:sp>
-        <p:nvSpPr>
-          <p:cNvPr id="4" name="Picture Placeholder 13"/>
-          <p:cNvSpPr>
-            <a:spLocks noGrp="1"/>
-          </p:cNvSpPr>
-          <p:nvPr>
-            <p:ph type="pic" sz="quarter" idx="13"/>
-          </p:nvPr>
-        </p:nvSpPr>
-        <p:spPr>
-          <a:xfrm>
-            <a:off x="4" y="0"/>
-            <a:ext cx="24387174" cy="13716000"/>
-          </a:xfrm>
-          <a:effectLst/>
-        </p:spPr>
-        <p:txBody>
-          <a:bodyPr>
-            <a:normAutofit/>
-          </a:bodyPr>
-          <a:lstStyle>
-            <a:lvl1pPr marL="0" indent="0">
-              <a:buNone/>
-              <a:defRPr sz="4200">
-                <a:ln>
-                  <a:noFill/>
-                </a:ln>
-                <a:solidFill>
-                  <a:schemeClr val="bg1">
-                    <a:lumMod val="85000"/>
-                  </a:schemeClr>
-                </a:solidFill>
-              </a:defRPr>
-            </a:lvl1pPr>
-          </a:lstStyle>
-          <a:p>
-            <a:r>
-              <a:rPr lang="en-US"/>
-              <a:t>Drag picture to placeholder or click icon to add</a:t>
-            </a:r>
-            <a:endParaRPr lang="en-US" dirty="0"/>
-          </a:p>
-        </p:txBody>
-      </p:sp>
-    </p:spTree>
-    <p:extLst>
-      <p:ext uri="{BB962C8B-B14F-4D97-AF65-F5344CB8AC3E}">
-        <p14:creationId xmlns:p14="http://schemas.microsoft.com/office/powerpoint/2010/main" val="283799541"/>
-      </p:ext>
-    </p:extLst>
-  </p:cSld>
-  <p:clrMapOvr>
-    <a:masterClrMapping/>
-  </p:clrMapOvr>
-</p:sldLayout>
-</file>
-
-<file path=ppt/slideLayouts/slideLayout3.xml><?xml version="1.0" encoding="utf-8"?>
 <p:sldLayout xmlns:a="http://schemas.openxmlformats.org/drawingml/2006/main" xmlns:r="http://schemas.openxmlformats.org/officeDocument/2006/relationships" xmlns:p="http://schemas.openxmlformats.org/presentationml/2006/main" userDrawn="1">
   <p:cSld name="1_PlaceholderIMG">
     <p:spTree>
@@ -910,7 +835,7 @@
 </p:sldLayout>
 </file>
 
-<file path=ppt/slideLayouts/slideLayout4.xml><?xml version="1.0" encoding="utf-8"?>
+<file path=ppt/slideLayouts/slideLayout3.xml><?xml version="1.0" encoding="utf-8"?>
 <p:sldLayout xmlns:a="http://schemas.openxmlformats.org/drawingml/2006/main" xmlns:r="http://schemas.openxmlformats.org/officeDocument/2006/relationships" xmlns:p="http://schemas.openxmlformats.org/presentationml/2006/main" userDrawn="1">
   <p:cSld name="18_Blank">
     <p:spTree>
@@ -1039,6 +964,81 @@
 </p:sldLayout>
 </file>
 
+<file path=ppt/slideLayouts/slideLayout4.xml><?xml version="1.0" encoding="utf-8"?>
+<p:sldLayout xmlns:a="http://schemas.openxmlformats.org/drawingml/2006/main" xmlns:r="http://schemas.openxmlformats.org/officeDocument/2006/relationships" xmlns:p="http://schemas.openxmlformats.org/presentationml/2006/main">
+  <p:cSld name="3_Blank">
+    <p:spTree>
+      <p:nvGrpSpPr>
+        <p:cNvPr id="1" name=""/>
+        <p:cNvGrpSpPr/>
+        <p:nvPr/>
+      </p:nvGrpSpPr>
+      <p:grpSpPr>
+        <a:xfrm>
+          <a:off x="0" y="0"/>
+          <a:ext cx="0" cy="0"/>
+          <a:chOff x="0" y="0"/>
+          <a:chExt cx="0" cy="0"/>
+        </a:xfrm>
+      </p:grpSpPr>
+      <p:sp>
+        <p:nvSpPr>
+          <p:cNvPr id="4" name="Picture Placeholder 13"/>
+          <p:cNvSpPr>
+            <a:spLocks noGrp="1"/>
+          </p:cNvSpPr>
+          <p:nvPr>
+            <p:ph type="pic" sz="quarter" idx="13"/>
+          </p:nvPr>
+        </p:nvSpPr>
+        <p:spPr>
+          <a:xfrm>
+            <a:off x="4" y="0"/>
+            <a:ext cx="24387174" cy="13716000"/>
+          </a:xfrm>
+          <a:effectLst/>
+        </p:spPr>
+        <p:txBody>
+          <a:bodyPr>
+            <a:normAutofit/>
+          </a:bodyPr>
+          <a:lstStyle>
+            <a:lvl1pPr marL="0" indent="0">
+              <a:buNone/>
+              <a:defRPr sz="4200">
+                <a:ln>
+                  <a:noFill/>
+                </a:ln>
+                <a:solidFill>
+                  <a:schemeClr val="bg1">
+                    <a:lumMod val="85000"/>
+                  </a:schemeClr>
+                </a:solidFill>
+              </a:defRPr>
+            </a:lvl1pPr>
+          </a:lstStyle>
+          <a:p>
+            <a:r>
+              <a:rPr lang="en-US"/>
+              <a:t>Drag picture to placeholder or click icon to add</a:t>
+            </a:r>
+            <a:endParaRPr lang="en-US" dirty="0"/>
+          </a:p>
+        </p:txBody>
+      </p:sp>
+    </p:spTree>
+    <p:extLst>
+      <p:ext uri="{BB962C8B-B14F-4D97-AF65-F5344CB8AC3E}">
+        <p14:creationId xmlns:p14="http://schemas.microsoft.com/office/powerpoint/2010/main" val="2796199473"/>
+      </p:ext>
+    </p:extLst>
+  </p:cSld>
+  <p:clrMapOvr>
+    <a:masterClrMapping/>
+  </p:clrMapOvr>
+</p:sldLayout>
+</file>
+
 <file path=ppt/slideMasters/slideMaster1.xml><?xml version="1.0" encoding="utf-8"?>
 <p:sldMaster xmlns:a="http://schemas.openxmlformats.org/drawingml/2006/main" xmlns:r="http://schemas.openxmlformats.org/officeDocument/2006/relationships" xmlns:p="http://schemas.openxmlformats.org/presentationml/2006/main">
   <p:cSld>
@@ -1285,9 +1285,9 @@
   <p:clrMap bg1="lt1" tx1="dk1" bg2="lt2" tx2="dk2" accent1="accent1" accent2="accent2" accent3="accent3" accent4="accent4" accent5="accent5" accent6="accent6" hlink="hlink" folHlink="folHlink"/>
   <p:sldLayoutIdLst>
     <p:sldLayoutId id="2147483667" r:id="rId1"/>
-    <p:sldLayoutId id="2147483672" r:id="rId2"/>
-    <p:sldLayoutId id="2147483676" r:id="rId3"/>
-    <p:sldLayoutId id="2147483677" r:id="rId4"/>
+    <p:sldLayoutId id="2147483676" r:id="rId2"/>
+    <p:sldLayoutId id="2147483677" r:id="rId3"/>
+    <p:sldLayoutId id="2147483678" r:id="rId4"/>
   </p:sldLayoutIdLst>
   <p:txStyles>
     <p:titleStyle>
@@ -1591,21 +1591,86 @@
       </p:grpSpPr>
       <p:sp>
         <p:nvSpPr>
-          <p:cNvPr id="2" name="Picture Placeholder 1"/>
-          <p:cNvSpPr>
-            <a:spLocks noGrp="1"/>
-          </p:cNvSpPr>
+          <p:cNvPr id="5" name="Rectangle 4">
+            <a:extLst>
+              <a:ext uri="{FF2B5EF4-FFF2-40B4-BE49-F238E27FC236}">
+                <a16:creationId xmlns:a16="http://schemas.microsoft.com/office/drawing/2014/main" id="{D1B2879B-80BD-41D5-90FB-114401CFDB6A}"/>
+              </a:ext>
+            </a:extLst>
+          </p:cNvPr>
+          <p:cNvSpPr/>
+          <p:nvPr/>
+        </p:nvSpPr>
+        <p:spPr>
+          <a:xfrm>
+            <a:off x="1587" y="895"/>
+            <a:ext cx="24384000" cy="13714214"/>
+          </a:xfrm>
+          <a:prstGeom prst="rect">
+            <a:avLst/>
+          </a:prstGeom>
+          <a:solidFill>
+            <a:srgbClr val="42C0FB"/>
+          </a:solidFill>
+          <a:ln>
+            <a:solidFill>
+              <a:srgbClr val="42C0FB"/>
+            </a:solidFill>
+          </a:ln>
+        </p:spPr>
+        <p:style>
+          <a:lnRef idx="2">
+            <a:schemeClr val="accent1">
+              <a:shade val="50000"/>
+            </a:schemeClr>
+          </a:lnRef>
+          <a:fillRef idx="1">
+            <a:schemeClr val="accent1"/>
+          </a:fillRef>
+          <a:effectRef idx="0">
+            <a:schemeClr val="accent1"/>
+          </a:effectRef>
+          <a:fontRef idx="minor">
+            <a:schemeClr val="lt1"/>
+          </a:fontRef>
+        </p:style>
+        <p:txBody>
+          <a:bodyPr rtlCol="0" anchor="ctr"/>
+          <a:lstStyle/>
+          <a:p>
+            <a:pPr algn="ctr"/>
+            <a:endParaRPr lang="en-GB" sz="1800"/>
+          </a:p>
+        </p:txBody>
+      </p:sp>
+      <p:pic>
+        <p:nvPicPr>
+          <p:cNvPr id="4" name="Picture Placeholder 3" descr="A close up of a sign&#10;&#10;Description generated with high confidence">
+            <a:extLst>
+              <a:ext uri="{FF2B5EF4-FFF2-40B4-BE49-F238E27FC236}">
+                <a16:creationId xmlns:a16="http://schemas.microsoft.com/office/drawing/2014/main" id="{3FE02A14-0AA4-4F60-90E8-24267DA32B5A}"/>
+              </a:ext>
+            </a:extLst>
+          </p:cNvPr>
+          <p:cNvPicPr>
+            <a:picLocks noGrp="1" noChangeAspect="1"/>
+          </p:cNvPicPr>
           <p:nvPr>
             <p:ph type="pic" sz="quarter" idx="13"/>
           </p:nvPr>
-        </p:nvSpPr>
+        </p:nvPicPr>
+        <p:blipFill rotWithShape="1">
+          <a:blip r:embed="rId3"/>
+          <a:srcRect l="9909" t="20393" r="9537" b="20393"/>
+          <a:stretch/>
+        </p:blipFill>
         <p:spPr>
           <a:xfrm>
-            <a:off x="4" y="0"/>
-            <a:ext cx="24382408" cy="13716000"/>
+            <a:off x="2352598" y="895"/>
+            <a:ext cx="19112826" cy="13714214"/>
           </a:xfrm>
         </p:spPr>
-      </p:sp>
+      </p:pic>
       <p:sp>
         <p:nvSpPr>
           <p:cNvPr id="12" name="Rectangle 11"/>
@@ -1614,8 +1679,8 @@
         </p:nvSpPr>
         <p:spPr>
           <a:xfrm>
-            <a:off x="4762" y="0"/>
-            <a:ext cx="24377650" cy="13716002"/>
+            <a:off x="-50351" y="895"/>
+            <a:ext cx="24435940" cy="13714214"/>
           </a:xfrm>
           <a:prstGeom prst="rect">
             <a:avLst/>
@@ -1650,7 +1715,7 @@
           <a:lstStyle/>
           <a:p>
             <a:pPr algn="ctr"/>
-            <a:endParaRPr lang="en-US">
+            <a:endParaRPr lang="en-US" sz="1800">
               <a:latin typeface="Lato Light" charset="0"/>
             </a:endParaRPr>
           </a:p>
@@ -1664,8 +1729,8 @@
         </p:nvSpPr>
         <p:spPr>
           <a:xfrm>
-            <a:off x="6070975" y="5280645"/>
-            <a:ext cx="12141337" cy="3154710"/>
+            <a:off x="6630849" y="5280851"/>
+            <a:ext cx="11021607" cy="3154069"/>
           </a:xfrm>
           <a:prstGeom prst="rect">
             <a:avLst/>
@@ -1680,7 +1745,7 @@
           <a:p>
             <a:pPr algn="ctr"/>
             <a:r>
-              <a:rPr lang="en-US" sz="19900" dirty="0" smtClean="0">
+              <a:rPr lang="en-US" sz="19896" dirty="0">
                 <a:solidFill>
                   <a:schemeClr val="bg1"/>
                 </a:solidFill>
@@ -1690,7 +1755,7 @@
               </a:rPr>
               <a:t>TrackPack</a:t>
             </a:r>
-            <a:endParaRPr lang="en-US" sz="16600" dirty="0">
+            <a:endParaRPr lang="en-US" sz="16596" dirty="0">
               <a:solidFill>
                 <a:schemeClr val="bg1"/>
               </a:solidFill>
@@ -1709,8 +1774,8 @@
         </p:nvSpPr>
         <p:spPr>
           <a:xfrm>
-            <a:off x="8780297" y="10198162"/>
-            <a:ext cx="6722691" cy="646331"/>
+            <a:off x="8780741" y="10197729"/>
+            <a:ext cx="6721816" cy="369332"/>
           </a:xfrm>
           <a:prstGeom prst="rect">
             <a:avLst/>
@@ -1725,7 +1790,7 @@
           <a:p>
             <a:pPr algn="ctr"/>
             <a:r>
-              <a:rPr lang="en-US" spc="600" dirty="0" smtClean="0">
+              <a:rPr lang="en-US" sz="1800" spc="600" dirty="0">
                 <a:solidFill>
                   <a:schemeClr val="bg1"/>
                 </a:solidFill>
@@ -1735,14 +1800,6 @@
               </a:rPr>
               <a:t>Keeping your child safe</a:t>
             </a:r>
-            <a:endParaRPr lang="en-US" spc="600" dirty="0">
-              <a:solidFill>
-                <a:schemeClr val="bg1"/>
-              </a:solidFill>
-              <a:latin typeface="Lato Light" charset="0"/>
-              <a:ea typeface="Lato Light" charset="0"/>
-              <a:cs typeface="Lato Light" charset="0"/>
-            </a:endParaRPr>
           </a:p>
         </p:txBody>
       </p:sp>
@@ -1756,13 +1813,6 @@
   <p:clrMapOvr>
     <a:masterClrMapping/>
   </p:clrMapOvr>
-  <p:timing>
-    <p:tnLst>
-      <p:par>
-        <p:cTn id="1" dur="indefinite" restart="never" nodeType="tmRoot"/>
-      </p:par>
-    </p:tnLst>
-  </p:timing>
 </p:sld>
 </file>
 
@@ -1811,7 +1861,7 @@
               </a:lnSpc>
             </a:pPr>
             <a:r>
-              <a:rPr lang="en-US" sz="2600" dirty="0" smtClean="0">
+              <a:rPr lang="en-US" sz="2600" dirty="0">
                 <a:latin typeface="Lato Light" charset="0"/>
                 <a:ea typeface="Lato Light" charset="0"/>
                 <a:cs typeface="Lato Light" charset="0"/>
@@ -1902,18 +1952,13 @@
               </a:lnSpc>
             </a:pPr>
             <a:r>
-              <a:rPr lang="en-US" sz="2600" dirty="0" smtClean="0">
+              <a:rPr lang="en-US" sz="2600" dirty="0">
                 <a:latin typeface="Lato Light" charset="0"/>
                 <a:ea typeface="Lato Light" charset="0"/>
                 <a:cs typeface="Lato Light" charset="0"/>
               </a:rPr>
               <a:t>Is to combat the amount of children that are abducted every year and ensure safety of minors</a:t>
             </a:r>
-            <a:endParaRPr lang="en-US" sz="2600" dirty="0">
-              <a:latin typeface="Lato Light" charset="0"/>
-              <a:ea typeface="Lato Light" charset="0"/>
-              <a:cs typeface="Lato Light" charset="0"/>
-            </a:endParaRPr>
           </a:p>
         </p:txBody>
       </p:sp>
@@ -2027,50 +2072,13 @@
               </a:lnSpc>
             </a:pPr>
             <a:r>
-              <a:rPr lang="en-US" sz="2600" dirty="0" smtClean="0">
-                <a:latin typeface="Lato Light" charset="0"/>
-                <a:ea typeface="Lato Light" charset="0"/>
-                <a:cs typeface="Lato Light" charset="0"/>
-              </a:rPr>
-              <a:t>This device is straight forward and easy to set up and use. </a:t>
-            </a:r>
-            <a:r>
               <a:rPr lang="en-US" sz="2600" dirty="0">
                 <a:latin typeface="Lato Light" charset="0"/>
                 <a:ea typeface="Lato Light" charset="0"/>
                 <a:cs typeface="Lato Light" charset="0"/>
               </a:rPr>
-              <a:t>B</a:t>
+              <a:t>This device is straight forward and easy to set up and use. By utilizing the long range, low power wireless communication features of the Explorer, making it ideal for this job.</a:t>
             </a:r>
-            <a:r>
-              <a:rPr lang="en-US" sz="2600" dirty="0" smtClean="0">
-                <a:latin typeface="Lato Light" charset="0"/>
-                <a:ea typeface="Lato Light" charset="0"/>
-                <a:cs typeface="Lato Light" charset="0"/>
-              </a:rPr>
-              <a:t>y </a:t>
-            </a:r>
-            <a:r>
-              <a:rPr lang="en-US" sz="2600" dirty="0">
-                <a:latin typeface="Lato Light" charset="0"/>
-                <a:ea typeface="Lato Light" charset="0"/>
-                <a:cs typeface="Lato Light" charset="0"/>
-              </a:rPr>
-              <a:t>u</a:t>
-            </a:r>
-            <a:r>
-              <a:rPr lang="en-US" sz="2600" dirty="0" smtClean="0">
-                <a:latin typeface="Lato Light" charset="0"/>
-                <a:ea typeface="Lato Light" charset="0"/>
-                <a:cs typeface="Lato Light" charset="0"/>
-              </a:rPr>
-              <a:t>tilizing the long range, low power wireless communication features of the Explorer, making it ideal for this job.</a:t>
-            </a:r>
-            <a:endParaRPr lang="en-US" sz="2600" dirty="0">
-              <a:latin typeface="Lato Light" charset="0"/>
-              <a:ea typeface="Lato Light" charset="0"/>
-              <a:cs typeface="Lato Light" charset="0"/>
-            </a:endParaRPr>
           </a:p>
         </p:txBody>
       </p:sp>
@@ -3495,7 +3503,7 @@
           <a:lstStyle/>
           <a:p>
             <a:r>
-              <a:rPr lang="en-US" sz="7200" dirty="0" smtClean="0">
+              <a:rPr lang="en-US" sz="7200" dirty="0">
                 <a:solidFill>
                   <a:srgbClr val="00B0F0"/>
                 </a:solidFill>
@@ -3505,14 +3513,6 @@
               </a:rPr>
               <a:t>Peace of Mind</a:t>
             </a:r>
-            <a:endParaRPr lang="en-US" sz="7200" dirty="0">
-              <a:solidFill>
-                <a:srgbClr val="00B0F0"/>
-              </a:solidFill>
-              <a:latin typeface="Lato Light" charset="0"/>
-              <a:ea typeface="Lato Light" charset="0"/>
-              <a:cs typeface="Lato Light" charset="0"/>
-            </a:endParaRPr>
           </a:p>
         </p:txBody>
       </p:sp>
@@ -3539,34 +3539,13 @@
           <a:lstStyle/>
           <a:p>
             <a:r>
-              <a:rPr lang="en-GB" dirty="0" smtClean="0">
-                <a:solidFill>
-                  <a:srgbClr val="00B0F0"/>
-                </a:solidFill>
-              </a:rPr>
-              <a:t>The TrackPack is a piece of </a:t>
-            </a:r>
-            <a:r>
               <a:rPr lang="en-GB" dirty="0">
                 <a:solidFill>
                   <a:srgbClr val="00B0F0"/>
                 </a:solidFill>
               </a:rPr>
-              <a:t>safeguarding</a:t>
+              <a:t>The TrackPack is a piece of safeguarding technology that is handy and convenient to use and is aimed at parents</a:t>
             </a:r>
-            <a:r>
-              <a:rPr lang="en-GB" dirty="0" smtClean="0">
-                <a:solidFill>
-                  <a:srgbClr val="00B0F0"/>
-                </a:solidFill>
-              </a:rPr>
-              <a:t> technology that is handy and convenient to use and is aimed at parents</a:t>
-            </a:r>
-            <a:endParaRPr lang="en-GB" dirty="0">
-              <a:solidFill>
-                <a:srgbClr val="00B0F0"/>
-              </a:solidFill>
-            </a:endParaRPr>
           </a:p>
         </p:txBody>
       </p:sp>
@@ -3598,7 +3577,7 @@
               </a:lnSpc>
             </a:pPr>
             <a:r>
-              <a:rPr lang="en-US" sz="2600" dirty="0" smtClean="0">
+              <a:rPr lang="en-US" sz="2600" dirty="0">
                 <a:latin typeface="Lato Light" charset="0"/>
                 <a:ea typeface="Lato Light" charset="0"/>
                 <a:cs typeface="Lato Light" charset="0"/>
@@ -3618,13 +3597,6 @@
   <p:clrMapOvr>
     <a:masterClrMapping/>
   </p:clrMapOvr>
-  <p:timing>
-    <p:tnLst>
-      <p:par>
-        <p:cTn id="1" dur="indefinite" restart="never" nodeType="tmRoot"/>
-      </p:par>
-    </p:tnLst>
-  </p:timing>
 </p:sld>
 </file>
 
@@ -3673,7 +3645,7 @@
               </a:lnSpc>
             </a:pPr>
             <a:r>
-              <a:rPr lang="en-US" dirty="0" smtClean="0">
+              <a:rPr lang="en-US" dirty="0">
                 <a:solidFill>
                   <a:schemeClr val="tx2"/>
                 </a:solidFill>
@@ -3691,7 +3663,7 @@
               </a:lnSpc>
             </a:pPr>
             <a:r>
-              <a:rPr lang="en-US" sz="2800" dirty="0" smtClean="0">
+              <a:rPr lang="en-US" sz="2800" dirty="0">
                 <a:solidFill>
                   <a:srgbClr val="A3A3A3"/>
                 </a:solidFill>
@@ -3740,7 +3712,7 @@
               </a:lnSpc>
             </a:pPr>
             <a:r>
-              <a:rPr lang="en-US" sz="5400" dirty="0" smtClean="0">
+              <a:rPr lang="en-US" sz="5400" dirty="0">
                 <a:solidFill>
                   <a:schemeClr val="tx2"/>
                 </a:solidFill>
@@ -3758,7 +3730,7 @@
               </a:lnSpc>
             </a:pPr>
             <a:r>
-              <a:rPr lang="en-US" sz="2800" dirty="0" smtClean="0">
+              <a:rPr lang="en-US" sz="2800" dirty="0">
                 <a:solidFill>
                   <a:srgbClr val="ADADAD"/>
                 </a:solidFill>
@@ -3768,14 +3740,6 @@
               </a:rPr>
               <a:t>The Explorer will ping the co-ordinates every 5 minutes mapping the route of the owner. Furthermore you can map out the usual routes you would take for example: Going to school or going to the shops.</a:t>
             </a:r>
-            <a:endParaRPr lang="en-US" sz="2800" dirty="0">
-              <a:solidFill>
-                <a:srgbClr val="ADADAD"/>
-              </a:solidFill>
-              <a:latin typeface="Lato Light" charset="0"/>
-              <a:ea typeface="Lato Light" charset="0"/>
-              <a:cs typeface="Lato Light" charset="0"/>
-            </a:endParaRPr>
           </a:p>
         </p:txBody>
       </p:sp>
@@ -3807,7 +3771,7 @@
               </a:lnSpc>
             </a:pPr>
             <a:r>
-              <a:rPr lang="en-US" dirty="0" smtClean="0">
+              <a:rPr lang="en-US" dirty="0">
                 <a:solidFill>
                   <a:schemeClr val="tx2"/>
                 </a:solidFill>
@@ -3817,14 +3781,6 @@
               </a:rPr>
               <a:t>Compared with crime stats</a:t>
             </a:r>
-            <a:endParaRPr lang="en-US" dirty="0">
-              <a:solidFill>
-                <a:schemeClr val="tx2"/>
-              </a:solidFill>
-              <a:latin typeface="Lato Light" charset="0"/>
-              <a:ea typeface="Lato Light" charset="0"/>
-              <a:cs typeface="Lato Light" charset="0"/>
-            </a:endParaRPr>
           </a:p>
           <a:p>
             <a:pPr algn="ctr">
@@ -3838,23 +3794,7 @@
                 <a:ea typeface="Lato Light" charset="0"/>
                 <a:cs typeface="Lato Light" charset="0"/>
               </a:rPr>
-              <a:t>First: What is a Fast-Fish? Alive or dead a fish is technically fast, when it is connected with an occupied ship or boat, by any medium at all controllable by the </a:t>
-            </a:r>
-            <a:r>
-              <a:rPr lang="en-US" sz="2399" dirty="0" smtClean="0">
-                <a:latin typeface="Lato Light" charset="0"/>
-                <a:ea typeface="Lato Light" charset="0"/>
-                <a:cs typeface="Lato Light" charset="0"/>
-              </a:rPr>
-              <a:t>or </a:t>
-            </a:r>
-            <a:r>
-              <a:rPr lang="en-US" sz="2399" dirty="0">
-                <a:latin typeface="Lato Light" charset="0"/>
-                <a:ea typeface="Lato Light" charset="0"/>
-                <a:cs typeface="Lato Light" charset="0"/>
-              </a:rPr>
-              <a:t>occupants,—a mast, an oar, a nine-</a:t>
+              <a:t>First: What is a Fast-Fish? Alive or dead a fish is technically fast, when it is connected with an occupied ship or boat, by any medium at all controllable by the or occupants,—a mast, an oar, a nine-</a:t>
             </a:r>
             <a:r>
               <a:rPr lang="en-US" sz="2399" dirty="0" err="1">
@@ -3971,13 +3911,6 @@
   <p:clrMapOvr>
     <a:masterClrMapping/>
   </p:clrMapOvr>
-  <p:timing>
-    <p:tnLst>
-      <p:par>
-        <p:cTn id="1" dur="indefinite" restart="never" nodeType="tmRoot"/>
-      </p:par>
-    </p:tnLst>
-  </p:timing>
 </p:sld>
 </file>
 
@@ -4000,6 +3933,31 @@
       </p:grpSpPr>
       <p:pic>
         <p:nvPicPr>
+          <p:cNvPr id="6" name="Picture Placeholder 5" descr="A screenshot of a cell phone&#10;&#10;Description generated with very high confidence">
+            <a:extLst>
+              <a:ext uri="{FF2B5EF4-FFF2-40B4-BE49-F238E27FC236}">
+                <a16:creationId xmlns:a16="http://schemas.microsoft.com/office/drawing/2014/main" id="{D2CB239A-8DD6-4B31-B75F-4C05D4463D20}"/>
+              </a:ext>
+            </a:extLst>
+          </p:cNvPr>
+          <p:cNvPicPr>
+            <a:picLocks noGrp="1" noChangeAspect="1"/>
+          </p:cNvPicPr>
+          <p:nvPr>
+            <p:ph type="pic" sz="quarter" idx="27"/>
+          </p:nvPr>
+        </p:nvPicPr>
+        <p:blipFill>
+          <a:blip r:embed="rId2"/>
+          <a:srcRect t="156" b="156"/>
+          <a:stretch>
+            <a:fillRect/>
+          </a:stretch>
+        </p:blipFill>
+        <p:spPr/>
+      </p:pic>
+      <p:pic>
+        <p:nvPicPr>
           <p:cNvPr id="12" name="Picture 11" descr="iPhone6_mockup_front_white.png"/>
           <p:cNvPicPr>
             <a:picLocks noChangeAspect="1"/>
@@ -4007,7 +3965,7 @@
           <p:nvPr/>
         </p:nvPicPr>
         <p:blipFill rotWithShape="1">
-          <a:blip r:embed="rId2">
+          <a:blip r:embed="rId3">
             <a:extLst>
               <a:ext uri="{28A0092B-C50C-407E-A947-70E740481C1C}">
                 <a14:useLocalDpi xmlns:a14="http://schemas.microsoft.com/office/drawing/2010/main" val="0"/>
@@ -4027,56 +3985,6 @@
           </a:prstGeom>
         </p:spPr>
       </p:pic>
-      <p:sp>
-        <p:nvSpPr>
-          <p:cNvPr id="32" name="Rectangle 31"/>
-          <p:cNvSpPr/>
-          <p:nvPr/>
-        </p:nvSpPr>
-        <p:spPr>
-          <a:xfrm>
-            <a:off x="2387157" y="2904049"/>
-            <a:ext cx="4597139" cy="8102289"/>
-          </a:xfrm>
-          <a:prstGeom prst="rect">
-            <a:avLst/>
-          </a:prstGeom>
-          <a:solidFill>
-            <a:schemeClr val="bg1">
-              <a:lumMod val="50000"/>
-            </a:schemeClr>
-          </a:solidFill>
-          <a:ln>
-            <a:noFill/>
-          </a:ln>
-        </p:spPr>
-        <p:style>
-          <a:lnRef idx="2">
-            <a:schemeClr val="accent1">
-              <a:shade val="50000"/>
-            </a:schemeClr>
-          </a:lnRef>
-          <a:fillRef idx="1">
-            <a:schemeClr val="accent1"/>
-          </a:fillRef>
-          <a:effectRef idx="0">
-            <a:schemeClr val="accent1"/>
-          </a:effectRef>
-          <a:fontRef idx="minor">
-            <a:schemeClr val="lt1"/>
-          </a:fontRef>
-        </p:style>
-        <p:txBody>
-          <a:bodyPr rtlCol="0" anchor="ctr"/>
-          <a:lstStyle/>
-          <a:p>
-            <a:pPr algn="ctr"/>
-            <a:endParaRPr lang="en-US" dirty="0">
-              <a:latin typeface="Lato Light" charset="0"/>
-            </a:endParaRPr>
-          </a:p>
-        </p:txBody>
-      </p:sp>
       <p:sp>
         <p:nvSpPr>
           <p:cNvPr id="20" name="TextBox 19"/>
@@ -5118,37 +5026,32 @@
       </p:sp>
       <p:pic>
         <p:nvPicPr>
-          <p:cNvPr id="7" name="Picture Placeholder 6">
+          <p:cNvPr id="14" name="Picture 13" descr="A screenshot of a cell phone&#10;&#10;Description generated with very high confidence">
             <a:extLst>
               <a:ext uri="{FF2B5EF4-FFF2-40B4-BE49-F238E27FC236}">
-                <a16:creationId xmlns:a16="http://schemas.microsoft.com/office/drawing/2014/main" id="{BB9B5F6E-F307-4D32-99BC-FA49DF4D8A47}"/>
+                <a16:creationId xmlns:a16="http://schemas.microsoft.com/office/drawing/2014/main" id="{6DF5B7D3-A504-43D1-9A91-32BC94EC5621}"/>
               </a:ext>
             </a:extLst>
           </p:cNvPr>
           <p:cNvPicPr>
-            <a:picLocks noGrp="1" noChangeAspect="1"/>
+            <a:picLocks noChangeAspect="1"/>
           </p:cNvPicPr>
-          <p:nvPr>
-            <p:ph type="pic" sz="quarter" idx="27"/>
-          </p:nvPr>
+          <p:nvPr/>
         </p:nvPicPr>
         <p:blipFill>
-          <a:blip r:embed="rId3">
-            <a:extLst>
-              <a:ext uri="{28A0092B-C50C-407E-A947-70E740481C1C}">
-                <a14:useLocalDpi xmlns:a14="http://schemas.microsoft.com/office/drawing/2010/main" val="0"/>
-              </a:ext>
-            </a:extLst>
-          </a:blip>
+          <a:blip r:embed="rId4"/>
           <a:stretch>
             <a:fillRect/>
           </a:stretch>
         </p:blipFill>
         <p:spPr>
           <a:xfrm>
-            <a:off x="2388806" y="2904049"/>
-            <a:ext cx="4557537" cy="8102288"/>
+            <a:off x="2416699" y="2904048"/>
+            <a:ext cx="4557538" cy="8102289"/>
           </a:xfrm>
+          <a:prstGeom prst="rect">
+            <a:avLst/>
+          </a:prstGeom>
         </p:spPr>
       </p:pic>
       <p:pic>
@@ -5160,7 +5063,7 @@
           <p:nvPr/>
         </p:nvPicPr>
         <p:blipFill rotWithShape="1">
-          <a:blip r:embed="rId2">
+          <a:blip r:embed="rId3">
             <a:extLst>
               <a:ext uri="{28A0092B-C50C-407E-A947-70E740481C1C}">
                 <a14:useLocalDpi xmlns:a14="http://schemas.microsoft.com/office/drawing/2010/main" val="0"/>
@@ -5182,10 +5085,10 @@
       </p:pic>
       <p:pic>
         <p:nvPicPr>
-          <p:cNvPr id="5" name="Picture Placeholder 4">
+          <p:cNvPr id="18" name="Picture Placeholder 17">
             <a:extLst>
               <a:ext uri="{FF2B5EF4-FFF2-40B4-BE49-F238E27FC236}">
-                <a16:creationId xmlns:a16="http://schemas.microsoft.com/office/drawing/2014/main" id="{5513666A-2D60-4A6F-9B3F-EAB4F8E40F02}"/>
+                <a16:creationId xmlns:a16="http://schemas.microsoft.com/office/drawing/2014/main" id="{F54D2651-B483-43BB-AF15-EB687B1A2C53}"/>
               </a:ext>
             </a:extLst>
           </p:cNvPr>
@@ -5197,17 +5100,13 @@
           </p:nvPr>
         </p:nvPicPr>
         <p:blipFill>
-          <a:blip r:embed="rId4"/>
+          <a:blip r:embed="rId5"/>
+          <a:srcRect t="156" b="156"/>
           <a:stretch>
             <a:fillRect/>
           </a:stretch>
         </p:blipFill>
-        <p:spPr>
-          <a:xfrm>
-            <a:off x="5665446" y="2904049"/>
-            <a:ext cx="4557537" cy="8102289"/>
-          </a:xfrm>
-        </p:spPr>
+        <p:spPr/>
       </p:pic>
     </p:spTree>
     <p:extLst>
@@ -5219,13 +5118,6 @@
   <p:clrMapOvr>
     <a:masterClrMapping/>
   </p:clrMapOvr>
-  <p:timing>
-    <p:tnLst>
-      <p:par>
-        <p:cTn id="1" dur="indefinite" restart="never" nodeType="tmRoot"/>
-      </p:par>
-    </p:tnLst>
-  </p:timing>
 </p:sld>
 </file>
 
